--- a/Git Primer.pptx
+++ b/Git Primer.pptx
@@ -8,14 +8,12 @@
     <p:sldId id="256" r:id="rId2"/>
     <p:sldId id="257" r:id="rId3"/>
     <p:sldId id="261" r:id="rId4"/>
-    <p:sldId id="262" r:id="rId5"/>
-    <p:sldId id="263" r:id="rId6"/>
-    <p:sldId id="259" r:id="rId7"/>
-    <p:sldId id="265" r:id="rId8"/>
-    <p:sldId id="266" r:id="rId9"/>
-    <p:sldId id="267" r:id="rId10"/>
-    <p:sldId id="264" r:id="rId11"/>
-    <p:sldId id="260" r:id="rId12"/>
+    <p:sldId id="259" r:id="rId5"/>
+    <p:sldId id="266" r:id="rId6"/>
+    <p:sldId id="269" r:id="rId7"/>
+    <p:sldId id="268" r:id="rId8"/>
+    <p:sldId id="267" r:id="rId9"/>
+    <p:sldId id="264" r:id="rId10"/>
   </p:sldIdLst>
   <p:sldSz cx="9144000" cy="6858000" type="screen4x3"/>
   <p:notesSz cx="6858000" cy="9144000"/>
@@ -298,7 +296,7 @@
           <a:p>
             <a:fld id="{530820CF-B880-4189-942D-D702A7CBA730}" type="datetimeFigureOut">
               <a:rPr lang="zh-CN" altLang="en-US" smtClean="0"/>
-              <a:t>2012/3/27</a:t>
+              <a:t>2012/3/29</a:t>
             </a:fld>
             <a:endParaRPr lang="zh-CN" altLang="en-US"/>
           </a:p>
@@ -463,7 +461,7 @@
           <a:p>
             <a:fld id="{530820CF-B880-4189-942D-D702A7CBA730}" type="datetimeFigureOut">
               <a:rPr lang="zh-CN" altLang="en-US" smtClean="0"/>
-              <a:t>2012/3/27</a:t>
+              <a:t>2012/3/29</a:t>
             </a:fld>
             <a:endParaRPr lang="zh-CN" altLang="en-US"/>
           </a:p>
@@ -638,7 +636,7 @@
           <a:p>
             <a:fld id="{530820CF-B880-4189-942D-D702A7CBA730}" type="datetimeFigureOut">
               <a:rPr lang="zh-CN" altLang="en-US" smtClean="0"/>
-              <a:t>2012/3/27</a:t>
+              <a:t>2012/3/29</a:t>
             </a:fld>
             <a:endParaRPr lang="zh-CN" altLang="en-US"/>
           </a:p>
@@ -803,7 +801,7 @@
           <a:p>
             <a:fld id="{530820CF-B880-4189-942D-D702A7CBA730}" type="datetimeFigureOut">
               <a:rPr lang="zh-CN" altLang="en-US" smtClean="0"/>
-              <a:t>2012/3/27</a:t>
+              <a:t>2012/3/29</a:t>
             </a:fld>
             <a:endParaRPr lang="zh-CN" altLang="en-US"/>
           </a:p>
@@ -1044,7 +1042,7 @@
           <a:p>
             <a:fld id="{530820CF-B880-4189-942D-D702A7CBA730}" type="datetimeFigureOut">
               <a:rPr lang="zh-CN" altLang="en-US" smtClean="0"/>
-              <a:t>2012/3/27</a:t>
+              <a:t>2012/3/29</a:t>
             </a:fld>
             <a:endParaRPr lang="zh-CN" altLang="en-US"/>
           </a:p>
@@ -1327,7 +1325,7 @@
           <a:p>
             <a:fld id="{530820CF-B880-4189-942D-D702A7CBA730}" type="datetimeFigureOut">
               <a:rPr lang="zh-CN" altLang="en-US" smtClean="0"/>
-              <a:t>2012/3/27</a:t>
+              <a:t>2012/3/29</a:t>
             </a:fld>
             <a:endParaRPr lang="zh-CN" altLang="en-US"/>
           </a:p>
@@ -1744,7 +1742,7 @@
           <a:p>
             <a:fld id="{530820CF-B880-4189-942D-D702A7CBA730}" type="datetimeFigureOut">
               <a:rPr lang="zh-CN" altLang="en-US" smtClean="0"/>
-              <a:t>2012/3/27</a:t>
+              <a:t>2012/3/29</a:t>
             </a:fld>
             <a:endParaRPr lang="zh-CN" altLang="en-US"/>
           </a:p>
@@ -1857,7 +1855,7 @@
           <a:p>
             <a:fld id="{530820CF-B880-4189-942D-D702A7CBA730}" type="datetimeFigureOut">
               <a:rPr lang="zh-CN" altLang="en-US" smtClean="0"/>
-              <a:t>2012/3/27</a:t>
+              <a:t>2012/3/29</a:t>
             </a:fld>
             <a:endParaRPr lang="zh-CN" altLang="en-US"/>
           </a:p>
@@ -1947,7 +1945,7 @@
           <a:p>
             <a:fld id="{530820CF-B880-4189-942D-D702A7CBA730}" type="datetimeFigureOut">
               <a:rPr lang="zh-CN" altLang="en-US" smtClean="0"/>
-              <a:t>2012/3/27</a:t>
+              <a:t>2012/3/29</a:t>
             </a:fld>
             <a:endParaRPr lang="zh-CN" altLang="en-US"/>
           </a:p>
@@ -2219,7 +2217,7 @@
           <a:p>
             <a:fld id="{530820CF-B880-4189-942D-D702A7CBA730}" type="datetimeFigureOut">
               <a:rPr lang="zh-CN" altLang="en-US" smtClean="0"/>
-              <a:t>2012/3/27</a:t>
+              <a:t>2012/3/29</a:t>
             </a:fld>
             <a:endParaRPr lang="zh-CN" altLang="en-US"/>
           </a:p>
@@ -2467,7 +2465,7 @@
           <a:p>
             <a:fld id="{530820CF-B880-4189-942D-D702A7CBA730}" type="datetimeFigureOut">
               <a:rPr lang="zh-CN" altLang="en-US" smtClean="0"/>
-              <a:t>2012/3/27</a:t>
+              <a:t>2012/3/29</a:t>
             </a:fld>
             <a:endParaRPr lang="zh-CN" altLang="en-US"/>
           </a:p>
@@ -2675,7 +2673,7 @@
           <a:p>
             <a:fld id="{530820CF-B880-4189-942D-D702A7CBA730}" type="datetimeFigureOut">
               <a:rPr lang="zh-CN" altLang="en-US" smtClean="0"/>
-              <a:t>2012/3/27</a:t>
+              <a:t>2012/3/29</a:t>
             </a:fld>
             <a:endParaRPr lang="zh-CN" altLang="en-US"/>
           </a:p>
@@ -3065,16 +3063,12 @@
               <a:t>Git</a:t>
             </a:r>
             <a:r>
+              <a:rPr lang="en-US" altLang="zh-CN" dirty="0"/>
+              <a:t> </a:t>
+            </a:r>
+            <a:r>
               <a:rPr lang="en-US" altLang="zh-CN" dirty="0" smtClean="0"/>
-              <a:t>/</a:t>
-            </a:r>
-            <a:r>
-              <a:rPr lang="en-US" altLang="zh-CN" dirty="0" err="1" smtClean="0"/>
-              <a:t>Github</a:t>
-            </a:r>
-            <a:r>
-              <a:rPr lang="en-US" altLang="zh-CN" dirty="0" smtClean="0"/>
-              <a:t> Primer</a:t>
+              <a:t>Primer</a:t>
             </a:r>
             <a:endParaRPr lang="zh-CN" altLang="en-US" dirty="0"/>
           </a:p>
@@ -3122,7 +3116,7 @@
 </p:sld>
 </file>
 
-<file path=ppt/slides/slide10.xml><?xml version="1.0" encoding="utf-8"?>
+<file path=ppt/slides/slide2.xml><?xml version="1.0" encoding="utf-8"?>
 <p:sld xmlns:a="http://schemas.openxmlformats.org/drawingml/2006/main" xmlns:r="http://schemas.openxmlformats.org/officeDocument/2006/relationships" xmlns:p="http://schemas.openxmlformats.org/presentationml/2006/main">
   <p:cSld>
     <p:spTree>
@@ -3155,8 +3149,907 @@
           <a:lstStyle/>
           <a:p>
             <a:r>
+              <a:rPr lang="zh-CN" altLang="en-US" dirty="0" smtClean="0"/>
+              <a:t>目录</a:t>
+            </a:r>
+            <a:endParaRPr lang="zh-CN" altLang="en-US" dirty="0"/>
+          </a:p>
+        </p:txBody>
+      </p:sp>
+      <p:sp>
+        <p:nvSpPr>
+          <p:cNvPr id="3" name="内容占位符 2"/>
+          <p:cNvSpPr>
+            <a:spLocks noGrp="1"/>
+          </p:cNvSpPr>
+          <p:nvPr>
+            <p:ph idx="1"/>
+          </p:nvPr>
+        </p:nvSpPr>
+        <p:spPr/>
+        <p:txBody>
+          <a:bodyPr/>
+          <a:lstStyle/>
+          <a:p>
+            <a:r>
+              <a:rPr lang="zh-CN" altLang="en-US" dirty="0" smtClean="0"/>
+              <a:t>版本控制</a:t>
+            </a:r>
+            <a:endParaRPr lang="en-US" altLang="zh-CN" dirty="0" smtClean="0"/>
+          </a:p>
+          <a:p>
+            <a:r>
+              <a:rPr lang="en-US" altLang="zh-CN" dirty="0" err="1" smtClean="0"/>
+              <a:t>Git</a:t>
+            </a:r>
+            <a:r>
               <a:rPr lang="en-US" altLang="zh-CN" dirty="0" smtClean="0"/>
-              <a:t>               In Action</a:t>
+              <a:t> </a:t>
+            </a:r>
+            <a:r>
+              <a:rPr lang="zh-CN" altLang="en-US" dirty="0" smtClean="0"/>
+              <a:t>入门 </a:t>
+            </a:r>
+            <a:endParaRPr lang="en-US" altLang="zh-CN" dirty="0" smtClean="0"/>
+          </a:p>
+          <a:p>
+            <a:r>
+              <a:rPr lang="en-US" altLang="zh-CN" dirty="0" err="1" smtClean="0"/>
+              <a:t>Git</a:t>
+            </a:r>
+            <a:r>
+              <a:rPr lang="en-US" altLang="zh-CN" dirty="0" smtClean="0"/>
+              <a:t>/</a:t>
+            </a:r>
+            <a:r>
+              <a:rPr lang="en-US" altLang="zh-CN" dirty="0" err="1" smtClean="0"/>
+              <a:t>Github</a:t>
+            </a:r>
+            <a:r>
+              <a:rPr lang="en-US" altLang="zh-CN" dirty="0" smtClean="0"/>
+              <a:t> </a:t>
+            </a:r>
+            <a:r>
+              <a:rPr lang="zh-CN" altLang="en-US" dirty="0" smtClean="0"/>
+              <a:t>实践</a:t>
+            </a:r>
+            <a:endParaRPr lang="en-US" altLang="zh-CN" dirty="0" smtClean="0"/>
+          </a:p>
+        </p:txBody>
+      </p:sp>
+    </p:spTree>
+    <p:extLst>
+      <p:ext uri="{BB962C8B-B14F-4D97-AF65-F5344CB8AC3E}">
+        <p14:creationId xmlns:p14="http://schemas.microsoft.com/office/powerpoint/2010/main" val="2510694334"/>
+      </p:ext>
+    </p:extLst>
+  </p:cSld>
+  <p:clrMapOvr>
+    <a:masterClrMapping/>
+  </p:clrMapOvr>
+  <p:timing>
+    <p:tnLst>
+      <p:par>
+        <p:cTn id="1" dur="indefinite" restart="never" nodeType="tmRoot"/>
+      </p:par>
+    </p:tnLst>
+  </p:timing>
+</p:sld>
+</file>
+
+<file path=ppt/slides/slide3.xml><?xml version="1.0" encoding="utf-8"?>
+<p:sld xmlns:a="http://schemas.openxmlformats.org/drawingml/2006/main" xmlns:r="http://schemas.openxmlformats.org/officeDocument/2006/relationships" xmlns:p="http://schemas.openxmlformats.org/presentationml/2006/main">
+  <p:cSld>
+    <p:spTree>
+      <p:nvGrpSpPr>
+        <p:cNvPr id="1" name=""/>
+        <p:cNvGrpSpPr/>
+        <p:nvPr/>
+      </p:nvGrpSpPr>
+      <p:grpSpPr>
+        <a:xfrm>
+          <a:off x="0" y="0"/>
+          <a:ext cx="0" cy="0"/>
+          <a:chOff x="0" y="0"/>
+          <a:chExt cx="0" cy="0"/>
+        </a:xfrm>
+      </p:grpSpPr>
+      <p:sp>
+        <p:nvSpPr>
+          <p:cNvPr id="2" name="标题 1"/>
+          <p:cNvSpPr>
+            <a:spLocks noGrp="1"/>
+          </p:cNvSpPr>
+          <p:nvPr>
+            <p:ph type="title"/>
+          </p:nvPr>
+        </p:nvSpPr>
+        <p:spPr/>
+        <p:txBody>
+          <a:bodyPr/>
+          <a:lstStyle/>
+          <a:p>
+            <a:r>
+              <a:rPr lang="zh-CN" altLang="en-US" dirty="0" smtClean="0"/>
+              <a:t>版本控制</a:t>
+            </a:r>
+            <a:endParaRPr lang="zh-CN" altLang="en-US" dirty="0"/>
+          </a:p>
+        </p:txBody>
+      </p:sp>
+      <p:pic>
+        <p:nvPicPr>
+          <p:cNvPr id="6" name="内容占位符 5"/>
+          <p:cNvPicPr>
+            <a:picLocks noGrp="1" noChangeAspect="1"/>
+          </p:cNvPicPr>
+          <p:nvPr>
+            <p:ph idx="1"/>
+          </p:nvPr>
+        </p:nvPicPr>
+        <p:blipFill>
+          <a:blip r:embed="rId2">
+            <a:extLst>
+              <a:ext uri="{28A0092B-C50C-407E-A947-70E740481C1C}">
+                <a14:useLocalDpi xmlns:a14="http://schemas.microsoft.com/office/drawing/2010/main" val="0"/>
+              </a:ext>
+            </a:extLst>
+          </a:blip>
+          <a:stretch>
+            <a:fillRect/>
+          </a:stretch>
+        </p:blipFill>
+        <p:spPr>
+          <a:xfrm>
+            <a:off x="3352900" y="2839138"/>
+            <a:ext cx="2438199" cy="2048087"/>
+          </a:xfrm>
+        </p:spPr>
+      </p:pic>
+    </p:spTree>
+    <p:extLst>
+      <p:ext uri="{BB962C8B-B14F-4D97-AF65-F5344CB8AC3E}">
+        <p14:creationId xmlns:p14="http://schemas.microsoft.com/office/powerpoint/2010/main" val="3657772490"/>
+      </p:ext>
+    </p:extLst>
+  </p:cSld>
+  <p:clrMapOvr>
+    <a:masterClrMapping/>
+  </p:clrMapOvr>
+  <p:timing>
+    <p:tnLst>
+      <p:par>
+        <p:cTn id="1" dur="indefinite" restart="never" nodeType="tmRoot"/>
+      </p:par>
+    </p:tnLst>
+  </p:timing>
+</p:sld>
+</file>
+
+<file path=ppt/slides/slide4.xml><?xml version="1.0" encoding="utf-8"?>
+<p:sld xmlns:a="http://schemas.openxmlformats.org/drawingml/2006/main" xmlns:r="http://schemas.openxmlformats.org/officeDocument/2006/relationships" xmlns:p="http://schemas.openxmlformats.org/presentationml/2006/main">
+  <p:cSld>
+    <p:spTree>
+      <p:nvGrpSpPr>
+        <p:cNvPr id="1" name=""/>
+        <p:cNvGrpSpPr/>
+        <p:nvPr/>
+      </p:nvGrpSpPr>
+      <p:grpSpPr>
+        <a:xfrm>
+          <a:off x="0" y="0"/>
+          <a:ext cx="0" cy="0"/>
+          <a:chOff x="0" y="0"/>
+          <a:chExt cx="0" cy="0"/>
+        </a:xfrm>
+      </p:grpSpPr>
+      <p:sp>
+        <p:nvSpPr>
+          <p:cNvPr id="2" name="标题 1"/>
+          <p:cNvSpPr>
+            <a:spLocks noGrp="1"/>
+          </p:cNvSpPr>
+          <p:nvPr>
+            <p:ph type="title"/>
+          </p:nvPr>
+        </p:nvSpPr>
+        <p:spPr/>
+        <p:txBody>
+          <a:bodyPr/>
+          <a:lstStyle/>
+          <a:p>
+            <a:r>
+              <a:rPr lang="en-US" altLang="zh-CN" dirty="0" err="1" smtClean="0"/>
+              <a:t>Git</a:t>
+            </a:r>
+            <a:r>
+              <a:rPr lang="en-US" altLang="zh-CN" dirty="0" smtClean="0"/>
+              <a:t> Basics</a:t>
+            </a:r>
+            <a:endParaRPr lang="zh-CN" altLang="en-US" dirty="0"/>
+          </a:p>
+        </p:txBody>
+      </p:sp>
+      <p:sp>
+        <p:nvSpPr>
+          <p:cNvPr id="3" name="内容占位符 2"/>
+          <p:cNvSpPr>
+            <a:spLocks noGrp="1"/>
+          </p:cNvSpPr>
+          <p:nvPr>
+            <p:ph idx="1"/>
+          </p:nvPr>
+        </p:nvSpPr>
+        <p:spPr/>
+        <p:txBody>
+          <a:bodyPr/>
+          <a:lstStyle/>
+          <a:p>
+            <a:pPr marL="0" indent="0">
+              <a:buNone/>
+            </a:pPr>
+            <a:r>
+              <a:rPr lang="en-US" altLang="zh-CN" dirty="0" err="1" smtClean="0"/>
+              <a:t>Git</a:t>
+            </a:r>
+            <a:r>
+              <a:rPr lang="zh-CN" altLang="en-US" dirty="0" smtClean="0"/>
+              <a:t>由谁开发的呢？</a:t>
+            </a:r>
+            <a:endParaRPr lang="en-US" altLang="zh-CN" dirty="0" smtClean="0"/>
+          </a:p>
+          <a:p>
+            <a:pPr marL="0" indent="0">
+              <a:buNone/>
+            </a:pPr>
+            <a:r>
+              <a:rPr lang="en-US" altLang="zh-CN" dirty="0" smtClean="0"/>
+              <a:t>Linux</a:t>
+            </a:r>
+            <a:r>
+              <a:rPr lang="zh-CN" altLang="en-US" dirty="0" smtClean="0"/>
+              <a:t>的缔造者</a:t>
+            </a:r>
+            <a:r>
+              <a:rPr lang="en-US" altLang="zh-CN" dirty="0" smtClean="0"/>
+              <a:t>Linus Torvalds</a:t>
+            </a:r>
+            <a:r>
+              <a:rPr lang="zh-CN" altLang="en-US" dirty="0" smtClean="0"/>
+              <a:t>。</a:t>
+            </a:r>
+            <a:endParaRPr lang="zh-CN" altLang="en-US" dirty="0"/>
+          </a:p>
+        </p:txBody>
+      </p:sp>
+    </p:spTree>
+    <p:extLst>
+      <p:ext uri="{BB962C8B-B14F-4D97-AF65-F5344CB8AC3E}">
+        <p14:creationId xmlns:p14="http://schemas.microsoft.com/office/powerpoint/2010/main" val="3745103018"/>
+      </p:ext>
+    </p:extLst>
+  </p:cSld>
+  <p:clrMapOvr>
+    <a:masterClrMapping/>
+  </p:clrMapOvr>
+  <p:timing>
+    <p:tnLst>
+      <p:par>
+        <p:cTn id="1" dur="indefinite" restart="never" nodeType="tmRoot">
+          <p:childTnLst>
+            <p:seq concurrent="1" nextAc="seek">
+              <p:cTn id="2" dur="indefinite" nodeType="mainSeq">
+                <p:childTnLst>
+                  <p:par>
+                    <p:cTn id="3" fill="hold">
+                      <p:stCondLst>
+                        <p:cond delay="indefinite"/>
+                      </p:stCondLst>
+                      <p:childTnLst>
+                        <p:par>
+                          <p:cTn id="4" fill="hold">
+                            <p:stCondLst>
+                              <p:cond delay="0"/>
+                            </p:stCondLst>
+                            <p:childTnLst>
+                              <p:par>
+                                <p:cTn id="5" presetID="42" presetClass="entr" presetSubtype="0" fill="hold" nodeType="clickEffect">
+                                  <p:stCondLst>
+                                    <p:cond delay="0"/>
+                                  </p:stCondLst>
+                                  <p:childTnLst>
+                                    <p:set>
+                                      <p:cBhvr>
+                                        <p:cTn id="6" dur="1" fill="hold">
+                                          <p:stCondLst>
+                                            <p:cond delay="0"/>
+                                          </p:stCondLst>
+                                        </p:cTn>
+                                        <p:tgtEl>
+                                          <p:spTgt spid="3">
+                                            <p:txEl>
+                                              <p:pRg st="1" end="1"/>
+                                            </p:txEl>
+                                          </p:spTgt>
+                                        </p:tgtEl>
+                                        <p:attrNameLst>
+                                          <p:attrName>style.visibility</p:attrName>
+                                        </p:attrNameLst>
+                                      </p:cBhvr>
+                                      <p:to>
+                                        <p:strVal val="visible"/>
+                                      </p:to>
+                                    </p:set>
+                                    <p:animEffect transition="in" filter="fade">
+                                      <p:cBhvr>
+                                        <p:cTn id="7" dur="1000"/>
+                                        <p:tgtEl>
+                                          <p:spTgt spid="3">
+                                            <p:txEl>
+                                              <p:pRg st="1" end="1"/>
+                                            </p:txEl>
+                                          </p:spTgt>
+                                        </p:tgtEl>
+                                      </p:cBhvr>
+                                    </p:animEffect>
+                                    <p:anim calcmode="lin" valueType="num">
+                                      <p:cBhvr>
+                                        <p:cTn id="8" dur="1000" fill="hold"/>
+                                        <p:tgtEl>
+                                          <p:spTgt spid="3">
+                                            <p:txEl>
+                                              <p:pRg st="1" end="1"/>
+                                            </p:txEl>
+                                          </p:spTgt>
+                                        </p:tgtEl>
+                                        <p:attrNameLst>
+                                          <p:attrName>ppt_x</p:attrName>
+                                        </p:attrNameLst>
+                                      </p:cBhvr>
+                                      <p:tavLst>
+                                        <p:tav tm="0">
+                                          <p:val>
+                                            <p:strVal val="#ppt_x"/>
+                                          </p:val>
+                                        </p:tav>
+                                        <p:tav tm="100000">
+                                          <p:val>
+                                            <p:strVal val="#ppt_x"/>
+                                          </p:val>
+                                        </p:tav>
+                                      </p:tavLst>
+                                    </p:anim>
+                                    <p:anim calcmode="lin" valueType="num">
+                                      <p:cBhvr>
+                                        <p:cTn id="9" dur="1000" fill="hold"/>
+                                        <p:tgtEl>
+                                          <p:spTgt spid="3">
+                                            <p:txEl>
+                                              <p:pRg st="1" end="1"/>
+                                            </p:txEl>
+                                          </p:spTgt>
+                                        </p:tgtEl>
+                                        <p:attrNameLst>
+                                          <p:attrName>ppt_y</p:attrName>
+                                        </p:attrNameLst>
+                                      </p:cBhvr>
+                                      <p:tavLst>
+                                        <p:tav tm="0">
+                                          <p:val>
+                                            <p:strVal val="#ppt_y+.1"/>
+                                          </p:val>
+                                        </p:tav>
+                                        <p:tav tm="100000">
+                                          <p:val>
+                                            <p:strVal val="#ppt_y"/>
+                                          </p:val>
+                                        </p:tav>
+                                      </p:tavLst>
+                                    </p:anim>
+                                  </p:childTnLst>
+                                </p:cTn>
+                              </p:par>
+                            </p:childTnLst>
+                          </p:cTn>
+                        </p:par>
+                      </p:childTnLst>
+                    </p:cTn>
+                  </p:par>
+                </p:childTnLst>
+              </p:cTn>
+              <p:prevCondLst>
+                <p:cond evt="onPrev" delay="0">
+                  <p:tgtEl>
+                    <p:sldTgt/>
+                  </p:tgtEl>
+                </p:cond>
+              </p:prevCondLst>
+              <p:nextCondLst>
+                <p:cond evt="onNext" delay="0">
+                  <p:tgtEl>
+                    <p:sldTgt/>
+                  </p:tgtEl>
+                </p:cond>
+              </p:nextCondLst>
+            </p:seq>
+          </p:childTnLst>
+        </p:cTn>
+      </p:par>
+    </p:tnLst>
+  </p:timing>
+</p:sld>
+</file>
+
+<file path=ppt/slides/slide5.xml><?xml version="1.0" encoding="utf-8"?>
+<p:sld xmlns:a="http://schemas.openxmlformats.org/drawingml/2006/main" xmlns:r="http://schemas.openxmlformats.org/officeDocument/2006/relationships" xmlns:p="http://schemas.openxmlformats.org/presentationml/2006/main">
+  <p:cSld>
+    <p:spTree>
+      <p:nvGrpSpPr>
+        <p:cNvPr id="1" name=""/>
+        <p:cNvGrpSpPr/>
+        <p:nvPr/>
+      </p:nvGrpSpPr>
+      <p:grpSpPr>
+        <a:xfrm>
+          <a:off x="0" y="0"/>
+          <a:ext cx="0" cy="0"/>
+          <a:chOff x="0" y="0"/>
+          <a:chExt cx="0" cy="0"/>
+        </a:xfrm>
+      </p:grpSpPr>
+      <p:sp>
+        <p:nvSpPr>
+          <p:cNvPr id="2" name="标题 1"/>
+          <p:cNvSpPr>
+            <a:spLocks noGrp="1"/>
+          </p:cNvSpPr>
+          <p:nvPr>
+            <p:ph type="title"/>
+          </p:nvPr>
+        </p:nvSpPr>
+        <p:spPr/>
+        <p:txBody>
+          <a:bodyPr/>
+          <a:lstStyle/>
+          <a:p>
+            <a:r>
+              <a:rPr lang="en-US" altLang="zh-CN" dirty="0" err="1"/>
+              <a:t>Git</a:t>
+            </a:r>
+            <a:r>
+              <a:rPr lang="en-US" altLang="zh-CN" dirty="0"/>
+              <a:t> Basics</a:t>
+            </a:r>
+            <a:endParaRPr lang="zh-CN" altLang="en-US" dirty="0"/>
+          </a:p>
+        </p:txBody>
+      </p:sp>
+      <p:sp>
+        <p:nvSpPr>
+          <p:cNvPr id="3" name="文本占位符 2"/>
+          <p:cNvSpPr>
+            <a:spLocks noGrp="1"/>
+          </p:cNvSpPr>
+          <p:nvPr>
+            <p:ph type="body" idx="1"/>
+          </p:nvPr>
+        </p:nvSpPr>
+        <p:spPr>
+          <a:xfrm>
+            <a:off x="323528" y="1535113"/>
+            <a:ext cx="4173860" cy="639762"/>
+          </a:xfrm>
+        </p:spPr>
+        <p:txBody>
+          <a:bodyPr>
+            <a:normAutofit/>
+          </a:bodyPr>
+          <a:lstStyle/>
+          <a:p>
+            <a:r>
+              <a:rPr lang="zh-CN" altLang="en-US" dirty="0" smtClean="0"/>
+              <a:t>集中式版本控制系统（如</a:t>
+            </a:r>
+            <a:r>
+              <a:rPr lang="en-US" altLang="zh-CN" dirty="0" smtClean="0"/>
+              <a:t>SVN</a:t>
+            </a:r>
+            <a:r>
+              <a:rPr lang="zh-CN" altLang="en-US" dirty="0" smtClean="0"/>
+              <a:t>）</a:t>
+            </a:r>
+            <a:endParaRPr lang="zh-CN" altLang="en-US" dirty="0"/>
+          </a:p>
+        </p:txBody>
+      </p:sp>
+      <p:sp>
+        <p:nvSpPr>
+          <p:cNvPr id="5" name="文本占位符 4"/>
+          <p:cNvSpPr>
+            <a:spLocks noGrp="1"/>
+          </p:cNvSpPr>
+          <p:nvPr>
+            <p:ph type="body" sz="quarter" idx="3"/>
+          </p:nvPr>
+        </p:nvSpPr>
+        <p:spPr/>
+        <p:txBody>
+          <a:bodyPr/>
+          <a:lstStyle/>
+          <a:p>
+            <a:r>
+              <a:rPr lang="zh-CN" altLang="en-US" dirty="0" smtClean="0"/>
+              <a:t>分布式版本控制系统（</a:t>
+            </a:r>
+            <a:r>
+              <a:rPr lang="en-US" altLang="zh-CN" dirty="0" err="1" smtClean="0"/>
+              <a:t>Git</a:t>
+            </a:r>
+            <a:r>
+              <a:rPr lang="zh-CN" altLang="en-US" dirty="0" smtClean="0"/>
+              <a:t>）</a:t>
+            </a:r>
+            <a:endParaRPr lang="zh-CN" altLang="en-US" dirty="0"/>
+          </a:p>
+        </p:txBody>
+      </p:sp>
+      <p:sp>
+        <p:nvSpPr>
+          <p:cNvPr id="6" name="内容占位符 5"/>
+          <p:cNvSpPr>
+            <a:spLocks noGrp="1"/>
+          </p:cNvSpPr>
+          <p:nvPr>
+            <p:ph sz="quarter" idx="4"/>
+          </p:nvPr>
+        </p:nvSpPr>
+        <p:spPr/>
+        <p:txBody>
+          <a:bodyPr/>
+          <a:lstStyle/>
+          <a:p>
+            <a:endParaRPr lang="zh-CN" altLang="en-US"/>
+          </a:p>
+        </p:txBody>
+      </p:sp>
+      <p:sp>
+        <p:nvSpPr>
+          <p:cNvPr id="8" name="内容占位符 7"/>
+          <p:cNvSpPr>
+            <a:spLocks noGrp="1"/>
+          </p:cNvSpPr>
+          <p:nvPr>
+            <p:ph sz="half" idx="2"/>
+          </p:nvPr>
+        </p:nvSpPr>
+        <p:spPr/>
+        <p:txBody>
+          <a:bodyPr/>
+          <a:lstStyle/>
+          <a:p>
+            <a:endParaRPr lang="zh-CN" altLang="en-US"/>
+          </a:p>
+        </p:txBody>
+      </p:sp>
+    </p:spTree>
+    <p:extLst>
+      <p:ext uri="{BB962C8B-B14F-4D97-AF65-F5344CB8AC3E}">
+        <p14:creationId xmlns:p14="http://schemas.microsoft.com/office/powerpoint/2010/main" val="2561683225"/>
+      </p:ext>
+    </p:extLst>
+  </p:cSld>
+  <p:clrMapOvr>
+    <a:masterClrMapping/>
+  </p:clrMapOvr>
+  <p:timing>
+    <p:tnLst>
+      <p:par>
+        <p:cTn id="1" dur="indefinite" restart="never" nodeType="tmRoot"/>
+      </p:par>
+    </p:tnLst>
+  </p:timing>
+</p:sld>
+</file>
+
+<file path=ppt/slides/slide6.xml><?xml version="1.0" encoding="utf-8"?>
+<p:sld xmlns:a="http://schemas.openxmlformats.org/drawingml/2006/main" xmlns:r="http://schemas.openxmlformats.org/officeDocument/2006/relationships" xmlns:p="http://schemas.openxmlformats.org/presentationml/2006/main">
+  <p:cSld>
+    <p:spTree>
+      <p:nvGrpSpPr>
+        <p:cNvPr id="1" name=""/>
+        <p:cNvGrpSpPr/>
+        <p:nvPr/>
+      </p:nvGrpSpPr>
+      <p:grpSpPr>
+        <a:xfrm>
+          <a:off x="0" y="0"/>
+          <a:ext cx="0" cy="0"/>
+          <a:chOff x="0" y="0"/>
+          <a:chExt cx="0" cy="0"/>
+        </a:xfrm>
+      </p:grpSpPr>
+      <p:sp>
+        <p:nvSpPr>
+          <p:cNvPr id="2" name="标题 1"/>
+          <p:cNvSpPr>
+            <a:spLocks noGrp="1"/>
+          </p:cNvSpPr>
+          <p:nvPr>
+            <p:ph type="title"/>
+          </p:nvPr>
+        </p:nvSpPr>
+        <p:spPr/>
+        <p:txBody>
+          <a:bodyPr/>
+          <a:lstStyle/>
+          <a:p>
+            <a:endParaRPr lang="zh-CN" altLang="en-US"/>
+          </a:p>
+        </p:txBody>
+      </p:sp>
+      <p:sp>
+        <p:nvSpPr>
+          <p:cNvPr id="3" name="内容占位符 2"/>
+          <p:cNvSpPr>
+            <a:spLocks noGrp="1"/>
+          </p:cNvSpPr>
+          <p:nvPr>
+            <p:ph idx="1"/>
+          </p:nvPr>
+        </p:nvSpPr>
+        <p:spPr/>
+        <p:txBody>
+          <a:bodyPr/>
+          <a:lstStyle/>
+          <a:p>
+            <a:endParaRPr lang="zh-CN" altLang="en-US"/>
+          </a:p>
+        </p:txBody>
+      </p:sp>
+    </p:spTree>
+    <p:extLst>
+      <p:ext uri="{BB962C8B-B14F-4D97-AF65-F5344CB8AC3E}">
+        <p14:creationId xmlns:p14="http://schemas.microsoft.com/office/powerpoint/2010/main" val="2658713978"/>
+      </p:ext>
+    </p:extLst>
+  </p:cSld>
+  <p:clrMapOvr>
+    <a:masterClrMapping/>
+  </p:clrMapOvr>
+  <p:timing>
+    <p:tnLst>
+      <p:par>
+        <p:cTn id="1" dur="indefinite" restart="never" nodeType="tmRoot"/>
+      </p:par>
+    </p:tnLst>
+  </p:timing>
+</p:sld>
+</file>
+
+<file path=ppt/slides/slide7.xml><?xml version="1.0" encoding="utf-8"?>
+<p:sld xmlns:a="http://schemas.openxmlformats.org/drawingml/2006/main" xmlns:r="http://schemas.openxmlformats.org/officeDocument/2006/relationships" xmlns:p="http://schemas.openxmlformats.org/presentationml/2006/main">
+  <p:cSld>
+    <p:spTree>
+      <p:nvGrpSpPr>
+        <p:cNvPr id="1" name=""/>
+        <p:cNvGrpSpPr/>
+        <p:nvPr/>
+      </p:nvGrpSpPr>
+      <p:grpSpPr>
+        <a:xfrm>
+          <a:off x="0" y="0"/>
+          <a:ext cx="0" cy="0"/>
+          <a:chOff x="0" y="0"/>
+          <a:chExt cx="0" cy="0"/>
+        </a:xfrm>
+      </p:grpSpPr>
+      <p:sp>
+        <p:nvSpPr>
+          <p:cNvPr id="2" name="标题 1"/>
+          <p:cNvSpPr>
+            <a:spLocks noGrp="1"/>
+          </p:cNvSpPr>
+          <p:nvPr>
+            <p:ph type="title"/>
+          </p:nvPr>
+        </p:nvSpPr>
+        <p:spPr/>
+        <p:txBody>
+          <a:bodyPr/>
+          <a:lstStyle/>
+          <a:p>
+            <a:endParaRPr lang="zh-CN" altLang="en-US" dirty="0"/>
+          </a:p>
+        </p:txBody>
+      </p:sp>
+      <p:sp>
+        <p:nvSpPr>
+          <p:cNvPr id="3" name="内容占位符 2"/>
+          <p:cNvSpPr>
+            <a:spLocks noGrp="1"/>
+          </p:cNvSpPr>
+          <p:nvPr>
+            <p:ph idx="1"/>
+          </p:nvPr>
+        </p:nvSpPr>
+        <p:spPr/>
+        <p:txBody>
+          <a:bodyPr/>
+          <a:lstStyle/>
+          <a:p>
+            <a:endParaRPr lang="zh-CN" altLang="en-US" dirty="0"/>
+          </a:p>
+        </p:txBody>
+      </p:sp>
+      <p:sp>
+        <p:nvSpPr>
+          <p:cNvPr id="4" name="文本占位符 3"/>
+          <p:cNvSpPr>
+            <a:spLocks noGrp="1"/>
+          </p:cNvSpPr>
+          <p:nvPr>
+            <p:ph type="body" sz="half" idx="2"/>
+          </p:nvPr>
+        </p:nvSpPr>
+        <p:spPr/>
+        <p:txBody>
+          <a:bodyPr/>
+          <a:lstStyle/>
+          <a:p>
+            <a:endParaRPr lang="zh-CN" altLang="en-US"/>
+          </a:p>
+        </p:txBody>
+      </p:sp>
+    </p:spTree>
+    <p:extLst>
+      <p:ext uri="{BB962C8B-B14F-4D97-AF65-F5344CB8AC3E}">
+        <p14:creationId xmlns:p14="http://schemas.microsoft.com/office/powerpoint/2010/main" val="2610985652"/>
+      </p:ext>
+    </p:extLst>
+  </p:cSld>
+  <p:clrMapOvr>
+    <a:masterClrMapping/>
+  </p:clrMapOvr>
+  <p:timing>
+    <p:tnLst>
+      <p:par>
+        <p:cTn id="1" dur="indefinite" restart="never" nodeType="tmRoot"/>
+      </p:par>
+    </p:tnLst>
+  </p:timing>
+</p:sld>
+</file>
+
+<file path=ppt/slides/slide8.xml><?xml version="1.0" encoding="utf-8"?>
+<p:sld xmlns:a="http://schemas.openxmlformats.org/drawingml/2006/main" xmlns:r="http://schemas.openxmlformats.org/officeDocument/2006/relationships" xmlns:p="http://schemas.openxmlformats.org/presentationml/2006/main">
+  <p:cSld>
+    <p:spTree>
+      <p:nvGrpSpPr>
+        <p:cNvPr id="1" name=""/>
+        <p:cNvGrpSpPr/>
+        <p:nvPr/>
+      </p:nvGrpSpPr>
+      <p:grpSpPr>
+        <a:xfrm>
+          <a:off x="0" y="0"/>
+          <a:ext cx="0" cy="0"/>
+          <a:chOff x="0" y="0"/>
+          <a:chExt cx="0" cy="0"/>
+        </a:xfrm>
+      </p:grpSpPr>
+      <p:sp>
+        <p:nvSpPr>
+          <p:cNvPr id="2" name="标题 1"/>
+          <p:cNvSpPr>
+            <a:spLocks noGrp="1"/>
+          </p:cNvSpPr>
+          <p:nvPr>
+            <p:ph type="title"/>
+          </p:nvPr>
+        </p:nvSpPr>
+        <p:spPr/>
+        <p:txBody>
+          <a:bodyPr/>
+          <a:lstStyle/>
+          <a:p>
+            <a:r>
+              <a:rPr lang="en-US" altLang="zh-CN" dirty="0" err="1"/>
+              <a:t>Git</a:t>
+            </a:r>
+            <a:r>
+              <a:rPr lang="en-US" altLang="zh-CN" dirty="0"/>
+              <a:t> Basics</a:t>
+            </a:r>
+            <a:endParaRPr lang="zh-CN" altLang="en-US" b="1" dirty="0"/>
+          </a:p>
+        </p:txBody>
+      </p:sp>
+      <p:sp>
+        <p:nvSpPr>
+          <p:cNvPr id="3" name="内容占位符 2"/>
+          <p:cNvSpPr>
+            <a:spLocks noGrp="1"/>
+          </p:cNvSpPr>
+          <p:nvPr>
+            <p:ph idx="1"/>
+          </p:nvPr>
+        </p:nvSpPr>
+        <p:spPr/>
+        <p:txBody>
+          <a:bodyPr/>
+          <a:lstStyle/>
+          <a:p>
+            <a:endParaRPr lang="zh-CN" altLang="en-US"/>
+          </a:p>
+        </p:txBody>
+      </p:sp>
+    </p:spTree>
+    <p:extLst>
+      <p:ext uri="{BB962C8B-B14F-4D97-AF65-F5344CB8AC3E}">
+        <p14:creationId xmlns:p14="http://schemas.microsoft.com/office/powerpoint/2010/main" val="1748469576"/>
+      </p:ext>
+    </p:extLst>
+  </p:cSld>
+  <p:clrMapOvr>
+    <a:masterClrMapping/>
+  </p:clrMapOvr>
+  <p:timing>
+    <p:tnLst>
+      <p:par>
+        <p:cTn id="1" dur="indefinite" restart="never" nodeType="tmRoot"/>
+      </p:par>
+    </p:tnLst>
+  </p:timing>
+</p:sld>
+</file>
+
+<file path=ppt/slides/slide9.xml><?xml version="1.0" encoding="utf-8"?>
+<p:sld xmlns:a="http://schemas.openxmlformats.org/drawingml/2006/main" xmlns:r="http://schemas.openxmlformats.org/officeDocument/2006/relationships" xmlns:p="http://schemas.openxmlformats.org/presentationml/2006/main">
+  <p:cSld>
+    <p:spTree>
+      <p:nvGrpSpPr>
+        <p:cNvPr id="1" name=""/>
+        <p:cNvGrpSpPr/>
+        <p:nvPr/>
+      </p:nvGrpSpPr>
+      <p:grpSpPr>
+        <a:xfrm>
+          <a:off x="0" y="0"/>
+          <a:ext cx="0" cy="0"/>
+          <a:chOff x="0" y="0"/>
+          <a:chExt cx="0" cy="0"/>
+        </a:xfrm>
+      </p:grpSpPr>
+      <p:sp>
+        <p:nvSpPr>
+          <p:cNvPr id="2" name="标题 1"/>
+          <p:cNvSpPr>
+            <a:spLocks noGrp="1"/>
+          </p:cNvSpPr>
+          <p:nvPr>
+            <p:ph type="title"/>
+          </p:nvPr>
+        </p:nvSpPr>
+        <p:spPr/>
+        <p:txBody>
+          <a:bodyPr/>
+          <a:lstStyle/>
+          <a:p>
+            <a:r>
+              <a:rPr lang="en-US" altLang="zh-CN" dirty="0" smtClean="0"/>
+              <a:t>        </a:t>
+            </a:r>
+            <a:r>
+              <a:rPr lang="en-US" altLang="zh-CN" dirty="0" err="1" smtClean="0"/>
+              <a:t>Git</a:t>
+            </a:r>
+            <a:r>
+              <a:rPr lang="en-US" altLang="zh-CN" dirty="0" smtClean="0"/>
+              <a:t>/               In </a:t>
+            </a:r>
+            <a:r>
+              <a:rPr lang="en-US" altLang="zh-CN" dirty="0" smtClean="0"/>
+              <a:t>Action</a:t>
             </a:r>
             <a:endParaRPr lang="zh-CN" altLang="en-US" dirty="0"/>
           </a:p>
@@ -3245,7 +4138,7 @@
         </p:blipFill>
         <p:spPr>
           <a:xfrm>
-            <a:off x="2555776" y="484145"/>
+            <a:off x="3563888" y="484145"/>
             <a:ext cx="1800200" cy="771514"/>
           </a:xfrm>
           <a:prstGeom prst="rect">
@@ -3257,974 +4150,6 @@
     <p:extLst>
       <p:ext uri="{BB962C8B-B14F-4D97-AF65-F5344CB8AC3E}">
         <p14:creationId xmlns:p14="http://schemas.microsoft.com/office/powerpoint/2010/main" val="1131108669"/>
-      </p:ext>
-    </p:extLst>
-  </p:cSld>
-  <p:clrMapOvr>
-    <a:masterClrMapping/>
-  </p:clrMapOvr>
-  <p:timing>
-    <p:tnLst>
-      <p:par>
-        <p:cTn id="1" dur="indefinite" restart="never" nodeType="tmRoot"/>
-      </p:par>
-    </p:tnLst>
-  </p:timing>
-</p:sld>
-</file>
-
-<file path=ppt/slides/slide11.xml><?xml version="1.0" encoding="utf-8"?>
-<p:sld xmlns:a="http://schemas.openxmlformats.org/drawingml/2006/main" xmlns:r="http://schemas.openxmlformats.org/officeDocument/2006/relationships" xmlns:p="http://schemas.openxmlformats.org/presentationml/2006/main">
-  <p:cSld>
-    <p:spTree>
-      <p:nvGrpSpPr>
-        <p:cNvPr id="1" name=""/>
-        <p:cNvGrpSpPr/>
-        <p:nvPr/>
-      </p:nvGrpSpPr>
-      <p:grpSpPr>
-        <a:xfrm>
-          <a:off x="0" y="0"/>
-          <a:ext cx="0" cy="0"/>
-          <a:chOff x="0" y="0"/>
-          <a:chExt cx="0" cy="0"/>
-        </a:xfrm>
-      </p:grpSpPr>
-      <p:sp>
-        <p:nvSpPr>
-          <p:cNvPr id="2" name="标题 1"/>
-          <p:cNvSpPr>
-            <a:spLocks noGrp="1"/>
-          </p:cNvSpPr>
-          <p:nvPr>
-            <p:ph type="title"/>
-          </p:nvPr>
-        </p:nvSpPr>
-        <p:spPr/>
-        <p:txBody>
-          <a:bodyPr/>
-          <a:lstStyle/>
-          <a:p>
-            <a:endParaRPr lang="zh-CN" altLang="en-US"/>
-          </a:p>
-        </p:txBody>
-      </p:sp>
-      <p:sp>
-        <p:nvSpPr>
-          <p:cNvPr id="5" name="内容占位符 4"/>
-          <p:cNvSpPr>
-            <a:spLocks noGrp="1"/>
-          </p:cNvSpPr>
-          <p:nvPr>
-            <p:ph idx="1"/>
-          </p:nvPr>
-        </p:nvSpPr>
-        <p:spPr/>
-        <p:txBody>
-          <a:bodyPr/>
-          <a:lstStyle/>
-          <a:p>
-            <a:endParaRPr lang="zh-CN" altLang="en-US" dirty="0"/>
-          </a:p>
-        </p:txBody>
-      </p:sp>
-    </p:spTree>
-    <p:extLst>
-      <p:ext uri="{BB962C8B-B14F-4D97-AF65-F5344CB8AC3E}">
-        <p14:creationId xmlns:p14="http://schemas.microsoft.com/office/powerpoint/2010/main" val="2953318032"/>
-      </p:ext>
-    </p:extLst>
-  </p:cSld>
-  <p:clrMapOvr>
-    <a:masterClrMapping/>
-  </p:clrMapOvr>
-  <p:timing>
-    <p:tnLst>
-      <p:par>
-        <p:cTn id="1" dur="indefinite" restart="never" nodeType="tmRoot"/>
-      </p:par>
-    </p:tnLst>
-  </p:timing>
-</p:sld>
-</file>
-
-<file path=ppt/slides/slide2.xml><?xml version="1.0" encoding="utf-8"?>
-<p:sld xmlns:a="http://schemas.openxmlformats.org/drawingml/2006/main" xmlns:r="http://schemas.openxmlformats.org/officeDocument/2006/relationships" xmlns:p="http://schemas.openxmlformats.org/presentationml/2006/main">
-  <p:cSld>
-    <p:spTree>
-      <p:nvGrpSpPr>
-        <p:cNvPr id="1" name=""/>
-        <p:cNvGrpSpPr/>
-        <p:nvPr/>
-      </p:nvGrpSpPr>
-      <p:grpSpPr>
-        <a:xfrm>
-          <a:off x="0" y="0"/>
-          <a:ext cx="0" cy="0"/>
-          <a:chOff x="0" y="0"/>
-          <a:chExt cx="0" cy="0"/>
-        </a:xfrm>
-      </p:grpSpPr>
-      <p:sp>
-        <p:nvSpPr>
-          <p:cNvPr id="2" name="标题 1"/>
-          <p:cNvSpPr>
-            <a:spLocks noGrp="1"/>
-          </p:cNvSpPr>
-          <p:nvPr>
-            <p:ph type="title"/>
-          </p:nvPr>
-        </p:nvSpPr>
-        <p:spPr/>
-        <p:txBody>
-          <a:bodyPr/>
-          <a:lstStyle/>
-          <a:p>
-            <a:r>
-              <a:rPr lang="en-US" altLang="zh-CN" dirty="0" smtClean="0"/>
-              <a:t>Content	s</a:t>
-            </a:r>
-            <a:endParaRPr lang="zh-CN" altLang="en-US" dirty="0"/>
-          </a:p>
-        </p:txBody>
-      </p:sp>
-      <p:sp>
-        <p:nvSpPr>
-          <p:cNvPr id="3" name="内容占位符 2"/>
-          <p:cNvSpPr>
-            <a:spLocks noGrp="1"/>
-          </p:cNvSpPr>
-          <p:nvPr>
-            <p:ph idx="1"/>
-          </p:nvPr>
-        </p:nvSpPr>
-        <p:spPr/>
-        <p:txBody>
-          <a:bodyPr/>
-          <a:lstStyle/>
-          <a:p>
-            <a:r>
-              <a:rPr lang="en-US" altLang="zh-CN" dirty="0" smtClean="0"/>
-              <a:t>Version Control</a:t>
-            </a:r>
-          </a:p>
-          <a:p>
-            <a:r>
-              <a:rPr lang="en-US" altLang="zh-CN" dirty="0" err="1" smtClean="0"/>
-              <a:t>Git</a:t>
-            </a:r>
-            <a:r>
-              <a:rPr lang="en-US" altLang="zh-CN" dirty="0" smtClean="0"/>
-              <a:t> Basics</a:t>
-            </a:r>
-          </a:p>
-          <a:p>
-            <a:r>
-              <a:rPr lang="en-US" altLang="zh-CN" dirty="0" err="1" smtClean="0"/>
-              <a:t>Github</a:t>
-            </a:r>
-            <a:r>
-              <a:rPr lang="en-US" altLang="zh-CN" dirty="0" smtClean="0"/>
-              <a:t> Basics</a:t>
-            </a:r>
-          </a:p>
-          <a:p>
-            <a:r>
-              <a:rPr lang="en-US" altLang="zh-CN" dirty="0" err="1" smtClean="0"/>
-              <a:t>Github</a:t>
-            </a:r>
-            <a:r>
-              <a:rPr lang="zh-CN" altLang="en-US" dirty="0" smtClean="0"/>
-              <a:t> </a:t>
-            </a:r>
-            <a:r>
-              <a:rPr lang="en-US" altLang="zh-CN" dirty="0" smtClean="0"/>
-              <a:t>in Action</a:t>
-            </a:r>
-            <a:endParaRPr lang="zh-CN" altLang="en-US" dirty="0"/>
-          </a:p>
-        </p:txBody>
-      </p:sp>
-    </p:spTree>
-    <p:extLst>
-      <p:ext uri="{BB962C8B-B14F-4D97-AF65-F5344CB8AC3E}">
-        <p14:creationId xmlns:p14="http://schemas.microsoft.com/office/powerpoint/2010/main" val="2510694334"/>
-      </p:ext>
-    </p:extLst>
-  </p:cSld>
-  <p:clrMapOvr>
-    <a:masterClrMapping/>
-  </p:clrMapOvr>
-  <p:timing>
-    <p:tnLst>
-      <p:par>
-        <p:cTn id="1" dur="indefinite" restart="never" nodeType="tmRoot"/>
-      </p:par>
-    </p:tnLst>
-  </p:timing>
-</p:sld>
-</file>
-
-<file path=ppt/slides/slide3.xml><?xml version="1.0" encoding="utf-8"?>
-<p:sld xmlns:a="http://schemas.openxmlformats.org/drawingml/2006/main" xmlns:r="http://schemas.openxmlformats.org/officeDocument/2006/relationships" xmlns:p="http://schemas.openxmlformats.org/presentationml/2006/main">
-  <p:cSld>
-    <p:spTree>
-      <p:nvGrpSpPr>
-        <p:cNvPr id="1" name=""/>
-        <p:cNvGrpSpPr/>
-        <p:nvPr/>
-      </p:nvGrpSpPr>
-      <p:grpSpPr>
-        <a:xfrm>
-          <a:off x="0" y="0"/>
-          <a:ext cx="0" cy="0"/>
-          <a:chOff x="0" y="0"/>
-          <a:chExt cx="0" cy="0"/>
-        </a:xfrm>
-      </p:grpSpPr>
-      <p:sp>
-        <p:nvSpPr>
-          <p:cNvPr id="2" name="标题 1"/>
-          <p:cNvSpPr>
-            <a:spLocks noGrp="1"/>
-          </p:cNvSpPr>
-          <p:nvPr>
-            <p:ph type="title"/>
-          </p:nvPr>
-        </p:nvSpPr>
-        <p:spPr/>
-        <p:txBody>
-          <a:bodyPr/>
-          <a:lstStyle/>
-          <a:p>
-            <a:r>
-              <a:rPr lang="zh-CN" altLang="en-US" dirty="0" smtClean="0"/>
-              <a:t>版本控制</a:t>
-            </a:r>
-            <a:endParaRPr lang="zh-CN" altLang="en-US" dirty="0"/>
-          </a:p>
-        </p:txBody>
-      </p:sp>
-      <p:pic>
-        <p:nvPicPr>
-          <p:cNvPr id="6" name="内容占位符 5"/>
-          <p:cNvPicPr>
-            <a:picLocks noGrp="1" noChangeAspect="1"/>
-          </p:cNvPicPr>
-          <p:nvPr>
-            <p:ph idx="1"/>
-          </p:nvPr>
-        </p:nvPicPr>
-        <p:blipFill>
-          <a:blip r:embed="rId2">
-            <a:extLst>
-              <a:ext uri="{28A0092B-C50C-407E-A947-70E740481C1C}">
-                <a14:useLocalDpi xmlns:a14="http://schemas.microsoft.com/office/drawing/2010/main" val="0"/>
-              </a:ext>
-            </a:extLst>
-          </a:blip>
-          <a:stretch>
-            <a:fillRect/>
-          </a:stretch>
-        </p:blipFill>
-        <p:spPr>
-          <a:xfrm>
-            <a:off x="3352900" y="2839138"/>
-            <a:ext cx="2438199" cy="2048087"/>
-          </a:xfrm>
-        </p:spPr>
-      </p:pic>
-    </p:spTree>
-    <p:extLst>
-      <p:ext uri="{BB962C8B-B14F-4D97-AF65-F5344CB8AC3E}">
-        <p14:creationId xmlns:p14="http://schemas.microsoft.com/office/powerpoint/2010/main" val="3657772490"/>
-      </p:ext>
-    </p:extLst>
-  </p:cSld>
-  <p:clrMapOvr>
-    <a:masterClrMapping/>
-  </p:clrMapOvr>
-  <p:timing>
-    <p:tnLst>
-      <p:par>
-        <p:cTn id="1" dur="indefinite" restart="never" nodeType="tmRoot"/>
-      </p:par>
-    </p:tnLst>
-  </p:timing>
-</p:sld>
-</file>
-
-<file path=ppt/slides/slide4.xml><?xml version="1.0" encoding="utf-8"?>
-<p:sld xmlns:a="http://schemas.openxmlformats.org/drawingml/2006/main" xmlns:r="http://schemas.openxmlformats.org/officeDocument/2006/relationships" xmlns:p="http://schemas.openxmlformats.org/presentationml/2006/main">
-  <p:cSld>
-    <p:spTree>
-      <p:nvGrpSpPr>
-        <p:cNvPr id="1" name=""/>
-        <p:cNvGrpSpPr/>
-        <p:nvPr/>
-      </p:nvGrpSpPr>
-      <p:grpSpPr>
-        <a:xfrm>
-          <a:off x="0" y="0"/>
-          <a:ext cx="0" cy="0"/>
-          <a:chOff x="0" y="0"/>
-          <a:chExt cx="0" cy="0"/>
-        </a:xfrm>
-      </p:grpSpPr>
-      <p:sp>
-        <p:nvSpPr>
-          <p:cNvPr id="2" name="标题 1"/>
-          <p:cNvSpPr>
-            <a:spLocks noGrp="1"/>
-          </p:cNvSpPr>
-          <p:nvPr>
-            <p:ph type="title"/>
-          </p:nvPr>
-        </p:nvSpPr>
-        <p:spPr/>
-        <p:txBody>
-          <a:bodyPr/>
-          <a:lstStyle/>
-          <a:p>
-            <a:r>
-              <a:rPr lang="zh-CN" altLang="en-US" dirty="0" smtClean="0"/>
-              <a:t>版本控制</a:t>
-            </a:r>
-            <a:endParaRPr lang="zh-CN" altLang="en-US" dirty="0"/>
-          </a:p>
-        </p:txBody>
-      </p:sp>
-      <p:pic>
-        <p:nvPicPr>
-          <p:cNvPr id="6" name="内容占位符 5"/>
-          <p:cNvPicPr>
-            <a:picLocks noGrp="1" noChangeAspect="1"/>
-          </p:cNvPicPr>
-          <p:nvPr>
-            <p:ph idx="1"/>
-          </p:nvPr>
-        </p:nvPicPr>
-        <p:blipFill>
-          <a:blip r:embed="rId2">
-            <a:extLst>
-              <a:ext uri="{28A0092B-C50C-407E-A947-70E740481C1C}">
-                <a14:useLocalDpi xmlns:a14="http://schemas.microsoft.com/office/drawing/2010/main" val="0"/>
-              </a:ext>
-            </a:extLst>
-          </a:blip>
-          <a:stretch>
-            <a:fillRect/>
-          </a:stretch>
-        </p:blipFill>
-        <p:spPr>
-          <a:xfrm>
-            <a:off x="3048126" y="2668464"/>
-            <a:ext cx="3047748" cy="2389435"/>
-          </a:xfrm>
-        </p:spPr>
-      </p:pic>
-    </p:spTree>
-    <p:extLst>
-      <p:ext uri="{BB962C8B-B14F-4D97-AF65-F5344CB8AC3E}">
-        <p14:creationId xmlns:p14="http://schemas.microsoft.com/office/powerpoint/2010/main" val="3057327338"/>
-      </p:ext>
-    </p:extLst>
-  </p:cSld>
-  <p:clrMapOvr>
-    <a:masterClrMapping/>
-  </p:clrMapOvr>
-  <p:timing>
-    <p:tnLst>
-      <p:par>
-        <p:cTn id="1" dur="indefinite" restart="never" nodeType="tmRoot"/>
-      </p:par>
-    </p:tnLst>
-  </p:timing>
-</p:sld>
-</file>
-
-<file path=ppt/slides/slide5.xml><?xml version="1.0" encoding="utf-8"?>
-<p:sld xmlns:a="http://schemas.openxmlformats.org/drawingml/2006/main" xmlns:r="http://schemas.openxmlformats.org/officeDocument/2006/relationships" xmlns:p="http://schemas.openxmlformats.org/presentationml/2006/main">
-  <p:cSld>
-    <p:spTree>
-      <p:nvGrpSpPr>
-        <p:cNvPr id="1" name=""/>
-        <p:cNvGrpSpPr/>
-        <p:nvPr/>
-      </p:nvGrpSpPr>
-      <p:grpSpPr>
-        <a:xfrm>
-          <a:off x="0" y="0"/>
-          <a:ext cx="0" cy="0"/>
-          <a:chOff x="0" y="0"/>
-          <a:chExt cx="0" cy="0"/>
-        </a:xfrm>
-      </p:grpSpPr>
-      <p:sp>
-        <p:nvSpPr>
-          <p:cNvPr id="2" name="标题 1"/>
-          <p:cNvSpPr>
-            <a:spLocks noGrp="1"/>
-          </p:cNvSpPr>
-          <p:nvPr>
-            <p:ph type="title"/>
-          </p:nvPr>
-        </p:nvSpPr>
-        <p:spPr/>
-        <p:txBody>
-          <a:bodyPr/>
-          <a:lstStyle/>
-          <a:p>
-            <a:r>
-              <a:rPr lang="zh-CN" altLang="en-US" dirty="0" smtClean="0"/>
-              <a:t>版本控制</a:t>
-            </a:r>
-            <a:endParaRPr lang="zh-CN" altLang="en-US" dirty="0"/>
-          </a:p>
-        </p:txBody>
-      </p:sp>
-      <p:pic>
-        <p:nvPicPr>
-          <p:cNvPr id="4" name="内容占位符 3"/>
-          <p:cNvPicPr>
-            <a:picLocks noGrp="1" noChangeAspect="1"/>
-          </p:cNvPicPr>
-          <p:nvPr>
-            <p:ph idx="1"/>
-          </p:nvPr>
-        </p:nvPicPr>
-        <p:blipFill>
-          <a:blip r:embed="rId2">
-            <a:extLst>
-              <a:ext uri="{28A0092B-C50C-407E-A947-70E740481C1C}">
-                <a14:useLocalDpi xmlns:a14="http://schemas.microsoft.com/office/drawing/2010/main" val="0"/>
-              </a:ext>
-            </a:extLst>
-          </a:blip>
-          <a:stretch>
-            <a:fillRect/>
-          </a:stretch>
-        </p:blipFill>
-        <p:spPr>
-          <a:xfrm>
-            <a:off x="3048126" y="2147299"/>
-            <a:ext cx="3047748" cy="3431765"/>
-          </a:xfrm>
-        </p:spPr>
-      </p:pic>
-    </p:spTree>
-    <p:extLst>
-      <p:ext uri="{BB962C8B-B14F-4D97-AF65-F5344CB8AC3E}">
-        <p14:creationId xmlns:p14="http://schemas.microsoft.com/office/powerpoint/2010/main" val="3377611257"/>
-      </p:ext>
-    </p:extLst>
-  </p:cSld>
-  <p:clrMapOvr>
-    <a:masterClrMapping/>
-  </p:clrMapOvr>
-  <p:timing>
-    <p:tnLst>
-      <p:par>
-        <p:cTn id="1" dur="indefinite" restart="never" nodeType="tmRoot"/>
-      </p:par>
-    </p:tnLst>
-  </p:timing>
-</p:sld>
-</file>
-
-<file path=ppt/slides/slide6.xml><?xml version="1.0" encoding="utf-8"?>
-<p:sld xmlns:a="http://schemas.openxmlformats.org/drawingml/2006/main" xmlns:r="http://schemas.openxmlformats.org/officeDocument/2006/relationships" xmlns:p="http://schemas.openxmlformats.org/presentationml/2006/main">
-  <p:cSld>
-    <p:spTree>
-      <p:nvGrpSpPr>
-        <p:cNvPr id="1" name=""/>
-        <p:cNvGrpSpPr/>
-        <p:nvPr/>
-      </p:nvGrpSpPr>
-      <p:grpSpPr>
-        <a:xfrm>
-          <a:off x="0" y="0"/>
-          <a:ext cx="0" cy="0"/>
-          <a:chOff x="0" y="0"/>
-          <a:chExt cx="0" cy="0"/>
-        </a:xfrm>
-      </p:grpSpPr>
-      <p:sp>
-        <p:nvSpPr>
-          <p:cNvPr id="2" name="标题 1"/>
-          <p:cNvSpPr>
-            <a:spLocks noGrp="1"/>
-          </p:cNvSpPr>
-          <p:nvPr>
-            <p:ph type="title"/>
-          </p:nvPr>
-        </p:nvSpPr>
-        <p:spPr/>
-        <p:txBody>
-          <a:bodyPr/>
-          <a:lstStyle/>
-          <a:p>
-            <a:r>
-              <a:rPr lang="en-US" altLang="zh-CN" dirty="0" err="1" smtClean="0"/>
-              <a:t>Git</a:t>
-            </a:r>
-            <a:r>
-              <a:rPr lang="en-US" altLang="zh-CN" dirty="0" smtClean="0"/>
-              <a:t> Basics</a:t>
-            </a:r>
-            <a:endParaRPr lang="zh-CN" altLang="en-US" dirty="0"/>
-          </a:p>
-        </p:txBody>
-      </p:sp>
-      <p:sp>
-        <p:nvSpPr>
-          <p:cNvPr id="3" name="内容占位符 2"/>
-          <p:cNvSpPr>
-            <a:spLocks noGrp="1"/>
-          </p:cNvSpPr>
-          <p:nvPr>
-            <p:ph idx="1"/>
-          </p:nvPr>
-        </p:nvSpPr>
-        <p:spPr/>
-        <p:txBody>
-          <a:bodyPr/>
-          <a:lstStyle/>
-          <a:p>
-            <a:pPr marL="0" indent="0">
-              <a:buNone/>
-            </a:pPr>
-            <a:r>
-              <a:rPr lang="en-US" altLang="zh-CN" dirty="0" err="1" smtClean="0"/>
-              <a:t>Git</a:t>
-            </a:r>
-            <a:r>
-              <a:rPr lang="zh-CN" altLang="en-US" dirty="0" smtClean="0"/>
-              <a:t>由谁开发的呢？</a:t>
-            </a:r>
-            <a:endParaRPr lang="en-US" altLang="zh-CN" dirty="0" smtClean="0"/>
-          </a:p>
-          <a:p>
-            <a:pPr marL="0" indent="0">
-              <a:buNone/>
-            </a:pPr>
-            <a:r>
-              <a:rPr lang="en-US" altLang="zh-CN" dirty="0" smtClean="0"/>
-              <a:t>Linux</a:t>
-            </a:r>
-            <a:r>
-              <a:rPr lang="zh-CN" altLang="en-US" dirty="0" smtClean="0"/>
-              <a:t>的缔造者</a:t>
-            </a:r>
-            <a:r>
-              <a:rPr lang="en-US" altLang="zh-CN" dirty="0" smtClean="0"/>
-              <a:t>Linus Torvalds</a:t>
-            </a:r>
-            <a:r>
-              <a:rPr lang="zh-CN" altLang="en-US" dirty="0" smtClean="0"/>
-              <a:t>。</a:t>
-            </a:r>
-            <a:endParaRPr lang="zh-CN" altLang="en-US" dirty="0"/>
-          </a:p>
-        </p:txBody>
-      </p:sp>
-    </p:spTree>
-    <p:extLst>
-      <p:ext uri="{BB962C8B-B14F-4D97-AF65-F5344CB8AC3E}">
-        <p14:creationId xmlns:p14="http://schemas.microsoft.com/office/powerpoint/2010/main" val="3745103018"/>
-      </p:ext>
-    </p:extLst>
-  </p:cSld>
-  <p:clrMapOvr>
-    <a:masterClrMapping/>
-  </p:clrMapOvr>
-  <p:timing>
-    <p:tnLst>
-      <p:par>
-        <p:cTn id="1" dur="indefinite" restart="never" nodeType="tmRoot"/>
-      </p:par>
-    </p:tnLst>
-  </p:timing>
-</p:sld>
-</file>
-
-<file path=ppt/slides/slide7.xml><?xml version="1.0" encoding="utf-8"?>
-<p:sld xmlns:a="http://schemas.openxmlformats.org/drawingml/2006/main" xmlns:r="http://schemas.openxmlformats.org/officeDocument/2006/relationships" xmlns:p="http://schemas.openxmlformats.org/presentationml/2006/main">
-  <p:cSld>
-    <p:spTree>
-      <p:nvGrpSpPr>
-        <p:cNvPr id="1" name=""/>
-        <p:cNvGrpSpPr/>
-        <p:nvPr/>
-      </p:nvGrpSpPr>
-      <p:grpSpPr>
-        <a:xfrm>
-          <a:off x="0" y="0"/>
-          <a:ext cx="0" cy="0"/>
-          <a:chOff x="0" y="0"/>
-          <a:chExt cx="0" cy="0"/>
-        </a:xfrm>
-      </p:grpSpPr>
-      <p:sp>
-        <p:nvSpPr>
-          <p:cNvPr id="2" name="标题 1"/>
-          <p:cNvSpPr>
-            <a:spLocks noGrp="1"/>
-          </p:cNvSpPr>
-          <p:nvPr>
-            <p:ph type="title"/>
-          </p:nvPr>
-        </p:nvSpPr>
-        <p:spPr/>
-        <p:txBody>
-          <a:bodyPr/>
-          <a:lstStyle/>
-          <a:p>
-            <a:r>
-              <a:rPr lang="en-US" altLang="zh-CN" dirty="0" err="1"/>
-              <a:t>Git</a:t>
-            </a:r>
-            <a:r>
-              <a:rPr lang="en-US" altLang="zh-CN" dirty="0"/>
-              <a:t> Basics</a:t>
-            </a:r>
-            <a:endParaRPr lang="zh-CN" altLang="en-US" dirty="0"/>
-          </a:p>
-        </p:txBody>
-      </p:sp>
-      <p:sp>
-        <p:nvSpPr>
-          <p:cNvPr id="3" name="文本占位符 2"/>
-          <p:cNvSpPr>
-            <a:spLocks noGrp="1"/>
-          </p:cNvSpPr>
-          <p:nvPr>
-            <p:ph type="body" idx="1"/>
-          </p:nvPr>
-        </p:nvSpPr>
-        <p:spPr/>
-        <p:txBody>
-          <a:bodyPr/>
-          <a:lstStyle/>
-          <a:p>
-            <a:endParaRPr lang="zh-CN" altLang="en-US" dirty="0"/>
-          </a:p>
-        </p:txBody>
-      </p:sp>
-      <p:pic>
-        <p:nvPicPr>
-          <p:cNvPr id="7" name="内容占位符 6"/>
-          <p:cNvPicPr>
-            <a:picLocks noGrp="1" noChangeAspect="1"/>
-          </p:cNvPicPr>
-          <p:nvPr>
-            <p:ph sz="half" idx="2"/>
-          </p:nvPr>
-        </p:nvPicPr>
-        <p:blipFill>
-          <a:blip r:embed="rId2">
-            <a:extLst>
-              <a:ext uri="{28A0092B-C50C-407E-A947-70E740481C1C}">
-                <a14:useLocalDpi xmlns:a14="http://schemas.microsoft.com/office/drawing/2010/main" val="0"/>
-              </a:ext>
-            </a:extLst>
-          </a:blip>
-          <a:stretch>
-            <a:fillRect/>
-          </a:stretch>
-        </p:blipFill>
-        <p:spPr>
-          <a:xfrm>
-            <a:off x="953420" y="3470871"/>
-            <a:ext cx="3047748" cy="1359296"/>
-          </a:xfrm>
-        </p:spPr>
-      </p:pic>
-      <p:sp>
-        <p:nvSpPr>
-          <p:cNvPr id="5" name="文本占位符 4"/>
-          <p:cNvSpPr>
-            <a:spLocks noGrp="1"/>
-          </p:cNvSpPr>
-          <p:nvPr>
-            <p:ph type="body" sz="quarter" idx="3"/>
-          </p:nvPr>
-        </p:nvSpPr>
-        <p:spPr/>
-        <p:txBody>
-          <a:bodyPr/>
-          <a:lstStyle/>
-          <a:p>
-            <a:endParaRPr lang="zh-CN" altLang="en-US"/>
-          </a:p>
-        </p:txBody>
-      </p:sp>
-      <p:pic>
-        <p:nvPicPr>
-          <p:cNvPr id="8" name="内容占位符 7"/>
-          <p:cNvPicPr>
-            <a:picLocks noGrp="1" noChangeAspect="1"/>
-          </p:cNvPicPr>
-          <p:nvPr>
-            <p:ph sz="quarter" idx="4"/>
-          </p:nvPr>
-        </p:nvPicPr>
-        <p:blipFill>
-          <a:blip r:embed="rId3">
-            <a:extLst>
-              <a:ext uri="{28A0092B-C50C-407E-A947-70E740481C1C}">
-                <a14:useLocalDpi xmlns:a14="http://schemas.microsoft.com/office/drawing/2010/main" val="0"/>
-              </a:ext>
-            </a:extLst>
-          </a:blip>
-          <a:stretch>
-            <a:fillRect/>
-          </a:stretch>
-        </p:blipFill>
-        <p:spPr>
-          <a:xfrm>
-            <a:off x="5142038" y="3473919"/>
-            <a:ext cx="3047748" cy="1353200"/>
-          </a:xfrm>
-        </p:spPr>
-      </p:pic>
-    </p:spTree>
-    <p:extLst>
-      <p:ext uri="{BB962C8B-B14F-4D97-AF65-F5344CB8AC3E}">
-        <p14:creationId xmlns:p14="http://schemas.microsoft.com/office/powerpoint/2010/main" val="2209108846"/>
-      </p:ext>
-    </p:extLst>
-  </p:cSld>
-  <p:clrMapOvr>
-    <a:masterClrMapping/>
-  </p:clrMapOvr>
-  <p:timing>
-    <p:tnLst>
-      <p:par>
-        <p:cTn id="1" dur="indefinite" restart="never" nodeType="tmRoot"/>
-      </p:par>
-    </p:tnLst>
-  </p:timing>
-</p:sld>
-</file>
-
-<file path=ppt/slides/slide8.xml><?xml version="1.0" encoding="utf-8"?>
-<p:sld xmlns:a="http://schemas.openxmlformats.org/drawingml/2006/main" xmlns:r="http://schemas.openxmlformats.org/officeDocument/2006/relationships" xmlns:p="http://schemas.openxmlformats.org/presentationml/2006/main">
-  <p:cSld>
-    <p:spTree>
-      <p:nvGrpSpPr>
-        <p:cNvPr id="1" name=""/>
-        <p:cNvGrpSpPr/>
-        <p:nvPr/>
-      </p:nvGrpSpPr>
-      <p:grpSpPr>
-        <a:xfrm>
-          <a:off x="0" y="0"/>
-          <a:ext cx="0" cy="0"/>
-          <a:chOff x="0" y="0"/>
-          <a:chExt cx="0" cy="0"/>
-        </a:xfrm>
-      </p:grpSpPr>
-      <p:sp>
-        <p:nvSpPr>
-          <p:cNvPr id="2" name="标题 1"/>
-          <p:cNvSpPr>
-            <a:spLocks noGrp="1"/>
-          </p:cNvSpPr>
-          <p:nvPr>
-            <p:ph type="title"/>
-          </p:nvPr>
-        </p:nvSpPr>
-        <p:spPr/>
-        <p:txBody>
-          <a:bodyPr/>
-          <a:lstStyle/>
-          <a:p>
-            <a:r>
-              <a:rPr lang="en-US" altLang="zh-CN" dirty="0" err="1"/>
-              <a:t>Git</a:t>
-            </a:r>
-            <a:r>
-              <a:rPr lang="en-US" altLang="zh-CN" dirty="0"/>
-              <a:t> Basics</a:t>
-            </a:r>
-            <a:endParaRPr lang="zh-CN" altLang="en-US" dirty="0"/>
-          </a:p>
-        </p:txBody>
-      </p:sp>
-      <p:sp>
-        <p:nvSpPr>
-          <p:cNvPr id="3" name="文本占位符 2"/>
-          <p:cNvSpPr>
-            <a:spLocks noGrp="1"/>
-          </p:cNvSpPr>
-          <p:nvPr>
-            <p:ph type="body" idx="1"/>
-          </p:nvPr>
-        </p:nvSpPr>
-        <p:spPr/>
-        <p:txBody>
-          <a:bodyPr/>
-          <a:lstStyle/>
-          <a:p>
-            <a:endParaRPr lang="zh-CN" altLang="en-US"/>
-          </a:p>
-        </p:txBody>
-      </p:sp>
-      <p:sp>
-        <p:nvSpPr>
-          <p:cNvPr id="4" name="内容占位符 3"/>
-          <p:cNvSpPr>
-            <a:spLocks noGrp="1"/>
-          </p:cNvSpPr>
-          <p:nvPr>
-            <p:ph sz="half" idx="2"/>
-          </p:nvPr>
-        </p:nvSpPr>
-        <p:spPr/>
-        <p:txBody>
-          <a:bodyPr/>
-          <a:lstStyle/>
-          <a:p>
-            <a:endParaRPr lang="zh-CN" altLang="en-US"/>
-          </a:p>
-        </p:txBody>
-      </p:sp>
-      <p:sp>
-        <p:nvSpPr>
-          <p:cNvPr id="5" name="文本占位符 4"/>
-          <p:cNvSpPr>
-            <a:spLocks noGrp="1"/>
-          </p:cNvSpPr>
-          <p:nvPr>
-            <p:ph type="body" sz="quarter" idx="3"/>
-          </p:nvPr>
-        </p:nvSpPr>
-        <p:spPr/>
-        <p:txBody>
-          <a:bodyPr/>
-          <a:lstStyle/>
-          <a:p>
-            <a:endParaRPr lang="zh-CN" altLang="en-US"/>
-          </a:p>
-        </p:txBody>
-      </p:sp>
-      <p:sp>
-        <p:nvSpPr>
-          <p:cNvPr id="6" name="内容占位符 5"/>
-          <p:cNvSpPr>
-            <a:spLocks noGrp="1"/>
-          </p:cNvSpPr>
-          <p:nvPr>
-            <p:ph sz="quarter" idx="4"/>
-          </p:nvPr>
-        </p:nvSpPr>
-        <p:spPr/>
-        <p:txBody>
-          <a:bodyPr/>
-          <a:lstStyle/>
-          <a:p>
-            <a:endParaRPr lang="zh-CN" altLang="en-US"/>
-          </a:p>
-        </p:txBody>
-      </p:sp>
-    </p:spTree>
-    <p:extLst>
-      <p:ext uri="{BB962C8B-B14F-4D97-AF65-F5344CB8AC3E}">
-        <p14:creationId xmlns:p14="http://schemas.microsoft.com/office/powerpoint/2010/main" val="2561683225"/>
-      </p:ext>
-    </p:extLst>
-  </p:cSld>
-  <p:clrMapOvr>
-    <a:masterClrMapping/>
-  </p:clrMapOvr>
-  <p:timing>
-    <p:tnLst>
-      <p:par>
-        <p:cTn id="1" dur="indefinite" restart="never" nodeType="tmRoot"/>
-      </p:par>
-    </p:tnLst>
-  </p:timing>
-</p:sld>
-</file>
-
-<file path=ppt/slides/slide9.xml><?xml version="1.0" encoding="utf-8"?>
-<p:sld xmlns:a="http://schemas.openxmlformats.org/drawingml/2006/main" xmlns:r="http://schemas.openxmlformats.org/officeDocument/2006/relationships" xmlns:p="http://schemas.openxmlformats.org/presentationml/2006/main">
-  <p:cSld>
-    <p:spTree>
-      <p:nvGrpSpPr>
-        <p:cNvPr id="1" name=""/>
-        <p:cNvGrpSpPr/>
-        <p:nvPr/>
-      </p:nvGrpSpPr>
-      <p:grpSpPr>
-        <a:xfrm>
-          <a:off x="0" y="0"/>
-          <a:ext cx="0" cy="0"/>
-          <a:chOff x="0" y="0"/>
-          <a:chExt cx="0" cy="0"/>
-        </a:xfrm>
-      </p:grpSpPr>
-      <p:sp>
-        <p:nvSpPr>
-          <p:cNvPr id="2" name="标题 1"/>
-          <p:cNvSpPr>
-            <a:spLocks noGrp="1"/>
-          </p:cNvSpPr>
-          <p:nvPr>
-            <p:ph type="title"/>
-          </p:nvPr>
-        </p:nvSpPr>
-        <p:spPr/>
-        <p:txBody>
-          <a:bodyPr/>
-          <a:lstStyle/>
-          <a:p>
-            <a:r>
-              <a:rPr lang="en-US" altLang="zh-CN" dirty="0" err="1"/>
-              <a:t>Git</a:t>
-            </a:r>
-            <a:r>
-              <a:rPr lang="en-US" altLang="zh-CN" dirty="0"/>
-              <a:t> Basics</a:t>
-            </a:r>
-            <a:endParaRPr lang="zh-CN" altLang="en-US" b="1" dirty="0"/>
-          </a:p>
-        </p:txBody>
-      </p:sp>
-      <p:pic>
-        <p:nvPicPr>
-          <p:cNvPr id="4" name="内容占位符 3"/>
-          <p:cNvPicPr>
-            <a:picLocks noGrp="1" noChangeAspect="1"/>
-          </p:cNvPicPr>
-          <p:nvPr>
-            <p:ph idx="1"/>
-          </p:nvPr>
-        </p:nvPicPr>
-        <p:blipFill>
-          <a:blip r:embed="rId2">
-            <a:extLst>
-              <a:ext uri="{28A0092B-C50C-407E-A947-70E740481C1C}">
-                <a14:useLocalDpi xmlns:a14="http://schemas.microsoft.com/office/drawing/2010/main" val="0"/>
-              </a:ext>
-            </a:extLst>
-          </a:blip>
-          <a:stretch>
-            <a:fillRect/>
-          </a:stretch>
-        </p:blipFill>
-        <p:spPr>
-          <a:xfrm>
-            <a:off x="4355976" y="2348880"/>
-            <a:ext cx="3365591" cy="3096344"/>
-          </a:xfrm>
-        </p:spPr>
-      </p:pic>
-    </p:spTree>
-    <p:extLst>
-      <p:ext uri="{BB962C8B-B14F-4D97-AF65-F5344CB8AC3E}">
-        <p14:creationId xmlns:p14="http://schemas.microsoft.com/office/powerpoint/2010/main" val="1748469576"/>
       </p:ext>
     </p:extLst>
   </p:cSld>

--- a/Git Primer.pptx
+++ b/Git Primer.pptx
@@ -4,16 +4,18 @@
   <p:sldMasterIdLst>
     <p:sldMasterId id="2147483648" r:id="rId1"/>
   </p:sldMasterIdLst>
+  <p:notesMasterIdLst>
+    <p:notesMasterId r:id="rId10"/>
+  </p:notesMasterIdLst>
   <p:sldIdLst>
     <p:sldId id="256" r:id="rId2"/>
     <p:sldId id="257" r:id="rId3"/>
-    <p:sldId id="261" r:id="rId4"/>
-    <p:sldId id="259" r:id="rId5"/>
-    <p:sldId id="266" r:id="rId6"/>
-    <p:sldId id="269" r:id="rId7"/>
-    <p:sldId id="268" r:id="rId8"/>
-    <p:sldId id="267" r:id="rId9"/>
-    <p:sldId id="264" r:id="rId10"/>
+    <p:sldId id="270" r:id="rId4"/>
+    <p:sldId id="261" r:id="rId5"/>
+    <p:sldId id="259" r:id="rId6"/>
+    <p:sldId id="271" r:id="rId7"/>
+    <p:sldId id="269" r:id="rId8"/>
+    <p:sldId id="264" r:id="rId9"/>
   </p:sldIdLst>
   <p:sldSz cx="9144000" cy="6858000" type="screen4x3"/>
   <p:notesSz cx="6858000" cy="9144000"/>
@@ -113,6 +115,4122 @@
     </a:lvl9pPr>
   </p:defaultTextStyle>
 </p:presentation>
+</file>
+
+<file path=ppt/diagrams/colors1.xml><?xml version="1.0" encoding="utf-8"?>
+<dgm:colorsDef xmlns:dgm="http://schemas.openxmlformats.org/drawingml/2006/diagram" xmlns:a="http://schemas.openxmlformats.org/drawingml/2006/main" uniqueId="urn:microsoft.com/office/officeart/2005/8/colors/accent1_2">
+  <dgm:title val=""/>
+  <dgm:desc val=""/>
+  <dgm:catLst>
+    <dgm:cat type="accent1" pri="11200"/>
+  </dgm:catLst>
+  <dgm:styleLbl name="node0">
+    <dgm:fillClrLst meth="repeat">
+      <a:schemeClr val="accent1"/>
+    </dgm:fillClrLst>
+    <dgm:linClrLst meth="repeat">
+      <a:schemeClr val="lt1"/>
+    </dgm:linClrLst>
+    <dgm:effectClrLst/>
+    <dgm:txLinClrLst/>
+    <dgm:txFillClrLst/>
+    <dgm:txEffectClrLst/>
+  </dgm:styleLbl>
+  <dgm:styleLbl name="alignNode1">
+    <dgm:fillClrLst meth="repeat">
+      <a:schemeClr val="accent1"/>
+    </dgm:fillClrLst>
+    <dgm:linClrLst meth="repeat">
+      <a:schemeClr val="accent1"/>
+    </dgm:linClrLst>
+    <dgm:effectClrLst/>
+    <dgm:txLinClrLst/>
+    <dgm:txFillClrLst/>
+    <dgm:txEffectClrLst/>
+  </dgm:styleLbl>
+  <dgm:styleLbl name="node1">
+    <dgm:fillClrLst meth="repeat">
+      <a:schemeClr val="accent1"/>
+    </dgm:fillClrLst>
+    <dgm:linClrLst meth="repeat">
+      <a:schemeClr val="lt1"/>
+    </dgm:linClrLst>
+    <dgm:effectClrLst/>
+    <dgm:txLinClrLst/>
+    <dgm:txFillClrLst/>
+    <dgm:txEffectClrLst/>
+  </dgm:styleLbl>
+  <dgm:styleLbl name="lnNode1">
+    <dgm:fillClrLst meth="repeat">
+      <a:schemeClr val="accent1"/>
+    </dgm:fillClrLst>
+    <dgm:linClrLst meth="repeat">
+      <a:schemeClr val="lt1"/>
+    </dgm:linClrLst>
+    <dgm:effectClrLst/>
+    <dgm:txLinClrLst/>
+    <dgm:txFillClrLst/>
+    <dgm:txEffectClrLst/>
+  </dgm:styleLbl>
+  <dgm:styleLbl name="vennNode1">
+    <dgm:fillClrLst meth="repeat">
+      <a:schemeClr val="accent1">
+        <a:alpha val="50000"/>
+      </a:schemeClr>
+    </dgm:fillClrLst>
+    <dgm:linClrLst meth="repeat">
+      <a:schemeClr val="lt1"/>
+    </dgm:linClrLst>
+    <dgm:effectClrLst/>
+    <dgm:txLinClrLst/>
+    <dgm:txFillClrLst/>
+    <dgm:txEffectClrLst/>
+  </dgm:styleLbl>
+  <dgm:styleLbl name="node2">
+    <dgm:fillClrLst meth="repeat">
+      <a:schemeClr val="accent1"/>
+    </dgm:fillClrLst>
+    <dgm:linClrLst meth="repeat">
+      <a:schemeClr val="lt1"/>
+    </dgm:linClrLst>
+    <dgm:effectClrLst/>
+    <dgm:txLinClrLst/>
+    <dgm:txFillClrLst/>
+    <dgm:txEffectClrLst/>
+  </dgm:styleLbl>
+  <dgm:styleLbl name="node3">
+    <dgm:fillClrLst meth="repeat">
+      <a:schemeClr val="accent1"/>
+    </dgm:fillClrLst>
+    <dgm:linClrLst meth="repeat">
+      <a:schemeClr val="lt1"/>
+    </dgm:linClrLst>
+    <dgm:effectClrLst/>
+    <dgm:txLinClrLst/>
+    <dgm:txFillClrLst/>
+    <dgm:txEffectClrLst/>
+  </dgm:styleLbl>
+  <dgm:styleLbl name="node4">
+    <dgm:fillClrLst meth="repeat">
+      <a:schemeClr val="accent1"/>
+    </dgm:fillClrLst>
+    <dgm:linClrLst meth="repeat">
+      <a:schemeClr val="lt1"/>
+    </dgm:linClrLst>
+    <dgm:effectClrLst/>
+    <dgm:txLinClrLst/>
+    <dgm:txFillClrLst/>
+    <dgm:txEffectClrLst/>
+  </dgm:styleLbl>
+  <dgm:styleLbl name="fgImgPlace1">
+    <dgm:fillClrLst meth="repeat">
+      <a:schemeClr val="accent1">
+        <a:tint val="50000"/>
+      </a:schemeClr>
+    </dgm:fillClrLst>
+    <dgm:linClrLst meth="repeat">
+      <a:schemeClr val="lt1"/>
+    </dgm:linClrLst>
+    <dgm:effectClrLst/>
+    <dgm:txLinClrLst/>
+    <dgm:txFillClrLst meth="repeat">
+      <a:schemeClr val="lt1"/>
+    </dgm:txFillClrLst>
+    <dgm:txEffectClrLst/>
+  </dgm:styleLbl>
+  <dgm:styleLbl name="alignImgPlace1">
+    <dgm:fillClrLst meth="repeat">
+      <a:schemeClr val="accent1">
+        <a:tint val="50000"/>
+      </a:schemeClr>
+    </dgm:fillClrLst>
+    <dgm:linClrLst meth="repeat">
+      <a:schemeClr val="lt1"/>
+    </dgm:linClrLst>
+    <dgm:effectClrLst/>
+    <dgm:txLinClrLst/>
+    <dgm:txFillClrLst meth="repeat">
+      <a:schemeClr val="lt1"/>
+    </dgm:txFillClrLst>
+    <dgm:txEffectClrLst/>
+  </dgm:styleLbl>
+  <dgm:styleLbl name="bgImgPlace1">
+    <dgm:fillClrLst meth="repeat">
+      <a:schemeClr val="accent1">
+        <a:tint val="50000"/>
+      </a:schemeClr>
+    </dgm:fillClrLst>
+    <dgm:linClrLst meth="repeat">
+      <a:schemeClr val="lt1"/>
+    </dgm:linClrLst>
+    <dgm:effectClrLst/>
+    <dgm:txLinClrLst/>
+    <dgm:txFillClrLst meth="repeat">
+      <a:schemeClr val="lt1"/>
+    </dgm:txFillClrLst>
+    <dgm:txEffectClrLst/>
+  </dgm:styleLbl>
+  <dgm:styleLbl name="sibTrans2D1">
+    <dgm:fillClrLst meth="repeat">
+      <a:schemeClr val="accent1">
+        <a:tint val="60000"/>
+      </a:schemeClr>
+    </dgm:fillClrLst>
+    <dgm:linClrLst meth="repeat">
+      <a:schemeClr val="accent1">
+        <a:tint val="60000"/>
+      </a:schemeClr>
+    </dgm:linClrLst>
+    <dgm:effectClrLst/>
+    <dgm:txLinClrLst/>
+    <dgm:txFillClrLst/>
+    <dgm:txEffectClrLst/>
+  </dgm:styleLbl>
+  <dgm:styleLbl name="fgSibTrans2D1">
+    <dgm:fillClrLst meth="repeat">
+      <a:schemeClr val="accent1">
+        <a:tint val="60000"/>
+      </a:schemeClr>
+    </dgm:fillClrLst>
+    <dgm:linClrLst meth="repeat">
+      <a:schemeClr val="accent1">
+        <a:tint val="60000"/>
+      </a:schemeClr>
+    </dgm:linClrLst>
+    <dgm:effectClrLst/>
+    <dgm:txLinClrLst/>
+    <dgm:txFillClrLst/>
+    <dgm:txEffectClrLst/>
+  </dgm:styleLbl>
+  <dgm:styleLbl name="bgSibTrans2D1">
+    <dgm:fillClrLst meth="repeat">
+      <a:schemeClr val="accent1">
+        <a:tint val="60000"/>
+      </a:schemeClr>
+    </dgm:fillClrLst>
+    <dgm:linClrLst meth="repeat">
+      <a:schemeClr val="accent1">
+        <a:tint val="60000"/>
+      </a:schemeClr>
+    </dgm:linClrLst>
+    <dgm:effectClrLst/>
+    <dgm:txLinClrLst/>
+    <dgm:txFillClrLst/>
+    <dgm:txEffectClrLst/>
+  </dgm:styleLbl>
+  <dgm:styleLbl name="sibTrans1D1">
+    <dgm:fillClrLst meth="repeat">
+      <a:schemeClr val="accent1"/>
+    </dgm:fillClrLst>
+    <dgm:linClrLst meth="repeat">
+      <a:schemeClr val="accent1"/>
+    </dgm:linClrLst>
+    <dgm:effectClrLst/>
+    <dgm:txLinClrLst/>
+    <dgm:txFillClrLst meth="repeat">
+      <a:schemeClr val="tx1"/>
+    </dgm:txFillClrLst>
+    <dgm:txEffectClrLst/>
+  </dgm:styleLbl>
+  <dgm:styleLbl name="callout">
+    <dgm:fillClrLst meth="repeat">
+      <a:schemeClr val="accent1"/>
+    </dgm:fillClrLst>
+    <dgm:linClrLst meth="repeat">
+      <a:schemeClr val="accent1">
+        <a:tint val="50000"/>
+      </a:schemeClr>
+    </dgm:linClrLst>
+    <dgm:effectClrLst/>
+    <dgm:txLinClrLst/>
+    <dgm:txFillClrLst meth="repeat">
+      <a:schemeClr val="tx1"/>
+    </dgm:txFillClrLst>
+    <dgm:txEffectClrLst/>
+  </dgm:styleLbl>
+  <dgm:styleLbl name="asst0">
+    <dgm:fillClrLst meth="repeat">
+      <a:schemeClr val="accent1"/>
+    </dgm:fillClrLst>
+    <dgm:linClrLst meth="repeat">
+      <a:schemeClr val="lt1"/>
+    </dgm:linClrLst>
+    <dgm:effectClrLst/>
+    <dgm:txLinClrLst/>
+    <dgm:txFillClrLst/>
+    <dgm:txEffectClrLst/>
+  </dgm:styleLbl>
+  <dgm:styleLbl name="asst1">
+    <dgm:fillClrLst meth="repeat">
+      <a:schemeClr val="accent1"/>
+    </dgm:fillClrLst>
+    <dgm:linClrLst meth="repeat">
+      <a:schemeClr val="lt1"/>
+    </dgm:linClrLst>
+    <dgm:effectClrLst/>
+    <dgm:txLinClrLst/>
+    <dgm:txFillClrLst/>
+    <dgm:txEffectClrLst/>
+  </dgm:styleLbl>
+  <dgm:styleLbl name="asst2">
+    <dgm:fillClrLst meth="repeat">
+      <a:schemeClr val="accent1"/>
+    </dgm:fillClrLst>
+    <dgm:linClrLst meth="repeat">
+      <a:schemeClr val="lt1"/>
+    </dgm:linClrLst>
+    <dgm:effectClrLst/>
+    <dgm:txLinClrLst/>
+    <dgm:txFillClrLst/>
+    <dgm:txEffectClrLst/>
+  </dgm:styleLbl>
+  <dgm:styleLbl name="asst3">
+    <dgm:fillClrLst meth="repeat">
+      <a:schemeClr val="accent1"/>
+    </dgm:fillClrLst>
+    <dgm:linClrLst meth="repeat">
+      <a:schemeClr val="lt1"/>
+    </dgm:linClrLst>
+    <dgm:effectClrLst/>
+    <dgm:txLinClrLst/>
+    <dgm:txFillClrLst/>
+    <dgm:txEffectClrLst/>
+  </dgm:styleLbl>
+  <dgm:styleLbl name="asst4">
+    <dgm:fillClrLst meth="repeat">
+      <a:schemeClr val="accent1"/>
+    </dgm:fillClrLst>
+    <dgm:linClrLst meth="repeat">
+      <a:schemeClr val="lt1"/>
+    </dgm:linClrLst>
+    <dgm:effectClrLst/>
+    <dgm:txLinClrLst/>
+    <dgm:txFillClrLst/>
+    <dgm:txEffectClrLst/>
+  </dgm:styleLbl>
+  <dgm:styleLbl name="parChTrans2D1">
+    <dgm:fillClrLst meth="repeat">
+      <a:schemeClr val="accent1">
+        <a:tint val="60000"/>
+      </a:schemeClr>
+    </dgm:fillClrLst>
+    <dgm:linClrLst meth="repeat">
+      <a:schemeClr val="accent1">
+        <a:tint val="60000"/>
+      </a:schemeClr>
+    </dgm:linClrLst>
+    <dgm:effectClrLst/>
+    <dgm:txLinClrLst/>
+    <dgm:txFillClrLst meth="repeat">
+      <a:schemeClr val="lt1"/>
+    </dgm:txFillClrLst>
+    <dgm:txEffectClrLst/>
+  </dgm:styleLbl>
+  <dgm:styleLbl name="parChTrans2D2">
+    <dgm:fillClrLst meth="repeat">
+      <a:schemeClr val="accent1"/>
+    </dgm:fillClrLst>
+    <dgm:linClrLst meth="repeat">
+      <a:schemeClr val="accent1"/>
+    </dgm:linClrLst>
+    <dgm:effectClrLst/>
+    <dgm:txLinClrLst/>
+    <dgm:txFillClrLst meth="repeat">
+      <a:schemeClr val="lt1"/>
+    </dgm:txFillClrLst>
+    <dgm:txEffectClrLst/>
+  </dgm:styleLbl>
+  <dgm:styleLbl name="parChTrans2D3">
+    <dgm:fillClrLst meth="repeat">
+      <a:schemeClr val="accent1"/>
+    </dgm:fillClrLst>
+    <dgm:linClrLst meth="repeat">
+      <a:schemeClr val="accent1"/>
+    </dgm:linClrLst>
+    <dgm:effectClrLst/>
+    <dgm:txLinClrLst/>
+    <dgm:txFillClrLst meth="repeat">
+      <a:schemeClr val="lt1"/>
+    </dgm:txFillClrLst>
+    <dgm:txEffectClrLst/>
+  </dgm:styleLbl>
+  <dgm:styleLbl name="parChTrans2D4">
+    <dgm:fillClrLst meth="repeat">
+      <a:schemeClr val="accent1"/>
+    </dgm:fillClrLst>
+    <dgm:linClrLst meth="repeat">
+      <a:schemeClr val="accent1"/>
+    </dgm:linClrLst>
+    <dgm:effectClrLst/>
+    <dgm:txLinClrLst/>
+    <dgm:txFillClrLst meth="repeat">
+      <a:schemeClr val="lt1"/>
+    </dgm:txFillClrLst>
+    <dgm:txEffectClrLst/>
+  </dgm:styleLbl>
+  <dgm:styleLbl name="parChTrans1D1">
+    <dgm:fillClrLst meth="repeat">
+      <a:schemeClr val="accent1"/>
+    </dgm:fillClrLst>
+    <dgm:linClrLst meth="repeat">
+      <a:schemeClr val="accent1">
+        <a:shade val="60000"/>
+      </a:schemeClr>
+    </dgm:linClrLst>
+    <dgm:effectClrLst/>
+    <dgm:txLinClrLst/>
+    <dgm:txFillClrLst meth="repeat">
+      <a:schemeClr val="tx1"/>
+    </dgm:txFillClrLst>
+    <dgm:txEffectClrLst/>
+  </dgm:styleLbl>
+  <dgm:styleLbl name="parChTrans1D2">
+    <dgm:fillClrLst meth="repeat">
+      <a:schemeClr val="accent1"/>
+    </dgm:fillClrLst>
+    <dgm:linClrLst meth="repeat">
+      <a:schemeClr val="accent1">
+        <a:shade val="60000"/>
+      </a:schemeClr>
+    </dgm:linClrLst>
+    <dgm:effectClrLst/>
+    <dgm:txLinClrLst/>
+    <dgm:txFillClrLst meth="repeat">
+      <a:schemeClr val="tx1"/>
+    </dgm:txFillClrLst>
+    <dgm:txEffectClrLst/>
+  </dgm:styleLbl>
+  <dgm:styleLbl name="parChTrans1D3">
+    <dgm:fillClrLst meth="repeat">
+      <a:schemeClr val="accent1"/>
+    </dgm:fillClrLst>
+    <dgm:linClrLst meth="repeat">
+      <a:schemeClr val="accent1">
+        <a:shade val="80000"/>
+      </a:schemeClr>
+    </dgm:linClrLst>
+    <dgm:effectClrLst/>
+    <dgm:txLinClrLst/>
+    <dgm:txFillClrLst meth="repeat">
+      <a:schemeClr val="tx1"/>
+    </dgm:txFillClrLst>
+    <dgm:txEffectClrLst/>
+  </dgm:styleLbl>
+  <dgm:styleLbl name="parChTrans1D4">
+    <dgm:fillClrLst meth="repeat">
+      <a:schemeClr val="accent1"/>
+    </dgm:fillClrLst>
+    <dgm:linClrLst meth="repeat">
+      <a:schemeClr val="accent1">
+        <a:shade val="80000"/>
+      </a:schemeClr>
+    </dgm:linClrLst>
+    <dgm:effectClrLst/>
+    <dgm:txLinClrLst/>
+    <dgm:txFillClrLst meth="repeat">
+      <a:schemeClr val="tx1"/>
+    </dgm:txFillClrLst>
+    <dgm:txEffectClrLst/>
+  </dgm:styleLbl>
+  <dgm:styleLbl name="fgAcc1">
+    <dgm:fillClrLst meth="repeat">
+      <a:schemeClr val="lt1">
+        <a:alpha val="90000"/>
+      </a:schemeClr>
+    </dgm:fillClrLst>
+    <dgm:linClrLst meth="repeat">
+      <a:schemeClr val="accent1"/>
+    </dgm:linClrLst>
+    <dgm:effectClrLst/>
+    <dgm:txLinClrLst/>
+    <dgm:txFillClrLst meth="repeat">
+      <a:schemeClr val="dk1"/>
+    </dgm:txFillClrLst>
+    <dgm:txEffectClrLst/>
+  </dgm:styleLbl>
+  <dgm:styleLbl name="conFgAcc1">
+    <dgm:fillClrLst meth="repeat">
+      <a:schemeClr val="lt1">
+        <a:alpha val="90000"/>
+      </a:schemeClr>
+    </dgm:fillClrLst>
+    <dgm:linClrLst meth="repeat">
+      <a:schemeClr val="accent1"/>
+    </dgm:linClrLst>
+    <dgm:effectClrLst/>
+    <dgm:txLinClrLst/>
+    <dgm:txFillClrLst meth="repeat">
+      <a:schemeClr val="dk1"/>
+    </dgm:txFillClrLst>
+    <dgm:txEffectClrLst/>
+  </dgm:styleLbl>
+  <dgm:styleLbl name="alignAcc1">
+    <dgm:fillClrLst meth="repeat">
+      <a:schemeClr val="lt1">
+        <a:alpha val="90000"/>
+      </a:schemeClr>
+    </dgm:fillClrLst>
+    <dgm:linClrLst meth="repeat">
+      <a:schemeClr val="accent1"/>
+    </dgm:linClrLst>
+    <dgm:effectClrLst/>
+    <dgm:txLinClrLst/>
+    <dgm:txFillClrLst meth="repeat">
+      <a:schemeClr val="dk1"/>
+    </dgm:txFillClrLst>
+    <dgm:txEffectClrLst/>
+  </dgm:styleLbl>
+  <dgm:styleLbl name="trAlignAcc1">
+    <dgm:fillClrLst meth="repeat">
+      <a:schemeClr val="lt1">
+        <a:alpha val="40000"/>
+      </a:schemeClr>
+    </dgm:fillClrLst>
+    <dgm:linClrLst meth="repeat">
+      <a:schemeClr val="accent1"/>
+    </dgm:linClrLst>
+    <dgm:effectClrLst/>
+    <dgm:txLinClrLst/>
+    <dgm:txFillClrLst meth="repeat">
+      <a:schemeClr val="dk1"/>
+    </dgm:txFillClrLst>
+    <dgm:txEffectClrLst/>
+  </dgm:styleLbl>
+  <dgm:styleLbl name="bgAcc1">
+    <dgm:fillClrLst meth="repeat">
+      <a:schemeClr val="lt1">
+        <a:alpha val="90000"/>
+      </a:schemeClr>
+    </dgm:fillClrLst>
+    <dgm:linClrLst meth="repeat">
+      <a:schemeClr val="accent1"/>
+    </dgm:linClrLst>
+    <dgm:effectClrLst/>
+    <dgm:txLinClrLst/>
+    <dgm:txFillClrLst meth="repeat">
+      <a:schemeClr val="dk1"/>
+    </dgm:txFillClrLst>
+    <dgm:txEffectClrLst/>
+  </dgm:styleLbl>
+  <dgm:styleLbl name="solidFgAcc1">
+    <dgm:fillClrLst meth="repeat">
+      <a:schemeClr val="lt1"/>
+    </dgm:fillClrLst>
+    <dgm:linClrLst meth="repeat">
+      <a:schemeClr val="accent1"/>
+    </dgm:linClrLst>
+    <dgm:effectClrLst/>
+    <dgm:txLinClrLst/>
+    <dgm:txFillClrLst meth="repeat">
+      <a:schemeClr val="dk1"/>
+    </dgm:txFillClrLst>
+    <dgm:txEffectClrLst/>
+  </dgm:styleLbl>
+  <dgm:styleLbl name="solidAlignAcc1">
+    <dgm:fillClrLst meth="repeat">
+      <a:schemeClr val="lt1"/>
+    </dgm:fillClrLst>
+    <dgm:linClrLst meth="repeat">
+      <a:schemeClr val="accent1"/>
+    </dgm:linClrLst>
+    <dgm:effectClrLst/>
+    <dgm:txLinClrLst/>
+    <dgm:txFillClrLst meth="repeat">
+      <a:schemeClr val="dk1"/>
+    </dgm:txFillClrLst>
+    <dgm:txEffectClrLst/>
+  </dgm:styleLbl>
+  <dgm:styleLbl name="solidBgAcc1">
+    <dgm:fillClrLst meth="repeat">
+      <a:schemeClr val="lt1"/>
+    </dgm:fillClrLst>
+    <dgm:linClrLst meth="repeat">
+      <a:schemeClr val="accent1"/>
+    </dgm:linClrLst>
+    <dgm:effectClrLst/>
+    <dgm:txLinClrLst/>
+    <dgm:txFillClrLst meth="repeat">
+      <a:schemeClr val="dk1"/>
+    </dgm:txFillClrLst>
+    <dgm:txEffectClrLst/>
+  </dgm:styleLbl>
+  <dgm:styleLbl name="fgAccFollowNode1">
+    <dgm:fillClrLst meth="repeat">
+      <a:schemeClr val="accent1">
+        <a:alpha val="90000"/>
+        <a:tint val="40000"/>
+      </a:schemeClr>
+    </dgm:fillClrLst>
+    <dgm:linClrLst meth="repeat">
+      <a:schemeClr val="accent1">
+        <a:alpha val="90000"/>
+        <a:tint val="40000"/>
+      </a:schemeClr>
+    </dgm:linClrLst>
+    <dgm:effectClrLst/>
+    <dgm:txLinClrLst/>
+    <dgm:txFillClrLst meth="repeat">
+      <a:schemeClr val="dk1"/>
+    </dgm:txFillClrLst>
+    <dgm:txEffectClrLst/>
+  </dgm:styleLbl>
+  <dgm:styleLbl name="alignAccFollowNode1">
+    <dgm:fillClrLst meth="repeat">
+      <a:schemeClr val="accent1">
+        <a:alpha val="90000"/>
+        <a:tint val="40000"/>
+      </a:schemeClr>
+    </dgm:fillClrLst>
+    <dgm:linClrLst meth="repeat">
+      <a:schemeClr val="accent1">
+        <a:alpha val="90000"/>
+        <a:tint val="40000"/>
+      </a:schemeClr>
+    </dgm:linClrLst>
+    <dgm:effectClrLst/>
+    <dgm:txLinClrLst/>
+    <dgm:txFillClrLst meth="repeat">
+      <a:schemeClr val="dk1"/>
+    </dgm:txFillClrLst>
+    <dgm:txEffectClrLst/>
+  </dgm:styleLbl>
+  <dgm:styleLbl name="bgAccFollowNode1">
+    <dgm:fillClrLst meth="repeat">
+      <a:schemeClr val="accent1">
+        <a:alpha val="90000"/>
+        <a:tint val="40000"/>
+      </a:schemeClr>
+    </dgm:fillClrLst>
+    <dgm:linClrLst meth="repeat">
+      <a:schemeClr val="accent1">
+        <a:alpha val="90000"/>
+        <a:tint val="40000"/>
+      </a:schemeClr>
+    </dgm:linClrLst>
+    <dgm:effectClrLst/>
+    <dgm:txLinClrLst/>
+    <dgm:txFillClrLst meth="repeat">
+      <a:schemeClr val="dk1"/>
+    </dgm:txFillClrLst>
+    <dgm:txEffectClrLst/>
+  </dgm:styleLbl>
+  <dgm:styleLbl name="fgAcc0">
+    <dgm:fillClrLst meth="repeat">
+      <a:schemeClr val="lt1">
+        <a:alpha val="90000"/>
+      </a:schemeClr>
+    </dgm:fillClrLst>
+    <dgm:linClrLst meth="repeat">
+      <a:schemeClr val="accent1"/>
+    </dgm:linClrLst>
+    <dgm:effectClrLst/>
+    <dgm:txLinClrLst/>
+    <dgm:txFillClrLst meth="repeat">
+      <a:schemeClr val="dk1"/>
+    </dgm:txFillClrLst>
+    <dgm:txEffectClrLst/>
+  </dgm:styleLbl>
+  <dgm:styleLbl name="fgAcc2">
+    <dgm:fillClrLst meth="repeat">
+      <a:schemeClr val="lt1">
+        <a:alpha val="90000"/>
+      </a:schemeClr>
+    </dgm:fillClrLst>
+    <dgm:linClrLst meth="repeat">
+      <a:schemeClr val="accent1"/>
+    </dgm:linClrLst>
+    <dgm:effectClrLst/>
+    <dgm:txLinClrLst/>
+    <dgm:txFillClrLst meth="repeat">
+      <a:schemeClr val="dk1"/>
+    </dgm:txFillClrLst>
+    <dgm:txEffectClrLst/>
+  </dgm:styleLbl>
+  <dgm:styleLbl name="fgAcc3">
+    <dgm:fillClrLst meth="repeat">
+      <a:schemeClr val="lt1">
+        <a:alpha val="90000"/>
+      </a:schemeClr>
+    </dgm:fillClrLst>
+    <dgm:linClrLst meth="repeat">
+      <a:schemeClr val="accent1"/>
+    </dgm:linClrLst>
+    <dgm:effectClrLst/>
+    <dgm:txLinClrLst/>
+    <dgm:txFillClrLst meth="repeat">
+      <a:schemeClr val="dk1"/>
+    </dgm:txFillClrLst>
+    <dgm:txEffectClrLst/>
+  </dgm:styleLbl>
+  <dgm:styleLbl name="fgAcc4">
+    <dgm:fillClrLst meth="repeat">
+      <a:schemeClr val="lt1">
+        <a:alpha val="90000"/>
+      </a:schemeClr>
+    </dgm:fillClrLst>
+    <dgm:linClrLst meth="repeat">
+      <a:schemeClr val="accent1"/>
+    </dgm:linClrLst>
+    <dgm:effectClrLst/>
+    <dgm:txLinClrLst/>
+    <dgm:txFillClrLst meth="repeat">
+      <a:schemeClr val="dk1"/>
+    </dgm:txFillClrLst>
+    <dgm:txEffectClrLst/>
+  </dgm:styleLbl>
+  <dgm:styleLbl name="bgShp">
+    <dgm:fillClrLst meth="repeat">
+      <a:schemeClr val="accent1">
+        <a:tint val="40000"/>
+      </a:schemeClr>
+    </dgm:fillClrLst>
+    <dgm:linClrLst meth="repeat">
+      <a:schemeClr val="accent1"/>
+    </dgm:linClrLst>
+    <dgm:effectClrLst/>
+    <dgm:txLinClrLst/>
+    <dgm:txFillClrLst meth="repeat">
+      <a:schemeClr val="dk1"/>
+    </dgm:txFillClrLst>
+    <dgm:txEffectClrLst/>
+  </dgm:styleLbl>
+  <dgm:styleLbl name="dkBgShp">
+    <dgm:fillClrLst meth="repeat">
+      <a:schemeClr val="accent1">
+        <a:shade val="80000"/>
+      </a:schemeClr>
+    </dgm:fillClrLst>
+    <dgm:linClrLst meth="repeat">
+      <a:schemeClr val="accent1"/>
+    </dgm:linClrLst>
+    <dgm:effectClrLst/>
+    <dgm:txLinClrLst/>
+    <dgm:txFillClrLst meth="repeat">
+      <a:schemeClr val="lt1"/>
+    </dgm:txFillClrLst>
+    <dgm:txEffectClrLst/>
+  </dgm:styleLbl>
+  <dgm:styleLbl name="trBgShp">
+    <dgm:fillClrLst meth="repeat">
+      <a:schemeClr val="accent1">
+        <a:tint val="50000"/>
+        <a:alpha val="40000"/>
+      </a:schemeClr>
+    </dgm:fillClrLst>
+    <dgm:linClrLst meth="repeat">
+      <a:schemeClr val="accent1"/>
+    </dgm:linClrLst>
+    <dgm:effectClrLst/>
+    <dgm:txLinClrLst/>
+    <dgm:txFillClrLst meth="repeat">
+      <a:schemeClr val="lt1"/>
+    </dgm:txFillClrLst>
+    <dgm:txEffectClrLst/>
+  </dgm:styleLbl>
+  <dgm:styleLbl name="fgShp">
+    <dgm:fillClrLst meth="repeat">
+      <a:schemeClr val="accent1">
+        <a:tint val="60000"/>
+      </a:schemeClr>
+    </dgm:fillClrLst>
+    <dgm:linClrLst meth="repeat">
+      <a:schemeClr val="lt1"/>
+    </dgm:linClrLst>
+    <dgm:effectClrLst/>
+    <dgm:txLinClrLst/>
+    <dgm:txFillClrLst meth="repeat">
+      <a:schemeClr val="dk1"/>
+    </dgm:txFillClrLst>
+    <dgm:txEffectClrLst/>
+  </dgm:styleLbl>
+  <dgm:styleLbl name="revTx">
+    <dgm:fillClrLst meth="repeat">
+      <a:schemeClr val="lt1">
+        <a:alpha val="0"/>
+      </a:schemeClr>
+    </dgm:fillClrLst>
+    <dgm:linClrLst meth="repeat">
+      <a:schemeClr val="dk1">
+        <a:alpha val="0"/>
+      </a:schemeClr>
+    </dgm:linClrLst>
+    <dgm:effectClrLst/>
+    <dgm:txLinClrLst/>
+    <dgm:txFillClrLst meth="repeat">
+      <a:schemeClr val="tx1"/>
+    </dgm:txFillClrLst>
+    <dgm:txEffectClrLst/>
+  </dgm:styleLbl>
+</dgm:colorsDef>
+</file>
+
+<file path=ppt/diagrams/data1.xml><?xml version="1.0" encoding="utf-8"?>
+<dgm:dataModel xmlns:dgm="http://schemas.openxmlformats.org/drawingml/2006/diagram" xmlns:a="http://schemas.openxmlformats.org/drawingml/2006/main">
+  <dgm:ptLst>
+    <dgm:pt modelId="{934329CB-B6A6-4320-9C03-AA40BA07976E}" type="doc">
+      <dgm:prSet loTypeId="urn:microsoft.com/office/officeart/2005/8/layout/hProcess10" loCatId="picture" qsTypeId="urn:microsoft.com/office/officeart/2005/8/quickstyle/simple1" qsCatId="simple" csTypeId="urn:microsoft.com/office/officeart/2005/8/colors/accent1_2" csCatId="accent1" phldr="1"/>
+      <dgm:spPr/>
+      <dgm:t>
+        <a:bodyPr/>
+        <a:lstStyle/>
+        <a:p>
+          <a:endParaRPr lang="zh-CN" altLang="en-US"/>
+        </a:p>
+      </dgm:t>
+    </dgm:pt>
+    <dgm:pt modelId="{C88BC9B8-523C-473F-B61C-3D53DBF7BB4C}">
+      <dgm:prSet phldrT="[文本]"/>
+      <dgm:spPr/>
+      <dgm:t>
+        <a:bodyPr/>
+        <a:lstStyle/>
+        <a:p>
+          <a:r>
+            <a:rPr lang="zh-CN" altLang="en-US" dirty="0" smtClean="0"/>
+            <a:t>本地版本控制系统</a:t>
+          </a:r>
+          <a:endParaRPr lang="zh-CN" altLang="en-US" dirty="0"/>
+        </a:p>
+      </dgm:t>
+    </dgm:pt>
+    <dgm:pt modelId="{76200853-9A33-4FFC-BEEE-D0A6C7B986F5}" type="parTrans" cxnId="{3847E217-57EF-4DB3-844A-C3FAEFCB53FD}">
+      <dgm:prSet/>
+      <dgm:spPr/>
+      <dgm:t>
+        <a:bodyPr/>
+        <a:lstStyle/>
+        <a:p>
+          <a:endParaRPr lang="zh-CN" altLang="en-US"/>
+        </a:p>
+      </dgm:t>
+    </dgm:pt>
+    <dgm:pt modelId="{2837A235-EF5E-4A6D-97ED-4B6AC184603C}" type="sibTrans" cxnId="{3847E217-57EF-4DB3-844A-C3FAEFCB53FD}">
+      <dgm:prSet/>
+      <dgm:spPr/>
+      <dgm:t>
+        <a:bodyPr/>
+        <a:lstStyle/>
+        <a:p>
+          <a:endParaRPr lang="zh-CN" altLang="en-US"/>
+        </a:p>
+      </dgm:t>
+    </dgm:pt>
+    <dgm:pt modelId="{937D34FF-C1D9-4982-A7C6-E54C87B0362E}">
+      <dgm:prSet phldrT="[文本]"/>
+      <dgm:spPr/>
+      <dgm:t>
+        <a:bodyPr/>
+        <a:lstStyle/>
+        <a:p>
+          <a:r>
+            <a:rPr lang="zh-CN" altLang="en-US" dirty="0" smtClean="0"/>
+            <a:t>集中式版本控制系统</a:t>
+          </a:r>
+          <a:endParaRPr lang="zh-CN" altLang="en-US" dirty="0"/>
+        </a:p>
+      </dgm:t>
+    </dgm:pt>
+    <dgm:pt modelId="{E40085BE-C7B1-4786-BE9C-ED8D8B402846}" type="parTrans" cxnId="{820AFECC-216F-47F8-9C5E-B9B2B89EBD92}">
+      <dgm:prSet/>
+      <dgm:spPr/>
+      <dgm:t>
+        <a:bodyPr/>
+        <a:lstStyle/>
+        <a:p>
+          <a:endParaRPr lang="zh-CN" altLang="en-US"/>
+        </a:p>
+      </dgm:t>
+    </dgm:pt>
+    <dgm:pt modelId="{A85123EC-1BDE-4D24-8F7D-68836D56E7AE}" type="sibTrans" cxnId="{820AFECC-216F-47F8-9C5E-B9B2B89EBD92}">
+      <dgm:prSet/>
+      <dgm:spPr/>
+      <dgm:t>
+        <a:bodyPr/>
+        <a:lstStyle/>
+        <a:p>
+          <a:endParaRPr lang="zh-CN" altLang="en-US"/>
+        </a:p>
+      </dgm:t>
+    </dgm:pt>
+    <dgm:pt modelId="{1A44F27A-7F4E-4512-A75A-CF11AA084757}">
+      <dgm:prSet phldrT="[文本]"/>
+      <dgm:spPr/>
+      <dgm:t>
+        <a:bodyPr/>
+        <a:lstStyle/>
+        <a:p>
+          <a:r>
+            <a:rPr lang="zh-CN" altLang="en-US" dirty="0" smtClean="0"/>
+            <a:t>分布式版本控制系统</a:t>
+          </a:r>
+          <a:endParaRPr lang="zh-CN" altLang="en-US" dirty="0"/>
+        </a:p>
+      </dgm:t>
+    </dgm:pt>
+    <dgm:pt modelId="{8C5BF192-6210-4BFD-B432-675D95C86F87}" type="parTrans" cxnId="{21D2C721-692D-4CFA-B1D3-02B3D46FABBD}">
+      <dgm:prSet/>
+      <dgm:spPr/>
+      <dgm:t>
+        <a:bodyPr/>
+        <a:lstStyle/>
+        <a:p>
+          <a:endParaRPr lang="zh-CN" altLang="en-US"/>
+        </a:p>
+      </dgm:t>
+    </dgm:pt>
+    <dgm:pt modelId="{CCE28D2C-D176-40E5-8786-D34FEAE9EFE9}" type="sibTrans" cxnId="{21D2C721-692D-4CFA-B1D3-02B3D46FABBD}">
+      <dgm:prSet/>
+      <dgm:spPr/>
+      <dgm:t>
+        <a:bodyPr/>
+        <a:lstStyle/>
+        <a:p>
+          <a:endParaRPr lang="zh-CN" altLang="en-US"/>
+        </a:p>
+      </dgm:t>
+    </dgm:pt>
+    <dgm:pt modelId="{84BB8B93-C404-424E-B2E0-16761659C69D}" type="pres">
+      <dgm:prSet presAssocID="{934329CB-B6A6-4320-9C03-AA40BA07976E}" presName="Name0" presStyleCnt="0">
+        <dgm:presLayoutVars>
+          <dgm:dir/>
+          <dgm:resizeHandles val="exact"/>
+        </dgm:presLayoutVars>
+      </dgm:prSet>
+      <dgm:spPr/>
+    </dgm:pt>
+    <dgm:pt modelId="{D34ACE30-A7D5-4E69-9AA8-1CE24295FE03}" type="pres">
+      <dgm:prSet presAssocID="{C88BC9B8-523C-473F-B61C-3D53DBF7BB4C}" presName="composite" presStyleCnt="0"/>
+      <dgm:spPr/>
+    </dgm:pt>
+    <dgm:pt modelId="{E55200D8-2051-4418-B552-66A1397DDB4B}" type="pres">
+      <dgm:prSet presAssocID="{C88BC9B8-523C-473F-B61C-3D53DBF7BB4C}" presName="imagSh" presStyleLbl="bgImgPlace1" presStyleIdx="0" presStyleCnt="3" custScaleX="169418" custScaleY="162930" custLinFactNeighborX="-103" custLinFactNeighborY="-28366"/>
+      <dgm:spPr>
+        <a:prstGeom prst="rect">
+          <a:avLst/>
+        </a:prstGeom>
+        <a:blipFill>
+          <a:blip xmlns:r="http://schemas.openxmlformats.org/officeDocument/2006/relationships" r:embed="rId1">
+            <a:extLst>
+              <a:ext uri="{28A0092B-C50C-407E-A947-70E740481C1C}">
+                <a14:useLocalDpi xmlns:a14="http://schemas.microsoft.com/office/drawing/2010/main" val="0"/>
+              </a:ext>
+            </a:extLst>
+          </a:blip>
+          <a:srcRect/>
+          <a:stretch>
+            <a:fillRect l="-10000" r="-10000"/>
+          </a:stretch>
+        </a:blipFill>
+      </dgm:spPr>
+    </dgm:pt>
+    <dgm:pt modelId="{FAB7234C-2615-4AD6-84B0-DE9855755F5E}" type="pres">
+      <dgm:prSet presAssocID="{C88BC9B8-523C-473F-B61C-3D53DBF7BB4C}" presName="txNode" presStyleLbl="node1" presStyleIdx="0" presStyleCnt="3" custScaleY="24336" custLinFactY="-76951" custLinFactNeighborX="3750" custLinFactNeighborY="-100000">
+        <dgm:presLayoutVars>
+          <dgm:bulletEnabled val="1"/>
+        </dgm:presLayoutVars>
+      </dgm:prSet>
+      <dgm:spPr/>
+      <dgm:t>
+        <a:bodyPr/>
+        <a:lstStyle/>
+        <a:p>
+          <a:endParaRPr lang="zh-CN" altLang="en-US"/>
+        </a:p>
+      </dgm:t>
+    </dgm:pt>
+    <dgm:pt modelId="{9328B944-CC70-4724-9EFD-28657D998933}" type="pres">
+      <dgm:prSet presAssocID="{2837A235-EF5E-4A6D-97ED-4B6AC184603C}" presName="sibTrans" presStyleLbl="sibTrans2D1" presStyleIdx="0" presStyleCnt="2"/>
+      <dgm:spPr/>
+    </dgm:pt>
+    <dgm:pt modelId="{C35CE72F-8A6C-481C-98F2-C2DADDB2703E}" type="pres">
+      <dgm:prSet presAssocID="{2837A235-EF5E-4A6D-97ED-4B6AC184603C}" presName="connTx" presStyleLbl="sibTrans2D1" presStyleIdx="0" presStyleCnt="2"/>
+      <dgm:spPr/>
+    </dgm:pt>
+    <dgm:pt modelId="{AAD1EC3C-B231-496A-87C6-49ECA5FE39F4}" type="pres">
+      <dgm:prSet presAssocID="{937D34FF-C1D9-4982-A7C6-E54C87B0362E}" presName="composite" presStyleCnt="0"/>
+      <dgm:spPr/>
+    </dgm:pt>
+    <dgm:pt modelId="{F3068E0C-3334-42E2-BE91-8D4924A8725B}" type="pres">
+      <dgm:prSet presAssocID="{937D34FF-C1D9-4982-A7C6-E54C87B0362E}" presName="imagSh" presStyleLbl="bgImgPlace1" presStyleIdx="1" presStyleCnt="3" custScaleX="180137" custScaleY="166786" custLinFactNeighborX="-2838" custLinFactNeighborY="-30789"/>
+      <dgm:spPr>
+        <a:prstGeom prst="rect">
+          <a:avLst/>
+        </a:prstGeom>
+        <a:blipFill>
+          <a:blip xmlns:r="http://schemas.openxmlformats.org/officeDocument/2006/relationships" r:embed="rId2">
+            <a:extLst>
+              <a:ext uri="{28A0092B-C50C-407E-A947-70E740481C1C}">
+                <a14:useLocalDpi xmlns:a14="http://schemas.microsoft.com/office/drawing/2010/main" val="0"/>
+              </a:ext>
+            </a:extLst>
+          </a:blip>
+          <a:srcRect/>
+          <a:stretch>
+            <a:fillRect l="-8000" r="-8000"/>
+          </a:stretch>
+        </a:blipFill>
+      </dgm:spPr>
+    </dgm:pt>
+    <dgm:pt modelId="{5581A023-3673-4CD0-8275-42C7E978033D}" type="pres">
+      <dgm:prSet presAssocID="{937D34FF-C1D9-4982-A7C6-E54C87B0362E}" presName="txNode" presStyleLbl="node1" presStyleIdx="1" presStyleCnt="3" custScaleY="24336" custLinFactY="-76951" custLinFactNeighborX="5416" custLinFactNeighborY="-100000">
+        <dgm:presLayoutVars>
+          <dgm:bulletEnabled val="1"/>
+        </dgm:presLayoutVars>
+      </dgm:prSet>
+      <dgm:spPr/>
+      <dgm:t>
+        <a:bodyPr/>
+        <a:lstStyle/>
+        <a:p>
+          <a:endParaRPr lang="zh-CN" altLang="en-US"/>
+        </a:p>
+      </dgm:t>
+    </dgm:pt>
+    <dgm:pt modelId="{4E3BD2A8-EE6A-419D-9A5C-50F519CC552C}" type="pres">
+      <dgm:prSet presAssocID="{A85123EC-1BDE-4D24-8F7D-68836D56E7AE}" presName="sibTrans" presStyleLbl="sibTrans2D1" presStyleIdx="1" presStyleCnt="2"/>
+      <dgm:spPr/>
+    </dgm:pt>
+    <dgm:pt modelId="{2CE78548-594A-4EF7-B903-7A30A4876139}" type="pres">
+      <dgm:prSet presAssocID="{A85123EC-1BDE-4D24-8F7D-68836D56E7AE}" presName="connTx" presStyleLbl="sibTrans2D1" presStyleIdx="1" presStyleCnt="2"/>
+      <dgm:spPr/>
+    </dgm:pt>
+    <dgm:pt modelId="{0023386A-7B5B-4282-B0D5-FB622343CC99}" type="pres">
+      <dgm:prSet presAssocID="{1A44F27A-7F4E-4512-A75A-CF11AA084757}" presName="composite" presStyleCnt="0"/>
+      <dgm:spPr/>
+    </dgm:pt>
+    <dgm:pt modelId="{BF05B40C-1B8C-40CD-AD19-77BE3EE87E52}" type="pres">
+      <dgm:prSet presAssocID="{1A44F27A-7F4E-4512-A75A-CF11AA084757}" presName="imagSh" presStyleLbl="bgImgPlace1" presStyleIdx="2" presStyleCnt="3" custScaleX="167836" custScaleY="174215" custLinFactNeighborX="6614" custLinFactNeighborY="-24939"/>
+      <dgm:spPr>
+        <a:prstGeom prst="rect">
+          <a:avLst/>
+        </a:prstGeom>
+        <a:blipFill>
+          <a:blip xmlns:r="http://schemas.openxmlformats.org/officeDocument/2006/relationships" r:embed="rId3">
+            <a:extLst>
+              <a:ext uri="{28A0092B-C50C-407E-A947-70E740481C1C}">
+                <a14:useLocalDpi xmlns:a14="http://schemas.microsoft.com/office/drawing/2010/main" val="0"/>
+              </a:ext>
+            </a:extLst>
+          </a:blip>
+          <a:srcRect/>
+          <a:stretch>
+            <a:fillRect t="-8000" b="-8000"/>
+          </a:stretch>
+        </a:blipFill>
+      </dgm:spPr>
+    </dgm:pt>
+    <dgm:pt modelId="{037E3C03-F28A-46B0-A5BA-C23A8C32EAE9}" type="pres">
+      <dgm:prSet presAssocID="{1A44F27A-7F4E-4512-A75A-CF11AA084757}" presName="txNode" presStyleLbl="node1" presStyleIdx="2" presStyleCnt="3" custScaleX="109564" custScaleY="24337" custLinFactY="-77377" custLinFactNeighborX="-10831" custLinFactNeighborY="-100000">
+        <dgm:presLayoutVars>
+          <dgm:bulletEnabled val="1"/>
+        </dgm:presLayoutVars>
+      </dgm:prSet>
+      <dgm:spPr/>
+      <dgm:t>
+        <a:bodyPr/>
+        <a:lstStyle/>
+        <a:p>
+          <a:endParaRPr lang="zh-CN" altLang="en-US"/>
+        </a:p>
+      </dgm:t>
+    </dgm:pt>
+  </dgm:ptLst>
+  <dgm:cxnLst>
+    <dgm:cxn modelId="{2C3FD234-865B-4EF0-95CD-90E9F3F3E829}" type="presOf" srcId="{937D34FF-C1D9-4982-A7C6-E54C87B0362E}" destId="{5581A023-3673-4CD0-8275-42C7E978033D}" srcOrd="0" destOrd="0" presId="urn:microsoft.com/office/officeart/2005/8/layout/hProcess10"/>
+    <dgm:cxn modelId="{1B0F345E-F71F-4338-A996-37D9D11FC3DA}" type="presOf" srcId="{2837A235-EF5E-4A6D-97ED-4B6AC184603C}" destId="{C35CE72F-8A6C-481C-98F2-C2DADDB2703E}" srcOrd="1" destOrd="0" presId="urn:microsoft.com/office/officeart/2005/8/layout/hProcess10"/>
+    <dgm:cxn modelId="{3847E217-57EF-4DB3-844A-C3FAEFCB53FD}" srcId="{934329CB-B6A6-4320-9C03-AA40BA07976E}" destId="{C88BC9B8-523C-473F-B61C-3D53DBF7BB4C}" srcOrd="0" destOrd="0" parTransId="{76200853-9A33-4FFC-BEEE-D0A6C7B986F5}" sibTransId="{2837A235-EF5E-4A6D-97ED-4B6AC184603C}"/>
+    <dgm:cxn modelId="{F35AF972-5D6C-4A66-BABF-72C90AF6D9C6}" type="presOf" srcId="{934329CB-B6A6-4320-9C03-AA40BA07976E}" destId="{84BB8B93-C404-424E-B2E0-16761659C69D}" srcOrd="0" destOrd="0" presId="urn:microsoft.com/office/officeart/2005/8/layout/hProcess10"/>
+    <dgm:cxn modelId="{9252AACF-10AC-418F-BF42-6C0DE6EC31BB}" type="presOf" srcId="{A85123EC-1BDE-4D24-8F7D-68836D56E7AE}" destId="{2CE78548-594A-4EF7-B903-7A30A4876139}" srcOrd="1" destOrd="0" presId="urn:microsoft.com/office/officeart/2005/8/layout/hProcess10"/>
+    <dgm:cxn modelId="{A6E47CAD-0F23-4ACF-81CD-672B94D5F06F}" type="presOf" srcId="{1A44F27A-7F4E-4512-A75A-CF11AA084757}" destId="{037E3C03-F28A-46B0-A5BA-C23A8C32EAE9}" srcOrd="0" destOrd="0" presId="urn:microsoft.com/office/officeart/2005/8/layout/hProcess10"/>
+    <dgm:cxn modelId="{820AFECC-216F-47F8-9C5E-B9B2B89EBD92}" srcId="{934329CB-B6A6-4320-9C03-AA40BA07976E}" destId="{937D34FF-C1D9-4982-A7C6-E54C87B0362E}" srcOrd="1" destOrd="0" parTransId="{E40085BE-C7B1-4786-BE9C-ED8D8B402846}" sibTransId="{A85123EC-1BDE-4D24-8F7D-68836D56E7AE}"/>
+    <dgm:cxn modelId="{FD519104-2D49-4155-BEBF-13C508BF14D5}" type="presOf" srcId="{C88BC9B8-523C-473F-B61C-3D53DBF7BB4C}" destId="{FAB7234C-2615-4AD6-84B0-DE9855755F5E}" srcOrd="0" destOrd="0" presId="urn:microsoft.com/office/officeart/2005/8/layout/hProcess10"/>
+    <dgm:cxn modelId="{758934E4-D2BB-4621-B022-8A9E1500B398}" type="presOf" srcId="{2837A235-EF5E-4A6D-97ED-4B6AC184603C}" destId="{9328B944-CC70-4724-9EFD-28657D998933}" srcOrd="0" destOrd="0" presId="urn:microsoft.com/office/officeart/2005/8/layout/hProcess10"/>
+    <dgm:cxn modelId="{21D2C721-692D-4CFA-B1D3-02B3D46FABBD}" srcId="{934329CB-B6A6-4320-9C03-AA40BA07976E}" destId="{1A44F27A-7F4E-4512-A75A-CF11AA084757}" srcOrd="2" destOrd="0" parTransId="{8C5BF192-6210-4BFD-B432-675D95C86F87}" sibTransId="{CCE28D2C-D176-40E5-8786-D34FEAE9EFE9}"/>
+    <dgm:cxn modelId="{C6A2B1FF-82D3-4493-9F43-B0BD029F245E}" type="presOf" srcId="{A85123EC-1BDE-4D24-8F7D-68836D56E7AE}" destId="{4E3BD2A8-EE6A-419D-9A5C-50F519CC552C}" srcOrd="0" destOrd="0" presId="urn:microsoft.com/office/officeart/2005/8/layout/hProcess10"/>
+    <dgm:cxn modelId="{EB0C439D-2F30-4467-8836-E86A6364EE81}" type="presParOf" srcId="{84BB8B93-C404-424E-B2E0-16761659C69D}" destId="{D34ACE30-A7D5-4E69-9AA8-1CE24295FE03}" srcOrd="0" destOrd="0" presId="urn:microsoft.com/office/officeart/2005/8/layout/hProcess10"/>
+    <dgm:cxn modelId="{36286C9C-A416-442F-BA2F-70A4752DFB6C}" type="presParOf" srcId="{D34ACE30-A7D5-4E69-9AA8-1CE24295FE03}" destId="{E55200D8-2051-4418-B552-66A1397DDB4B}" srcOrd="0" destOrd="0" presId="urn:microsoft.com/office/officeart/2005/8/layout/hProcess10"/>
+    <dgm:cxn modelId="{FADACF77-A232-436C-AC26-A5B959C5C7AC}" type="presParOf" srcId="{D34ACE30-A7D5-4E69-9AA8-1CE24295FE03}" destId="{FAB7234C-2615-4AD6-84B0-DE9855755F5E}" srcOrd="1" destOrd="0" presId="urn:microsoft.com/office/officeart/2005/8/layout/hProcess10"/>
+    <dgm:cxn modelId="{4F06B7BF-C331-4225-83C5-47BC26668A2C}" type="presParOf" srcId="{84BB8B93-C404-424E-B2E0-16761659C69D}" destId="{9328B944-CC70-4724-9EFD-28657D998933}" srcOrd="1" destOrd="0" presId="urn:microsoft.com/office/officeart/2005/8/layout/hProcess10"/>
+    <dgm:cxn modelId="{64C7116F-63CA-431E-9FF3-A8CAF47FDA41}" type="presParOf" srcId="{9328B944-CC70-4724-9EFD-28657D998933}" destId="{C35CE72F-8A6C-481C-98F2-C2DADDB2703E}" srcOrd="0" destOrd="0" presId="urn:microsoft.com/office/officeart/2005/8/layout/hProcess10"/>
+    <dgm:cxn modelId="{075BF7A8-0105-4092-A054-8A63C4FE1C18}" type="presParOf" srcId="{84BB8B93-C404-424E-B2E0-16761659C69D}" destId="{AAD1EC3C-B231-496A-87C6-49ECA5FE39F4}" srcOrd="2" destOrd="0" presId="urn:microsoft.com/office/officeart/2005/8/layout/hProcess10"/>
+    <dgm:cxn modelId="{C6D9A295-2FA9-4DD1-AC82-AB27A5A6F8F8}" type="presParOf" srcId="{AAD1EC3C-B231-496A-87C6-49ECA5FE39F4}" destId="{F3068E0C-3334-42E2-BE91-8D4924A8725B}" srcOrd="0" destOrd="0" presId="urn:microsoft.com/office/officeart/2005/8/layout/hProcess10"/>
+    <dgm:cxn modelId="{E67852EC-7699-4F21-8496-B29F77C9B7D0}" type="presParOf" srcId="{AAD1EC3C-B231-496A-87C6-49ECA5FE39F4}" destId="{5581A023-3673-4CD0-8275-42C7E978033D}" srcOrd="1" destOrd="0" presId="urn:microsoft.com/office/officeart/2005/8/layout/hProcess10"/>
+    <dgm:cxn modelId="{8DD972DB-62A8-4108-BDCF-45772403194B}" type="presParOf" srcId="{84BB8B93-C404-424E-B2E0-16761659C69D}" destId="{4E3BD2A8-EE6A-419D-9A5C-50F519CC552C}" srcOrd="3" destOrd="0" presId="urn:microsoft.com/office/officeart/2005/8/layout/hProcess10"/>
+    <dgm:cxn modelId="{045C19B7-DE69-4835-BC74-EDC9F093DD62}" type="presParOf" srcId="{4E3BD2A8-EE6A-419D-9A5C-50F519CC552C}" destId="{2CE78548-594A-4EF7-B903-7A30A4876139}" srcOrd="0" destOrd="0" presId="urn:microsoft.com/office/officeart/2005/8/layout/hProcess10"/>
+    <dgm:cxn modelId="{C989210F-2367-4F28-9590-AD9C977D55C6}" type="presParOf" srcId="{84BB8B93-C404-424E-B2E0-16761659C69D}" destId="{0023386A-7B5B-4282-B0D5-FB622343CC99}" srcOrd="4" destOrd="0" presId="urn:microsoft.com/office/officeart/2005/8/layout/hProcess10"/>
+    <dgm:cxn modelId="{5086711B-59FF-45E5-92C8-0A0C7E0178F9}" type="presParOf" srcId="{0023386A-7B5B-4282-B0D5-FB622343CC99}" destId="{BF05B40C-1B8C-40CD-AD19-77BE3EE87E52}" srcOrd="0" destOrd="0" presId="urn:microsoft.com/office/officeart/2005/8/layout/hProcess10"/>
+    <dgm:cxn modelId="{C543A782-C346-4396-9EE7-0478E73E3B2A}" type="presParOf" srcId="{0023386A-7B5B-4282-B0D5-FB622343CC99}" destId="{037E3C03-F28A-46B0-A5BA-C23A8C32EAE9}" srcOrd="1" destOrd="0" presId="urn:microsoft.com/office/officeart/2005/8/layout/hProcess10"/>
+  </dgm:cxnLst>
+  <dgm:bg/>
+  <dgm:whole/>
+  <dgm:extLst>
+    <a:ext uri="http://schemas.microsoft.com/office/drawing/2008/diagram">
+      <dsp:dataModelExt xmlns:dsp="http://schemas.microsoft.com/office/drawing/2008/diagram" relId="rId7" minVer="http://schemas.openxmlformats.org/drawingml/2006/diagram"/>
+    </a:ext>
+  </dgm:extLst>
+</dgm:dataModel>
+</file>
+
+<file path=ppt/diagrams/drawing1.xml><?xml version="1.0" encoding="utf-8"?>
+<dsp:drawing xmlns:dgm="http://schemas.openxmlformats.org/drawingml/2006/diagram" xmlns:dsp="http://schemas.microsoft.com/office/drawing/2008/diagram" xmlns:a="http://schemas.openxmlformats.org/drawingml/2006/main">
+  <dsp:spTree>
+    <dsp:nvGrpSpPr>
+      <dsp:cNvPr id="0" name=""/>
+      <dsp:cNvGrpSpPr/>
+    </dsp:nvGrpSpPr>
+    <dsp:grpSpPr/>
+    <dsp:sp modelId="{E55200D8-2051-4418-B552-66A1397DDB4B}">
+      <dsp:nvSpPr>
+        <dsp:cNvPr id="0" name=""/>
+        <dsp:cNvSpPr/>
+      </dsp:nvSpPr>
+      <dsp:spPr>
+        <a:xfrm>
+          <a:off x="1808" y="722479"/>
+          <a:ext cx="2551018" cy="2453324"/>
+        </a:xfrm>
+        <a:prstGeom prst="rect">
+          <a:avLst/>
+        </a:prstGeom>
+        <a:blipFill>
+          <a:blip xmlns:r="http://schemas.openxmlformats.org/officeDocument/2006/relationships" r:embed="rId1">
+            <a:extLst>
+              <a:ext uri="{28A0092B-C50C-407E-A947-70E740481C1C}">
+                <a14:useLocalDpi xmlns:a14="http://schemas.microsoft.com/office/drawing/2010/main" val="0"/>
+              </a:ext>
+            </a:extLst>
+          </a:blip>
+          <a:srcRect/>
+          <a:stretch>
+            <a:fillRect l="-10000" r="-10000"/>
+          </a:stretch>
+        </a:blipFill>
+        <a:ln w="25400" cap="flat" cmpd="sng" algn="ctr">
+          <a:solidFill>
+            <a:schemeClr val="lt1">
+              <a:hueOff val="0"/>
+              <a:satOff val="0"/>
+              <a:lumOff val="0"/>
+              <a:alphaOff val="0"/>
+            </a:schemeClr>
+          </a:solidFill>
+          <a:prstDash val="solid"/>
+        </a:ln>
+        <a:effectLst/>
+      </dsp:spPr>
+      <dsp:style>
+        <a:lnRef idx="2">
+          <a:scrgbClr r="0" g="0" b="0"/>
+        </a:lnRef>
+        <a:fillRef idx="1">
+          <a:scrgbClr r="0" g="0" b="0"/>
+        </a:fillRef>
+        <a:effectRef idx="0">
+          <a:scrgbClr r="0" g="0" b="0"/>
+        </a:effectRef>
+        <a:fontRef idx="minor"/>
+      </dsp:style>
+    </dsp:sp>
+    <dsp:sp modelId="{FAB7234C-2615-4AD6-84B0-DE9855755F5E}">
+      <dsp:nvSpPr>
+        <dsp:cNvPr id="0" name=""/>
+        <dsp:cNvSpPr/>
+      </dsp:nvSpPr>
+      <dsp:spPr>
+        <a:xfrm>
+          <a:off x="827579" y="432049"/>
+          <a:ext cx="1505753" cy="366440"/>
+        </a:xfrm>
+        <a:prstGeom prst="roundRect">
+          <a:avLst>
+            <a:gd name="adj" fmla="val 10000"/>
+          </a:avLst>
+        </a:prstGeom>
+        <a:solidFill>
+          <a:schemeClr val="accent1">
+            <a:hueOff val="0"/>
+            <a:satOff val="0"/>
+            <a:lumOff val="0"/>
+            <a:alphaOff val="0"/>
+          </a:schemeClr>
+        </a:solidFill>
+        <a:ln w="25400" cap="flat" cmpd="sng" algn="ctr">
+          <a:solidFill>
+            <a:schemeClr val="lt1">
+              <a:hueOff val="0"/>
+              <a:satOff val="0"/>
+              <a:lumOff val="0"/>
+              <a:alphaOff val="0"/>
+            </a:schemeClr>
+          </a:solidFill>
+          <a:prstDash val="solid"/>
+        </a:ln>
+        <a:effectLst/>
+      </dsp:spPr>
+      <dsp:style>
+        <a:lnRef idx="2">
+          <a:scrgbClr r="0" g="0" b="0"/>
+        </a:lnRef>
+        <a:fillRef idx="1">
+          <a:scrgbClr r="0" g="0" b="0"/>
+        </a:fillRef>
+        <a:effectRef idx="0">
+          <a:scrgbClr r="0" g="0" b="0"/>
+        </a:effectRef>
+        <a:fontRef idx="minor">
+          <a:schemeClr val="lt1"/>
+        </a:fontRef>
+      </dsp:style>
+      <dsp:txBody>
+        <a:bodyPr spcFirstLastPara="0" vert="horz" wrap="square" lIns="45720" tIns="45720" rIns="45720" bIns="45720" numCol="1" spcCol="1270" anchor="ctr" anchorCtr="0">
+          <a:noAutofit/>
+        </a:bodyPr>
+        <a:lstStyle/>
+        <a:p>
+          <a:pPr lvl="0" algn="ctr" defTabSz="533400">
+            <a:lnSpc>
+              <a:spcPct val="90000"/>
+            </a:lnSpc>
+            <a:spcBef>
+              <a:spcPct val="0"/>
+            </a:spcBef>
+            <a:spcAft>
+              <a:spcPct val="35000"/>
+            </a:spcAft>
+          </a:pPr>
+          <a:r>
+            <a:rPr lang="zh-CN" altLang="en-US" sz="1200" kern="1200" dirty="0" smtClean="0"/>
+            <a:t>本地版本控制系统</a:t>
+          </a:r>
+          <a:endParaRPr lang="zh-CN" altLang="en-US" sz="1200" kern="1200" dirty="0"/>
+        </a:p>
+      </dsp:txBody>
+      <dsp:txXfrm>
+        <a:off x="838312" y="442782"/>
+        <a:ext cx="1484287" cy="344974"/>
+      </dsp:txXfrm>
+    </dsp:sp>
+    <dsp:sp modelId="{9328B944-CC70-4724-9EFD-28657D998933}">
+      <dsp:nvSpPr>
+        <dsp:cNvPr id="0" name=""/>
+        <dsp:cNvSpPr/>
+      </dsp:nvSpPr>
+      <dsp:spPr>
+        <a:xfrm rot="21560487">
+          <a:off x="2742654" y="1750301"/>
+          <a:ext cx="189847" cy="361811"/>
+        </a:xfrm>
+        <a:prstGeom prst="rightArrow">
+          <a:avLst>
+            <a:gd name="adj1" fmla="val 60000"/>
+            <a:gd name="adj2" fmla="val 50000"/>
+          </a:avLst>
+        </a:prstGeom>
+        <a:solidFill>
+          <a:schemeClr val="accent1">
+            <a:tint val="60000"/>
+            <a:hueOff val="0"/>
+            <a:satOff val="0"/>
+            <a:lumOff val="0"/>
+            <a:alphaOff val="0"/>
+          </a:schemeClr>
+        </a:solidFill>
+        <a:ln>
+          <a:noFill/>
+        </a:ln>
+        <a:effectLst/>
+      </dsp:spPr>
+      <dsp:style>
+        <a:lnRef idx="0">
+          <a:scrgbClr r="0" g="0" b="0"/>
+        </a:lnRef>
+        <a:fillRef idx="1">
+          <a:scrgbClr r="0" g="0" b="0"/>
+        </a:fillRef>
+        <a:effectRef idx="0">
+          <a:scrgbClr r="0" g="0" b="0"/>
+        </a:effectRef>
+        <a:fontRef idx="minor">
+          <a:schemeClr val="lt1"/>
+        </a:fontRef>
+      </dsp:style>
+      <dsp:txBody>
+        <a:bodyPr spcFirstLastPara="0" vert="horz" wrap="square" lIns="0" tIns="0" rIns="0" bIns="0" numCol="1" spcCol="1270" anchor="ctr" anchorCtr="0">
+          <a:noAutofit/>
+        </a:bodyPr>
+        <a:lstStyle/>
+        <a:p>
+          <a:pPr lvl="0" algn="ctr" defTabSz="444500">
+            <a:lnSpc>
+              <a:spcPct val="90000"/>
+            </a:lnSpc>
+            <a:spcBef>
+              <a:spcPct val="0"/>
+            </a:spcBef>
+            <a:spcAft>
+              <a:spcPct val="35000"/>
+            </a:spcAft>
+          </a:pPr>
+          <a:endParaRPr lang="zh-CN" altLang="en-US" sz="1000" kern="1200"/>
+        </a:p>
+      </dsp:txBody>
+      <dsp:txXfrm>
+        <a:off x="2742656" y="1822990"/>
+        <a:ext cx="132893" cy="217087"/>
+      </dsp:txXfrm>
+    </dsp:sp>
+    <dsp:sp modelId="{F3068E0C-3334-42E2-BE91-8D4924A8725B}">
+      <dsp:nvSpPr>
+        <dsp:cNvPr id="0" name=""/>
+        <dsp:cNvSpPr/>
+      </dsp:nvSpPr>
+      <dsp:spPr>
+        <a:xfrm>
+          <a:off x="3095211" y="656964"/>
+          <a:ext cx="2712419" cy="2511386"/>
+        </a:xfrm>
+        <a:prstGeom prst="rect">
+          <a:avLst/>
+        </a:prstGeom>
+        <a:blipFill>
+          <a:blip xmlns:r="http://schemas.openxmlformats.org/officeDocument/2006/relationships" r:embed="rId2">
+            <a:extLst>
+              <a:ext uri="{28A0092B-C50C-407E-A947-70E740481C1C}">
+                <a14:useLocalDpi xmlns:a14="http://schemas.microsoft.com/office/drawing/2010/main" val="0"/>
+              </a:ext>
+            </a:extLst>
+          </a:blip>
+          <a:srcRect/>
+          <a:stretch>
+            <a:fillRect l="-8000" r="-8000"/>
+          </a:stretch>
+        </a:blipFill>
+        <a:ln w="25400" cap="flat" cmpd="sng" algn="ctr">
+          <a:solidFill>
+            <a:schemeClr val="lt1">
+              <a:hueOff val="0"/>
+              <a:satOff val="0"/>
+              <a:lumOff val="0"/>
+              <a:alphaOff val="0"/>
+            </a:schemeClr>
+          </a:solidFill>
+          <a:prstDash val="solid"/>
+        </a:ln>
+        <a:effectLst/>
+      </dsp:spPr>
+      <dsp:style>
+        <a:lnRef idx="2">
+          <a:scrgbClr r="0" g="0" b="0"/>
+        </a:lnRef>
+        <a:fillRef idx="1">
+          <a:scrgbClr r="0" g="0" b="0"/>
+        </a:fillRef>
+        <a:effectRef idx="0">
+          <a:scrgbClr r="0" g="0" b="0"/>
+        </a:effectRef>
+        <a:fontRef idx="minor"/>
+      </dsp:style>
+    </dsp:sp>
+    <dsp:sp modelId="{5581A023-3673-4CD0-8275-42C7E978033D}">
+      <dsp:nvSpPr>
+        <dsp:cNvPr id="0" name=""/>
+        <dsp:cNvSpPr/>
+      </dsp:nvSpPr>
+      <dsp:spPr>
+        <a:xfrm>
+          <a:off x="4067951" y="432049"/>
+          <a:ext cx="1505753" cy="366440"/>
+        </a:xfrm>
+        <a:prstGeom prst="roundRect">
+          <a:avLst>
+            <a:gd name="adj" fmla="val 10000"/>
+          </a:avLst>
+        </a:prstGeom>
+        <a:solidFill>
+          <a:schemeClr val="accent1">
+            <a:hueOff val="0"/>
+            <a:satOff val="0"/>
+            <a:lumOff val="0"/>
+            <a:alphaOff val="0"/>
+          </a:schemeClr>
+        </a:solidFill>
+        <a:ln w="25400" cap="flat" cmpd="sng" algn="ctr">
+          <a:solidFill>
+            <a:schemeClr val="lt1">
+              <a:hueOff val="0"/>
+              <a:satOff val="0"/>
+              <a:lumOff val="0"/>
+              <a:alphaOff val="0"/>
+            </a:schemeClr>
+          </a:solidFill>
+          <a:prstDash val="solid"/>
+        </a:ln>
+        <a:effectLst/>
+      </dsp:spPr>
+      <dsp:style>
+        <a:lnRef idx="2">
+          <a:scrgbClr r="0" g="0" b="0"/>
+        </a:lnRef>
+        <a:fillRef idx="1">
+          <a:scrgbClr r="0" g="0" b="0"/>
+        </a:fillRef>
+        <a:effectRef idx="0">
+          <a:scrgbClr r="0" g="0" b="0"/>
+        </a:effectRef>
+        <a:fontRef idx="minor">
+          <a:schemeClr val="lt1"/>
+        </a:fontRef>
+      </dsp:style>
+      <dsp:txBody>
+        <a:bodyPr spcFirstLastPara="0" vert="horz" wrap="square" lIns="45720" tIns="45720" rIns="45720" bIns="45720" numCol="1" spcCol="1270" anchor="ctr" anchorCtr="0">
+          <a:noAutofit/>
+        </a:bodyPr>
+        <a:lstStyle/>
+        <a:p>
+          <a:pPr lvl="0" algn="ctr" defTabSz="533400">
+            <a:lnSpc>
+              <a:spcPct val="90000"/>
+            </a:lnSpc>
+            <a:spcBef>
+              <a:spcPct val="0"/>
+            </a:spcBef>
+            <a:spcAft>
+              <a:spcPct val="35000"/>
+            </a:spcAft>
+          </a:pPr>
+          <a:r>
+            <a:rPr lang="zh-CN" altLang="en-US" sz="1200" kern="1200" dirty="0" smtClean="0"/>
+            <a:t>集中式版本控制系统</a:t>
+          </a:r>
+          <a:endParaRPr lang="zh-CN" altLang="en-US" sz="1200" kern="1200" dirty="0"/>
+        </a:p>
+      </dsp:txBody>
+      <dsp:txXfrm>
+        <a:off x="4078684" y="442782"/>
+        <a:ext cx="1484287" cy="344974"/>
+      </dsp:txXfrm>
+    </dsp:sp>
+    <dsp:sp modelId="{4E3BD2A8-EE6A-419D-9A5C-50F519CC552C}">
+      <dsp:nvSpPr>
+        <dsp:cNvPr id="0" name=""/>
+        <dsp:cNvSpPr/>
+      </dsp:nvSpPr>
+      <dsp:spPr>
+        <a:xfrm rot="93168">
+          <a:off x="6027971" y="1777476"/>
+          <a:ext cx="220461" cy="361811"/>
+        </a:xfrm>
+        <a:prstGeom prst="rightArrow">
+          <a:avLst>
+            <a:gd name="adj1" fmla="val 60000"/>
+            <a:gd name="adj2" fmla="val 50000"/>
+          </a:avLst>
+        </a:prstGeom>
+        <a:solidFill>
+          <a:schemeClr val="accent1">
+            <a:tint val="60000"/>
+            <a:hueOff val="0"/>
+            <a:satOff val="0"/>
+            <a:lumOff val="0"/>
+            <a:alphaOff val="0"/>
+          </a:schemeClr>
+        </a:solidFill>
+        <a:ln>
+          <a:noFill/>
+        </a:ln>
+        <a:effectLst/>
+      </dsp:spPr>
+      <dsp:style>
+        <a:lnRef idx="0">
+          <a:scrgbClr r="0" g="0" b="0"/>
+        </a:lnRef>
+        <a:fillRef idx="1">
+          <a:scrgbClr r="0" g="0" b="0"/>
+        </a:fillRef>
+        <a:effectRef idx="0">
+          <a:scrgbClr r="0" g="0" b="0"/>
+        </a:effectRef>
+        <a:fontRef idx="minor">
+          <a:schemeClr val="lt1"/>
+        </a:fontRef>
+      </dsp:style>
+      <dsp:txBody>
+        <a:bodyPr spcFirstLastPara="0" vert="horz" wrap="square" lIns="0" tIns="0" rIns="0" bIns="0" numCol="1" spcCol="1270" anchor="ctr" anchorCtr="0">
+          <a:noAutofit/>
+        </a:bodyPr>
+        <a:lstStyle/>
+        <a:p>
+          <a:pPr lvl="0" algn="ctr" defTabSz="444500">
+            <a:lnSpc>
+              <a:spcPct val="90000"/>
+            </a:lnSpc>
+            <a:spcBef>
+              <a:spcPct val="0"/>
+            </a:spcBef>
+            <a:spcAft>
+              <a:spcPct val="35000"/>
+            </a:spcAft>
+          </a:pPr>
+          <a:endParaRPr lang="zh-CN" altLang="en-US" sz="1000" kern="1200"/>
+        </a:p>
+      </dsp:txBody>
+      <dsp:txXfrm>
+        <a:off x="6027983" y="1848942"/>
+        <a:ext cx="154323" cy="217087"/>
+      </dsp:txXfrm>
+    </dsp:sp>
+    <dsp:sp modelId="{BF05B40C-1B8C-40CD-AD19-77BE3EE87E52}">
+      <dsp:nvSpPr>
+        <dsp:cNvPr id="0" name=""/>
+        <dsp:cNvSpPr/>
+      </dsp:nvSpPr>
+      <dsp:spPr>
+        <a:xfrm>
+          <a:off x="6437290" y="689119"/>
+          <a:ext cx="2527197" cy="2623249"/>
+        </a:xfrm>
+        <a:prstGeom prst="rect">
+          <a:avLst/>
+        </a:prstGeom>
+        <a:blipFill>
+          <a:blip xmlns:r="http://schemas.openxmlformats.org/officeDocument/2006/relationships" r:embed="rId3">
+            <a:extLst>
+              <a:ext uri="{28A0092B-C50C-407E-A947-70E740481C1C}">
+                <a14:useLocalDpi xmlns:a14="http://schemas.microsoft.com/office/drawing/2010/main" val="0"/>
+              </a:ext>
+            </a:extLst>
+          </a:blip>
+          <a:srcRect/>
+          <a:stretch>
+            <a:fillRect t="-8000" b="-8000"/>
+          </a:stretch>
+        </a:blipFill>
+        <a:ln w="25400" cap="flat" cmpd="sng" algn="ctr">
+          <a:solidFill>
+            <a:schemeClr val="lt1">
+              <a:hueOff val="0"/>
+              <a:satOff val="0"/>
+              <a:lumOff val="0"/>
+              <a:alphaOff val="0"/>
+            </a:schemeClr>
+          </a:solidFill>
+          <a:prstDash val="solid"/>
+        </a:ln>
+        <a:effectLst/>
+      </dsp:spPr>
+      <dsp:style>
+        <a:lnRef idx="2">
+          <a:scrgbClr r="0" g="0" b="0"/>
+        </a:lnRef>
+        <a:fillRef idx="1">
+          <a:scrgbClr r="0" g="0" b="0"/>
+        </a:fillRef>
+        <a:effectRef idx="0">
+          <a:scrgbClr r="0" g="0" b="0"/>
+        </a:effectRef>
+        <a:fontRef idx="minor"/>
+      </dsp:style>
+    </dsp:sp>
+    <dsp:sp modelId="{037E3C03-F28A-46B0-A5BA-C23A8C32EAE9}">
+      <dsp:nvSpPr>
+        <dsp:cNvPr id="0" name=""/>
+        <dsp:cNvSpPr/>
+      </dsp:nvSpPr>
+      <dsp:spPr>
+        <a:xfrm>
+          <a:off x="6954682" y="425627"/>
+          <a:ext cx="1649764" cy="366455"/>
+        </a:xfrm>
+        <a:prstGeom prst="roundRect">
+          <a:avLst>
+            <a:gd name="adj" fmla="val 10000"/>
+          </a:avLst>
+        </a:prstGeom>
+        <a:solidFill>
+          <a:schemeClr val="accent1">
+            <a:hueOff val="0"/>
+            <a:satOff val="0"/>
+            <a:lumOff val="0"/>
+            <a:alphaOff val="0"/>
+          </a:schemeClr>
+        </a:solidFill>
+        <a:ln w="25400" cap="flat" cmpd="sng" algn="ctr">
+          <a:solidFill>
+            <a:schemeClr val="lt1">
+              <a:hueOff val="0"/>
+              <a:satOff val="0"/>
+              <a:lumOff val="0"/>
+              <a:alphaOff val="0"/>
+            </a:schemeClr>
+          </a:solidFill>
+          <a:prstDash val="solid"/>
+        </a:ln>
+        <a:effectLst/>
+      </dsp:spPr>
+      <dsp:style>
+        <a:lnRef idx="2">
+          <a:scrgbClr r="0" g="0" b="0"/>
+        </a:lnRef>
+        <a:fillRef idx="1">
+          <a:scrgbClr r="0" g="0" b="0"/>
+        </a:fillRef>
+        <a:effectRef idx="0">
+          <a:scrgbClr r="0" g="0" b="0"/>
+        </a:effectRef>
+        <a:fontRef idx="minor">
+          <a:schemeClr val="lt1"/>
+        </a:fontRef>
+      </dsp:style>
+      <dsp:txBody>
+        <a:bodyPr spcFirstLastPara="0" vert="horz" wrap="square" lIns="45720" tIns="45720" rIns="45720" bIns="45720" numCol="1" spcCol="1270" anchor="ctr" anchorCtr="0">
+          <a:noAutofit/>
+        </a:bodyPr>
+        <a:lstStyle/>
+        <a:p>
+          <a:pPr lvl="0" algn="ctr" defTabSz="533400">
+            <a:lnSpc>
+              <a:spcPct val="90000"/>
+            </a:lnSpc>
+            <a:spcBef>
+              <a:spcPct val="0"/>
+            </a:spcBef>
+            <a:spcAft>
+              <a:spcPct val="35000"/>
+            </a:spcAft>
+          </a:pPr>
+          <a:r>
+            <a:rPr lang="zh-CN" altLang="en-US" sz="1200" kern="1200" dirty="0" smtClean="0"/>
+            <a:t>分布式版本控制系统</a:t>
+          </a:r>
+          <a:endParaRPr lang="zh-CN" altLang="en-US" sz="1200" kern="1200" dirty="0"/>
+        </a:p>
+      </dsp:txBody>
+      <dsp:txXfrm>
+        <a:off x="6965415" y="436360"/>
+        <a:ext cx="1628298" cy="344989"/>
+      </dsp:txXfrm>
+    </dsp:sp>
+  </dsp:spTree>
+</dsp:drawing>
+</file>
+
+<file path=ppt/diagrams/layout1.xml><?xml version="1.0" encoding="utf-8"?>
+<dgm:layoutDef xmlns:dgm="http://schemas.openxmlformats.org/drawingml/2006/diagram" xmlns:a="http://schemas.openxmlformats.org/drawingml/2006/main" uniqueId="urn:microsoft.com/office/officeart/2005/8/layout/hProcess10">
+  <dgm:title val=""/>
+  <dgm:desc val=""/>
+  <dgm:catLst>
+    <dgm:cat type="process" pri="3000"/>
+    <dgm:cat type="picture" pri="30000"/>
+    <dgm:cat type="pictureconvert" pri="30000"/>
+  </dgm:catLst>
+  <dgm:sampData>
+    <dgm:dataModel>
+      <dgm:ptLst>
+        <dgm:pt modelId="0" type="doc"/>
+        <dgm:pt modelId="1">
+          <dgm:prSet phldr="1"/>
+        </dgm:pt>
+        <dgm:pt modelId="11">
+          <dgm:prSet phldr="1"/>
+        </dgm:pt>
+        <dgm:pt modelId="12">
+          <dgm:prSet phldr="1"/>
+        </dgm:pt>
+        <dgm:pt modelId="2">
+          <dgm:prSet phldr="1"/>
+        </dgm:pt>
+        <dgm:pt modelId="21">
+          <dgm:prSet phldr="1"/>
+        </dgm:pt>
+        <dgm:pt modelId="22">
+          <dgm:prSet phldr="1"/>
+        </dgm:pt>
+        <dgm:pt modelId="3">
+          <dgm:prSet phldr="1"/>
+        </dgm:pt>
+        <dgm:pt modelId="31">
+          <dgm:prSet phldr="1"/>
+        </dgm:pt>
+        <dgm:pt modelId="32">
+          <dgm:prSet phldr="1"/>
+        </dgm:pt>
+      </dgm:ptLst>
+      <dgm:cxnLst>
+        <dgm:cxn modelId="4" srcId="0" destId="1" srcOrd="0" destOrd="0"/>
+        <dgm:cxn modelId="5" srcId="0" destId="2" srcOrd="1" destOrd="0"/>
+        <dgm:cxn modelId="6" srcId="0" destId="3" srcOrd="2" destOrd="0"/>
+        <dgm:cxn modelId="13" srcId="1" destId="11" srcOrd="0" destOrd="0"/>
+        <dgm:cxn modelId="14" srcId="1" destId="12" srcOrd="1" destOrd="0"/>
+        <dgm:cxn modelId="23" srcId="2" destId="21" srcOrd="0" destOrd="0"/>
+        <dgm:cxn modelId="24" srcId="2" destId="22" srcOrd="1" destOrd="0"/>
+        <dgm:cxn modelId="33" srcId="3" destId="31" srcOrd="0" destOrd="0"/>
+        <dgm:cxn modelId="34" srcId="3" destId="32" srcOrd="1" destOrd="0"/>
+      </dgm:cxnLst>
+      <dgm:bg/>
+      <dgm:whole/>
+    </dgm:dataModel>
+  </dgm:sampData>
+  <dgm:styleData>
+    <dgm:dataModel>
+      <dgm:ptLst>
+        <dgm:pt modelId="0" type="doc"/>
+        <dgm:pt modelId="1"/>
+        <dgm:pt modelId="11"/>
+        <dgm:pt modelId="2"/>
+        <dgm:pt modelId="21"/>
+      </dgm:ptLst>
+      <dgm:cxnLst>
+        <dgm:cxn modelId="4" srcId="0" destId="1" srcOrd="0" destOrd="0"/>
+        <dgm:cxn modelId="5" srcId="0" destId="2" srcOrd="1" destOrd="0"/>
+        <dgm:cxn modelId="13" srcId="1" destId="11" srcOrd="0" destOrd="0"/>
+        <dgm:cxn modelId="23" srcId="2" destId="21" srcOrd="0" destOrd="0"/>
+      </dgm:cxnLst>
+      <dgm:bg/>
+      <dgm:whole/>
+    </dgm:dataModel>
+  </dgm:styleData>
+  <dgm:clrData>
+    <dgm:dataModel>
+      <dgm:ptLst>
+        <dgm:pt modelId="0" type="doc"/>
+        <dgm:pt modelId="1"/>
+        <dgm:pt modelId="11"/>
+        <dgm:pt modelId="2"/>
+        <dgm:pt modelId="21"/>
+        <dgm:pt modelId="3"/>
+        <dgm:pt modelId="31"/>
+        <dgm:pt modelId="4"/>
+        <dgm:pt modelId="41"/>
+      </dgm:ptLst>
+      <dgm:cxnLst>
+        <dgm:cxn modelId="5" srcId="0" destId="1" srcOrd="0" destOrd="0"/>
+        <dgm:cxn modelId="6" srcId="0" destId="2" srcOrd="1" destOrd="0"/>
+        <dgm:cxn modelId="7" srcId="0" destId="3" srcOrd="2" destOrd="0"/>
+        <dgm:cxn modelId="8" srcId="0" destId="4" srcOrd="3" destOrd="0"/>
+        <dgm:cxn modelId="13" srcId="1" destId="11" srcOrd="0" destOrd="0"/>
+        <dgm:cxn modelId="23" srcId="2" destId="21" srcOrd="0" destOrd="0"/>
+        <dgm:cxn modelId="33" srcId="3" destId="31" srcOrd="0" destOrd="0"/>
+        <dgm:cxn modelId="43" srcId="4" destId="41" srcOrd="0" destOrd="0"/>
+      </dgm:cxnLst>
+      <dgm:bg/>
+      <dgm:whole/>
+    </dgm:dataModel>
+  </dgm:clrData>
+  <dgm:layoutNode name="Name0">
+    <dgm:varLst>
+      <dgm:dir/>
+      <dgm:resizeHandles val="exact"/>
+    </dgm:varLst>
+    <dgm:choose name="Name1">
+      <dgm:if name="Name2" func="var" arg="dir" op="equ" val="norm">
+        <dgm:alg type="lin"/>
+      </dgm:if>
+      <dgm:else name="Name3">
+        <dgm:alg type="lin">
+          <dgm:param type="linDir" val="fromR"/>
+        </dgm:alg>
+      </dgm:else>
+    </dgm:choose>
+    <dgm:shape xmlns:r="http://schemas.openxmlformats.org/officeDocument/2006/relationships" r:blip="">
+      <dgm:adjLst/>
+    </dgm:shape>
+    <dgm:presOf/>
+    <dgm:constrLst>
+      <dgm:constr type="w" for="ch" forName="composite" refType="w"/>
+      <dgm:constr type="w" for="ch" ptType="sibTrans" refType="w" refFor="ch" refForName="composite" op="equ" fact="0.3333"/>
+      <dgm:constr type="primFontSz" for="des" forName="txNode" op="equ" val="65"/>
+      <dgm:constr type="primFontSz" for="des" forName="connTx" op="equ" val="55"/>
+      <dgm:constr type="primFontSz" for="des" forName="connTx" refType="primFontSz" refFor="des" refForName="txNode" op="lte" fact="0.8"/>
+    </dgm:constrLst>
+    <dgm:ruleLst/>
+    <dgm:forEach name="Name4" axis="ch" ptType="node">
+      <dgm:layoutNode name="composite">
+        <dgm:alg type="composite"/>
+        <dgm:shape xmlns:r="http://schemas.openxmlformats.org/officeDocument/2006/relationships" r:blip="">
+          <dgm:adjLst/>
+        </dgm:shape>
+        <dgm:presOf/>
+        <dgm:choose name="Name5">
+          <dgm:if name="Name6" func="var" arg="dir" op="equ" val="norm">
+            <dgm:constrLst>
+              <dgm:constr type="l" for="ch" forName="imagSh"/>
+              <dgm:constr type="w" for="ch" forName="imagSh" refType="w" fact="0.86"/>
+              <dgm:constr type="t" for="ch" forName="imagSh"/>
+              <dgm:constr type="h" for="ch" forName="imagSh" refType="w" refFor="ch" refForName="imagSh"/>
+              <dgm:constr type="l" for="ch" forName="txNode" refType="w" fact="0.14"/>
+              <dgm:constr type="w" for="ch" forName="txNode" refType="w" refFor="ch" refForName="imagSh"/>
+              <dgm:constr type="t" for="ch" forName="txNode" refType="h" refFor="ch" refForName="imagSh" fact="0.6"/>
+              <dgm:constr type="h" for="ch" forName="txNode" refType="h" refFor="ch" refForName="imagSh"/>
+            </dgm:constrLst>
+          </dgm:if>
+          <dgm:else name="Name7">
+            <dgm:constrLst>
+              <dgm:constr type="l" for="ch" forName="imagSh" refType="w" fact="0.14"/>
+              <dgm:constr type="w" for="ch" forName="imagSh" refType="w" fact="0.86"/>
+              <dgm:constr type="t" for="ch" forName="imagSh"/>
+              <dgm:constr type="h" for="ch" forName="imagSh" refType="w" refFor="ch" refForName="imagSh"/>
+              <dgm:constr type="l" for="ch" forName="txNode"/>
+              <dgm:constr type="w" for="ch" forName="txNode" refType="w" refFor="ch" refForName="imagSh"/>
+              <dgm:constr type="t" for="ch" forName="txNode" refType="h" refFor="ch" refForName="imagSh" fact="0.6"/>
+              <dgm:constr type="h" for="ch" forName="txNode" refType="h" refFor="ch" refForName="imagSh"/>
+            </dgm:constrLst>
+          </dgm:else>
+        </dgm:choose>
+        <dgm:ruleLst/>
+        <dgm:layoutNode name="imagSh" styleLbl="bgImgPlace1">
+          <dgm:alg type="sp"/>
+          <dgm:shape xmlns:r="http://schemas.openxmlformats.org/officeDocument/2006/relationships" type="roundRect" r:blip="" blipPhldr="1">
+            <dgm:adjLst>
+              <dgm:adj idx="1" val="0.1"/>
+            </dgm:adjLst>
+          </dgm:shape>
+          <dgm:presOf/>
+          <dgm:constrLst/>
+          <dgm:ruleLst/>
+        </dgm:layoutNode>
+        <dgm:layoutNode name="txNode" styleLbl="node1">
+          <dgm:varLst>
+            <dgm:bulletEnabled val="1"/>
+          </dgm:varLst>
+          <dgm:alg type="tx"/>
+          <dgm:shape xmlns:r="http://schemas.openxmlformats.org/officeDocument/2006/relationships" type="roundRect" r:blip="">
+            <dgm:adjLst>
+              <dgm:adj idx="1" val="0.1"/>
+            </dgm:adjLst>
+          </dgm:shape>
+          <dgm:presOf axis="desOrSelf" ptType="node"/>
+          <dgm:constrLst>
+            <dgm:constr type="tMarg" refType="primFontSz" fact="0.3"/>
+            <dgm:constr type="bMarg" refType="primFontSz" fact="0.3"/>
+            <dgm:constr type="lMarg" refType="primFontSz" fact="0.3"/>
+            <dgm:constr type="rMarg" refType="primFontSz" fact="0.3"/>
+          </dgm:constrLst>
+          <dgm:ruleLst>
+            <dgm:rule type="primFontSz" val="5" fact="NaN" max="NaN"/>
+          </dgm:ruleLst>
+        </dgm:layoutNode>
+      </dgm:layoutNode>
+      <dgm:forEach name="sibTransForEach" axis="followSib" ptType="sibTrans" cnt="1">
+        <dgm:layoutNode name="sibTrans">
+          <dgm:alg type="conn">
+            <dgm:param type="begPts" val="auto"/>
+            <dgm:param type="endPts" val="auto"/>
+            <dgm:param type="srcNode" val="imagSh"/>
+            <dgm:param type="dstNode" val="imagSh"/>
+          </dgm:alg>
+          <dgm:shape xmlns:r="http://schemas.openxmlformats.org/officeDocument/2006/relationships" type="conn" r:blip="">
+            <dgm:adjLst/>
+          </dgm:shape>
+          <dgm:presOf axis="self"/>
+          <dgm:constrLst>
+            <dgm:constr type="h" refType="w" fact="0.62"/>
+            <dgm:constr type="connDist"/>
+            <dgm:constr type="begPad" refType="connDist" fact="0.35"/>
+            <dgm:constr type="endPad" refType="connDist" fact="0.3"/>
+          </dgm:constrLst>
+          <dgm:ruleLst/>
+          <dgm:layoutNode name="connTx">
+            <dgm:alg type="tx">
+              <dgm:param type="autoTxRot" val="grav"/>
+            </dgm:alg>
+            <dgm:shape xmlns:r="http://schemas.openxmlformats.org/officeDocument/2006/relationships" type="conn" r:blip="" hideGeom="1">
+              <dgm:adjLst/>
+            </dgm:shape>
+            <dgm:presOf axis="self"/>
+            <dgm:constrLst>
+              <dgm:constr type="lMarg"/>
+              <dgm:constr type="rMarg"/>
+              <dgm:constr type="tMarg"/>
+              <dgm:constr type="bMarg"/>
+            </dgm:constrLst>
+            <dgm:ruleLst>
+              <dgm:rule type="primFontSz" val="5" fact="NaN" max="NaN"/>
+            </dgm:ruleLst>
+          </dgm:layoutNode>
+        </dgm:layoutNode>
+      </dgm:forEach>
+    </dgm:forEach>
+  </dgm:layoutNode>
+</dgm:layoutDef>
+</file>
+
+<file path=ppt/diagrams/quickStyle1.xml><?xml version="1.0" encoding="utf-8"?>
+<dgm:styleDef xmlns:dgm="http://schemas.openxmlformats.org/drawingml/2006/diagram" xmlns:a="http://schemas.openxmlformats.org/drawingml/2006/main" uniqueId="urn:microsoft.com/office/officeart/2005/8/quickstyle/simple1">
+  <dgm:title val=""/>
+  <dgm:desc val=""/>
+  <dgm:catLst>
+    <dgm:cat type="simple" pri="10100"/>
+  </dgm:catLst>
+  <dgm:scene3d>
+    <a:camera prst="orthographicFront"/>
+    <a:lightRig rig="threePt" dir="t"/>
+  </dgm:scene3d>
+  <dgm:styleLbl name="node0">
+    <dgm:scene3d>
+      <a:camera prst="orthographicFront"/>
+      <a:lightRig rig="threePt" dir="t"/>
+    </dgm:scene3d>
+    <dgm:sp3d/>
+    <dgm:txPr/>
+    <dgm:style>
+      <a:lnRef idx="2">
+        <a:scrgbClr r="0" g="0" b="0"/>
+      </a:lnRef>
+      <a:fillRef idx="1">
+        <a:scrgbClr r="0" g="0" b="0"/>
+      </a:fillRef>
+      <a:effectRef idx="0">
+        <a:scrgbClr r="0" g="0" b="0"/>
+      </a:effectRef>
+      <a:fontRef idx="minor">
+        <a:schemeClr val="lt1"/>
+      </a:fontRef>
+    </dgm:style>
+  </dgm:styleLbl>
+  <dgm:styleLbl name="lnNode1">
+    <dgm:scene3d>
+      <a:camera prst="orthographicFront"/>
+      <a:lightRig rig="threePt" dir="t"/>
+    </dgm:scene3d>
+    <dgm:sp3d/>
+    <dgm:txPr/>
+    <dgm:style>
+      <a:lnRef idx="2">
+        <a:scrgbClr r="0" g="0" b="0"/>
+      </a:lnRef>
+      <a:fillRef idx="1">
+        <a:scrgbClr r="0" g="0" b="0"/>
+      </a:fillRef>
+      <a:effectRef idx="0">
+        <a:scrgbClr r="0" g="0" b="0"/>
+      </a:effectRef>
+      <a:fontRef idx="minor">
+        <a:schemeClr val="lt1"/>
+      </a:fontRef>
+    </dgm:style>
+  </dgm:styleLbl>
+  <dgm:styleLbl name="vennNode1">
+    <dgm:scene3d>
+      <a:camera prst="orthographicFront"/>
+      <a:lightRig rig="threePt" dir="t"/>
+    </dgm:scene3d>
+    <dgm:sp3d/>
+    <dgm:txPr/>
+    <dgm:style>
+      <a:lnRef idx="2">
+        <a:scrgbClr r="0" g="0" b="0"/>
+      </a:lnRef>
+      <a:fillRef idx="1">
+        <a:scrgbClr r="0" g="0" b="0"/>
+      </a:fillRef>
+      <a:effectRef idx="0">
+        <a:scrgbClr r="0" g="0" b="0"/>
+      </a:effectRef>
+      <a:fontRef idx="minor">
+        <a:schemeClr val="tx1"/>
+      </a:fontRef>
+    </dgm:style>
+  </dgm:styleLbl>
+  <dgm:styleLbl name="alignNode1">
+    <dgm:scene3d>
+      <a:camera prst="orthographicFront"/>
+      <a:lightRig rig="threePt" dir="t"/>
+    </dgm:scene3d>
+    <dgm:sp3d/>
+    <dgm:txPr/>
+    <dgm:style>
+      <a:lnRef idx="2">
+        <a:scrgbClr r="0" g="0" b="0"/>
+      </a:lnRef>
+      <a:fillRef idx="1">
+        <a:scrgbClr r="0" g="0" b="0"/>
+      </a:fillRef>
+      <a:effectRef idx="0">
+        <a:scrgbClr r="0" g="0" b="0"/>
+      </a:effectRef>
+      <a:fontRef idx="minor">
+        <a:schemeClr val="lt1"/>
+      </a:fontRef>
+    </dgm:style>
+  </dgm:styleLbl>
+  <dgm:styleLbl name="node1">
+    <dgm:scene3d>
+      <a:camera prst="orthographicFront"/>
+      <a:lightRig rig="threePt" dir="t"/>
+    </dgm:scene3d>
+    <dgm:sp3d/>
+    <dgm:txPr/>
+    <dgm:style>
+      <a:lnRef idx="2">
+        <a:scrgbClr r="0" g="0" b="0"/>
+      </a:lnRef>
+      <a:fillRef idx="1">
+        <a:scrgbClr r="0" g="0" b="0"/>
+      </a:fillRef>
+      <a:effectRef idx="0">
+        <a:scrgbClr r="0" g="0" b="0"/>
+      </a:effectRef>
+      <a:fontRef idx="minor">
+        <a:schemeClr val="lt1"/>
+      </a:fontRef>
+    </dgm:style>
+  </dgm:styleLbl>
+  <dgm:styleLbl name="node2">
+    <dgm:scene3d>
+      <a:camera prst="orthographicFront"/>
+      <a:lightRig rig="threePt" dir="t"/>
+    </dgm:scene3d>
+    <dgm:sp3d/>
+    <dgm:txPr/>
+    <dgm:style>
+      <a:lnRef idx="2">
+        <a:scrgbClr r="0" g="0" b="0"/>
+      </a:lnRef>
+      <a:fillRef idx="1">
+        <a:scrgbClr r="0" g="0" b="0"/>
+      </a:fillRef>
+      <a:effectRef idx="0">
+        <a:scrgbClr r="0" g="0" b="0"/>
+      </a:effectRef>
+      <a:fontRef idx="minor">
+        <a:schemeClr val="lt1"/>
+      </a:fontRef>
+    </dgm:style>
+  </dgm:styleLbl>
+  <dgm:styleLbl name="node3">
+    <dgm:scene3d>
+      <a:camera prst="orthographicFront"/>
+      <a:lightRig rig="threePt" dir="t"/>
+    </dgm:scene3d>
+    <dgm:sp3d/>
+    <dgm:txPr/>
+    <dgm:style>
+      <a:lnRef idx="2">
+        <a:scrgbClr r="0" g="0" b="0"/>
+      </a:lnRef>
+      <a:fillRef idx="1">
+        <a:scrgbClr r="0" g="0" b="0"/>
+      </a:fillRef>
+      <a:effectRef idx="0">
+        <a:scrgbClr r="0" g="0" b="0"/>
+      </a:effectRef>
+      <a:fontRef idx="minor">
+        <a:schemeClr val="lt1"/>
+      </a:fontRef>
+    </dgm:style>
+  </dgm:styleLbl>
+  <dgm:styleLbl name="node4">
+    <dgm:scene3d>
+      <a:camera prst="orthographicFront"/>
+      <a:lightRig rig="threePt" dir="t"/>
+    </dgm:scene3d>
+    <dgm:sp3d/>
+    <dgm:txPr/>
+    <dgm:style>
+      <a:lnRef idx="2">
+        <a:scrgbClr r="0" g="0" b="0"/>
+      </a:lnRef>
+      <a:fillRef idx="1">
+        <a:scrgbClr r="0" g="0" b="0"/>
+      </a:fillRef>
+      <a:effectRef idx="0">
+        <a:scrgbClr r="0" g="0" b="0"/>
+      </a:effectRef>
+      <a:fontRef idx="minor">
+        <a:schemeClr val="lt1"/>
+      </a:fontRef>
+    </dgm:style>
+  </dgm:styleLbl>
+  <dgm:styleLbl name="fgImgPlace1">
+    <dgm:scene3d>
+      <a:camera prst="orthographicFront"/>
+      <a:lightRig rig="threePt" dir="t"/>
+    </dgm:scene3d>
+    <dgm:sp3d/>
+    <dgm:txPr/>
+    <dgm:style>
+      <a:lnRef idx="2">
+        <a:scrgbClr r="0" g="0" b="0"/>
+      </a:lnRef>
+      <a:fillRef idx="1">
+        <a:scrgbClr r="0" g="0" b="0"/>
+      </a:fillRef>
+      <a:effectRef idx="0">
+        <a:scrgbClr r="0" g="0" b="0"/>
+      </a:effectRef>
+      <a:fontRef idx="minor"/>
+    </dgm:style>
+  </dgm:styleLbl>
+  <dgm:styleLbl name="alignImgPlace1">
+    <dgm:scene3d>
+      <a:camera prst="orthographicFront"/>
+      <a:lightRig rig="threePt" dir="t"/>
+    </dgm:scene3d>
+    <dgm:sp3d/>
+    <dgm:txPr/>
+    <dgm:style>
+      <a:lnRef idx="2">
+        <a:scrgbClr r="0" g="0" b="0"/>
+      </a:lnRef>
+      <a:fillRef idx="1">
+        <a:scrgbClr r="0" g="0" b="0"/>
+      </a:fillRef>
+      <a:effectRef idx="0">
+        <a:scrgbClr r="0" g="0" b="0"/>
+      </a:effectRef>
+      <a:fontRef idx="minor"/>
+    </dgm:style>
+  </dgm:styleLbl>
+  <dgm:styleLbl name="bgImgPlace1">
+    <dgm:scene3d>
+      <a:camera prst="orthographicFront"/>
+      <a:lightRig rig="threePt" dir="t"/>
+    </dgm:scene3d>
+    <dgm:sp3d/>
+    <dgm:txPr/>
+    <dgm:style>
+      <a:lnRef idx="2">
+        <a:scrgbClr r="0" g="0" b="0"/>
+      </a:lnRef>
+      <a:fillRef idx="1">
+        <a:scrgbClr r="0" g="0" b="0"/>
+      </a:fillRef>
+      <a:effectRef idx="0">
+        <a:scrgbClr r="0" g="0" b="0"/>
+      </a:effectRef>
+      <a:fontRef idx="minor"/>
+    </dgm:style>
+  </dgm:styleLbl>
+  <dgm:styleLbl name="sibTrans2D1">
+    <dgm:scene3d>
+      <a:camera prst="orthographicFront"/>
+      <a:lightRig rig="threePt" dir="t"/>
+    </dgm:scene3d>
+    <dgm:sp3d/>
+    <dgm:txPr/>
+    <dgm:style>
+      <a:lnRef idx="0">
+        <a:scrgbClr r="0" g="0" b="0"/>
+      </a:lnRef>
+      <a:fillRef idx="1">
+        <a:scrgbClr r="0" g="0" b="0"/>
+      </a:fillRef>
+      <a:effectRef idx="0">
+        <a:scrgbClr r="0" g="0" b="0"/>
+      </a:effectRef>
+      <a:fontRef idx="minor">
+        <a:schemeClr val="lt1"/>
+      </a:fontRef>
+    </dgm:style>
+  </dgm:styleLbl>
+  <dgm:styleLbl name="fgSibTrans2D1">
+    <dgm:scene3d>
+      <a:camera prst="orthographicFront"/>
+      <a:lightRig rig="threePt" dir="t"/>
+    </dgm:scene3d>
+    <dgm:sp3d/>
+    <dgm:txPr/>
+    <dgm:style>
+      <a:lnRef idx="0">
+        <a:scrgbClr r="0" g="0" b="0"/>
+      </a:lnRef>
+      <a:fillRef idx="1">
+        <a:scrgbClr r="0" g="0" b="0"/>
+      </a:fillRef>
+      <a:effectRef idx="0">
+        <a:scrgbClr r="0" g="0" b="0"/>
+      </a:effectRef>
+      <a:fontRef idx="minor">
+        <a:schemeClr val="lt1"/>
+      </a:fontRef>
+    </dgm:style>
+  </dgm:styleLbl>
+  <dgm:styleLbl name="bgSibTrans2D1">
+    <dgm:scene3d>
+      <a:camera prst="orthographicFront"/>
+      <a:lightRig rig="threePt" dir="t"/>
+    </dgm:scene3d>
+    <dgm:sp3d/>
+    <dgm:txPr/>
+    <dgm:style>
+      <a:lnRef idx="0">
+        <a:scrgbClr r="0" g="0" b="0"/>
+      </a:lnRef>
+      <a:fillRef idx="1">
+        <a:scrgbClr r="0" g="0" b="0"/>
+      </a:fillRef>
+      <a:effectRef idx="0">
+        <a:scrgbClr r="0" g="0" b="0"/>
+      </a:effectRef>
+      <a:fontRef idx="minor">
+        <a:schemeClr val="lt1"/>
+      </a:fontRef>
+    </dgm:style>
+  </dgm:styleLbl>
+  <dgm:styleLbl name="sibTrans1D1">
+    <dgm:scene3d>
+      <a:camera prst="orthographicFront"/>
+      <a:lightRig rig="threePt" dir="t"/>
+    </dgm:scene3d>
+    <dgm:sp3d/>
+    <dgm:txPr/>
+    <dgm:style>
+      <a:lnRef idx="1">
+        <a:scrgbClr r="0" g="0" b="0"/>
+      </a:lnRef>
+      <a:fillRef idx="0">
+        <a:scrgbClr r="0" g="0" b="0"/>
+      </a:fillRef>
+      <a:effectRef idx="0">
+        <a:scrgbClr r="0" g="0" b="0"/>
+      </a:effectRef>
+      <a:fontRef idx="minor"/>
+    </dgm:style>
+  </dgm:styleLbl>
+  <dgm:styleLbl name="callout">
+    <dgm:scene3d>
+      <a:camera prst="orthographicFront"/>
+      <a:lightRig rig="threePt" dir="t"/>
+    </dgm:scene3d>
+    <dgm:sp3d/>
+    <dgm:txPr/>
+    <dgm:style>
+      <a:lnRef idx="2">
+        <a:scrgbClr r="0" g="0" b="0"/>
+      </a:lnRef>
+      <a:fillRef idx="1">
+        <a:scrgbClr r="0" g="0" b="0"/>
+      </a:fillRef>
+      <a:effectRef idx="0">
+        <a:scrgbClr r="0" g="0" b="0"/>
+      </a:effectRef>
+      <a:fontRef idx="minor"/>
+    </dgm:style>
+  </dgm:styleLbl>
+  <dgm:styleLbl name="asst0">
+    <dgm:scene3d>
+      <a:camera prst="orthographicFront"/>
+      <a:lightRig rig="threePt" dir="t"/>
+    </dgm:scene3d>
+    <dgm:sp3d/>
+    <dgm:txPr/>
+    <dgm:style>
+      <a:lnRef idx="2">
+        <a:scrgbClr r="0" g="0" b="0"/>
+      </a:lnRef>
+      <a:fillRef idx="1">
+        <a:scrgbClr r="0" g="0" b="0"/>
+      </a:fillRef>
+      <a:effectRef idx="0">
+        <a:scrgbClr r="0" g="0" b="0"/>
+      </a:effectRef>
+      <a:fontRef idx="minor">
+        <a:schemeClr val="lt1"/>
+      </a:fontRef>
+    </dgm:style>
+  </dgm:styleLbl>
+  <dgm:styleLbl name="asst1">
+    <dgm:scene3d>
+      <a:camera prst="orthographicFront"/>
+      <a:lightRig rig="threePt" dir="t"/>
+    </dgm:scene3d>
+    <dgm:sp3d/>
+    <dgm:txPr/>
+    <dgm:style>
+      <a:lnRef idx="2">
+        <a:scrgbClr r="0" g="0" b="0"/>
+      </a:lnRef>
+      <a:fillRef idx="1">
+        <a:scrgbClr r="0" g="0" b="0"/>
+      </a:fillRef>
+      <a:effectRef idx="0">
+        <a:scrgbClr r="0" g="0" b="0"/>
+      </a:effectRef>
+      <a:fontRef idx="minor">
+        <a:schemeClr val="lt1"/>
+      </a:fontRef>
+    </dgm:style>
+  </dgm:styleLbl>
+  <dgm:styleLbl name="asst2">
+    <dgm:scene3d>
+      <a:camera prst="orthographicFront"/>
+      <a:lightRig rig="threePt" dir="t"/>
+    </dgm:scene3d>
+    <dgm:sp3d/>
+    <dgm:txPr/>
+    <dgm:style>
+      <a:lnRef idx="2">
+        <a:scrgbClr r="0" g="0" b="0"/>
+      </a:lnRef>
+      <a:fillRef idx="1">
+        <a:scrgbClr r="0" g="0" b="0"/>
+      </a:fillRef>
+      <a:effectRef idx="0">
+        <a:scrgbClr r="0" g="0" b="0"/>
+      </a:effectRef>
+      <a:fontRef idx="minor">
+        <a:schemeClr val="lt1"/>
+      </a:fontRef>
+    </dgm:style>
+  </dgm:styleLbl>
+  <dgm:styleLbl name="asst3">
+    <dgm:scene3d>
+      <a:camera prst="orthographicFront"/>
+      <a:lightRig rig="threePt" dir="t"/>
+    </dgm:scene3d>
+    <dgm:sp3d/>
+    <dgm:txPr/>
+    <dgm:style>
+      <a:lnRef idx="2">
+        <a:scrgbClr r="0" g="0" b="0"/>
+      </a:lnRef>
+      <a:fillRef idx="1">
+        <a:scrgbClr r="0" g="0" b="0"/>
+      </a:fillRef>
+      <a:effectRef idx="0">
+        <a:scrgbClr r="0" g="0" b="0"/>
+      </a:effectRef>
+      <a:fontRef idx="minor">
+        <a:schemeClr val="lt1"/>
+      </a:fontRef>
+    </dgm:style>
+  </dgm:styleLbl>
+  <dgm:styleLbl name="asst4">
+    <dgm:scene3d>
+      <a:camera prst="orthographicFront"/>
+      <a:lightRig rig="threePt" dir="t"/>
+    </dgm:scene3d>
+    <dgm:sp3d/>
+    <dgm:txPr/>
+    <dgm:style>
+      <a:lnRef idx="2">
+        <a:scrgbClr r="0" g="0" b="0"/>
+      </a:lnRef>
+      <a:fillRef idx="1">
+        <a:scrgbClr r="0" g="0" b="0"/>
+      </a:fillRef>
+      <a:effectRef idx="0">
+        <a:scrgbClr r="0" g="0" b="0"/>
+      </a:effectRef>
+      <a:fontRef idx="minor">
+        <a:schemeClr val="lt1"/>
+      </a:fontRef>
+    </dgm:style>
+  </dgm:styleLbl>
+  <dgm:styleLbl name="parChTrans2D1">
+    <dgm:scene3d>
+      <a:camera prst="orthographicFront"/>
+      <a:lightRig rig="threePt" dir="t"/>
+    </dgm:scene3d>
+    <dgm:sp3d/>
+    <dgm:txPr/>
+    <dgm:style>
+      <a:lnRef idx="2">
+        <a:scrgbClr r="0" g="0" b="0"/>
+      </a:lnRef>
+      <a:fillRef idx="1">
+        <a:scrgbClr r="0" g="0" b="0"/>
+      </a:fillRef>
+      <a:effectRef idx="0">
+        <a:scrgbClr r="0" g="0" b="0"/>
+      </a:effectRef>
+      <a:fontRef idx="minor">
+        <a:schemeClr val="lt1"/>
+      </a:fontRef>
+    </dgm:style>
+  </dgm:styleLbl>
+  <dgm:styleLbl name="parChTrans2D2">
+    <dgm:scene3d>
+      <a:camera prst="orthographicFront"/>
+      <a:lightRig rig="threePt" dir="t"/>
+    </dgm:scene3d>
+    <dgm:sp3d/>
+    <dgm:txPr/>
+    <dgm:style>
+      <a:lnRef idx="2">
+        <a:scrgbClr r="0" g="0" b="0"/>
+      </a:lnRef>
+      <a:fillRef idx="1">
+        <a:scrgbClr r="0" g="0" b="0"/>
+      </a:fillRef>
+      <a:effectRef idx="0">
+        <a:scrgbClr r="0" g="0" b="0"/>
+      </a:effectRef>
+      <a:fontRef idx="minor">
+        <a:schemeClr val="lt1"/>
+      </a:fontRef>
+    </dgm:style>
+  </dgm:styleLbl>
+  <dgm:styleLbl name="parChTrans2D3">
+    <dgm:scene3d>
+      <a:camera prst="orthographicFront"/>
+      <a:lightRig rig="threePt" dir="t"/>
+    </dgm:scene3d>
+    <dgm:sp3d/>
+    <dgm:txPr/>
+    <dgm:style>
+      <a:lnRef idx="2">
+        <a:scrgbClr r="0" g="0" b="0"/>
+      </a:lnRef>
+      <a:fillRef idx="1">
+        <a:scrgbClr r="0" g="0" b="0"/>
+      </a:fillRef>
+      <a:effectRef idx="0">
+        <a:scrgbClr r="0" g="0" b="0"/>
+      </a:effectRef>
+      <a:fontRef idx="minor">
+        <a:schemeClr val="lt1"/>
+      </a:fontRef>
+    </dgm:style>
+  </dgm:styleLbl>
+  <dgm:styleLbl name="parChTrans2D4">
+    <dgm:scene3d>
+      <a:camera prst="orthographicFront"/>
+      <a:lightRig rig="threePt" dir="t"/>
+    </dgm:scene3d>
+    <dgm:sp3d/>
+    <dgm:txPr/>
+    <dgm:style>
+      <a:lnRef idx="2">
+        <a:scrgbClr r="0" g="0" b="0"/>
+      </a:lnRef>
+      <a:fillRef idx="1">
+        <a:scrgbClr r="0" g="0" b="0"/>
+      </a:fillRef>
+      <a:effectRef idx="0">
+        <a:scrgbClr r="0" g="0" b="0"/>
+      </a:effectRef>
+      <a:fontRef idx="minor">
+        <a:schemeClr val="lt1"/>
+      </a:fontRef>
+    </dgm:style>
+  </dgm:styleLbl>
+  <dgm:styleLbl name="parChTrans1D1">
+    <dgm:scene3d>
+      <a:camera prst="orthographicFront"/>
+      <a:lightRig rig="threePt" dir="t"/>
+    </dgm:scene3d>
+    <dgm:sp3d/>
+    <dgm:txPr/>
+    <dgm:style>
+      <a:lnRef idx="2">
+        <a:scrgbClr r="0" g="0" b="0"/>
+      </a:lnRef>
+      <a:fillRef idx="0">
+        <a:scrgbClr r="0" g="0" b="0"/>
+      </a:fillRef>
+      <a:effectRef idx="0">
+        <a:scrgbClr r="0" g="0" b="0"/>
+      </a:effectRef>
+      <a:fontRef idx="minor"/>
+    </dgm:style>
+  </dgm:styleLbl>
+  <dgm:styleLbl name="parChTrans1D2">
+    <dgm:scene3d>
+      <a:camera prst="orthographicFront"/>
+      <a:lightRig rig="threePt" dir="t"/>
+    </dgm:scene3d>
+    <dgm:sp3d/>
+    <dgm:txPr/>
+    <dgm:style>
+      <a:lnRef idx="2">
+        <a:scrgbClr r="0" g="0" b="0"/>
+      </a:lnRef>
+      <a:fillRef idx="0">
+        <a:scrgbClr r="0" g="0" b="0"/>
+      </a:fillRef>
+      <a:effectRef idx="0">
+        <a:scrgbClr r="0" g="0" b="0"/>
+      </a:effectRef>
+      <a:fontRef idx="minor"/>
+    </dgm:style>
+  </dgm:styleLbl>
+  <dgm:styleLbl name="parChTrans1D3">
+    <dgm:scene3d>
+      <a:camera prst="orthographicFront"/>
+      <a:lightRig rig="threePt" dir="t"/>
+    </dgm:scene3d>
+    <dgm:sp3d/>
+    <dgm:txPr/>
+    <dgm:style>
+      <a:lnRef idx="2">
+        <a:scrgbClr r="0" g="0" b="0"/>
+      </a:lnRef>
+      <a:fillRef idx="0">
+        <a:scrgbClr r="0" g="0" b="0"/>
+      </a:fillRef>
+      <a:effectRef idx="0">
+        <a:scrgbClr r="0" g="0" b="0"/>
+      </a:effectRef>
+      <a:fontRef idx="minor"/>
+    </dgm:style>
+  </dgm:styleLbl>
+  <dgm:styleLbl name="parChTrans1D4">
+    <dgm:scene3d>
+      <a:camera prst="orthographicFront"/>
+      <a:lightRig rig="threePt" dir="t"/>
+    </dgm:scene3d>
+    <dgm:sp3d/>
+    <dgm:txPr/>
+    <dgm:style>
+      <a:lnRef idx="2">
+        <a:scrgbClr r="0" g="0" b="0"/>
+      </a:lnRef>
+      <a:fillRef idx="0">
+        <a:scrgbClr r="0" g="0" b="0"/>
+      </a:fillRef>
+      <a:effectRef idx="0">
+        <a:scrgbClr r="0" g="0" b="0"/>
+      </a:effectRef>
+      <a:fontRef idx="minor"/>
+    </dgm:style>
+  </dgm:styleLbl>
+  <dgm:styleLbl name="fgAcc1">
+    <dgm:scene3d>
+      <a:camera prst="orthographicFront"/>
+      <a:lightRig rig="threePt" dir="t"/>
+    </dgm:scene3d>
+    <dgm:sp3d/>
+    <dgm:txPr/>
+    <dgm:style>
+      <a:lnRef idx="2">
+        <a:scrgbClr r="0" g="0" b="0"/>
+      </a:lnRef>
+      <a:fillRef idx="1">
+        <a:scrgbClr r="0" g="0" b="0"/>
+      </a:fillRef>
+      <a:effectRef idx="0">
+        <a:scrgbClr r="0" g="0" b="0"/>
+      </a:effectRef>
+      <a:fontRef idx="minor"/>
+    </dgm:style>
+  </dgm:styleLbl>
+  <dgm:styleLbl name="conFgAcc1">
+    <dgm:scene3d>
+      <a:camera prst="orthographicFront"/>
+      <a:lightRig rig="threePt" dir="t"/>
+    </dgm:scene3d>
+    <dgm:sp3d/>
+    <dgm:txPr/>
+    <dgm:style>
+      <a:lnRef idx="2">
+        <a:scrgbClr r="0" g="0" b="0"/>
+      </a:lnRef>
+      <a:fillRef idx="1">
+        <a:scrgbClr r="0" g="0" b="0"/>
+      </a:fillRef>
+      <a:effectRef idx="0">
+        <a:scrgbClr r="0" g="0" b="0"/>
+      </a:effectRef>
+      <a:fontRef idx="minor"/>
+    </dgm:style>
+  </dgm:styleLbl>
+  <dgm:styleLbl name="alignAcc1">
+    <dgm:scene3d>
+      <a:camera prst="orthographicFront"/>
+      <a:lightRig rig="threePt" dir="t"/>
+    </dgm:scene3d>
+    <dgm:sp3d/>
+    <dgm:txPr/>
+    <dgm:style>
+      <a:lnRef idx="2">
+        <a:scrgbClr r="0" g="0" b="0"/>
+      </a:lnRef>
+      <a:fillRef idx="1">
+        <a:scrgbClr r="0" g="0" b="0"/>
+      </a:fillRef>
+      <a:effectRef idx="0">
+        <a:scrgbClr r="0" g="0" b="0"/>
+      </a:effectRef>
+      <a:fontRef idx="minor"/>
+    </dgm:style>
+  </dgm:styleLbl>
+  <dgm:styleLbl name="trAlignAcc1">
+    <dgm:scene3d>
+      <a:camera prst="orthographicFront"/>
+      <a:lightRig rig="threePt" dir="t"/>
+    </dgm:scene3d>
+    <dgm:sp3d/>
+    <dgm:txPr/>
+    <dgm:style>
+      <a:lnRef idx="1">
+        <a:scrgbClr r="0" g="0" b="0"/>
+      </a:lnRef>
+      <a:fillRef idx="1">
+        <a:scrgbClr r="0" g="0" b="0"/>
+      </a:fillRef>
+      <a:effectRef idx="0">
+        <a:scrgbClr r="0" g="0" b="0"/>
+      </a:effectRef>
+      <a:fontRef idx="minor"/>
+    </dgm:style>
+  </dgm:styleLbl>
+  <dgm:styleLbl name="bgAcc1">
+    <dgm:scene3d>
+      <a:camera prst="orthographicFront"/>
+      <a:lightRig rig="threePt" dir="t"/>
+    </dgm:scene3d>
+    <dgm:sp3d/>
+    <dgm:txPr/>
+    <dgm:style>
+      <a:lnRef idx="2">
+        <a:scrgbClr r="0" g="0" b="0"/>
+      </a:lnRef>
+      <a:fillRef idx="1">
+        <a:scrgbClr r="0" g="0" b="0"/>
+      </a:fillRef>
+      <a:effectRef idx="0">
+        <a:scrgbClr r="0" g="0" b="0"/>
+      </a:effectRef>
+      <a:fontRef idx="minor"/>
+    </dgm:style>
+  </dgm:styleLbl>
+  <dgm:styleLbl name="solidFgAcc1">
+    <dgm:scene3d>
+      <a:camera prst="orthographicFront"/>
+      <a:lightRig rig="threePt" dir="t"/>
+    </dgm:scene3d>
+    <dgm:sp3d/>
+    <dgm:txPr/>
+    <dgm:style>
+      <a:lnRef idx="2">
+        <a:scrgbClr r="0" g="0" b="0"/>
+      </a:lnRef>
+      <a:fillRef idx="1">
+        <a:scrgbClr r="0" g="0" b="0"/>
+      </a:fillRef>
+      <a:effectRef idx="0">
+        <a:scrgbClr r="0" g="0" b="0"/>
+      </a:effectRef>
+      <a:fontRef idx="minor"/>
+    </dgm:style>
+  </dgm:styleLbl>
+  <dgm:styleLbl name="solidAlignAcc1">
+    <dgm:scene3d>
+      <a:camera prst="orthographicFront"/>
+      <a:lightRig rig="threePt" dir="t"/>
+    </dgm:scene3d>
+    <dgm:sp3d/>
+    <dgm:txPr/>
+    <dgm:style>
+      <a:lnRef idx="2">
+        <a:scrgbClr r="0" g="0" b="0"/>
+      </a:lnRef>
+      <a:fillRef idx="1">
+        <a:scrgbClr r="0" g="0" b="0"/>
+      </a:fillRef>
+      <a:effectRef idx="0">
+        <a:scrgbClr r="0" g="0" b="0"/>
+      </a:effectRef>
+      <a:fontRef idx="minor"/>
+    </dgm:style>
+  </dgm:styleLbl>
+  <dgm:styleLbl name="solidBgAcc1">
+    <dgm:scene3d>
+      <a:camera prst="orthographicFront"/>
+      <a:lightRig rig="threePt" dir="t"/>
+    </dgm:scene3d>
+    <dgm:sp3d/>
+    <dgm:txPr/>
+    <dgm:style>
+      <a:lnRef idx="2">
+        <a:scrgbClr r="0" g="0" b="0"/>
+      </a:lnRef>
+      <a:fillRef idx="1">
+        <a:scrgbClr r="0" g="0" b="0"/>
+      </a:fillRef>
+      <a:effectRef idx="0">
+        <a:scrgbClr r="0" g="0" b="0"/>
+      </a:effectRef>
+      <a:fontRef idx="minor"/>
+    </dgm:style>
+  </dgm:styleLbl>
+  <dgm:styleLbl name="fgAccFollowNode1">
+    <dgm:scene3d>
+      <a:camera prst="orthographicFront"/>
+      <a:lightRig rig="threePt" dir="t"/>
+    </dgm:scene3d>
+    <dgm:sp3d/>
+    <dgm:txPr/>
+    <dgm:style>
+      <a:lnRef idx="2">
+        <a:scrgbClr r="0" g="0" b="0"/>
+      </a:lnRef>
+      <a:fillRef idx="1">
+        <a:scrgbClr r="0" g="0" b="0"/>
+      </a:fillRef>
+      <a:effectRef idx="0">
+        <a:scrgbClr r="0" g="0" b="0"/>
+      </a:effectRef>
+      <a:fontRef idx="minor"/>
+    </dgm:style>
+  </dgm:styleLbl>
+  <dgm:styleLbl name="alignAccFollowNode1">
+    <dgm:scene3d>
+      <a:camera prst="orthographicFront"/>
+      <a:lightRig rig="threePt" dir="t"/>
+    </dgm:scene3d>
+    <dgm:sp3d/>
+    <dgm:txPr/>
+    <dgm:style>
+      <a:lnRef idx="2">
+        <a:scrgbClr r="0" g="0" b="0"/>
+      </a:lnRef>
+      <a:fillRef idx="1">
+        <a:scrgbClr r="0" g="0" b="0"/>
+      </a:fillRef>
+      <a:effectRef idx="0">
+        <a:scrgbClr r="0" g="0" b="0"/>
+      </a:effectRef>
+      <a:fontRef idx="minor"/>
+    </dgm:style>
+  </dgm:styleLbl>
+  <dgm:styleLbl name="bgAccFollowNode1">
+    <dgm:scene3d>
+      <a:camera prst="orthographicFront"/>
+      <a:lightRig rig="threePt" dir="t"/>
+    </dgm:scene3d>
+    <dgm:sp3d/>
+    <dgm:txPr/>
+    <dgm:style>
+      <a:lnRef idx="2">
+        <a:scrgbClr r="0" g="0" b="0"/>
+      </a:lnRef>
+      <a:fillRef idx="1">
+        <a:scrgbClr r="0" g="0" b="0"/>
+      </a:fillRef>
+      <a:effectRef idx="0">
+        <a:scrgbClr r="0" g="0" b="0"/>
+      </a:effectRef>
+      <a:fontRef idx="minor"/>
+    </dgm:style>
+  </dgm:styleLbl>
+  <dgm:styleLbl name="fgAcc0">
+    <dgm:scene3d>
+      <a:camera prst="orthographicFront"/>
+      <a:lightRig rig="threePt" dir="t"/>
+    </dgm:scene3d>
+    <dgm:sp3d/>
+    <dgm:txPr/>
+    <dgm:style>
+      <a:lnRef idx="2">
+        <a:scrgbClr r="0" g="0" b="0"/>
+      </a:lnRef>
+      <a:fillRef idx="1">
+        <a:scrgbClr r="0" g="0" b="0"/>
+      </a:fillRef>
+      <a:effectRef idx="0">
+        <a:scrgbClr r="0" g="0" b="0"/>
+      </a:effectRef>
+      <a:fontRef idx="minor"/>
+    </dgm:style>
+  </dgm:styleLbl>
+  <dgm:styleLbl name="fgAcc2">
+    <dgm:scene3d>
+      <a:camera prst="orthographicFront"/>
+      <a:lightRig rig="threePt" dir="t"/>
+    </dgm:scene3d>
+    <dgm:sp3d/>
+    <dgm:txPr/>
+    <dgm:style>
+      <a:lnRef idx="2">
+        <a:scrgbClr r="0" g="0" b="0"/>
+      </a:lnRef>
+      <a:fillRef idx="1">
+        <a:scrgbClr r="0" g="0" b="0"/>
+      </a:fillRef>
+      <a:effectRef idx="0">
+        <a:scrgbClr r="0" g="0" b="0"/>
+      </a:effectRef>
+      <a:fontRef idx="minor"/>
+    </dgm:style>
+  </dgm:styleLbl>
+  <dgm:styleLbl name="fgAcc3">
+    <dgm:scene3d>
+      <a:camera prst="orthographicFront"/>
+      <a:lightRig rig="threePt" dir="t"/>
+    </dgm:scene3d>
+    <dgm:sp3d/>
+    <dgm:txPr/>
+    <dgm:style>
+      <a:lnRef idx="2">
+        <a:scrgbClr r="0" g="0" b="0"/>
+      </a:lnRef>
+      <a:fillRef idx="1">
+        <a:scrgbClr r="0" g="0" b="0"/>
+      </a:fillRef>
+      <a:effectRef idx="0">
+        <a:scrgbClr r="0" g="0" b="0"/>
+      </a:effectRef>
+      <a:fontRef idx="minor"/>
+    </dgm:style>
+  </dgm:styleLbl>
+  <dgm:styleLbl name="fgAcc4">
+    <dgm:scene3d>
+      <a:camera prst="orthographicFront"/>
+      <a:lightRig rig="threePt" dir="t"/>
+    </dgm:scene3d>
+    <dgm:sp3d/>
+    <dgm:txPr/>
+    <dgm:style>
+      <a:lnRef idx="2">
+        <a:scrgbClr r="0" g="0" b="0"/>
+      </a:lnRef>
+      <a:fillRef idx="1">
+        <a:scrgbClr r="0" g="0" b="0"/>
+      </a:fillRef>
+      <a:effectRef idx="0">
+        <a:scrgbClr r="0" g="0" b="0"/>
+      </a:effectRef>
+      <a:fontRef idx="minor"/>
+    </dgm:style>
+  </dgm:styleLbl>
+  <dgm:styleLbl name="bgShp">
+    <dgm:scene3d>
+      <a:camera prst="orthographicFront"/>
+      <a:lightRig rig="threePt" dir="t"/>
+    </dgm:scene3d>
+    <dgm:sp3d/>
+    <dgm:txPr/>
+    <dgm:style>
+      <a:lnRef idx="0">
+        <a:scrgbClr r="0" g="0" b="0"/>
+      </a:lnRef>
+      <a:fillRef idx="1">
+        <a:scrgbClr r="0" g="0" b="0"/>
+      </a:fillRef>
+      <a:effectRef idx="0">
+        <a:scrgbClr r="0" g="0" b="0"/>
+      </a:effectRef>
+      <a:fontRef idx="minor"/>
+    </dgm:style>
+  </dgm:styleLbl>
+  <dgm:styleLbl name="dkBgShp">
+    <dgm:scene3d>
+      <a:camera prst="orthographicFront"/>
+      <a:lightRig rig="threePt" dir="t"/>
+    </dgm:scene3d>
+    <dgm:sp3d/>
+    <dgm:txPr/>
+    <dgm:style>
+      <a:lnRef idx="0">
+        <a:scrgbClr r="0" g="0" b="0"/>
+      </a:lnRef>
+      <a:fillRef idx="1">
+        <a:scrgbClr r="0" g="0" b="0"/>
+      </a:fillRef>
+      <a:effectRef idx="0">
+        <a:scrgbClr r="0" g="0" b="0"/>
+      </a:effectRef>
+      <a:fontRef idx="minor"/>
+    </dgm:style>
+  </dgm:styleLbl>
+  <dgm:styleLbl name="trBgShp">
+    <dgm:scene3d>
+      <a:camera prst="orthographicFront"/>
+      <a:lightRig rig="threePt" dir="t"/>
+    </dgm:scene3d>
+    <dgm:sp3d/>
+    <dgm:txPr/>
+    <dgm:style>
+      <a:lnRef idx="0">
+        <a:scrgbClr r="0" g="0" b="0"/>
+      </a:lnRef>
+      <a:fillRef idx="1">
+        <a:scrgbClr r="0" g="0" b="0"/>
+      </a:fillRef>
+      <a:effectRef idx="0">
+        <a:scrgbClr r="0" g="0" b="0"/>
+      </a:effectRef>
+      <a:fontRef idx="minor"/>
+    </dgm:style>
+  </dgm:styleLbl>
+  <dgm:styleLbl name="fgShp">
+    <dgm:scene3d>
+      <a:camera prst="orthographicFront"/>
+      <a:lightRig rig="threePt" dir="t"/>
+    </dgm:scene3d>
+    <dgm:sp3d/>
+    <dgm:txPr/>
+    <dgm:style>
+      <a:lnRef idx="2">
+        <a:scrgbClr r="0" g="0" b="0"/>
+      </a:lnRef>
+      <a:fillRef idx="1">
+        <a:scrgbClr r="0" g="0" b="0"/>
+      </a:fillRef>
+      <a:effectRef idx="0">
+        <a:scrgbClr r="0" g="0" b="0"/>
+      </a:effectRef>
+      <a:fontRef idx="minor"/>
+    </dgm:style>
+  </dgm:styleLbl>
+  <dgm:styleLbl name="revTx">
+    <dgm:scene3d>
+      <a:camera prst="orthographicFront"/>
+      <a:lightRig rig="threePt" dir="t"/>
+    </dgm:scene3d>
+    <dgm:sp3d/>
+    <dgm:txPr/>
+    <dgm:style>
+      <a:lnRef idx="0">
+        <a:scrgbClr r="0" g="0" b="0"/>
+      </a:lnRef>
+      <a:fillRef idx="0">
+        <a:scrgbClr r="0" g="0" b="0"/>
+      </a:fillRef>
+      <a:effectRef idx="0">
+        <a:scrgbClr r="0" g="0" b="0"/>
+      </a:effectRef>
+      <a:fontRef idx="minor"/>
+    </dgm:style>
+  </dgm:styleLbl>
+</dgm:styleDef>
+</file>
+
+<file path=ppt/notesMasters/notesMaster1.xml><?xml version="1.0" encoding="utf-8"?>
+<p:notesMaster xmlns:a="http://schemas.openxmlformats.org/drawingml/2006/main" xmlns:r="http://schemas.openxmlformats.org/officeDocument/2006/relationships" xmlns:p="http://schemas.openxmlformats.org/presentationml/2006/main">
+  <p:cSld>
+    <p:bg>
+      <p:bgRef idx="1001">
+        <a:schemeClr val="bg1"/>
+      </p:bgRef>
+    </p:bg>
+    <p:spTree>
+      <p:nvGrpSpPr>
+        <p:cNvPr id="1" name=""/>
+        <p:cNvGrpSpPr/>
+        <p:nvPr/>
+      </p:nvGrpSpPr>
+      <p:grpSpPr>
+        <a:xfrm>
+          <a:off x="0" y="0"/>
+          <a:ext cx="0" cy="0"/>
+          <a:chOff x="0" y="0"/>
+          <a:chExt cx="0" cy="0"/>
+        </a:xfrm>
+      </p:grpSpPr>
+      <p:sp>
+        <p:nvSpPr>
+          <p:cNvPr id="2" name="页眉占位符 1"/>
+          <p:cNvSpPr>
+            <a:spLocks noGrp="1"/>
+          </p:cNvSpPr>
+          <p:nvPr>
+            <p:ph type="hdr" sz="quarter"/>
+          </p:nvPr>
+        </p:nvSpPr>
+        <p:spPr>
+          <a:xfrm>
+            <a:off x="0" y="0"/>
+            <a:ext cx="2971800" cy="457200"/>
+          </a:xfrm>
+          <a:prstGeom prst="rect">
+            <a:avLst/>
+          </a:prstGeom>
+        </p:spPr>
+        <p:txBody>
+          <a:bodyPr vert="horz" lIns="91440" tIns="45720" rIns="91440" bIns="45720" rtlCol="0"/>
+          <a:lstStyle>
+            <a:lvl1pPr algn="l">
+              <a:defRPr sz="1200"/>
+            </a:lvl1pPr>
+          </a:lstStyle>
+          <a:p>
+            <a:endParaRPr lang="zh-CN" altLang="en-US"/>
+          </a:p>
+        </p:txBody>
+      </p:sp>
+      <p:sp>
+        <p:nvSpPr>
+          <p:cNvPr id="3" name="日期占位符 2"/>
+          <p:cNvSpPr>
+            <a:spLocks noGrp="1"/>
+          </p:cNvSpPr>
+          <p:nvPr>
+            <p:ph type="dt" idx="1"/>
+          </p:nvPr>
+        </p:nvSpPr>
+        <p:spPr>
+          <a:xfrm>
+            <a:off x="3884613" y="0"/>
+            <a:ext cx="2971800" cy="457200"/>
+          </a:xfrm>
+          <a:prstGeom prst="rect">
+            <a:avLst/>
+          </a:prstGeom>
+        </p:spPr>
+        <p:txBody>
+          <a:bodyPr vert="horz" lIns="91440" tIns="45720" rIns="91440" bIns="45720" rtlCol="0"/>
+          <a:lstStyle>
+            <a:lvl1pPr algn="r">
+              <a:defRPr sz="1200"/>
+            </a:lvl1pPr>
+          </a:lstStyle>
+          <a:p>
+            <a:fld id="{E6E291D1-5DBA-4811-8A9D-E2DB93CDED0E}" type="datetimeFigureOut">
+              <a:rPr lang="zh-CN" altLang="en-US" smtClean="0"/>
+              <a:t>2012/3/30</a:t>
+            </a:fld>
+            <a:endParaRPr lang="zh-CN" altLang="en-US"/>
+          </a:p>
+        </p:txBody>
+      </p:sp>
+      <p:sp>
+        <p:nvSpPr>
+          <p:cNvPr id="4" name="幻灯片图像占位符 3"/>
+          <p:cNvSpPr>
+            <a:spLocks noGrp="1" noRot="1" noChangeAspect="1"/>
+          </p:cNvSpPr>
+          <p:nvPr>
+            <p:ph type="sldImg" idx="2"/>
+          </p:nvPr>
+        </p:nvSpPr>
+        <p:spPr>
+          <a:xfrm>
+            <a:off x="1143000" y="685800"/>
+            <a:ext cx="4572000" cy="3429000"/>
+          </a:xfrm>
+          <a:prstGeom prst="rect">
+            <a:avLst/>
+          </a:prstGeom>
+          <a:noFill/>
+          <a:ln w="12700">
+            <a:solidFill>
+              <a:prstClr val="black"/>
+            </a:solidFill>
+          </a:ln>
+        </p:spPr>
+        <p:txBody>
+          <a:bodyPr vert="horz" lIns="91440" tIns="45720" rIns="91440" bIns="45720" rtlCol="0" anchor="ctr"/>
+          <a:lstStyle/>
+          <a:p>
+            <a:endParaRPr lang="zh-CN" altLang="en-US"/>
+          </a:p>
+        </p:txBody>
+      </p:sp>
+      <p:sp>
+        <p:nvSpPr>
+          <p:cNvPr id="5" name="备注占位符 4"/>
+          <p:cNvSpPr>
+            <a:spLocks noGrp="1"/>
+          </p:cNvSpPr>
+          <p:nvPr>
+            <p:ph type="body" sz="quarter" idx="3"/>
+          </p:nvPr>
+        </p:nvSpPr>
+        <p:spPr>
+          <a:xfrm>
+            <a:off x="685800" y="4343400"/>
+            <a:ext cx="5486400" cy="4114800"/>
+          </a:xfrm>
+          <a:prstGeom prst="rect">
+            <a:avLst/>
+          </a:prstGeom>
+        </p:spPr>
+        <p:txBody>
+          <a:bodyPr vert="horz" lIns="91440" tIns="45720" rIns="91440" bIns="45720" rtlCol="0"/>
+          <a:lstStyle/>
+          <a:p>
+            <a:pPr lvl="0"/>
+            <a:r>
+              <a:rPr lang="zh-CN" altLang="en-US" smtClean="0"/>
+              <a:t>单击此处编辑母版文本样式</a:t>
+            </a:r>
+          </a:p>
+          <a:p>
+            <a:pPr lvl="1"/>
+            <a:r>
+              <a:rPr lang="zh-CN" altLang="en-US" smtClean="0"/>
+              <a:t>第二级</a:t>
+            </a:r>
+          </a:p>
+          <a:p>
+            <a:pPr lvl="2"/>
+            <a:r>
+              <a:rPr lang="zh-CN" altLang="en-US" smtClean="0"/>
+              <a:t>第三级</a:t>
+            </a:r>
+          </a:p>
+          <a:p>
+            <a:pPr lvl="3"/>
+            <a:r>
+              <a:rPr lang="zh-CN" altLang="en-US" smtClean="0"/>
+              <a:t>第四级</a:t>
+            </a:r>
+          </a:p>
+          <a:p>
+            <a:pPr lvl="4"/>
+            <a:r>
+              <a:rPr lang="zh-CN" altLang="en-US" smtClean="0"/>
+              <a:t>第五级</a:t>
+            </a:r>
+            <a:endParaRPr lang="zh-CN" altLang="en-US"/>
+          </a:p>
+        </p:txBody>
+      </p:sp>
+      <p:sp>
+        <p:nvSpPr>
+          <p:cNvPr id="6" name="页脚占位符 5"/>
+          <p:cNvSpPr>
+            <a:spLocks noGrp="1"/>
+          </p:cNvSpPr>
+          <p:nvPr>
+            <p:ph type="ftr" sz="quarter" idx="4"/>
+          </p:nvPr>
+        </p:nvSpPr>
+        <p:spPr>
+          <a:xfrm>
+            <a:off x="0" y="8685213"/>
+            <a:ext cx="2971800" cy="457200"/>
+          </a:xfrm>
+          <a:prstGeom prst="rect">
+            <a:avLst/>
+          </a:prstGeom>
+        </p:spPr>
+        <p:txBody>
+          <a:bodyPr vert="horz" lIns="91440" tIns="45720" rIns="91440" bIns="45720" rtlCol="0" anchor="b"/>
+          <a:lstStyle>
+            <a:lvl1pPr algn="l">
+              <a:defRPr sz="1200"/>
+            </a:lvl1pPr>
+          </a:lstStyle>
+          <a:p>
+            <a:endParaRPr lang="zh-CN" altLang="en-US"/>
+          </a:p>
+        </p:txBody>
+      </p:sp>
+      <p:sp>
+        <p:nvSpPr>
+          <p:cNvPr id="7" name="灯片编号占位符 6"/>
+          <p:cNvSpPr>
+            <a:spLocks noGrp="1"/>
+          </p:cNvSpPr>
+          <p:nvPr>
+            <p:ph type="sldNum" sz="quarter" idx="5"/>
+          </p:nvPr>
+        </p:nvSpPr>
+        <p:spPr>
+          <a:xfrm>
+            <a:off x="3884613" y="8685213"/>
+            <a:ext cx="2971800" cy="457200"/>
+          </a:xfrm>
+          <a:prstGeom prst="rect">
+            <a:avLst/>
+          </a:prstGeom>
+        </p:spPr>
+        <p:txBody>
+          <a:bodyPr vert="horz" lIns="91440" tIns="45720" rIns="91440" bIns="45720" rtlCol="0" anchor="b"/>
+          <a:lstStyle>
+            <a:lvl1pPr algn="r">
+              <a:defRPr sz="1200"/>
+            </a:lvl1pPr>
+          </a:lstStyle>
+          <a:p>
+            <a:fld id="{AD50BD58-7766-4D29-BB41-D4998DCBDFAE}" type="slidenum">
+              <a:rPr lang="zh-CN" altLang="en-US" smtClean="0"/>
+              <a:t>‹#›</a:t>
+            </a:fld>
+            <a:endParaRPr lang="zh-CN" altLang="en-US"/>
+          </a:p>
+        </p:txBody>
+      </p:sp>
+    </p:spTree>
+    <p:extLst>
+      <p:ext uri="{BB962C8B-B14F-4D97-AF65-F5344CB8AC3E}">
+        <p14:creationId xmlns:p14="http://schemas.microsoft.com/office/powerpoint/2010/main" val="2615208069"/>
+      </p:ext>
+    </p:extLst>
+  </p:cSld>
+  <p:clrMap bg1="lt1" tx1="dk1" bg2="lt2" tx2="dk2" accent1="accent1" accent2="accent2" accent3="accent3" accent4="accent4" accent5="accent5" accent6="accent6" hlink="hlink" folHlink="folHlink"/>
+  <p:notesStyle>
+    <a:lvl1pPr marL="0" algn="l" defTabSz="914400" rtl="0" eaLnBrk="1" latinLnBrk="0" hangingPunct="1">
+      <a:defRPr sz="1200" kern="1200">
+        <a:solidFill>
+          <a:schemeClr val="tx1"/>
+        </a:solidFill>
+        <a:latin typeface="+mn-lt"/>
+        <a:ea typeface="+mn-ea"/>
+        <a:cs typeface="+mn-cs"/>
+      </a:defRPr>
+    </a:lvl1pPr>
+    <a:lvl2pPr marL="457200" algn="l" defTabSz="914400" rtl="0" eaLnBrk="1" latinLnBrk="0" hangingPunct="1">
+      <a:defRPr sz="1200" kern="1200">
+        <a:solidFill>
+          <a:schemeClr val="tx1"/>
+        </a:solidFill>
+        <a:latin typeface="+mn-lt"/>
+        <a:ea typeface="+mn-ea"/>
+        <a:cs typeface="+mn-cs"/>
+      </a:defRPr>
+    </a:lvl2pPr>
+    <a:lvl3pPr marL="914400" algn="l" defTabSz="914400" rtl="0" eaLnBrk="1" latinLnBrk="0" hangingPunct="1">
+      <a:defRPr sz="1200" kern="1200">
+        <a:solidFill>
+          <a:schemeClr val="tx1"/>
+        </a:solidFill>
+        <a:latin typeface="+mn-lt"/>
+        <a:ea typeface="+mn-ea"/>
+        <a:cs typeface="+mn-cs"/>
+      </a:defRPr>
+    </a:lvl3pPr>
+    <a:lvl4pPr marL="1371600" algn="l" defTabSz="914400" rtl="0" eaLnBrk="1" latinLnBrk="0" hangingPunct="1">
+      <a:defRPr sz="1200" kern="1200">
+        <a:solidFill>
+          <a:schemeClr val="tx1"/>
+        </a:solidFill>
+        <a:latin typeface="+mn-lt"/>
+        <a:ea typeface="+mn-ea"/>
+        <a:cs typeface="+mn-cs"/>
+      </a:defRPr>
+    </a:lvl4pPr>
+    <a:lvl5pPr marL="1828800" algn="l" defTabSz="914400" rtl="0" eaLnBrk="1" latinLnBrk="0" hangingPunct="1">
+      <a:defRPr sz="1200" kern="1200">
+        <a:solidFill>
+          <a:schemeClr val="tx1"/>
+        </a:solidFill>
+        <a:latin typeface="+mn-lt"/>
+        <a:ea typeface="+mn-ea"/>
+        <a:cs typeface="+mn-cs"/>
+      </a:defRPr>
+    </a:lvl5pPr>
+    <a:lvl6pPr marL="2286000" algn="l" defTabSz="914400" rtl="0" eaLnBrk="1" latinLnBrk="0" hangingPunct="1">
+      <a:defRPr sz="1200" kern="1200">
+        <a:solidFill>
+          <a:schemeClr val="tx1"/>
+        </a:solidFill>
+        <a:latin typeface="+mn-lt"/>
+        <a:ea typeface="+mn-ea"/>
+        <a:cs typeface="+mn-cs"/>
+      </a:defRPr>
+    </a:lvl6pPr>
+    <a:lvl7pPr marL="2743200" algn="l" defTabSz="914400" rtl="0" eaLnBrk="1" latinLnBrk="0" hangingPunct="1">
+      <a:defRPr sz="1200" kern="1200">
+        <a:solidFill>
+          <a:schemeClr val="tx1"/>
+        </a:solidFill>
+        <a:latin typeface="+mn-lt"/>
+        <a:ea typeface="+mn-ea"/>
+        <a:cs typeface="+mn-cs"/>
+      </a:defRPr>
+    </a:lvl7pPr>
+    <a:lvl8pPr marL="3200400" algn="l" defTabSz="914400" rtl="0" eaLnBrk="1" latinLnBrk="0" hangingPunct="1">
+      <a:defRPr sz="1200" kern="1200">
+        <a:solidFill>
+          <a:schemeClr val="tx1"/>
+        </a:solidFill>
+        <a:latin typeface="+mn-lt"/>
+        <a:ea typeface="+mn-ea"/>
+        <a:cs typeface="+mn-cs"/>
+      </a:defRPr>
+    </a:lvl8pPr>
+    <a:lvl9pPr marL="3657600" algn="l" defTabSz="914400" rtl="0" eaLnBrk="1" latinLnBrk="0" hangingPunct="1">
+      <a:defRPr sz="1200" kern="1200">
+        <a:solidFill>
+          <a:schemeClr val="tx1"/>
+        </a:solidFill>
+        <a:latin typeface="+mn-lt"/>
+        <a:ea typeface="+mn-ea"/>
+        <a:cs typeface="+mn-cs"/>
+      </a:defRPr>
+    </a:lvl9pPr>
+  </p:notesStyle>
+</p:notesMaster>
+</file>
+
+<file path=ppt/notesSlides/notesSlide1.xml><?xml version="1.0" encoding="utf-8"?>
+<p:notes xmlns:a="http://schemas.openxmlformats.org/drawingml/2006/main" xmlns:r="http://schemas.openxmlformats.org/officeDocument/2006/relationships" xmlns:p="http://schemas.openxmlformats.org/presentationml/2006/main">
+  <p:cSld>
+    <p:spTree>
+      <p:nvGrpSpPr>
+        <p:cNvPr id="1" name=""/>
+        <p:cNvGrpSpPr/>
+        <p:nvPr/>
+      </p:nvGrpSpPr>
+      <p:grpSpPr>
+        <a:xfrm>
+          <a:off x="0" y="0"/>
+          <a:ext cx="0" cy="0"/>
+          <a:chOff x="0" y="0"/>
+          <a:chExt cx="0" cy="0"/>
+        </a:xfrm>
+      </p:grpSpPr>
+      <p:sp>
+        <p:nvSpPr>
+          <p:cNvPr id="2" name="幻灯片图像占位符 1"/>
+          <p:cNvSpPr>
+            <a:spLocks noGrp="1" noRot="1" noChangeAspect="1"/>
+          </p:cNvSpPr>
+          <p:nvPr>
+            <p:ph type="sldImg"/>
+          </p:nvPr>
+        </p:nvSpPr>
+        <p:spPr/>
+      </p:sp>
+      <p:sp>
+        <p:nvSpPr>
+          <p:cNvPr id="3" name="备注占位符 2"/>
+          <p:cNvSpPr>
+            <a:spLocks noGrp="1"/>
+          </p:cNvSpPr>
+          <p:nvPr>
+            <p:ph type="body" idx="1"/>
+          </p:nvPr>
+        </p:nvSpPr>
+        <p:spPr/>
+        <p:txBody>
+          <a:bodyPr/>
+          <a:lstStyle/>
+          <a:p>
+            <a:r>
+              <a:rPr lang="zh-CN" altLang="en-US" sz="1200" b="0" i="0" kern="1200" smtClean="0">
+                <a:solidFill>
+                  <a:schemeClr val="tx1"/>
+                </a:solidFill>
+                <a:effectLst/>
+                <a:latin typeface="+mn-lt"/>
+                <a:ea typeface="+mn-ea"/>
+                <a:cs typeface="+mn-cs"/>
+              </a:rPr>
+              <a:t>许多人习惯用复制整个项目目录的方式来保存不同的版本，或许还会改名加上备份时间以示区别。这么做唯一的好处就是简单。不过坏处也不少：有时候会混淆所在的工作目录，一旦弄错文件丢了数据就没法撤销恢复。</a:t>
+            </a:r>
+            <a:endParaRPr lang="zh-CN" altLang="en-US"/>
+          </a:p>
+        </p:txBody>
+      </p:sp>
+      <p:sp>
+        <p:nvSpPr>
+          <p:cNvPr id="4" name="灯片编号占位符 3"/>
+          <p:cNvSpPr>
+            <a:spLocks noGrp="1"/>
+          </p:cNvSpPr>
+          <p:nvPr>
+            <p:ph type="sldNum" sz="quarter" idx="10"/>
+          </p:nvPr>
+        </p:nvSpPr>
+        <p:spPr/>
+        <p:txBody>
+          <a:bodyPr/>
+          <a:lstStyle/>
+          <a:p>
+            <a:fld id="{AD50BD58-7766-4D29-BB41-D4998DCBDFAE}" type="slidenum">
+              <a:rPr lang="zh-CN" altLang="en-US" smtClean="0"/>
+              <a:t>3</a:t>
+            </a:fld>
+            <a:endParaRPr lang="zh-CN" altLang="en-US"/>
+          </a:p>
+        </p:txBody>
+      </p:sp>
+    </p:spTree>
+    <p:extLst>
+      <p:ext uri="{BB962C8B-B14F-4D97-AF65-F5344CB8AC3E}">
+        <p14:creationId xmlns:p14="http://schemas.microsoft.com/office/powerpoint/2010/main" val="1804606503"/>
+      </p:ext>
+    </p:extLst>
+  </p:cSld>
+  <p:clrMapOvr>
+    <a:masterClrMapping/>
+  </p:clrMapOvr>
+</p:notes>
+</file>
+
+<file path=ppt/notesSlides/notesSlide2.xml><?xml version="1.0" encoding="utf-8"?>
+<p:notes xmlns:a="http://schemas.openxmlformats.org/drawingml/2006/main" xmlns:r="http://schemas.openxmlformats.org/officeDocument/2006/relationships" xmlns:p="http://schemas.openxmlformats.org/presentationml/2006/main">
+  <p:cSld>
+    <p:spTree>
+      <p:nvGrpSpPr>
+        <p:cNvPr id="1" name=""/>
+        <p:cNvGrpSpPr/>
+        <p:nvPr/>
+      </p:nvGrpSpPr>
+      <p:grpSpPr>
+        <a:xfrm>
+          <a:off x="0" y="0"/>
+          <a:ext cx="0" cy="0"/>
+          <a:chOff x="0" y="0"/>
+          <a:chExt cx="0" cy="0"/>
+        </a:xfrm>
+      </p:grpSpPr>
+      <p:sp>
+        <p:nvSpPr>
+          <p:cNvPr id="2" name="幻灯片图像占位符 1"/>
+          <p:cNvSpPr>
+            <a:spLocks noGrp="1" noRot="1" noChangeAspect="1"/>
+          </p:cNvSpPr>
+          <p:nvPr>
+            <p:ph type="sldImg"/>
+          </p:nvPr>
+        </p:nvSpPr>
+        <p:spPr/>
+      </p:sp>
+      <p:sp>
+        <p:nvSpPr>
+          <p:cNvPr id="3" name="备注占位符 2"/>
+          <p:cNvSpPr>
+            <a:spLocks noGrp="1"/>
+          </p:cNvSpPr>
+          <p:nvPr>
+            <p:ph type="body" idx="1"/>
+          </p:nvPr>
+        </p:nvSpPr>
+        <p:spPr/>
+        <p:txBody>
+          <a:bodyPr/>
+          <a:lstStyle/>
+          <a:p>
+            <a:r>
+              <a:rPr lang="zh-CN" altLang="en-US" sz="1200" b="0" i="0" kern="1200" dirty="0" smtClean="0">
+                <a:solidFill>
+                  <a:schemeClr val="tx1"/>
+                </a:solidFill>
+                <a:effectLst/>
+                <a:latin typeface="+mn-lt"/>
+                <a:ea typeface="+mn-ea"/>
+                <a:cs typeface="+mn-cs"/>
+              </a:rPr>
+              <a:t>本地版本控制系统，大多都是采用某种简单的数据库来记录文件的历次更新差异，其中最流行的一种叫做 </a:t>
+            </a:r>
+            <a:r>
+              <a:rPr lang="en-US" altLang="zh-CN" sz="1200" b="0" i="0" kern="1200" dirty="0" err="1" smtClean="0">
+                <a:solidFill>
+                  <a:schemeClr val="tx1"/>
+                </a:solidFill>
+                <a:effectLst/>
+                <a:latin typeface="+mn-lt"/>
+                <a:ea typeface="+mn-ea"/>
+                <a:cs typeface="+mn-cs"/>
+              </a:rPr>
+              <a:t>rcs</a:t>
+            </a:r>
+            <a:r>
+              <a:rPr lang="zh-CN" altLang="en-US" sz="1200" b="0" i="0" kern="1200" dirty="0" smtClean="0">
+                <a:solidFill>
+                  <a:schemeClr val="tx1"/>
+                </a:solidFill>
+                <a:effectLst/>
+                <a:latin typeface="+mn-lt"/>
+                <a:ea typeface="+mn-ea"/>
+                <a:cs typeface="+mn-cs"/>
+              </a:rPr>
+              <a:t>。它的工作原理基本上就是保存并管理文件补丁（</a:t>
+            </a:r>
+            <a:r>
+              <a:rPr lang="en-US" altLang="zh-CN" sz="1200" b="0" i="0" kern="1200" dirty="0" smtClean="0">
+                <a:solidFill>
+                  <a:schemeClr val="tx1"/>
+                </a:solidFill>
+                <a:effectLst/>
+                <a:latin typeface="+mn-lt"/>
+                <a:ea typeface="+mn-ea"/>
+                <a:cs typeface="+mn-cs"/>
+              </a:rPr>
+              <a:t>patch</a:t>
+            </a:r>
+            <a:r>
+              <a:rPr lang="zh-CN" altLang="en-US" sz="1200" b="0" i="0" kern="1200" dirty="0" smtClean="0">
+                <a:solidFill>
+                  <a:schemeClr val="tx1"/>
+                </a:solidFill>
+                <a:effectLst/>
+                <a:latin typeface="+mn-lt"/>
+                <a:ea typeface="+mn-ea"/>
+                <a:cs typeface="+mn-cs"/>
+              </a:rPr>
+              <a:t>）。文件补丁是一种特定格式的文本文件，记录着对应文件修订前后的内容变化。所以，根据每次修订后的补丁，</a:t>
+            </a:r>
+            <a:r>
+              <a:rPr lang="en-US" altLang="zh-CN" sz="1200" b="0" i="0" kern="1200" dirty="0" err="1" smtClean="0">
+                <a:solidFill>
+                  <a:schemeClr val="tx1"/>
+                </a:solidFill>
+                <a:effectLst/>
+                <a:latin typeface="+mn-lt"/>
+                <a:ea typeface="+mn-ea"/>
+                <a:cs typeface="+mn-cs"/>
+              </a:rPr>
+              <a:t>rcs</a:t>
+            </a:r>
+            <a:r>
+              <a:rPr lang="en-US" altLang="zh-CN" sz="1200" b="0" i="0" kern="1200" dirty="0" smtClean="0">
+                <a:solidFill>
+                  <a:schemeClr val="tx1"/>
+                </a:solidFill>
+                <a:effectLst/>
+                <a:latin typeface="+mn-lt"/>
+                <a:ea typeface="+mn-ea"/>
+                <a:cs typeface="+mn-cs"/>
+              </a:rPr>
+              <a:t> </a:t>
+            </a:r>
+            <a:r>
+              <a:rPr lang="zh-CN" altLang="en-US" sz="1200" b="0" i="0" kern="1200" dirty="0" smtClean="0">
+                <a:solidFill>
+                  <a:schemeClr val="tx1"/>
+                </a:solidFill>
+                <a:effectLst/>
+                <a:latin typeface="+mn-lt"/>
+                <a:ea typeface="+mn-ea"/>
+                <a:cs typeface="+mn-cs"/>
+              </a:rPr>
+              <a:t>可以通过不断打补丁，计算出各个版本的文件内容。接下来人们又遇到一个问题，如何让在不同系统上的开发者协同工作？于是，集中化的版本控制系统（ </a:t>
+            </a:r>
+            <a:r>
+              <a:rPr lang="en-US" altLang="zh-CN" sz="1200" b="0" i="0" kern="1200" dirty="0" smtClean="0">
+                <a:solidFill>
+                  <a:schemeClr val="tx1"/>
+                </a:solidFill>
+                <a:effectLst/>
+                <a:latin typeface="+mn-lt"/>
+                <a:ea typeface="+mn-ea"/>
+                <a:cs typeface="+mn-cs"/>
+              </a:rPr>
+              <a:t>Centralized Version Control Systems</a:t>
+            </a:r>
+            <a:r>
+              <a:rPr lang="zh-CN" altLang="en-US" sz="1200" b="0" i="0" kern="1200" dirty="0" smtClean="0">
+                <a:solidFill>
+                  <a:schemeClr val="tx1"/>
+                </a:solidFill>
+                <a:effectLst/>
+                <a:latin typeface="+mn-lt"/>
+                <a:ea typeface="+mn-ea"/>
+                <a:cs typeface="+mn-cs"/>
+              </a:rPr>
+              <a:t>，简称 </a:t>
+            </a:r>
+            <a:r>
+              <a:rPr lang="en-US" altLang="zh-CN" sz="1200" b="0" i="0" kern="1200" dirty="0" smtClean="0">
+                <a:solidFill>
+                  <a:schemeClr val="tx1"/>
+                </a:solidFill>
+                <a:effectLst/>
+                <a:latin typeface="+mn-lt"/>
+                <a:ea typeface="+mn-ea"/>
+                <a:cs typeface="+mn-cs"/>
+              </a:rPr>
+              <a:t>CVCS </a:t>
+            </a:r>
+            <a:r>
+              <a:rPr lang="zh-CN" altLang="en-US" sz="1200" b="0" i="0" kern="1200" dirty="0" smtClean="0">
+                <a:solidFill>
+                  <a:schemeClr val="tx1"/>
+                </a:solidFill>
+                <a:effectLst/>
+                <a:latin typeface="+mn-lt"/>
+                <a:ea typeface="+mn-ea"/>
+                <a:cs typeface="+mn-cs"/>
+              </a:rPr>
+              <a:t>）应运而生。这类系统，诸如 </a:t>
+            </a:r>
+            <a:r>
+              <a:rPr lang="en-US" altLang="zh-CN" sz="1200" b="0" i="0" kern="1200" dirty="0" smtClean="0">
+                <a:solidFill>
+                  <a:schemeClr val="tx1"/>
+                </a:solidFill>
+                <a:effectLst/>
+                <a:latin typeface="+mn-lt"/>
+                <a:ea typeface="+mn-ea"/>
+                <a:cs typeface="+mn-cs"/>
+              </a:rPr>
+              <a:t>CVS</a:t>
+            </a:r>
+            <a:r>
+              <a:rPr lang="zh-CN" altLang="en-US" sz="1200" b="0" i="0" kern="1200" dirty="0" smtClean="0">
+                <a:solidFill>
+                  <a:schemeClr val="tx1"/>
+                </a:solidFill>
+                <a:effectLst/>
+                <a:latin typeface="+mn-lt"/>
+                <a:ea typeface="+mn-ea"/>
+                <a:cs typeface="+mn-cs"/>
+              </a:rPr>
+              <a:t>，</a:t>
+            </a:r>
+            <a:r>
+              <a:rPr lang="en-US" altLang="zh-CN" sz="1200" b="0" i="0" kern="1200" dirty="0" smtClean="0">
+                <a:solidFill>
+                  <a:schemeClr val="tx1"/>
+                </a:solidFill>
+                <a:effectLst/>
+                <a:latin typeface="+mn-lt"/>
+                <a:ea typeface="+mn-ea"/>
+                <a:cs typeface="+mn-cs"/>
+              </a:rPr>
+              <a:t>Subversion </a:t>
+            </a:r>
+            <a:r>
+              <a:rPr lang="zh-CN" altLang="en-US" sz="1200" b="0" i="0" kern="1200" dirty="0" smtClean="0">
+                <a:solidFill>
+                  <a:schemeClr val="tx1"/>
+                </a:solidFill>
+                <a:effectLst/>
+                <a:latin typeface="+mn-lt"/>
+                <a:ea typeface="+mn-ea"/>
+                <a:cs typeface="+mn-cs"/>
+              </a:rPr>
+              <a:t>以及 </a:t>
+            </a:r>
+            <a:r>
+              <a:rPr lang="en-US" altLang="zh-CN" sz="1200" b="0" i="0" kern="1200" dirty="0" smtClean="0">
+                <a:solidFill>
+                  <a:schemeClr val="tx1"/>
+                </a:solidFill>
+                <a:effectLst/>
+                <a:latin typeface="+mn-lt"/>
+                <a:ea typeface="+mn-ea"/>
+                <a:cs typeface="+mn-cs"/>
+              </a:rPr>
+              <a:t>Perforce </a:t>
+            </a:r>
+            <a:r>
+              <a:rPr lang="zh-CN" altLang="en-US" sz="1200" b="0" i="0" kern="1200" dirty="0" smtClean="0">
+                <a:solidFill>
+                  <a:schemeClr val="tx1"/>
+                </a:solidFill>
+                <a:effectLst/>
+                <a:latin typeface="+mn-lt"/>
+                <a:ea typeface="+mn-ea"/>
+                <a:cs typeface="+mn-cs"/>
+              </a:rPr>
+              <a:t>等，都有一个单一的集中管理的服务器，保存所有文件的修订版本，而协同工作的人们都通过客户端连到这台服务器，取出最新的文件或者提交更新。优点是实现了协同工作，易于维护；缺点是中央服务器的单点故障。</a:t>
+            </a:r>
+            <a:r>
+              <a:rPr lang="zh-CN" altLang="en-US" sz="1200" b="0" i="0" u="none" strike="noStrike" kern="1200" baseline="0" dirty="0" smtClean="0">
+                <a:solidFill>
+                  <a:schemeClr val="tx1"/>
+                </a:solidFill>
+                <a:latin typeface="+mn-lt"/>
+                <a:ea typeface="+mn-ea"/>
+                <a:cs typeface="+mn-cs"/>
+              </a:rPr>
+              <a:t>分布式版本控制系统最大的反传统之处在于，可以不需要集中式的版本库，每个人都工作在通过克隆操作建立的本地版本库中。也就是说每个人都拥有一个完整的版本库，所有操作包括查看提交日志、提交、创建里程碑和分支、合并分支、回退等都直接在本地完成而不需要网络连接。每个人都是本地版本库的主人，不再有谁能提交谁不能提交的限制，加之多样的协同工作模型（版本库间推送、拉回，及补丁文件传送等）让开源项目的参与度有爆发式增长。</a:t>
+            </a:r>
+            <a:endParaRPr lang="zh-CN" altLang="en-US" dirty="0"/>
+          </a:p>
+        </p:txBody>
+      </p:sp>
+      <p:sp>
+        <p:nvSpPr>
+          <p:cNvPr id="4" name="灯片编号占位符 3"/>
+          <p:cNvSpPr>
+            <a:spLocks noGrp="1"/>
+          </p:cNvSpPr>
+          <p:nvPr>
+            <p:ph type="sldNum" sz="quarter" idx="10"/>
+          </p:nvPr>
+        </p:nvSpPr>
+        <p:spPr/>
+        <p:txBody>
+          <a:bodyPr/>
+          <a:lstStyle/>
+          <a:p>
+            <a:fld id="{AD50BD58-7766-4D29-BB41-D4998DCBDFAE}" type="slidenum">
+              <a:rPr lang="zh-CN" altLang="en-US" smtClean="0"/>
+              <a:t>4</a:t>
+            </a:fld>
+            <a:endParaRPr lang="zh-CN" altLang="en-US"/>
+          </a:p>
+        </p:txBody>
+      </p:sp>
+    </p:spTree>
+    <p:extLst>
+      <p:ext uri="{BB962C8B-B14F-4D97-AF65-F5344CB8AC3E}">
+        <p14:creationId xmlns:p14="http://schemas.microsoft.com/office/powerpoint/2010/main" val="1281917043"/>
+      </p:ext>
+    </p:extLst>
+  </p:cSld>
+  <p:clrMapOvr>
+    <a:masterClrMapping/>
+  </p:clrMapOvr>
+</p:notes>
+</file>
+
+<file path=ppt/notesSlides/notesSlide3.xml><?xml version="1.0" encoding="utf-8"?>
+<p:notes xmlns:a="http://schemas.openxmlformats.org/drawingml/2006/main" xmlns:r="http://schemas.openxmlformats.org/officeDocument/2006/relationships" xmlns:p="http://schemas.openxmlformats.org/presentationml/2006/main">
+  <p:cSld>
+    <p:spTree>
+      <p:nvGrpSpPr>
+        <p:cNvPr id="1" name=""/>
+        <p:cNvGrpSpPr/>
+        <p:nvPr/>
+      </p:nvGrpSpPr>
+      <p:grpSpPr>
+        <a:xfrm>
+          <a:off x="0" y="0"/>
+          <a:ext cx="0" cy="0"/>
+          <a:chOff x="0" y="0"/>
+          <a:chExt cx="0" cy="0"/>
+        </a:xfrm>
+      </p:grpSpPr>
+      <p:sp>
+        <p:nvSpPr>
+          <p:cNvPr id="2" name="幻灯片图像占位符 1"/>
+          <p:cNvSpPr>
+            <a:spLocks noGrp="1" noRot="1" noChangeAspect="1"/>
+          </p:cNvSpPr>
+          <p:nvPr>
+            <p:ph type="sldImg"/>
+          </p:nvPr>
+        </p:nvSpPr>
+        <p:spPr/>
+      </p:sp>
+      <p:sp>
+        <p:nvSpPr>
+          <p:cNvPr id="3" name="备注占位符 2"/>
+          <p:cNvSpPr>
+            <a:spLocks noGrp="1"/>
+          </p:cNvSpPr>
+          <p:nvPr>
+            <p:ph type="body" idx="1"/>
+          </p:nvPr>
+        </p:nvSpPr>
+        <p:spPr/>
+        <p:txBody>
+          <a:bodyPr/>
+          <a:lstStyle/>
+          <a:p>
+            <a:pPr marL="0" marR="0" indent="0" algn="l" defTabSz="914400" rtl="0" eaLnBrk="1" fontAlgn="auto" latinLnBrk="0" hangingPunct="1">
+              <a:lnSpc>
+                <a:spcPct val="100000"/>
+              </a:lnSpc>
+              <a:spcBef>
+                <a:spcPts val="0"/>
+              </a:spcBef>
+              <a:spcAft>
+                <a:spcPts val="0"/>
+              </a:spcAft>
+              <a:buClrTx/>
+              <a:buSzTx/>
+              <a:buFontTx/>
+              <a:buNone/>
+              <a:tabLst/>
+              <a:defRPr/>
+            </a:pPr>
+            <a:r>
+              <a:rPr lang="zh-CN" altLang="en-US" sz="1200" dirty="0" smtClean="0"/>
+              <a:t>这就是为什么在 </a:t>
+            </a:r>
+            <a:r>
+              <a:rPr lang="en-US" altLang="zh-CN" sz="1200" dirty="0" smtClean="0"/>
+              <a:t>1991-2002</a:t>
+            </a:r>
+            <a:r>
+              <a:rPr lang="zh-CN" altLang="en-US" sz="1200" dirty="0" smtClean="0"/>
+              <a:t>这十余年间，</a:t>
+            </a:r>
+            <a:r>
+              <a:rPr lang="en-US" altLang="zh-CN" sz="1200" dirty="0" smtClean="0"/>
+              <a:t>Linus </a:t>
+            </a:r>
+            <a:r>
+              <a:rPr lang="zh-CN" altLang="en-US" sz="1200" dirty="0" smtClean="0"/>
+              <a:t>宁可通过手工修补文件的方式维护代码，也迟迟不愿使用 </a:t>
+            </a:r>
+            <a:r>
+              <a:rPr lang="en-US" altLang="zh-CN" sz="1200" dirty="0" smtClean="0"/>
+              <a:t>CVS</a:t>
+            </a:r>
+            <a:r>
+              <a:rPr lang="zh-CN" altLang="en-US" sz="1200" dirty="0" smtClean="0"/>
+              <a:t>。</a:t>
+            </a:r>
+            <a:endParaRPr lang="en-US" altLang="zh-CN" sz="1200" dirty="0" smtClean="0"/>
+          </a:p>
+          <a:p>
+            <a:r>
+              <a:rPr lang="en-US" altLang="zh-CN" sz="1200" b="0" i="0" u="none" strike="noStrike" kern="1200" baseline="0" dirty="0" smtClean="0">
+                <a:solidFill>
+                  <a:schemeClr val="tx1"/>
+                </a:solidFill>
+                <a:latin typeface="+mn-lt"/>
+                <a:ea typeface="+mn-ea"/>
+                <a:cs typeface="+mn-cs"/>
+              </a:rPr>
+              <a:t>2002 </a:t>
+            </a:r>
+            <a:r>
+              <a:rPr lang="zh-CN" altLang="en-US" sz="1200" b="0" i="0" u="none" strike="noStrike" kern="1200" baseline="0" dirty="0" smtClean="0">
+                <a:solidFill>
+                  <a:schemeClr val="tx1"/>
+                </a:solidFill>
+                <a:latin typeface="+mn-lt"/>
+                <a:ea typeface="+mn-ea"/>
+                <a:cs typeface="+mn-cs"/>
+              </a:rPr>
+              <a:t>年至</a:t>
+            </a:r>
+            <a:r>
+              <a:rPr lang="en-US" altLang="zh-CN" sz="1200" b="0" i="0" u="none" strike="noStrike" kern="1200" baseline="0" dirty="0" smtClean="0">
+                <a:solidFill>
+                  <a:schemeClr val="tx1"/>
+                </a:solidFill>
+                <a:latin typeface="+mn-lt"/>
+                <a:ea typeface="+mn-ea"/>
+                <a:cs typeface="+mn-cs"/>
+              </a:rPr>
+              <a:t>2005 </a:t>
+            </a:r>
+            <a:r>
+              <a:rPr lang="zh-CN" altLang="en-US" sz="1200" b="0" i="0" u="none" strike="noStrike" kern="1200" baseline="0" dirty="0" smtClean="0">
+                <a:solidFill>
+                  <a:schemeClr val="tx1"/>
+                </a:solidFill>
+                <a:latin typeface="+mn-lt"/>
+                <a:ea typeface="+mn-ea"/>
+                <a:cs typeface="+mn-cs"/>
+              </a:rPr>
+              <a:t>年， </a:t>
+            </a:r>
+            <a:r>
+              <a:rPr lang="en-US" altLang="zh-CN" sz="1200" b="0" i="0" u="none" strike="noStrike" kern="1200" baseline="0" dirty="0" smtClean="0">
+                <a:solidFill>
+                  <a:schemeClr val="tx1"/>
+                </a:solidFill>
+                <a:latin typeface="+mn-lt"/>
+                <a:ea typeface="+mn-ea"/>
+                <a:cs typeface="+mn-cs"/>
+              </a:rPr>
+              <a:t>Linus </a:t>
+            </a:r>
+            <a:r>
+              <a:rPr lang="zh-CN" altLang="en-US" sz="1200" b="0" i="0" u="none" strike="noStrike" kern="1200" baseline="0" dirty="0" smtClean="0">
+                <a:solidFill>
+                  <a:schemeClr val="tx1"/>
+                </a:solidFill>
+                <a:latin typeface="+mn-lt"/>
+                <a:ea typeface="+mn-ea"/>
+                <a:cs typeface="+mn-cs"/>
+              </a:rPr>
+              <a:t>顶着开源社区精英们的口诛笔伐，选择了一个商业版本控制系统</a:t>
+            </a:r>
+            <a:r>
+              <a:rPr lang="en-US" altLang="zh-CN" sz="1200" b="0" i="0" u="none" strike="noStrike" kern="1200" baseline="0" dirty="0" err="1" smtClean="0">
+                <a:solidFill>
+                  <a:schemeClr val="tx1"/>
+                </a:solidFill>
+                <a:latin typeface="+mn-lt"/>
+                <a:ea typeface="+mn-ea"/>
+                <a:cs typeface="+mn-cs"/>
+              </a:rPr>
+              <a:t>BitKeeper</a:t>
+            </a:r>
+            <a:r>
+              <a:rPr lang="en-US" altLang="zh-CN" sz="1200" b="0" i="0" u="none" strike="noStrike" kern="1200" baseline="0" dirty="0" smtClean="0">
+                <a:solidFill>
+                  <a:schemeClr val="tx1"/>
+                </a:solidFill>
+                <a:latin typeface="+mn-lt"/>
+                <a:ea typeface="+mn-ea"/>
+                <a:cs typeface="+mn-cs"/>
+              </a:rPr>
+              <a:t> </a:t>
+            </a:r>
+            <a:r>
+              <a:rPr lang="zh-CN" altLang="en-US" sz="1200" b="0" i="0" u="none" strike="noStrike" kern="1200" baseline="0" dirty="0" smtClean="0">
+                <a:solidFill>
+                  <a:schemeClr val="tx1"/>
+                </a:solidFill>
+                <a:latin typeface="+mn-lt"/>
+                <a:ea typeface="+mn-ea"/>
+                <a:cs typeface="+mn-cs"/>
+              </a:rPr>
+              <a:t>作为 </a:t>
+            </a:r>
+            <a:r>
+              <a:rPr lang="en-US" altLang="zh-CN" sz="1200" b="0" i="0" u="none" strike="noStrike" kern="1200" baseline="0" dirty="0" smtClean="0">
+                <a:solidFill>
+                  <a:schemeClr val="tx1"/>
+                </a:solidFill>
+                <a:latin typeface="+mn-lt"/>
+                <a:ea typeface="+mn-ea"/>
+                <a:cs typeface="+mn-cs"/>
+              </a:rPr>
+              <a:t>Linux </a:t>
+            </a:r>
+            <a:r>
+              <a:rPr lang="zh-CN" altLang="en-US" sz="1200" b="0" i="0" u="none" strike="noStrike" kern="1200" baseline="0" dirty="0" smtClean="0">
+                <a:solidFill>
+                  <a:schemeClr val="tx1"/>
+                </a:solidFill>
+                <a:latin typeface="+mn-lt"/>
+                <a:ea typeface="+mn-ea"/>
+                <a:cs typeface="+mn-cs"/>
+              </a:rPr>
+              <a:t>内核的代码管理工具。</a:t>
+            </a:r>
+            <a:endParaRPr lang="zh-CN" altLang="en-US" sz="1200" dirty="0" smtClean="0"/>
+          </a:p>
+          <a:p>
+            <a:pPr marL="0" marR="0" indent="0" algn="l" defTabSz="914400" rtl="0" eaLnBrk="1" fontAlgn="auto" latinLnBrk="0" hangingPunct="1">
+              <a:lnSpc>
+                <a:spcPct val="100000"/>
+              </a:lnSpc>
+              <a:spcBef>
+                <a:spcPts val="0"/>
+              </a:spcBef>
+              <a:spcAft>
+                <a:spcPts val="0"/>
+              </a:spcAft>
+              <a:buClrTx/>
+              <a:buSzTx/>
+              <a:buFontTx/>
+              <a:buNone/>
+              <a:tabLst/>
+              <a:defRPr/>
+            </a:pPr>
+            <a:r>
+              <a:rPr lang="zh-CN" altLang="en-US" sz="1200" dirty="0" smtClean="0"/>
+              <a:t>在</a:t>
+            </a:r>
+            <a:r>
+              <a:rPr lang="en-US" altLang="zh-CN" sz="1200" dirty="0" smtClean="0"/>
+              <a:t>2005 </a:t>
+            </a:r>
+            <a:r>
+              <a:rPr lang="zh-CN" altLang="en-US" sz="1200" dirty="0" smtClean="0"/>
+              <a:t>年</a:t>
+            </a:r>
+            <a:r>
+              <a:rPr lang="en-US" altLang="zh-CN" sz="1200" dirty="0" smtClean="0"/>
+              <a:t>4 </a:t>
+            </a:r>
+            <a:r>
+              <a:rPr lang="zh-CN" altLang="en-US" sz="1200" dirty="0" smtClean="0"/>
+              <a:t>月 </a:t>
+            </a:r>
+            <a:r>
+              <a:rPr lang="en-US" altLang="zh-CN" sz="1200" dirty="0" smtClean="0"/>
+              <a:t>Andrew </a:t>
+            </a:r>
+            <a:r>
+              <a:rPr lang="en-US" altLang="zh-CN" sz="1200" dirty="0" err="1" smtClean="0"/>
+              <a:t>Tridgell</a:t>
+            </a:r>
+            <a:r>
+              <a:rPr lang="zh-CN" altLang="en-US" sz="1200" dirty="0" smtClean="0"/>
+              <a:t>，即大名鼎鼎的 </a:t>
+            </a:r>
+            <a:r>
+              <a:rPr lang="en-US" altLang="zh-CN" sz="1200" dirty="0" smtClean="0"/>
+              <a:t>Samba </a:t>
+            </a:r>
+            <a:r>
+              <a:rPr lang="zh-CN" altLang="en-US" sz="1200" dirty="0" smtClean="0"/>
+              <a:t>的作者，试图尝试对 </a:t>
+            </a:r>
+            <a:r>
+              <a:rPr lang="en-US" altLang="zh-CN" sz="1200" dirty="0" err="1" smtClean="0"/>
+              <a:t>BitKeeper</a:t>
+            </a:r>
+            <a:r>
+              <a:rPr lang="en-US" altLang="zh-CN" sz="1200" dirty="0" smtClean="0"/>
+              <a:t> </a:t>
+            </a:r>
+            <a:r>
+              <a:rPr lang="zh-CN" altLang="en-US" sz="1200" dirty="0" smtClean="0"/>
+              <a:t>反向工程，以开发一个能与 </a:t>
+            </a:r>
+            <a:r>
+              <a:rPr lang="en-US" altLang="zh-CN" sz="1200" dirty="0" err="1" smtClean="0"/>
+              <a:t>BitKeeper</a:t>
+            </a:r>
+            <a:r>
+              <a:rPr lang="en-US" altLang="zh-CN" sz="1200" dirty="0" smtClean="0"/>
+              <a:t> </a:t>
+            </a:r>
+            <a:r>
+              <a:rPr lang="zh-CN" altLang="en-US" sz="1200" dirty="0" smtClean="0"/>
+              <a:t>交互的开源工具。这激怒了 </a:t>
+            </a:r>
+            <a:r>
+              <a:rPr lang="en-US" altLang="zh-CN" sz="1200" dirty="0" err="1" smtClean="0"/>
+              <a:t>BitKeeper</a:t>
+            </a:r>
+            <a:r>
+              <a:rPr lang="en-US" altLang="zh-CN" sz="1200" dirty="0" smtClean="0"/>
+              <a:t> </a:t>
+            </a:r>
+            <a:r>
+              <a:rPr lang="zh-CN" altLang="en-US" sz="1200" dirty="0" smtClean="0"/>
+              <a:t>软件的所有者 </a:t>
+            </a:r>
+            <a:r>
+              <a:rPr lang="en-US" altLang="zh-CN" sz="1200" dirty="0" err="1" smtClean="0"/>
+              <a:t>BitMover</a:t>
+            </a:r>
+            <a:r>
+              <a:rPr lang="en-US" altLang="zh-CN" sz="1200" dirty="0" smtClean="0"/>
+              <a:t> </a:t>
+            </a:r>
+            <a:r>
+              <a:rPr lang="zh-CN" altLang="en-US" sz="1200" dirty="0" smtClean="0"/>
+              <a:t>公司，要求收回对 </a:t>
+            </a:r>
+            <a:r>
+              <a:rPr lang="en-US" altLang="zh-CN" sz="1200" dirty="0" smtClean="0"/>
+              <a:t>Linux </a:t>
+            </a:r>
+            <a:r>
+              <a:rPr lang="zh-CN" altLang="en-US" sz="1200" dirty="0" smtClean="0"/>
+              <a:t>社区免费使用 </a:t>
+            </a:r>
+            <a:r>
+              <a:rPr lang="en-US" altLang="zh-CN" sz="1200" dirty="0" err="1" smtClean="0"/>
+              <a:t>BitKeeper</a:t>
+            </a:r>
+            <a:r>
+              <a:rPr lang="zh-CN" altLang="en-US" sz="1200" dirty="0" smtClean="0"/>
+              <a:t>的授权</a:t>
+            </a:r>
+            <a:r>
+              <a:rPr lang="en-US" altLang="zh-CN" sz="1200" dirty="0" smtClean="0"/>
+              <a:t>2</a:t>
+            </a:r>
+            <a:r>
+              <a:rPr lang="zh-CN" altLang="en-US" sz="1200" dirty="0" smtClean="0"/>
+              <a:t>。迫不得已， </a:t>
+            </a:r>
+            <a:r>
+              <a:rPr lang="en-US" altLang="zh-CN" sz="1200" dirty="0" smtClean="0"/>
+              <a:t>Linus </a:t>
+            </a:r>
+            <a:r>
+              <a:rPr lang="zh-CN" altLang="en-US" sz="1200" dirty="0" smtClean="0"/>
+              <a:t>选择了自己开发一个分布式版本控制工具以替代 </a:t>
+            </a:r>
+            <a:r>
+              <a:rPr lang="en-US" altLang="zh-CN" sz="1200" dirty="0" err="1" smtClean="0"/>
+              <a:t>BitKeeper</a:t>
+            </a:r>
+            <a:r>
+              <a:rPr lang="zh-CN" altLang="en-US" sz="1200" dirty="0" smtClean="0"/>
+              <a:t>。</a:t>
+            </a:r>
+            <a:endParaRPr lang="en-US" altLang="zh-CN" sz="1200" dirty="0" smtClean="0"/>
+          </a:p>
+          <a:p>
+            <a:endParaRPr lang="zh-CN" altLang="en-US" dirty="0"/>
+          </a:p>
+        </p:txBody>
+      </p:sp>
+      <p:sp>
+        <p:nvSpPr>
+          <p:cNvPr id="4" name="灯片编号占位符 3"/>
+          <p:cNvSpPr>
+            <a:spLocks noGrp="1"/>
+          </p:cNvSpPr>
+          <p:nvPr>
+            <p:ph type="sldNum" sz="quarter" idx="10"/>
+          </p:nvPr>
+        </p:nvSpPr>
+        <p:spPr/>
+        <p:txBody>
+          <a:bodyPr/>
+          <a:lstStyle/>
+          <a:p>
+            <a:fld id="{AD50BD58-7766-4D29-BB41-D4998DCBDFAE}" type="slidenum">
+              <a:rPr lang="zh-CN" altLang="en-US" smtClean="0"/>
+              <a:t>5</a:t>
+            </a:fld>
+            <a:endParaRPr lang="zh-CN" altLang="en-US"/>
+          </a:p>
+        </p:txBody>
+      </p:sp>
+    </p:spTree>
+    <p:extLst>
+      <p:ext uri="{BB962C8B-B14F-4D97-AF65-F5344CB8AC3E}">
+        <p14:creationId xmlns:p14="http://schemas.microsoft.com/office/powerpoint/2010/main" val="2874658824"/>
+      </p:ext>
+    </p:extLst>
+  </p:cSld>
+  <p:clrMapOvr>
+    <a:masterClrMapping/>
+  </p:clrMapOvr>
+</p:notes>
+</file>
+
+<file path=ppt/notesSlides/notesSlide4.xml><?xml version="1.0" encoding="utf-8"?>
+<p:notes xmlns:a="http://schemas.openxmlformats.org/drawingml/2006/main" xmlns:r="http://schemas.openxmlformats.org/officeDocument/2006/relationships" xmlns:p="http://schemas.openxmlformats.org/presentationml/2006/main">
+  <p:cSld>
+    <p:spTree>
+      <p:nvGrpSpPr>
+        <p:cNvPr id="1" name=""/>
+        <p:cNvGrpSpPr/>
+        <p:nvPr/>
+      </p:nvGrpSpPr>
+      <p:grpSpPr>
+        <a:xfrm>
+          <a:off x="0" y="0"/>
+          <a:ext cx="0" cy="0"/>
+          <a:chOff x="0" y="0"/>
+          <a:chExt cx="0" cy="0"/>
+        </a:xfrm>
+      </p:grpSpPr>
+      <p:sp>
+        <p:nvSpPr>
+          <p:cNvPr id="2" name="幻灯片图像占位符 1"/>
+          <p:cNvSpPr>
+            <a:spLocks noGrp="1" noRot="1" noChangeAspect="1"/>
+          </p:cNvSpPr>
+          <p:nvPr>
+            <p:ph type="sldImg"/>
+          </p:nvPr>
+        </p:nvSpPr>
+        <p:spPr/>
+      </p:sp>
+      <p:sp>
+        <p:nvSpPr>
+          <p:cNvPr id="3" name="备注占位符 2"/>
+          <p:cNvSpPr>
+            <a:spLocks noGrp="1"/>
+          </p:cNvSpPr>
+          <p:nvPr>
+            <p:ph type="body" idx="1"/>
+          </p:nvPr>
+        </p:nvSpPr>
+        <p:spPr/>
+        <p:txBody>
+          <a:bodyPr/>
+          <a:lstStyle/>
+          <a:p>
+            <a:endParaRPr lang="zh-CN" altLang="en-US" dirty="0"/>
+          </a:p>
+        </p:txBody>
+      </p:sp>
+      <p:sp>
+        <p:nvSpPr>
+          <p:cNvPr id="4" name="灯片编号占位符 3"/>
+          <p:cNvSpPr>
+            <a:spLocks noGrp="1"/>
+          </p:cNvSpPr>
+          <p:nvPr>
+            <p:ph type="sldNum" sz="quarter" idx="10"/>
+          </p:nvPr>
+        </p:nvSpPr>
+        <p:spPr/>
+        <p:txBody>
+          <a:bodyPr/>
+          <a:lstStyle/>
+          <a:p>
+            <a:fld id="{AD50BD58-7766-4D29-BB41-D4998DCBDFAE}" type="slidenum">
+              <a:rPr lang="zh-CN" altLang="en-US" smtClean="0"/>
+              <a:t>6</a:t>
+            </a:fld>
+            <a:endParaRPr lang="zh-CN" altLang="en-US"/>
+          </a:p>
+        </p:txBody>
+      </p:sp>
+    </p:spTree>
+    <p:extLst>
+      <p:ext uri="{BB962C8B-B14F-4D97-AF65-F5344CB8AC3E}">
+        <p14:creationId xmlns:p14="http://schemas.microsoft.com/office/powerpoint/2010/main" val="1017415980"/>
+      </p:ext>
+    </p:extLst>
+  </p:cSld>
+  <p:clrMapOvr>
+    <a:masterClrMapping/>
+  </p:clrMapOvr>
+</p:notes>
 </file>
 
 <file path=ppt/slideLayouts/slideLayout1.xml><?xml version="1.0" encoding="utf-8"?>
@@ -296,7 +4414,7 @@
           <a:p>
             <a:fld id="{530820CF-B880-4189-942D-D702A7CBA730}" type="datetimeFigureOut">
               <a:rPr lang="zh-CN" altLang="en-US" smtClean="0"/>
-              <a:t>2012/3/29</a:t>
+              <a:t>2012/3/30</a:t>
             </a:fld>
             <a:endParaRPr lang="zh-CN" altLang="en-US"/>
           </a:p>
@@ -461,7 +4579,7 @@
           <a:p>
             <a:fld id="{530820CF-B880-4189-942D-D702A7CBA730}" type="datetimeFigureOut">
               <a:rPr lang="zh-CN" altLang="en-US" smtClean="0"/>
-              <a:t>2012/3/29</a:t>
+              <a:t>2012/3/30</a:t>
             </a:fld>
             <a:endParaRPr lang="zh-CN" altLang="en-US"/>
           </a:p>
@@ -636,7 +4754,7 @@
           <a:p>
             <a:fld id="{530820CF-B880-4189-942D-D702A7CBA730}" type="datetimeFigureOut">
               <a:rPr lang="zh-CN" altLang="en-US" smtClean="0"/>
-              <a:t>2012/3/29</a:t>
+              <a:t>2012/3/30</a:t>
             </a:fld>
             <a:endParaRPr lang="zh-CN" altLang="en-US"/>
           </a:p>
@@ -801,7 +4919,7 @@
           <a:p>
             <a:fld id="{530820CF-B880-4189-942D-D702A7CBA730}" type="datetimeFigureOut">
               <a:rPr lang="zh-CN" altLang="en-US" smtClean="0"/>
-              <a:t>2012/3/29</a:t>
+              <a:t>2012/3/30</a:t>
             </a:fld>
             <a:endParaRPr lang="zh-CN" altLang="en-US"/>
           </a:p>
@@ -1042,7 +5160,7 @@
           <a:p>
             <a:fld id="{530820CF-B880-4189-942D-D702A7CBA730}" type="datetimeFigureOut">
               <a:rPr lang="zh-CN" altLang="en-US" smtClean="0"/>
-              <a:t>2012/3/29</a:t>
+              <a:t>2012/3/30</a:t>
             </a:fld>
             <a:endParaRPr lang="zh-CN" altLang="en-US"/>
           </a:p>
@@ -1325,7 +5443,7 @@
           <a:p>
             <a:fld id="{530820CF-B880-4189-942D-D702A7CBA730}" type="datetimeFigureOut">
               <a:rPr lang="zh-CN" altLang="en-US" smtClean="0"/>
-              <a:t>2012/3/29</a:t>
+              <a:t>2012/3/30</a:t>
             </a:fld>
             <a:endParaRPr lang="zh-CN" altLang="en-US"/>
           </a:p>
@@ -1742,7 +5860,7 @@
           <a:p>
             <a:fld id="{530820CF-B880-4189-942D-D702A7CBA730}" type="datetimeFigureOut">
               <a:rPr lang="zh-CN" altLang="en-US" smtClean="0"/>
-              <a:t>2012/3/29</a:t>
+              <a:t>2012/3/30</a:t>
             </a:fld>
             <a:endParaRPr lang="zh-CN" altLang="en-US"/>
           </a:p>
@@ -1855,7 +5973,7 @@
           <a:p>
             <a:fld id="{530820CF-B880-4189-942D-D702A7CBA730}" type="datetimeFigureOut">
               <a:rPr lang="zh-CN" altLang="en-US" smtClean="0"/>
-              <a:t>2012/3/29</a:t>
+              <a:t>2012/3/30</a:t>
             </a:fld>
             <a:endParaRPr lang="zh-CN" altLang="en-US"/>
           </a:p>
@@ -1945,7 +6063,7 @@
           <a:p>
             <a:fld id="{530820CF-B880-4189-942D-D702A7CBA730}" type="datetimeFigureOut">
               <a:rPr lang="zh-CN" altLang="en-US" smtClean="0"/>
-              <a:t>2012/3/29</a:t>
+              <a:t>2012/3/30</a:t>
             </a:fld>
             <a:endParaRPr lang="zh-CN" altLang="en-US"/>
           </a:p>
@@ -2217,7 +6335,7 @@
           <a:p>
             <a:fld id="{530820CF-B880-4189-942D-D702A7CBA730}" type="datetimeFigureOut">
               <a:rPr lang="zh-CN" altLang="en-US" smtClean="0"/>
-              <a:t>2012/3/29</a:t>
+              <a:t>2012/3/30</a:t>
             </a:fld>
             <a:endParaRPr lang="zh-CN" altLang="en-US"/>
           </a:p>
@@ -2465,7 +6583,7 @@
           <a:p>
             <a:fld id="{530820CF-B880-4189-942D-D702A7CBA730}" type="datetimeFigureOut">
               <a:rPr lang="zh-CN" altLang="en-US" smtClean="0"/>
-              <a:t>2012/3/29</a:t>
+              <a:t>2012/3/30</a:t>
             </a:fld>
             <a:endParaRPr lang="zh-CN" altLang="en-US"/>
           </a:p>
@@ -2673,7 +6791,7 @@
           <a:p>
             <a:fld id="{530820CF-B880-4189-942D-D702A7CBA730}" type="datetimeFigureOut">
               <a:rPr lang="zh-CN" altLang="en-US" smtClean="0"/>
-              <a:t>2012/3/29</a:t>
+              <a:t>2012/3/30</a:t>
             </a:fld>
             <a:endParaRPr lang="zh-CN" altLang="en-US"/>
           </a:p>
@@ -3173,7 +7291,7 @@
           <a:p>
             <a:r>
               <a:rPr lang="zh-CN" altLang="en-US" dirty="0" smtClean="0"/>
-              <a:t>版本控制</a:t>
+              <a:t>关于版本控制</a:t>
             </a:r>
             <a:endParaRPr lang="en-US" altLang="zh-CN" dirty="0" smtClean="0"/>
           </a:p>
@@ -3188,7 +7306,22 @@
             </a:r>
             <a:r>
               <a:rPr lang="zh-CN" altLang="en-US" dirty="0" smtClean="0"/>
-              <a:t>入门 </a:t>
+              <a:t>基础 </a:t>
+            </a:r>
+            <a:endParaRPr lang="en-US" altLang="zh-CN" dirty="0" smtClean="0"/>
+          </a:p>
+          <a:p>
+            <a:r>
+              <a:rPr lang="en-US" altLang="zh-CN" dirty="0" err="1" smtClean="0"/>
+              <a:t>GitHub</a:t>
+            </a:r>
+            <a:r>
+              <a:rPr lang="en-US" altLang="zh-CN" dirty="0" smtClean="0"/>
+              <a:t> </a:t>
+            </a:r>
+            <a:r>
+              <a:rPr lang="zh-CN" altLang="en-US" dirty="0" smtClean="0"/>
+              <a:t>基础</a:t>
             </a:r>
             <a:endParaRPr lang="en-US" altLang="zh-CN" dirty="0" smtClean="0"/>
           </a:p>
@@ -3203,7 +7336,7 @@
             </a:r>
             <a:r>
               <a:rPr lang="en-US" altLang="zh-CN" dirty="0" err="1" smtClean="0"/>
-              <a:t>Github</a:t>
+              <a:t>GitHub</a:t>
             </a:r>
             <a:r>
               <a:rPr lang="en-US" altLang="zh-CN" dirty="0" smtClean="0"/>
@@ -3211,7 +7344,7 @@
             </a:r>
             <a:r>
               <a:rPr lang="zh-CN" altLang="en-US" dirty="0" smtClean="0"/>
-              <a:t>实践</a:t>
+              <a:t>体验</a:t>
             </a:r>
             <a:endParaRPr lang="en-US" altLang="zh-CN" dirty="0" smtClean="0"/>
           </a:p>
@@ -3271,100 +7404,7 @@
           <a:p>
             <a:r>
               <a:rPr lang="zh-CN" altLang="en-US" dirty="0" smtClean="0"/>
-              <a:t>版本控制</a:t>
-            </a:r>
-            <a:endParaRPr lang="zh-CN" altLang="en-US" dirty="0"/>
-          </a:p>
-        </p:txBody>
-      </p:sp>
-      <p:pic>
-        <p:nvPicPr>
-          <p:cNvPr id="6" name="内容占位符 5"/>
-          <p:cNvPicPr>
-            <a:picLocks noGrp="1" noChangeAspect="1"/>
-          </p:cNvPicPr>
-          <p:nvPr>
-            <p:ph idx="1"/>
-          </p:nvPr>
-        </p:nvPicPr>
-        <p:blipFill>
-          <a:blip r:embed="rId2">
-            <a:extLst>
-              <a:ext uri="{28A0092B-C50C-407E-A947-70E740481C1C}">
-                <a14:useLocalDpi xmlns:a14="http://schemas.microsoft.com/office/drawing/2010/main" val="0"/>
-              </a:ext>
-            </a:extLst>
-          </a:blip>
-          <a:stretch>
-            <a:fillRect/>
-          </a:stretch>
-        </p:blipFill>
-        <p:spPr>
-          <a:xfrm>
-            <a:off x="3352900" y="2839138"/>
-            <a:ext cx="2438199" cy="2048087"/>
-          </a:xfrm>
-        </p:spPr>
-      </p:pic>
-    </p:spTree>
-    <p:extLst>
-      <p:ext uri="{BB962C8B-B14F-4D97-AF65-F5344CB8AC3E}">
-        <p14:creationId xmlns:p14="http://schemas.microsoft.com/office/powerpoint/2010/main" val="3657772490"/>
-      </p:ext>
-    </p:extLst>
-  </p:cSld>
-  <p:clrMapOvr>
-    <a:masterClrMapping/>
-  </p:clrMapOvr>
-  <p:timing>
-    <p:tnLst>
-      <p:par>
-        <p:cTn id="1" dur="indefinite" restart="never" nodeType="tmRoot"/>
-      </p:par>
-    </p:tnLst>
-  </p:timing>
-</p:sld>
-</file>
-
-<file path=ppt/slides/slide4.xml><?xml version="1.0" encoding="utf-8"?>
-<p:sld xmlns:a="http://schemas.openxmlformats.org/drawingml/2006/main" xmlns:r="http://schemas.openxmlformats.org/officeDocument/2006/relationships" xmlns:p="http://schemas.openxmlformats.org/presentationml/2006/main">
-  <p:cSld>
-    <p:spTree>
-      <p:nvGrpSpPr>
-        <p:cNvPr id="1" name=""/>
-        <p:cNvGrpSpPr/>
-        <p:nvPr/>
-      </p:nvGrpSpPr>
-      <p:grpSpPr>
-        <a:xfrm>
-          <a:off x="0" y="0"/>
-          <a:ext cx="0" cy="0"/>
-          <a:chOff x="0" y="0"/>
-          <a:chExt cx="0" cy="0"/>
-        </a:xfrm>
-      </p:grpSpPr>
-      <p:sp>
-        <p:nvSpPr>
-          <p:cNvPr id="2" name="标题 1"/>
-          <p:cNvSpPr>
-            <a:spLocks noGrp="1"/>
-          </p:cNvSpPr>
-          <p:nvPr>
-            <p:ph type="title"/>
-          </p:nvPr>
-        </p:nvSpPr>
-        <p:spPr/>
-        <p:txBody>
-          <a:bodyPr/>
-          <a:lstStyle/>
-          <a:p>
-            <a:r>
-              <a:rPr lang="en-US" altLang="zh-CN" dirty="0" err="1" smtClean="0"/>
-              <a:t>Git</a:t>
-            </a:r>
-            <a:r>
-              <a:rPr lang="en-US" altLang="zh-CN" dirty="0" smtClean="0"/>
-              <a:t> Basics</a:t>
+              <a:t>关于版本控制</a:t>
             </a:r>
             <a:endParaRPr lang="zh-CN" altLang="en-US" dirty="0"/>
           </a:p>
@@ -3389,12 +7429,8 @@
               <a:buNone/>
             </a:pPr>
             <a:r>
-              <a:rPr lang="en-US" altLang="zh-CN" dirty="0" err="1" smtClean="0"/>
-              <a:t>Git</a:t>
-            </a:r>
-            <a:r>
               <a:rPr lang="zh-CN" altLang="en-US" dirty="0" smtClean="0"/>
-              <a:t>由谁开发的呢？</a:t>
+              <a:t>什么是版本控制？</a:t>
             </a:r>
             <a:endParaRPr lang="en-US" altLang="zh-CN" dirty="0" smtClean="0"/>
           </a:p>
@@ -3403,29 +7439,17 @@
               <a:buNone/>
             </a:pPr>
             <a:r>
-              <a:rPr lang="en-US" altLang="zh-CN" dirty="0" smtClean="0"/>
-              <a:t>Linux</a:t>
-            </a:r>
-            <a:r>
-              <a:rPr lang="zh-CN" altLang="en-US" dirty="0" smtClean="0"/>
-              <a:t>的缔造者</a:t>
-            </a:r>
-            <a:r>
-              <a:rPr lang="en-US" altLang="zh-CN" dirty="0" smtClean="0"/>
-              <a:t>Linus Torvalds</a:t>
-            </a:r>
-            <a:r>
-              <a:rPr lang="zh-CN" altLang="en-US" dirty="0" smtClean="0"/>
-              <a:t>。</a:t>
-            </a:r>
-            <a:endParaRPr lang="zh-CN" altLang="en-US" dirty="0"/>
+              <a:rPr lang="zh-CN" altLang="en-US" sz="2400" dirty="0" smtClean="0"/>
+              <a:t>版本控制是一种记录若干文件内容变化，以便将来查阅特点版本修订情况的系统。</a:t>
+            </a:r>
+            <a:endParaRPr lang="zh-CN" altLang="en-US" sz="2400" dirty="0"/>
           </a:p>
         </p:txBody>
       </p:sp>
     </p:spTree>
     <p:extLst>
       <p:ext uri="{BB962C8B-B14F-4D97-AF65-F5344CB8AC3E}">
-        <p14:creationId xmlns:p14="http://schemas.microsoft.com/office/powerpoint/2010/main" val="3745103018"/>
+        <p14:creationId xmlns:p14="http://schemas.microsoft.com/office/powerpoint/2010/main" val="321336259"/>
       </p:ext>
     </p:extLst>
   </p:cSld>
@@ -3580,6 +7604,551 @@
 </p:sld>
 </file>
 
+<file path=ppt/slides/slide4.xml><?xml version="1.0" encoding="utf-8"?>
+<p:sld xmlns:a="http://schemas.openxmlformats.org/drawingml/2006/main" xmlns:r="http://schemas.openxmlformats.org/officeDocument/2006/relationships" xmlns:p="http://schemas.openxmlformats.org/presentationml/2006/main">
+  <p:cSld>
+    <p:spTree>
+      <p:nvGrpSpPr>
+        <p:cNvPr id="1" name=""/>
+        <p:cNvGrpSpPr/>
+        <p:nvPr/>
+      </p:nvGrpSpPr>
+      <p:grpSpPr>
+        <a:xfrm>
+          <a:off x="0" y="0"/>
+          <a:ext cx="0" cy="0"/>
+          <a:chOff x="0" y="0"/>
+          <a:chExt cx="0" cy="0"/>
+        </a:xfrm>
+      </p:grpSpPr>
+      <p:sp>
+        <p:nvSpPr>
+          <p:cNvPr id="2" name="标题 1"/>
+          <p:cNvSpPr>
+            <a:spLocks noGrp="1"/>
+          </p:cNvSpPr>
+          <p:nvPr>
+            <p:ph type="title"/>
+          </p:nvPr>
+        </p:nvSpPr>
+        <p:spPr/>
+        <p:txBody>
+          <a:bodyPr/>
+          <a:lstStyle/>
+          <a:p>
+            <a:r>
+              <a:rPr lang="zh-CN" altLang="en-US" dirty="0" smtClean="0"/>
+              <a:t>关于版本控制</a:t>
+            </a:r>
+            <a:endParaRPr lang="zh-CN" altLang="en-US" dirty="0"/>
+          </a:p>
+        </p:txBody>
+      </p:sp>
+      <p:graphicFrame>
+        <p:nvGraphicFramePr>
+          <p:cNvPr id="3" name="图示 2"/>
+          <p:cNvGraphicFramePr/>
+          <p:nvPr>
+            <p:extLst>
+              <p:ext uri="{D42A27DB-BD31-4B8C-83A1-F6EECF244321}">
+                <p14:modId xmlns:p14="http://schemas.microsoft.com/office/powerpoint/2010/main" val="115862010"/>
+              </p:ext>
+            </p:extLst>
+          </p:nvPr>
+        </p:nvGraphicFramePr>
+        <p:xfrm>
+          <a:off x="72008" y="1988840"/>
+          <a:ext cx="8964488" cy="4752528"/>
+        </p:xfrm>
+        <a:graphic>
+          <a:graphicData uri="http://schemas.openxmlformats.org/drawingml/2006/diagram">
+            <dgm:relIds xmlns:dgm="http://schemas.openxmlformats.org/drawingml/2006/diagram" xmlns:r="http://schemas.openxmlformats.org/officeDocument/2006/relationships" r:dm="rId3" r:lo="rId4" r:qs="rId5" r:cs="rId6"/>
+          </a:graphicData>
+        </a:graphic>
+      </p:graphicFrame>
+      <p:sp>
+        <p:nvSpPr>
+          <p:cNvPr id="8" name="TextBox 7"/>
+          <p:cNvSpPr txBox="1"/>
+          <p:nvPr/>
+        </p:nvSpPr>
+        <p:spPr>
+          <a:xfrm>
+            <a:off x="467544" y="1412776"/>
+            <a:ext cx="3960440" cy="584775"/>
+          </a:xfrm>
+          <a:prstGeom prst="rect">
+            <a:avLst/>
+          </a:prstGeom>
+          <a:noFill/>
+        </p:spPr>
+        <p:txBody>
+          <a:bodyPr wrap="square" rtlCol="0">
+            <a:spAutoFit/>
+          </a:bodyPr>
+          <a:lstStyle/>
+          <a:p>
+            <a:r>
+              <a:rPr lang="zh-CN" altLang="en-US" sz="3200" dirty="0" smtClean="0"/>
+              <a:t>版本控制系统的发展</a:t>
+            </a:r>
+            <a:endParaRPr lang="zh-CN" altLang="en-US" sz="3200" dirty="0"/>
+          </a:p>
+        </p:txBody>
+      </p:sp>
+      <p:sp>
+        <p:nvSpPr>
+          <p:cNvPr id="9" name="圆角矩形 8"/>
+          <p:cNvSpPr/>
+          <p:nvPr/>
+        </p:nvSpPr>
+        <p:spPr>
+          <a:xfrm>
+            <a:off x="1115616" y="5625244"/>
+            <a:ext cx="864096" cy="360040"/>
+          </a:xfrm>
+          <a:prstGeom prst="roundRect">
+            <a:avLst/>
+          </a:prstGeom>
+        </p:spPr>
+        <p:style>
+          <a:lnRef idx="2">
+            <a:schemeClr val="accent1">
+              <a:shade val="50000"/>
+            </a:schemeClr>
+          </a:lnRef>
+          <a:fillRef idx="1">
+            <a:schemeClr val="accent1"/>
+          </a:fillRef>
+          <a:effectRef idx="0">
+            <a:schemeClr val="accent1"/>
+          </a:effectRef>
+          <a:fontRef idx="minor">
+            <a:schemeClr val="lt1"/>
+          </a:fontRef>
+        </p:style>
+        <p:txBody>
+          <a:bodyPr rtlCol="0" anchor="ctr"/>
+          <a:lstStyle/>
+          <a:p>
+            <a:pPr algn="ctr"/>
+            <a:r>
+              <a:rPr lang="en-US" altLang="zh-CN" dirty="0" err="1" smtClean="0"/>
+              <a:t>rcs</a:t>
+            </a:r>
+            <a:endParaRPr lang="zh-CN" altLang="en-US" dirty="0"/>
+          </a:p>
+        </p:txBody>
+      </p:sp>
+      <p:sp>
+        <p:nvSpPr>
+          <p:cNvPr id="10" name="圆角矩形 9"/>
+          <p:cNvSpPr/>
+          <p:nvPr/>
+        </p:nvSpPr>
+        <p:spPr>
+          <a:xfrm>
+            <a:off x="3563888" y="5625244"/>
+            <a:ext cx="1728192" cy="360040"/>
+          </a:xfrm>
+          <a:prstGeom prst="roundRect">
+            <a:avLst/>
+          </a:prstGeom>
+        </p:spPr>
+        <p:style>
+          <a:lnRef idx="2">
+            <a:schemeClr val="accent1">
+              <a:shade val="50000"/>
+            </a:schemeClr>
+          </a:lnRef>
+          <a:fillRef idx="1">
+            <a:schemeClr val="accent1"/>
+          </a:fillRef>
+          <a:effectRef idx="0">
+            <a:schemeClr val="accent1"/>
+          </a:effectRef>
+          <a:fontRef idx="minor">
+            <a:schemeClr val="lt1"/>
+          </a:fontRef>
+        </p:style>
+        <p:txBody>
+          <a:bodyPr rtlCol="0" anchor="ctr"/>
+          <a:lstStyle/>
+          <a:p>
+            <a:pPr algn="ctr"/>
+            <a:r>
+              <a:rPr lang="en-US" altLang="zh-CN" dirty="0" smtClean="0"/>
+              <a:t>CVS Subversion</a:t>
+            </a:r>
+            <a:endParaRPr lang="zh-CN" altLang="en-US" dirty="0"/>
+          </a:p>
+        </p:txBody>
+      </p:sp>
+      <p:sp>
+        <p:nvSpPr>
+          <p:cNvPr id="11" name="圆角矩形 10"/>
+          <p:cNvSpPr/>
+          <p:nvPr/>
+        </p:nvSpPr>
+        <p:spPr>
+          <a:xfrm>
+            <a:off x="7480793" y="5625244"/>
+            <a:ext cx="864096" cy="360040"/>
+          </a:xfrm>
+          <a:prstGeom prst="roundRect">
+            <a:avLst/>
+          </a:prstGeom>
+        </p:spPr>
+        <p:style>
+          <a:lnRef idx="2">
+            <a:schemeClr val="accent1">
+              <a:shade val="50000"/>
+            </a:schemeClr>
+          </a:lnRef>
+          <a:fillRef idx="1">
+            <a:schemeClr val="accent1"/>
+          </a:fillRef>
+          <a:effectRef idx="0">
+            <a:schemeClr val="accent1"/>
+          </a:effectRef>
+          <a:fontRef idx="minor">
+            <a:schemeClr val="lt1"/>
+          </a:fontRef>
+        </p:style>
+        <p:txBody>
+          <a:bodyPr rtlCol="0" anchor="ctr"/>
+          <a:lstStyle/>
+          <a:p>
+            <a:pPr algn="ctr"/>
+            <a:r>
+              <a:rPr lang="en-US" altLang="zh-CN" dirty="0" err="1" smtClean="0"/>
+              <a:t>Git</a:t>
+            </a:r>
+            <a:endParaRPr lang="zh-CN" altLang="en-US" dirty="0"/>
+          </a:p>
+        </p:txBody>
+      </p:sp>
+    </p:spTree>
+    <p:extLst>
+      <p:ext uri="{BB962C8B-B14F-4D97-AF65-F5344CB8AC3E}">
+        <p14:creationId xmlns:p14="http://schemas.microsoft.com/office/powerpoint/2010/main" val="3657772490"/>
+      </p:ext>
+    </p:extLst>
+  </p:cSld>
+  <p:clrMapOvr>
+    <a:masterClrMapping/>
+  </p:clrMapOvr>
+  <p:timing>
+    <p:tnLst>
+      <p:par>
+        <p:cTn id="1" dur="indefinite" restart="never" nodeType="tmRoot">
+          <p:childTnLst>
+            <p:seq concurrent="1" nextAc="seek">
+              <p:cTn id="2" dur="indefinite" nodeType="mainSeq">
+                <p:childTnLst>
+                  <p:par>
+                    <p:cTn id="3" fill="hold">
+                      <p:stCondLst>
+                        <p:cond delay="indefinite"/>
+                      </p:stCondLst>
+                      <p:childTnLst>
+                        <p:par>
+                          <p:cTn id="4" fill="hold">
+                            <p:stCondLst>
+                              <p:cond delay="0"/>
+                            </p:stCondLst>
+                            <p:childTnLst>
+                              <p:par>
+                                <p:cTn id="5" presetID="2" presetClass="entr" presetSubtype="4" fill="hold" grpId="0" nodeType="clickEffect">
+                                  <p:stCondLst>
+                                    <p:cond delay="0"/>
+                                  </p:stCondLst>
+                                  <p:childTnLst>
+                                    <p:set>
+                                      <p:cBhvr>
+                                        <p:cTn id="6" dur="1" fill="hold">
+                                          <p:stCondLst>
+                                            <p:cond delay="0"/>
+                                          </p:stCondLst>
+                                        </p:cTn>
+                                        <p:tgtEl>
+                                          <p:spTgt spid="9"/>
+                                        </p:tgtEl>
+                                        <p:attrNameLst>
+                                          <p:attrName>style.visibility</p:attrName>
+                                        </p:attrNameLst>
+                                      </p:cBhvr>
+                                      <p:to>
+                                        <p:strVal val="visible"/>
+                                      </p:to>
+                                    </p:set>
+                                    <p:anim calcmode="lin" valueType="num">
+                                      <p:cBhvr additive="base">
+                                        <p:cTn id="7" dur="500" fill="hold"/>
+                                        <p:tgtEl>
+                                          <p:spTgt spid="9"/>
+                                        </p:tgtEl>
+                                        <p:attrNameLst>
+                                          <p:attrName>ppt_x</p:attrName>
+                                        </p:attrNameLst>
+                                      </p:cBhvr>
+                                      <p:tavLst>
+                                        <p:tav tm="0">
+                                          <p:val>
+                                            <p:strVal val="#ppt_x"/>
+                                          </p:val>
+                                        </p:tav>
+                                        <p:tav tm="100000">
+                                          <p:val>
+                                            <p:strVal val="#ppt_x"/>
+                                          </p:val>
+                                        </p:tav>
+                                      </p:tavLst>
+                                    </p:anim>
+                                    <p:anim calcmode="lin" valueType="num">
+                                      <p:cBhvr additive="base">
+                                        <p:cTn id="8" dur="500" fill="hold"/>
+                                        <p:tgtEl>
+                                          <p:spTgt spid="9"/>
+                                        </p:tgtEl>
+                                        <p:attrNameLst>
+                                          <p:attrName>ppt_y</p:attrName>
+                                        </p:attrNameLst>
+                                      </p:cBhvr>
+                                      <p:tavLst>
+                                        <p:tav tm="0">
+                                          <p:val>
+                                            <p:strVal val="1+#ppt_h/2"/>
+                                          </p:val>
+                                        </p:tav>
+                                        <p:tav tm="100000">
+                                          <p:val>
+                                            <p:strVal val="#ppt_y"/>
+                                          </p:val>
+                                        </p:tav>
+                                      </p:tavLst>
+                                    </p:anim>
+                                  </p:childTnLst>
+                                </p:cTn>
+                              </p:par>
+                            </p:childTnLst>
+                          </p:cTn>
+                        </p:par>
+                      </p:childTnLst>
+                    </p:cTn>
+                  </p:par>
+                  <p:par>
+                    <p:cTn id="9" fill="hold">
+                      <p:stCondLst>
+                        <p:cond delay="indefinite"/>
+                      </p:stCondLst>
+                      <p:childTnLst>
+                        <p:par>
+                          <p:cTn id="10" fill="hold">
+                            <p:stCondLst>
+                              <p:cond delay="0"/>
+                            </p:stCondLst>
+                            <p:childTnLst>
+                              <p:par>
+                                <p:cTn id="11" presetID="2" presetClass="entr" presetSubtype="4" fill="hold" grpId="0" nodeType="clickEffect">
+                                  <p:stCondLst>
+                                    <p:cond delay="0"/>
+                                  </p:stCondLst>
+                                  <p:childTnLst>
+                                    <p:set>
+                                      <p:cBhvr>
+                                        <p:cTn id="12" dur="1" fill="hold">
+                                          <p:stCondLst>
+                                            <p:cond delay="0"/>
+                                          </p:stCondLst>
+                                        </p:cTn>
+                                        <p:tgtEl>
+                                          <p:spTgt spid="10"/>
+                                        </p:tgtEl>
+                                        <p:attrNameLst>
+                                          <p:attrName>style.visibility</p:attrName>
+                                        </p:attrNameLst>
+                                      </p:cBhvr>
+                                      <p:to>
+                                        <p:strVal val="visible"/>
+                                      </p:to>
+                                    </p:set>
+                                    <p:anim calcmode="lin" valueType="num">
+                                      <p:cBhvr additive="base">
+                                        <p:cTn id="13" dur="500" fill="hold"/>
+                                        <p:tgtEl>
+                                          <p:spTgt spid="10"/>
+                                        </p:tgtEl>
+                                        <p:attrNameLst>
+                                          <p:attrName>ppt_x</p:attrName>
+                                        </p:attrNameLst>
+                                      </p:cBhvr>
+                                      <p:tavLst>
+                                        <p:tav tm="0">
+                                          <p:val>
+                                            <p:strVal val="#ppt_x"/>
+                                          </p:val>
+                                        </p:tav>
+                                        <p:tav tm="100000">
+                                          <p:val>
+                                            <p:strVal val="#ppt_x"/>
+                                          </p:val>
+                                        </p:tav>
+                                      </p:tavLst>
+                                    </p:anim>
+                                    <p:anim calcmode="lin" valueType="num">
+                                      <p:cBhvr additive="base">
+                                        <p:cTn id="14" dur="500" fill="hold"/>
+                                        <p:tgtEl>
+                                          <p:spTgt spid="10"/>
+                                        </p:tgtEl>
+                                        <p:attrNameLst>
+                                          <p:attrName>ppt_y</p:attrName>
+                                        </p:attrNameLst>
+                                      </p:cBhvr>
+                                      <p:tavLst>
+                                        <p:tav tm="0">
+                                          <p:val>
+                                            <p:strVal val="1+#ppt_h/2"/>
+                                          </p:val>
+                                        </p:tav>
+                                        <p:tav tm="100000">
+                                          <p:val>
+                                            <p:strVal val="#ppt_y"/>
+                                          </p:val>
+                                        </p:tav>
+                                      </p:tavLst>
+                                    </p:anim>
+                                  </p:childTnLst>
+                                </p:cTn>
+                              </p:par>
+                            </p:childTnLst>
+                          </p:cTn>
+                        </p:par>
+                      </p:childTnLst>
+                    </p:cTn>
+                  </p:par>
+                  <p:par>
+                    <p:cTn id="15" fill="hold">
+                      <p:stCondLst>
+                        <p:cond delay="indefinite"/>
+                      </p:stCondLst>
+                      <p:childTnLst>
+                        <p:par>
+                          <p:cTn id="16" fill="hold">
+                            <p:stCondLst>
+                              <p:cond delay="0"/>
+                            </p:stCondLst>
+                            <p:childTnLst>
+                              <p:par>
+                                <p:cTn id="17" presetID="2" presetClass="entr" presetSubtype="4" fill="hold" grpId="0" nodeType="clickEffect">
+                                  <p:stCondLst>
+                                    <p:cond delay="0"/>
+                                  </p:stCondLst>
+                                  <p:childTnLst>
+                                    <p:set>
+                                      <p:cBhvr>
+                                        <p:cTn id="18" dur="1" fill="hold">
+                                          <p:stCondLst>
+                                            <p:cond delay="0"/>
+                                          </p:stCondLst>
+                                        </p:cTn>
+                                        <p:tgtEl>
+                                          <p:spTgt spid="11"/>
+                                        </p:tgtEl>
+                                        <p:attrNameLst>
+                                          <p:attrName>style.visibility</p:attrName>
+                                        </p:attrNameLst>
+                                      </p:cBhvr>
+                                      <p:to>
+                                        <p:strVal val="visible"/>
+                                      </p:to>
+                                    </p:set>
+                                    <p:anim calcmode="lin" valueType="num">
+                                      <p:cBhvr additive="base">
+                                        <p:cTn id="19" dur="500" fill="hold"/>
+                                        <p:tgtEl>
+                                          <p:spTgt spid="11"/>
+                                        </p:tgtEl>
+                                        <p:attrNameLst>
+                                          <p:attrName>ppt_x</p:attrName>
+                                        </p:attrNameLst>
+                                      </p:cBhvr>
+                                      <p:tavLst>
+                                        <p:tav tm="0">
+                                          <p:val>
+                                            <p:strVal val="#ppt_x"/>
+                                          </p:val>
+                                        </p:tav>
+                                        <p:tav tm="100000">
+                                          <p:val>
+                                            <p:strVal val="#ppt_x"/>
+                                          </p:val>
+                                        </p:tav>
+                                      </p:tavLst>
+                                    </p:anim>
+                                    <p:anim calcmode="lin" valueType="num">
+                                      <p:cBhvr additive="base">
+                                        <p:cTn id="20" dur="500" fill="hold"/>
+                                        <p:tgtEl>
+                                          <p:spTgt spid="11"/>
+                                        </p:tgtEl>
+                                        <p:attrNameLst>
+                                          <p:attrName>ppt_y</p:attrName>
+                                        </p:attrNameLst>
+                                      </p:cBhvr>
+                                      <p:tavLst>
+                                        <p:tav tm="0">
+                                          <p:val>
+                                            <p:strVal val="1+#ppt_h/2"/>
+                                          </p:val>
+                                        </p:tav>
+                                        <p:tav tm="100000">
+                                          <p:val>
+                                            <p:strVal val="#ppt_y"/>
+                                          </p:val>
+                                        </p:tav>
+                                      </p:tavLst>
+                                    </p:anim>
+                                  </p:childTnLst>
+                                </p:cTn>
+                              </p:par>
+                            </p:childTnLst>
+                          </p:cTn>
+                        </p:par>
+                      </p:childTnLst>
+                    </p:cTn>
+                  </p:par>
+                </p:childTnLst>
+              </p:cTn>
+              <p:prevCondLst>
+                <p:cond evt="onPrev" delay="0">
+                  <p:tgtEl>
+                    <p:sldTgt/>
+                  </p:tgtEl>
+                </p:cond>
+              </p:prevCondLst>
+              <p:nextCondLst>
+                <p:cond evt="onNext" delay="0">
+                  <p:tgtEl>
+                    <p:sldTgt/>
+                  </p:tgtEl>
+                </p:cond>
+              </p:nextCondLst>
+            </p:seq>
+          </p:childTnLst>
+        </p:cTn>
+      </p:par>
+    </p:tnLst>
+    <p:bldLst>
+      <p:bldP spid="9" grpId="0" animBg="1"/>
+      <p:bldP spid="10" grpId="0" animBg="1"/>
+      <p:bldP spid="11" grpId="0" animBg="1"/>
+    </p:bldLst>
+  </p:timing>
+</p:sld>
+</file>
+
 <file path=ppt/slides/slide5.xml><?xml version="1.0" encoding="utf-8"?>
 <p:sld xmlns:a="http://schemas.openxmlformats.org/drawingml/2006/main" xmlns:r="http://schemas.openxmlformats.org/officeDocument/2006/relationships" xmlns:p="http://schemas.openxmlformats.org/presentationml/2006/main">
   <p:cSld>
@@ -3613,12 +8182,16 @@
           <a:lstStyle/>
           <a:p>
             <a:r>
-              <a:rPr lang="en-US" altLang="zh-CN" dirty="0" err="1"/>
+              <a:rPr lang="en-US" altLang="zh-CN" dirty="0" err="1" smtClean="0"/>
               <a:t>Git</a:t>
             </a:r>
             <a:r>
-              <a:rPr lang="en-US" altLang="zh-CN" dirty="0"/>
-              <a:t> Basics</a:t>
+              <a:rPr lang="en-US" altLang="zh-CN" dirty="0" smtClean="0"/>
+              <a:t> </a:t>
+            </a:r>
+            <a:r>
+              <a:rPr lang="zh-CN" altLang="en-US" dirty="0" smtClean="0"/>
+              <a:t>基础</a:t>
             </a:r>
             <a:endParaRPr lang="zh-CN" altLang="en-US" dirty="0"/>
           </a:p>
@@ -3626,115 +8199,263 @@
       </p:sp>
       <p:sp>
         <p:nvSpPr>
-          <p:cNvPr id="3" name="文本占位符 2"/>
+          <p:cNvPr id="3" name="内容占位符 2"/>
           <p:cNvSpPr>
             <a:spLocks noGrp="1"/>
           </p:cNvSpPr>
           <p:nvPr>
-            <p:ph type="body" idx="1"/>
-          </p:nvPr>
-        </p:nvSpPr>
-        <p:spPr>
-          <a:xfrm>
-            <a:off x="323528" y="1535113"/>
-            <a:ext cx="4173860" cy="639762"/>
-          </a:xfrm>
-        </p:spPr>
-        <p:txBody>
-          <a:bodyPr>
-            <a:normAutofit/>
-          </a:bodyPr>
-          <a:lstStyle/>
-          <a:p>
-            <a:r>
-              <a:rPr lang="zh-CN" altLang="en-US" dirty="0" smtClean="0"/>
-              <a:t>集中式版本控制系统（如</a:t>
-            </a:r>
-            <a:r>
-              <a:rPr lang="en-US" altLang="zh-CN" dirty="0" smtClean="0"/>
-              <a:t>SVN</a:t>
-            </a:r>
-            <a:r>
-              <a:rPr lang="zh-CN" altLang="en-US" dirty="0" smtClean="0"/>
-              <a:t>）</a:t>
-            </a:r>
-            <a:endParaRPr lang="zh-CN" altLang="en-US" dirty="0"/>
-          </a:p>
-        </p:txBody>
-      </p:sp>
-      <p:sp>
-        <p:nvSpPr>
-          <p:cNvPr id="5" name="文本占位符 4"/>
-          <p:cNvSpPr>
-            <a:spLocks noGrp="1"/>
-          </p:cNvSpPr>
-          <p:nvPr>
-            <p:ph type="body" sz="quarter" idx="3"/>
+            <p:ph idx="1"/>
           </p:nvPr>
         </p:nvSpPr>
         <p:spPr/>
         <p:txBody>
-          <a:bodyPr/>
+          <a:bodyPr>
+            <a:normAutofit lnSpcReduction="10000"/>
+          </a:bodyPr>
           <a:lstStyle/>
           <a:p>
-            <a:r>
-              <a:rPr lang="zh-CN" altLang="en-US" dirty="0" smtClean="0"/>
-              <a:t>分布式版本控制系统（</a:t>
-            </a:r>
+            <a:pPr marL="0" indent="0">
+              <a:buNone/>
+            </a:pPr>
             <a:r>
               <a:rPr lang="en-US" altLang="zh-CN" dirty="0" err="1" smtClean="0"/>
               <a:t>Git</a:t>
             </a:r>
             <a:r>
               <a:rPr lang="zh-CN" altLang="en-US" dirty="0" smtClean="0"/>
-              <a:t>）</a:t>
-            </a:r>
-            <a:endParaRPr lang="zh-CN" altLang="en-US" dirty="0"/>
-          </a:p>
-        </p:txBody>
-      </p:sp>
-      <p:sp>
-        <p:nvSpPr>
-          <p:cNvPr id="6" name="内容占位符 5"/>
-          <p:cNvSpPr>
-            <a:spLocks noGrp="1"/>
-          </p:cNvSpPr>
-          <p:nvPr>
-            <p:ph sz="quarter" idx="4"/>
-          </p:nvPr>
-        </p:nvSpPr>
-        <p:spPr/>
-        <p:txBody>
-          <a:bodyPr/>
-          <a:lstStyle/>
-          <a:p>
-            <a:endParaRPr lang="zh-CN" altLang="en-US"/>
-          </a:p>
-        </p:txBody>
-      </p:sp>
-      <p:sp>
-        <p:nvSpPr>
-          <p:cNvPr id="8" name="内容占位符 7"/>
-          <p:cNvSpPr>
-            <a:spLocks noGrp="1"/>
-          </p:cNvSpPr>
-          <p:nvPr>
-            <p:ph sz="half" idx="2"/>
-          </p:nvPr>
-        </p:nvSpPr>
-        <p:spPr/>
-        <p:txBody>
-          <a:bodyPr/>
-          <a:lstStyle/>
-          <a:p>
-            <a:endParaRPr lang="zh-CN" altLang="en-US"/>
+              <a:t>简史</a:t>
+            </a:r>
+            <a:r>
+              <a:rPr lang="en-US" altLang="zh-CN" dirty="0" smtClean="0"/>
+              <a:t>-</a:t>
+            </a:r>
+            <a:r>
+              <a:rPr lang="zh-CN" altLang="en-US" dirty="0"/>
+              <a:t> </a:t>
+            </a:r>
+            <a:r>
+              <a:rPr lang="zh-CN" altLang="en-US" sz="2000" dirty="0" smtClean="0"/>
+              <a:t>诞生</a:t>
+            </a:r>
+            <a:r>
+              <a:rPr lang="zh-CN" altLang="en-US" sz="2000" dirty="0"/>
+              <a:t>于一个极富纷争大举创新的年代。</a:t>
+            </a:r>
+            <a:endParaRPr lang="en-US" altLang="zh-CN" sz="2000" dirty="0" smtClean="0"/>
+          </a:p>
+          <a:p>
+            <a:pPr marL="0" indent="0">
+              <a:buNone/>
+            </a:pPr>
+            <a:r>
+              <a:rPr lang="en-US" altLang="zh-CN" sz="1800" dirty="0" smtClean="0"/>
+              <a:t>1991-2002</a:t>
+            </a:r>
+            <a:r>
+              <a:rPr lang="zh-CN" altLang="en-US" sz="1800" dirty="0" smtClean="0"/>
+              <a:t>年</a:t>
+            </a:r>
+            <a:r>
+              <a:rPr lang="zh-CN" altLang="en-US" sz="1800" dirty="0"/>
+              <a:t>绝大多数的 </a:t>
+            </a:r>
+            <a:r>
+              <a:rPr lang="en-US" altLang="zh-CN" sz="1800" dirty="0"/>
+              <a:t>Linux </a:t>
+            </a:r>
+            <a:r>
+              <a:rPr lang="zh-CN" altLang="en-US" sz="1800" dirty="0"/>
+              <a:t>内核维护工作都花在了提交补丁和保存归档的繁琐事务</a:t>
+            </a:r>
+            <a:r>
+              <a:rPr lang="zh-CN" altLang="en-US" sz="1800" dirty="0" smtClean="0"/>
+              <a:t>上。</a:t>
+            </a:r>
+            <a:r>
+              <a:rPr lang="en-US" altLang="zh-CN" sz="1800" dirty="0" smtClean="0"/>
+              <a:t>Linux </a:t>
+            </a:r>
+            <a:r>
+              <a:rPr lang="zh-CN" altLang="en-US" sz="1800" dirty="0"/>
+              <a:t>之父 </a:t>
+            </a:r>
+            <a:r>
+              <a:rPr lang="en-US" altLang="zh-CN" sz="1800" dirty="0"/>
+              <a:t>Linus </a:t>
+            </a:r>
+            <a:r>
+              <a:rPr lang="zh-CN" altLang="en-US" sz="1800" dirty="0"/>
+              <a:t>是坚定的 </a:t>
+            </a:r>
+            <a:r>
+              <a:rPr lang="en-US" altLang="zh-CN" sz="1800" dirty="0"/>
+              <a:t>CVS </a:t>
+            </a:r>
+            <a:r>
+              <a:rPr lang="zh-CN" altLang="en-US" sz="1800" dirty="0" smtClean="0"/>
+              <a:t>反对者</a:t>
+            </a:r>
+            <a:r>
+              <a:rPr lang="zh-CN" altLang="en-US" sz="1800" dirty="0"/>
+              <a:t>，他也同样地反对 </a:t>
+            </a:r>
+            <a:r>
+              <a:rPr lang="en-US" altLang="zh-CN" sz="1800" dirty="0"/>
+              <a:t>SVN</a:t>
+            </a:r>
+            <a:r>
+              <a:rPr lang="zh-CN" altLang="en-US" sz="1800" dirty="0" smtClean="0"/>
+              <a:t>。</a:t>
+            </a:r>
+            <a:endParaRPr lang="en-US" altLang="zh-CN" sz="1800" dirty="0" smtClean="0"/>
+          </a:p>
+          <a:p>
+            <a:pPr marL="0" indent="0">
+              <a:buNone/>
+            </a:pPr>
+            <a:endParaRPr lang="en-US" altLang="zh-CN" sz="1800" dirty="0" smtClean="0"/>
+          </a:p>
+          <a:p>
+            <a:pPr marL="0" indent="0">
+              <a:buNone/>
+            </a:pPr>
+            <a:r>
+              <a:rPr lang="en-US" altLang="zh-CN" sz="1800" dirty="0" smtClean="0"/>
+              <a:t>2002 </a:t>
+            </a:r>
+            <a:r>
+              <a:rPr lang="zh-CN" altLang="en-US" sz="1800" dirty="0"/>
+              <a:t>年，整个项目组开始启用分布式版本控制系统 </a:t>
+            </a:r>
+            <a:r>
+              <a:rPr lang="en-US" altLang="zh-CN" sz="1800" dirty="0" err="1"/>
+              <a:t>BitKeeper</a:t>
+            </a:r>
+            <a:r>
+              <a:rPr lang="en-US" altLang="zh-CN" sz="1800" dirty="0"/>
+              <a:t> </a:t>
+            </a:r>
+            <a:r>
+              <a:rPr lang="zh-CN" altLang="en-US" sz="1800" dirty="0"/>
+              <a:t>来管理和维护</a:t>
+            </a:r>
+            <a:r>
+              <a:rPr lang="zh-CN" altLang="en-US" sz="1800" dirty="0" smtClean="0"/>
+              <a:t>代码。</a:t>
+            </a:r>
+            <a:endParaRPr lang="en-US" altLang="zh-CN" sz="1800" dirty="0" smtClean="0"/>
+          </a:p>
+          <a:p>
+            <a:pPr marL="0" indent="0">
+              <a:buNone/>
+            </a:pPr>
+            <a:endParaRPr lang="en-US" altLang="zh-CN" sz="1800" dirty="0" smtClean="0"/>
+          </a:p>
+          <a:p>
+            <a:pPr marL="0" indent="0">
+              <a:buNone/>
+            </a:pPr>
+            <a:r>
+              <a:rPr lang="en-US" altLang="zh-CN" sz="1800" dirty="0" smtClean="0"/>
+              <a:t>2005 </a:t>
+            </a:r>
+            <a:r>
+              <a:rPr lang="zh-CN" altLang="en-US" sz="1800" dirty="0"/>
+              <a:t>年，开发 </a:t>
+            </a:r>
+            <a:r>
+              <a:rPr lang="en-US" altLang="zh-CN" sz="1800" dirty="0" err="1"/>
+              <a:t>BitKeeper</a:t>
+            </a:r>
+            <a:r>
+              <a:rPr lang="en-US" altLang="zh-CN" sz="1800" dirty="0"/>
+              <a:t> </a:t>
+            </a:r>
+            <a:r>
+              <a:rPr lang="zh-CN" altLang="en-US" sz="1800" dirty="0"/>
+              <a:t>的商业公司同 </a:t>
+            </a:r>
+            <a:r>
+              <a:rPr lang="en-US" altLang="zh-CN" sz="1800" dirty="0"/>
+              <a:t>Linux </a:t>
+            </a:r>
+            <a:r>
+              <a:rPr lang="zh-CN" altLang="en-US" sz="1800" dirty="0"/>
+              <a:t>内核开源社区的合作关系</a:t>
+            </a:r>
+            <a:r>
+              <a:rPr lang="zh-CN" altLang="en-US" sz="1800" dirty="0" smtClean="0"/>
+              <a:t>结束。</a:t>
+            </a:r>
+            <a:r>
+              <a:rPr lang="zh-CN" altLang="en-US" sz="1800" dirty="0"/>
+              <a:t>这就迫使 </a:t>
+            </a:r>
+            <a:r>
+              <a:rPr lang="en-US" altLang="zh-CN" sz="1800" dirty="0"/>
+              <a:t>Linux </a:t>
+            </a:r>
+            <a:r>
+              <a:rPr lang="zh-CN" altLang="en-US" sz="1800" dirty="0"/>
+              <a:t>开源社区（特别是 </a:t>
+            </a:r>
+            <a:r>
+              <a:rPr lang="en-US" altLang="zh-CN" sz="1800" dirty="0"/>
+              <a:t>Linux </a:t>
+            </a:r>
+            <a:r>
+              <a:rPr lang="zh-CN" altLang="en-US" sz="1800" dirty="0"/>
+              <a:t>的缔造者 </a:t>
+            </a:r>
+            <a:r>
+              <a:rPr lang="en-US" altLang="zh-CN" sz="1800" dirty="0"/>
+              <a:t>Linus Torvalds </a:t>
+            </a:r>
+            <a:r>
+              <a:rPr lang="zh-CN" altLang="en-US" sz="1800" dirty="0"/>
+              <a:t>）不得不吸取教训，只有开发一套属于自己的版本控制系统才不至于重蹈覆辙。他们对新的系统制订了若干目标</a:t>
+            </a:r>
+            <a:r>
+              <a:rPr lang="zh-CN" altLang="en-US" sz="1800" dirty="0" smtClean="0"/>
+              <a:t>：</a:t>
+            </a:r>
+            <a:endParaRPr lang="en-US" altLang="zh-CN" sz="1800" dirty="0" smtClean="0"/>
+          </a:p>
+          <a:p>
+            <a:pPr marL="0" indent="0">
+              <a:buNone/>
+            </a:pPr>
+            <a:endParaRPr lang="zh-CN" altLang="en-US" sz="1800" dirty="0"/>
+          </a:p>
+          <a:p>
+            <a:pPr marL="0" indent="0">
+              <a:buNone/>
+            </a:pPr>
+            <a:r>
+              <a:rPr lang="zh-CN" altLang="en-US" sz="1800" dirty="0"/>
+              <a:t>* 速度 * 简单的设计 * 对非线性开发模式的强力支持（允许上千个并行开发的分支） * 完全分布式 * 有能力高效管理类似 </a:t>
+            </a:r>
+            <a:r>
+              <a:rPr lang="en-US" altLang="zh-CN" sz="1800" dirty="0"/>
+              <a:t>Linux </a:t>
+            </a:r>
+            <a:r>
+              <a:rPr lang="zh-CN" altLang="en-US" sz="1800" dirty="0"/>
+              <a:t>内核一样的超大规模项目（速度和数据量）</a:t>
+            </a:r>
+          </a:p>
+          <a:p>
+            <a:pPr marL="0" indent="0">
+              <a:buNone/>
+            </a:pPr>
+            <a:endParaRPr lang="zh-CN" altLang="en-US" sz="1800" dirty="0"/>
           </a:p>
         </p:txBody>
       </p:sp>
     </p:spTree>
     <p:extLst>
       <p:ext uri="{BB962C8B-B14F-4D97-AF65-F5344CB8AC3E}">
-        <p14:creationId xmlns:p14="http://schemas.microsoft.com/office/powerpoint/2010/main" val="2561683225"/>
+        <p14:creationId xmlns:p14="http://schemas.microsoft.com/office/powerpoint/2010/main" val="3745103018"/>
       </p:ext>
     </p:extLst>
   </p:cSld>
@@ -3744,7 +8465,274 @@
   <p:timing>
     <p:tnLst>
       <p:par>
-        <p:cTn id="1" dur="indefinite" restart="never" nodeType="tmRoot"/>
+        <p:cTn id="1" dur="indefinite" restart="never" nodeType="tmRoot">
+          <p:childTnLst>
+            <p:seq concurrent="1" nextAc="seek">
+              <p:cTn id="2" dur="indefinite" nodeType="mainSeq">
+                <p:childTnLst>
+                  <p:par>
+                    <p:cTn id="3" fill="hold">
+                      <p:stCondLst>
+                        <p:cond delay="indefinite"/>
+                      </p:stCondLst>
+                      <p:childTnLst>
+                        <p:par>
+                          <p:cTn id="4" fill="hold">
+                            <p:stCondLst>
+                              <p:cond delay="0"/>
+                            </p:stCondLst>
+                            <p:childTnLst>
+                              <p:par>
+                                <p:cTn id="5" presetID="10" presetClass="entr" presetSubtype="0" fill="hold" nodeType="clickEffect">
+                                  <p:stCondLst>
+                                    <p:cond delay="0"/>
+                                  </p:stCondLst>
+                                  <p:childTnLst>
+                                    <p:set>
+                                      <p:cBhvr>
+                                        <p:cTn id="6" dur="1" fill="hold">
+                                          <p:stCondLst>
+                                            <p:cond delay="0"/>
+                                          </p:stCondLst>
+                                        </p:cTn>
+                                        <p:tgtEl>
+                                          <p:spTgt spid="3">
+                                            <p:txEl>
+                                              <p:pRg st="1" end="1"/>
+                                            </p:txEl>
+                                          </p:spTgt>
+                                        </p:tgtEl>
+                                        <p:attrNameLst>
+                                          <p:attrName>style.visibility</p:attrName>
+                                        </p:attrNameLst>
+                                      </p:cBhvr>
+                                      <p:to>
+                                        <p:strVal val="visible"/>
+                                      </p:to>
+                                    </p:set>
+                                    <p:animEffect transition="in" filter="fade">
+                                      <p:cBhvr>
+                                        <p:cTn id="7" dur="500"/>
+                                        <p:tgtEl>
+                                          <p:spTgt spid="3">
+                                            <p:txEl>
+                                              <p:pRg st="1" end="1"/>
+                                            </p:txEl>
+                                          </p:spTgt>
+                                        </p:tgtEl>
+                                      </p:cBhvr>
+                                    </p:animEffect>
+                                  </p:childTnLst>
+                                </p:cTn>
+                              </p:par>
+                            </p:childTnLst>
+                          </p:cTn>
+                        </p:par>
+                      </p:childTnLst>
+                    </p:cTn>
+                  </p:par>
+                  <p:par>
+                    <p:cTn id="8" fill="hold">
+                      <p:stCondLst>
+                        <p:cond delay="indefinite"/>
+                      </p:stCondLst>
+                      <p:childTnLst>
+                        <p:par>
+                          <p:cTn id="9" fill="hold">
+                            <p:stCondLst>
+                              <p:cond delay="0"/>
+                            </p:stCondLst>
+                            <p:childTnLst>
+                              <p:par>
+                                <p:cTn id="10" presetID="10" presetClass="entr" presetSubtype="0" fill="hold" nodeType="clickEffect">
+                                  <p:stCondLst>
+                                    <p:cond delay="0"/>
+                                  </p:stCondLst>
+                                  <p:childTnLst>
+                                    <p:set>
+                                      <p:cBhvr>
+                                        <p:cTn id="11" dur="1" fill="hold">
+                                          <p:stCondLst>
+                                            <p:cond delay="0"/>
+                                          </p:stCondLst>
+                                        </p:cTn>
+                                        <p:tgtEl>
+                                          <p:spTgt spid="3">
+                                            <p:txEl>
+                                              <p:pRg st="3" end="3"/>
+                                            </p:txEl>
+                                          </p:spTgt>
+                                        </p:tgtEl>
+                                        <p:attrNameLst>
+                                          <p:attrName>style.visibility</p:attrName>
+                                        </p:attrNameLst>
+                                      </p:cBhvr>
+                                      <p:to>
+                                        <p:strVal val="visible"/>
+                                      </p:to>
+                                    </p:set>
+                                    <p:animEffect transition="in" filter="fade">
+                                      <p:cBhvr>
+                                        <p:cTn id="12" dur="500"/>
+                                        <p:tgtEl>
+                                          <p:spTgt spid="3">
+                                            <p:txEl>
+                                              <p:pRg st="3" end="3"/>
+                                            </p:txEl>
+                                          </p:spTgt>
+                                        </p:tgtEl>
+                                      </p:cBhvr>
+                                    </p:animEffect>
+                                  </p:childTnLst>
+                                </p:cTn>
+                              </p:par>
+                            </p:childTnLst>
+                          </p:cTn>
+                        </p:par>
+                      </p:childTnLst>
+                    </p:cTn>
+                  </p:par>
+                  <p:par>
+                    <p:cTn id="13" fill="hold">
+                      <p:stCondLst>
+                        <p:cond delay="indefinite"/>
+                      </p:stCondLst>
+                      <p:childTnLst>
+                        <p:par>
+                          <p:cTn id="14" fill="hold">
+                            <p:stCondLst>
+                              <p:cond delay="0"/>
+                            </p:stCondLst>
+                            <p:childTnLst>
+                              <p:par>
+                                <p:cTn id="15" presetID="10" presetClass="entr" presetSubtype="0" fill="hold" nodeType="clickEffect">
+                                  <p:stCondLst>
+                                    <p:cond delay="0"/>
+                                  </p:stCondLst>
+                                  <p:childTnLst>
+                                    <p:set>
+                                      <p:cBhvr>
+                                        <p:cTn id="16" dur="1" fill="hold">
+                                          <p:stCondLst>
+                                            <p:cond delay="0"/>
+                                          </p:stCondLst>
+                                        </p:cTn>
+                                        <p:tgtEl>
+                                          <p:spTgt spid="3">
+                                            <p:txEl>
+                                              <p:pRg st="5" end="5"/>
+                                            </p:txEl>
+                                          </p:spTgt>
+                                        </p:tgtEl>
+                                        <p:attrNameLst>
+                                          <p:attrName>style.visibility</p:attrName>
+                                        </p:attrNameLst>
+                                      </p:cBhvr>
+                                      <p:to>
+                                        <p:strVal val="visible"/>
+                                      </p:to>
+                                    </p:set>
+                                    <p:animEffect transition="in" filter="fade">
+                                      <p:cBhvr>
+                                        <p:cTn id="17" dur="500"/>
+                                        <p:tgtEl>
+                                          <p:spTgt spid="3">
+                                            <p:txEl>
+                                              <p:pRg st="5" end="5"/>
+                                            </p:txEl>
+                                          </p:spTgt>
+                                        </p:tgtEl>
+                                      </p:cBhvr>
+                                    </p:animEffect>
+                                  </p:childTnLst>
+                                </p:cTn>
+                              </p:par>
+                            </p:childTnLst>
+                          </p:cTn>
+                        </p:par>
+                      </p:childTnLst>
+                    </p:cTn>
+                  </p:par>
+                  <p:par>
+                    <p:cTn id="18" fill="hold">
+                      <p:stCondLst>
+                        <p:cond delay="indefinite"/>
+                      </p:stCondLst>
+                      <p:childTnLst>
+                        <p:par>
+                          <p:cTn id="19" fill="hold">
+                            <p:stCondLst>
+                              <p:cond delay="0"/>
+                            </p:stCondLst>
+                            <p:childTnLst>
+                              <p:par>
+                                <p:cTn id="20" presetID="10" presetClass="entr" presetSubtype="0" fill="hold" nodeType="clickEffect">
+                                  <p:stCondLst>
+                                    <p:cond delay="0"/>
+                                  </p:stCondLst>
+                                  <p:childTnLst>
+                                    <p:set>
+                                      <p:cBhvr>
+                                        <p:cTn id="21" dur="1" fill="hold">
+                                          <p:stCondLst>
+                                            <p:cond delay="0"/>
+                                          </p:stCondLst>
+                                        </p:cTn>
+                                        <p:tgtEl>
+                                          <p:spTgt spid="3">
+                                            <p:txEl>
+                                              <p:pRg st="7" end="7"/>
+                                            </p:txEl>
+                                          </p:spTgt>
+                                        </p:tgtEl>
+                                        <p:attrNameLst>
+                                          <p:attrName>style.visibility</p:attrName>
+                                        </p:attrNameLst>
+                                      </p:cBhvr>
+                                      <p:to>
+                                        <p:strVal val="visible"/>
+                                      </p:to>
+                                    </p:set>
+                                    <p:animEffect transition="in" filter="fade">
+                                      <p:cBhvr>
+                                        <p:cTn id="22" dur="500"/>
+                                        <p:tgtEl>
+                                          <p:spTgt spid="3">
+                                            <p:txEl>
+                                              <p:pRg st="7" end="7"/>
+                                            </p:txEl>
+                                          </p:spTgt>
+                                        </p:tgtEl>
+                                      </p:cBhvr>
+                                    </p:animEffect>
+                                  </p:childTnLst>
+                                </p:cTn>
+                              </p:par>
+                            </p:childTnLst>
+                          </p:cTn>
+                        </p:par>
+                      </p:childTnLst>
+                    </p:cTn>
+                  </p:par>
+                </p:childTnLst>
+              </p:cTn>
+              <p:prevCondLst>
+                <p:cond evt="onPrev" delay="0">
+                  <p:tgtEl>
+                    <p:sldTgt/>
+                  </p:tgtEl>
+                </p:cond>
+              </p:prevCondLst>
+              <p:nextCondLst>
+                <p:cond evt="onNext" delay="0">
+                  <p:tgtEl>
+                    <p:sldTgt/>
+                  </p:tgtEl>
+                </p:cond>
+              </p:nextCondLst>
+            </p:seq>
+          </p:childTnLst>
+        </p:cTn>
       </p:par>
     </p:tnLst>
   </p:timing>
@@ -3783,7 +8771,18 @@
           <a:bodyPr/>
           <a:lstStyle/>
           <a:p>
-            <a:endParaRPr lang="zh-CN" altLang="en-US"/>
+            <a:r>
+              <a:rPr lang="en-US" altLang="zh-CN" dirty="0" err="1"/>
+              <a:t>Git</a:t>
+            </a:r>
+            <a:r>
+              <a:rPr lang="en-US" altLang="zh-CN" dirty="0"/>
+              <a:t> </a:t>
+            </a:r>
+            <a:r>
+              <a:rPr lang="zh-CN" altLang="en-US" dirty="0"/>
+              <a:t>基础</a:t>
+            </a:r>
           </a:p>
         </p:txBody>
       </p:sp>
@@ -3809,7 +8808,7 @@
     </p:spTree>
     <p:extLst>
       <p:ext uri="{BB962C8B-B14F-4D97-AF65-F5344CB8AC3E}">
-        <p14:creationId xmlns:p14="http://schemas.microsoft.com/office/powerpoint/2010/main" val="2658713978"/>
+        <p14:creationId xmlns:p14="http://schemas.microsoft.com/office/powerpoint/2010/main" val="4145919902"/>
       </p:ext>
     </p:extLst>
   </p:cSld>
@@ -3858,6 +8857,18 @@
           <a:bodyPr/>
           <a:lstStyle/>
           <a:p>
+            <a:r>
+              <a:rPr lang="en-US" altLang="zh-CN" dirty="0" err="1" smtClean="0"/>
+              <a:t>GitHub</a:t>
+            </a:r>
+            <a:r>
+              <a:rPr lang="en-US" altLang="zh-CN" dirty="0" smtClean="0"/>
+              <a:t> </a:t>
+            </a:r>
+            <a:r>
+              <a:rPr lang="zh-CN" altLang="en-US" dirty="0" smtClean="0"/>
+              <a:t>基础</a:t>
+            </a:r>
             <a:endParaRPr lang="zh-CN" altLang="en-US" dirty="0"/>
           </a:p>
         </p:txBody>
@@ -3877,43 +8888,228 @@
           <a:bodyPr/>
           <a:lstStyle/>
           <a:p>
+            <a:pPr marL="0" indent="0">
+              <a:buNone/>
+            </a:pPr>
+            <a:r>
+              <a:rPr lang="zh-CN" altLang="en-US" dirty="0" smtClean="0"/>
+              <a:t>什么</a:t>
+            </a:r>
+            <a:r>
+              <a:rPr lang="zh-CN" altLang="en-US" dirty="0" smtClean="0"/>
+              <a:t>是</a:t>
+            </a:r>
+            <a:r>
+              <a:rPr lang="en-US" altLang="zh-CN" dirty="0" err="1" smtClean="0"/>
+              <a:t>GitHub</a:t>
+            </a:r>
+            <a:r>
+              <a:rPr lang="en-US" altLang="zh-CN" dirty="0" smtClean="0"/>
+              <a:t>?</a:t>
+            </a:r>
+          </a:p>
+          <a:p>
+            <a:pPr marL="0" indent="0">
+              <a:buNone/>
+            </a:pPr>
+            <a:r>
+              <a:rPr lang="en-US" altLang="zh-CN" dirty="0" err="1"/>
+              <a:t>GitHub</a:t>
+            </a:r>
+            <a:r>
+              <a:rPr lang="zh-CN" altLang="en-US" dirty="0"/>
+              <a:t>（网址 </a:t>
+            </a:r>
+            <a:r>
+              <a:rPr lang="en-US" altLang="zh-CN" dirty="0">
+                <a:hlinkClick r:id="rId2"/>
+              </a:rPr>
+              <a:t>https://github.com/</a:t>
+            </a:r>
+            <a:r>
+              <a:rPr lang="zh-CN" altLang="en-US" dirty="0"/>
+              <a:t>）是一个面向开源及私有软件项目的托管平台，因为只支持</a:t>
+            </a:r>
+            <a:r>
+              <a:rPr lang="en-US" altLang="zh-CN" dirty="0" err="1"/>
+              <a:t>Git</a:t>
+            </a:r>
+            <a:r>
+              <a:rPr lang="zh-CN" altLang="en-US" dirty="0"/>
+              <a:t>作为唯一的版本库格式进行托管，故名</a:t>
+            </a:r>
+            <a:r>
+              <a:rPr lang="en-US" altLang="zh-CN" dirty="0" err="1"/>
+              <a:t>GitHub</a:t>
+            </a:r>
+            <a:r>
+              <a:rPr lang="zh-CN" altLang="en-US" dirty="0"/>
+              <a:t>。</a:t>
+            </a:r>
             <a:endParaRPr lang="zh-CN" altLang="en-US" dirty="0"/>
-          </a:p>
-        </p:txBody>
-      </p:sp>
-      <p:sp>
-        <p:nvSpPr>
-          <p:cNvPr id="4" name="文本占位符 3"/>
-          <p:cNvSpPr>
-            <a:spLocks noGrp="1"/>
-          </p:cNvSpPr>
-          <p:nvPr>
-            <p:ph type="body" sz="half" idx="2"/>
-          </p:nvPr>
-        </p:nvSpPr>
-        <p:spPr/>
-        <p:txBody>
-          <a:bodyPr/>
-          <a:lstStyle/>
-          <a:p>
-            <a:endParaRPr lang="zh-CN" altLang="en-US"/>
           </a:p>
         </p:txBody>
       </p:sp>
     </p:spTree>
     <p:extLst>
       <p:ext uri="{BB962C8B-B14F-4D97-AF65-F5344CB8AC3E}">
-        <p14:creationId xmlns:p14="http://schemas.microsoft.com/office/powerpoint/2010/main" val="2610985652"/>
+        <p14:creationId xmlns:p14="http://schemas.microsoft.com/office/powerpoint/2010/main" val="2658713978"/>
       </p:ext>
     </p:extLst>
   </p:cSld>
   <p:clrMapOvr>
     <a:masterClrMapping/>
   </p:clrMapOvr>
+  <mc:AlternateContent xmlns:mc="http://schemas.openxmlformats.org/markup-compatibility/2006">
+    <mc:Choice xmlns:p14="http://schemas.microsoft.com/office/powerpoint/2010/main" Requires="p14">
+      <p:transition p14:dur="0"/>
+    </mc:Choice>
+    <mc:Fallback>
+      <p:transition/>
+    </mc:Fallback>
+  </mc:AlternateContent>
   <p:timing>
     <p:tnLst>
       <p:par>
-        <p:cTn id="1" dur="indefinite" restart="never" nodeType="tmRoot"/>
+        <p:cTn id="1" dur="indefinite" restart="never" nodeType="tmRoot">
+          <p:childTnLst>
+            <p:seq concurrent="1" nextAc="seek">
+              <p:cTn id="2" dur="indefinite" nodeType="mainSeq">
+                <p:childTnLst>
+                  <p:par>
+                    <p:cTn id="3" fill="hold">
+                      <p:stCondLst>
+                        <p:cond delay="indefinite"/>
+                      </p:stCondLst>
+                      <p:childTnLst>
+                        <p:par>
+                          <p:cTn id="4" fill="hold">
+                            <p:stCondLst>
+                              <p:cond delay="0"/>
+                            </p:stCondLst>
+                            <p:childTnLst>
+                              <p:par>
+                                <p:cTn id="5" presetID="42" presetClass="entr" presetSubtype="0" fill="hold" nodeType="clickEffect">
+                                  <p:stCondLst>
+                                    <p:cond delay="0"/>
+                                  </p:stCondLst>
+                                  <p:childTnLst>
+                                    <p:set>
+                                      <p:cBhvr>
+                                        <p:cTn id="6" dur="1" fill="hold">
+                                          <p:stCondLst>
+                                            <p:cond delay="0"/>
+                                          </p:stCondLst>
+                                        </p:cTn>
+                                        <p:tgtEl>
+                                          <p:spTgt spid="3">
+                                            <p:txEl>
+                                              <p:pRg st="1" end="1"/>
+                                            </p:txEl>
+                                          </p:spTgt>
+                                        </p:tgtEl>
+                                        <p:attrNameLst>
+                                          <p:attrName>style.visibility</p:attrName>
+                                        </p:attrNameLst>
+                                      </p:cBhvr>
+                                      <p:to>
+                                        <p:strVal val="visible"/>
+                                      </p:to>
+                                    </p:set>
+                                    <p:animEffect transition="in" filter="fade">
+                                      <p:cBhvr>
+                                        <p:cTn id="7" dur="1000"/>
+                                        <p:tgtEl>
+                                          <p:spTgt spid="3">
+                                            <p:txEl>
+                                              <p:pRg st="1" end="1"/>
+                                            </p:txEl>
+                                          </p:spTgt>
+                                        </p:tgtEl>
+                                      </p:cBhvr>
+                                    </p:animEffect>
+                                    <p:anim calcmode="lin" valueType="num">
+                                      <p:cBhvr>
+                                        <p:cTn id="8" dur="1000" fill="hold"/>
+                                        <p:tgtEl>
+                                          <p:spTgt spid="3">
+                                            <p:txEl>
+                                              <p:pRg st="1" end="1"/>
+                                            </p:txEl>
+                                          </p:spTgt>
+                                        </p:tgtEl>
+                                        <p:attrNameLst>
+                                          <p:attrName>ppt_x</p:attrName>
+                                        </p:attrNameLst>
+                                      </p:cBhvr>
+                                      <p:tavLst>
+                                        <p:tav tm="0">
+                                          <p:val>
+                                            <p:strVal val="#ppt_x"/>
+                                          </p:val>
+                                        </p:tav>
+                                        <p:tav tm="100000">
+                                          <p:val>
+                                            <p:strVal val="#ppt_x"/>
+                                          </p:val>
+                                        </p:tav>
+                                      </p:tavLst>
+                                    </p:anim>
+                                    <p:anim calcmode="lin" valueType="num">
+                                      <p:cBhvr>
+                                        <p:cTn id="9" dur="1000" fill="hold"/>
+                                        <p:tgtEl>
+                                          <p:spTgt spid="3">
+                                            <p:txEl>
+                                              <p:pRg st="1" end="1"/>
+                                            </p:txEl>
+                                          </p:spTgt>
+                                        </p:tgtEl>
+                                        <p:attrNameLst>
+                                          <p:attrName>ppt_y</p:attrName>
+                                        </p:attrNameLst>
+                                      </p:cBhvr>
+                                      <p:tavLst>
+                                        <p:tav tm="0">
+                                          <p:val>
+                                            <p:strVal val="#ppt_y+.1"/>
+                                          </p:val>
+                                        </p:tav>
+                                        <p:tav tm="100000">
+                                          <p:val>
+                                            <p:strVal val="#ppt_y"/>
+                                          </p:val>
+                                        </p:tav>
+                                      </p:tavLst>
+                                    </p:anim>
+                                  </p:childTnLst>
+                                </p:cTn>
+                              </p:par>
+                            </p:childTnLst>
+                          </p:cTn>
+                        </p:par>
+                      </p:childTnLst>
+                    </p:cTn>
+                  </p:par>
+                </p:childTnLst>
+              </p:cTn>
+              <p:prevCondLst>
+                <p:cond evt="onPrev" delay="0">
+                  <p:tgtEl>
+                    <p:sldTgt/>
+                  </p:tgtEl>
+                </p:cond>
+              </p:prevCondLst>
+              <p:nextCondLst>
+                <p:cond evt="onNext" delay="0">
+                  <p:tgtEl>
+                    <p:sldTgt/>
+                  </p:tgtEl>
+                </p:cond>
+              </p:nextCondLst>
+            </p:seq>
+          </p:childTnLst>
+        </p:cTn>
       </p:par>
     </p:tnLst>
   </p:timing>
@@ -3953,89 +9149,6 @@
           <a:lstStyle/>
           <a:p>
             <a:r>
-              <a:rPr lang="en-US" altLang="zh-CN" dirty="0" err="1"/>
-              <a:t>Git</a:t>
-            </a:r>
-            <a:r>
-              <a:rPr lang="en-US" altLang="zh-CN" dirty="0"/>
-              <a:t> Basics</a:t>
-            </a:r>
-            <a:endParaRPr lang="zh-CN" altLang="en-US" b="1" dirty="0"/>
-          </a:p>
-        </p:txBody>
-      </p:sp>
-      <p:sp>
-        <p:nvSpPr>
-          <p:cNvPr id="3" name="内容占位符 2"/>
-          <p:cNvSpPr>
-            <a:spLocks noGrp="1"/>
-          </p:cNvSpPr>
-          <p:nvPr>
-            <p:ph idx="1"/>
-          </p:nvPr>
-        </p:nvSpPr>
-        <p:spPr/>
-        <p:txBody>
-          <a:bodyPr/>
-          <a:lstStyle/>
-          <a:p>
-            <a:endParaRPr lang="zh-CN" altLang="en-US"/>
-          </a:p>
-        </p:txBody>
-      </p:sp>
-    </p:spTree>
-    <p:extLst>
-      <p:ext uri="{BB962C8B-B14F-4D97-AF65-F5344CB8AC3E}">
-        <p14:creationId xmlns:p14="http://schemas.microsoft.com/office/powerpoint/2010/main" val="1748469576"/>
-      </p:ext>
-    </p:extLst>
-  </p:cSld>
-  <p:clrMapOvr>
-    <a:masterClrMapping/>
-  </p:clrMapOvr>
-  <p:timing>
-    <p:tnLst>
-      <p:par>
-        <p:cTn id="1" dur="indefinite" restart="never" nodeType="tmRoot"/>
-      </p:par>
-    </p:tnLst>
-  </p:timing>
-</p:sld>
-</file>
-
-<file path=ppt/slides/slide9.xml><?xml version="1.0" encoding="utf-8"?>
-<p:sld xmlns:a="http://schemas.openxmlformats.org/drawingml/2006/main" xmlns:r="http://schemas.openxmlformats.org/officeDocument/2006/relationships" xmlns:p="http://schemas.openxmlformats.org/presentationml/2006/main">
-  <p:cSld>
-    <p:spTree>
-      <p:nvGrpSpPr>
-        <p:cNvPr id="1" name=""/>
-        <p:cNvGrpSpPr/>
-        <p:nvPr/>
-      </p:nvGrpSpPr>
-      <p:grpSpPr>
-        <a:xfrm>
-          <a:off x="0" y="0"/>
-          <a:ext cx="0" cy="0"/>
-          <a:chOff x="0" y="0"/>
-          <a:chExt cx="0" cy="0"/>
-        </a:xfrm>
-      </p:grpSpPr>
-      <p:sp>
-        <p:nvSpPr>
-          <p:cNvPr id="2" name="标题 1"/>
-          <p:cNvSpPr>
-            <a:spLocks noGrp="1"/>
-          </p:cNvSpPr>
-          <p:nvPr>
-            <p:ph type="title"/>
-          </p:nvPr>
-        </p:nvSpPr>
-        <p:spPr/>
-        <p:txBody>
-          <a:bodyPr/>
-          <a:lstStyle/>
-          <a:p>
-            <a:r>
               <a:rPr lang="en-US" altLang="zh-CN" dirty="0" smtClean="0"/>
               <a:t>        </a:t>
             </a:r>
@@ -4045,11 +9158,7 @@
             </a:r>
             <a:r>
               <a:rPr lang="en-US" altLang="zh-CN" dirty="0" smtClean="0"/>
-              <a:t>/               In </a:t>
-            </a:r>
-            <a:r>
-              <a:rPr lang="en-US" altLang="zh-CN" dirty="0" smtClean="0"/>
-              <a:t>Action</a:t>
+              <a:t>/               In Action</a:t>
             </a:r>
             <a:endParaRPr lang="zh-CN" altLang="en-US" dirty="0"/>
           </a:p>
@@ -4447,4 +9556,289 @@
   <a:objectDefaults/>
   <a:extraClrSchemeLst/>
 </a:theme>
+</file>
+
+<file path=ppt/theme/theme2.xml><?xml version="1.0" encoding="utf-8"?>
+<a:theme xmlns:a="http://schemas.openxmlformats.org/drawingml/2006/main" name="Office 主题​​">
+  <a:themeElements>
+    <a:clrScheme name="Office">
+      <a:dk1>
+        <a:sysClr val="windowText" lastClr="000000"/>
+      </a:dk1>
+      <a:lt1>
+        <a:sysClr val="window" lastClr="FFFFFF"/>
+      </a:lt1>
+      <a:dk2>
+        <a:srgbClr val="1F497D"/>
+      </a:dk2>
+      <a:lt2>
+        <a:srgbClr val="EEECE1"/>
+      </a:lt2>
+      <a:accent1>
+        <a:srgbClr val="4F81BD"/>
+      </a:accent1>
+      <a:accent2>
+        <a:srgbClr val="C0504D"/>
+      </a:accent2>
+      <a:accent3>
+        <a:srgbClr val="9BBB59"/>
+      </a:accent3>
+      <a:accent4>
+        <a:srgbClr val="8064A2"/>
+      </a:accent4>
+      <a:accent5>
+        <a:srgbClr val="4BACC6"/>
+      </a:accent5>
+      <a:accent6>
+        <a:srgbClr val="F79646"/>
+      </a:accent6>
+      <a:hlink>
+        <a:srgbClr val="0000FF"/>
+      </a:hlink>
+      <a:folHlink>
+        <a:srgbClr val="800080"/>
+      </a:folHlink>
+    </a:clrScheme>
+    <a:fontScheme name="Office">
+      <a:majorFont>
+        <a:latin typeface="Calibri"/>
+        <a:ea typeface=""/>
+        <a:cs typeface=""/>
+        <a:font script="Jpan" typeface="ＭＳ Ｐゴシック"/>
+        <a:font script="Hang" typeface="맑은 고딕"/>
+        <a:font script="Hans" typeface="宋体"/>
+        <a:font script="Hant" typeface="新細明體"/>
+        <a:font script="Arab" typeface="Times New Roman"/>
+        <a:font script="Hebr" typeface="Times New Roman"/>
+        <a:font script="Thai" typeface="Angsana New"/>
+        <a:font script="Ethi" typeface="Nyala"/>
+        <a:font script="Beng" typeface="Vrinda"/>
+        <a:font script="Gujr" typeface="Shruti"/>
+        <a:font script="Khmr" typeface="MoolBoran"/>
+        <a:font script="Knda" typeface="Tunga"/>
+        <a:font script="Guru" typeface="Raavi"/>
+        <a:font script="Cans" typeface="Euphemia"/>
+        <a:font script="Cher" typeface="Plantagenet Cherokee"/>
+        <a:font script="Yiii" typeface="Microsoft Yi Baiti"/>
+        <a:font script="Tibt" typeface="Microsoft Himalaya"/>
+        <a:font script="Thaa" typeface="MV Boli"/>
+        <a:font script="Deva" typeface="Mangal"/>
+        <a:font script="Telu" typeface="Gautami"/>
+        <a:font script="Taml" typeface="Latha"/>
+        <a:font script="Syrc" typeface="Estrangelo Edessa"/>
+        <a:font script="Orya" typeface="Kalinga"/>
+        <a:font script="Mlym" typeface="Kartika"/>
+        <a:font script="Laoo" typeface="DokChampa"/>
+        <a:font script="Sinh" typeface="Iskoola Pota"/>
+        <a:font script="Mong" typeface="Mongolian Baiti"/>
+        <a:font script="Viet" typeface="Times New Roman"/>
+        <a:font script="Uigh" typeface="Microsoft Uighur"/>
+        <a:font script="Geor" typeface="Sylfaen"/>
+      </a:majorFont>
+      <a:minorFont>
+        <a:latin typeface="Calibri"/>
+        <a:ea typeface=""/>
+        <a:cs typeface=""/>
+        <a:font script="Jpan" typeface="ＭＳ Ｐゴシック"/>
+        <a:font script="Hang" typeface="맑은 고딕"/>
+        <a:font script="Hans" typeface="宋体"/>
+        <a:font script="Hant" typeface="新細明體"/>
+        <a:font script="Arab" typeface="Arial"/>
+        <a:font script="Hebr" typeface="Arial"/>
+        <a:font script="Thai" typeface="Cordia New"/>
+        <a:font script="Ethi" typeface="Nyala"/>
+        <a:font script="Beng" typeface="Vrinda"/>
+        <a:font script="Gujr" typeface="Shruti"/>
+        <a:font script="Khmr" typeface="DaunPenh"/>
+        <a:font script="Knda" typeface="Tunga"/>
+        <a:font script="Guru" typeface="Raavi"/>
+        <a:font script="Cans" typeface="Euphemia"/>
+        <a:font script="Cher" typeface="Plantagenet Cherokee"/>
+        <a:font script="Yiii" typeface="Microsoft Yi Baiti"/>
+        <a:font script="Tibt" typeface="Microsoft Himalaya"/>
+        <a:font script="Thaa" typeface="MV Boli"/>
+        <a:font script="Deva" typeface="Mangal"/>
+        <a:font script="Telu" typeface="Gautami"/>
+        <a:font script="Taml" typeface="Latha"/>
+        <a:font script="Syrc" typeface="Estrangelo Edessa"/>
+        <a:font script="Orya" typeface="Kalinga"/>
+        <a:font script="Mlym" typeface="Kartika"/>
+        <a:font script="Laoo" typeface="DokChampa"/>
+        <a:font script="Sinh" typeface="Iskoola Pota"/>
+        <a:font script="Mong" typeface="Mongolian Baiti"/>
+        <a:font script="Viet" typeface="Arial"/>
+        <a:font script="Uigh" typeface="Microsoft Uighur"/>
+        <a:font script="Geor" typeface="Sylfaen"/>
+      </a:minorFont>
+    </a:fontScheme>
+    <a:fmtScheme name="Office">
+      <a:fillStyleLst>
+        <a:solidFill>
+          <a:schemeClr val="phClr"/>
+        </a:solidFill>
+        <a:gradFill rotWithShape="1">
+          <a:gsLst>
+            <a:gs pos="0">
+              <a:schemeClr val="phClr">
+                <a:tint val="50000"/>
+                <a:satMod val="300000"/>
+              </a:schemeClr>
+            </a:gs>
+            <a:gs pos="35000">
+              <a:schemeClr val="phClr">
+                <a:tint val="37000"/>
+                <a:satMod val="300000"/>
+              </a:schemeClr>
+            </a:gs>
+            <a:gs pos="100000">
+              <a:schemeClr val="phClr">
+                <a:tint val="15000"/>
+                <a:satMod val="350000"/>
+              </a:schemeClr>
+            </a:gs>
+          </a:gsLst>
+          <a:lin ang="16200000" scaled="1"/>
+        </a:gradFill>
+        <a:gradFill rotWithShape="1">
+          <a:gsLst>
+            <a:gs pos="0">
+              <a:schemeClr val="phClr">
+                <a:shade val="51000"/>
+                <a:satMod val="130000"/>
+              </a:schemeClr>
+            </a:gs>
+            <a:gs pos="80000">
+              <a:schemeClr val="phClr">
+                <a:shade val="93000"/>
+                <a:satMod val="130000"/>
+              </a:schemeClr>
+            </a:gs>
+            <a:gs pos="100000">
+              <a:schemeClr val="phClr">
+                <a:shade val="94000"/>
+                <a:satMod val="135000"/>
+              </a:schemeClr>
+            </a:gs>
+          </a:gsLst>
+          <a:lin ang="16200000" scaled="0"/>
+        </a:gradFill>
+      </a:fillStyleLst>
+      <a:lnStyleLst>
+        <a:ln w="9525" cap="flat" cmpd="sng" algn="ctr">
+          <a:solidFill>
+            <a:schemeClr val="phClr">
+              <a:shade val="95000"/>
+              <a:satMod val="105000"/>
+            </a:schemeClr>
+          </a:solidFill>
+          <a:prstDash val="solid"/>
+        </a:ln>
+        <a:ln w="25400" cap="flat" cmpd="sng" algn="ctr">
+          <a:solidFill>
+            <a:schemeClr val="phClr"/>
+          </a:solidFill>
+          <a:prstDash val="solid"/>
+        </a:ln>
+        <a:ln w="38100" cap="flat" cmpd="sng" algn="ctr">
+          <a:solidFill>
+            <a:schemeClr val="phClr"/>
+          </a:solidFill>
+          <a:prstDash val="solid"/>
+        </a:ln>
+      </a:lnStyleLst>
+      <a:effectStyleLst>
+        <a:effectStyle>
+          <a:effectLst>
+            <a:outerShdw blurRad="40000" dist="20000" dir="5400000" rotWithShape="0">
+              <a:srgbClr val="000000">
+                <a:alpha val="38000"/>
+              </a:srgbClr>
+            </a:outerShdw>
+          </a:effectLst>
+        </a:effectStyle>
+        <a:effectStyle>
+          <a:effectLst>
+            <a:outerShdw blurRad="40000" dist="23000" dir="5400000" rotWithShape="0">
+              <a:srgbClr val="000000">
+                <a:alpha val="35000"/>
+              </a:srgbClr>
+            </a:outerShdw>
+          </a:effectLst>
+        </a:effectStyle>
+        <a:effectStyle>
+          <a:effectLst>
+            <a:outerShdw blurRad="40000" dist="23000" dir="5400000" rotWithShape="0">
+              <a:srgbClr val="000000">
+                <a:alpha val="35000"/>
+              </a:srgbClr>
+            </a:outerShdw>
+          </a:effectLst>
+          <a:scene3d>
+            <a:camera prst="orthographicFront">
+              <a:rot lat="0" lon="0" rev="0"/>
+            </a:camera>
+            <a:lightRig rig="threePt" dir="t">
+              <a:rot lat="0" lon="0" rev="1200000"/>
+            </a:lightRig>
+          </a:scene3d>
+          <a:sp3d>
+            <a:bevelT w="63500" h="25400"/>
+          </a:sp3d>
+        </a:effectStyle>
+      </a:effectStyleLst>
+      <a:bgFillStyleLst>
+        <a:solidFill>
+          <a:schemeClr val="phClr"/>
+        </a:solidFill>
+        <a:gradFill rotWithShape="1">
+          <a:gsLst>
+            <a:gs pos="0">
+              <a:schemeClr val="phClr">
+                <a:tint val="40000"/>
+                <a:satMod val="350000"/>
+              </a:schemeClr>
+            </a:gs>
+            <a:gs pos="40000">
+              <a:schemeClr val="phClr">
+                <a:tint val="45000"/>
+                <a:shade val="99000"/>
+                <a:satMod val="350000"/>
+              </a:schemeClr>
+            </a:gs>
+            <a:gs pos="100000">
+              <a:schemeClr val="phClr">
+                <a:shade val="20000"/>
+                <a:satMod val="255000"/>
+              </a:schemeClr>
+            </a:gs>
+          </a:gsLst>
+          <a:path path="circle">
+            <a:fillToRect l="50000" t="-80000" r="50000" b="180000"/>
+          </a:path>
+        </a:gradFill>
+        <a:gradFill rotWithShape="1">
+          <a:gsLst>
+            <a:gs pos="0">
+              <a:schemeClr val="phClr">
+                <a:tint val="80000"/>
+                <a:satMod val="300000"/>
+              </a:schemeClr>
+            </a:gs>
+            <a:gs pos="100000">
+              <a:schemeClr val="phClr">
+                <a:shade val="30000"/>
+                <a:satMod val="200000"/>
+              </a:schemeClr>
+            </a:gs>
+          </a:gsLst>
+          <a:path path="circle">
+            <a:fillToRect l="50000" t="50000" r="50000" b="50000"/>
+          </a:path>
+        </a:gradFill>
+      </a:bgFillStyleLst>
+    </a:fmtScheme>
+  </a:themeElements>
+  <a:objectDefaults/>
+  <a:extraClrSchemeLst/>
+</a:theme>
 </file>
--- a/Git Primer.pptx
+++ b/Git Primer.pptx
@@ -5,7 +5,7 @@
     <p:sldMasterId id="2147483648" r:id="rId1"/>
   </p:sldMasterIdLst>
   <p:notesMasterIdLst>
-    <p:notesMasterId r:id="rId10"/>
+    <p:notesMasterId r:id="rId11"/>
   </p:notesMasterIdLst>
   <p:sldIdLst>
     <p:sldId id="256" r:id="rId2"/>
@@ -16,6 +16,7 @@
     <p:sldId id="271" r:id="rId7"/>
     <p:sldId id="269" r:id="rId8"/>
     <p:sldId id="264" r:id="rId9"/>
+    <p:sldId id="272" r:id="rId10"/>
   </p:sldIdLst>
   <p:sldSz cx="9144000" cy="6858000" type="screen4x3"/>
   <p:notesSz cx="6858000" cy="9144000"/>
@@ -118,6 +119,753 @@
 </file>
 
 <file path=ppt/diagrams/colors1.xml><?xml version="1.0" encoding="utf-8"?>
+<dgm:colorsDef xmlns:dgm="http://schemas.openxmlformats.org/drawingml/2006/diagram" xmlns:a="http://schemas.openxmlformats.org/drawingml/2006/main" uniqueId="urn:microsoft.com/office/officeart/2005/8/colors/accent1_2">
+  <dgm:title val=""/>
+  <dgm:desc val=""/>
+  <dgm:catLst>
+    <dgm:cat type="accent1" pri="11200"/>
+  </dgm:catLst>
+  <dgm:styleLbl name="node0">
+    <dgm:fillClrLst meth="repeat">
+      <a:schemeClr val="accent1"/>
+    </dgm:fillClrLst>
+    <dgm:linClrLst meth="repeat">
+      <a:schemeClr val="lt1"/>
+    </dgm:linClrLst>
+    <dgm:effectClrLst/>
+    <dgm:txLinClrLst/>
+    <dgm:txFillClrLst/>
+    <dgm:txEffectClrLst/>
+  </dgm:styleLbl>
+  <dgm:styleLbl name="alignNode1">
+    <dgm:fillClrLst meth="repeat">
+      <a:schemeClr val="accent1"/>
+    </dgm:fillClrLst>
+    <dgm:linClrLst meth="repeat">
+      <a:schemeClr val="accent1"/>
+    </dgm:linClrLst>
+    <dgm:effectClrLst/>
+    <dgm:txLinClrLst/>
+    <dgm:txFillClrLst/>
+    <dgm:txEffectClrLst/>
+  </dgm:styleLbl>
+  <dgm:styleLbl name="node1">
+    <dgm:fillClrLst meth="repeat">
+      <a:schemeClr val="accent1"/>
+    </dgm:fillClrLst>
+    <dgm:linClrLst meth="repeat">
+      <a:schemeClr val="lt1"/>
+    </dgm:linClrLst>
+    <dgm:effectClrLst/>
+    <dgm:txLinClrLst/>
+    <dgm:txFillClrLst/>
+    <dgm:txEffectClrLst/>
+  </dgm:styleLbl>
+  <dgm:styleLbl name="lnNode1">
+    <dgm:fillClrLst meth="repeat">
+      <a:schemeClr val="accent1"/>
+    </dgm:fillClrLst>
+    <dgm:linClrLst meth="repeat">
+      <a:schemeClr val="lt1"/>
+    </dgm:linClrLst>
+    <dgm:effectClrLst/>
+    <dgm:txLinClrLst/>
+    <dgm:txFillClrLst/>
+    <dgm:txEffectClrLst/>
+  </dgm:styleLbl>
+  <dgm:styleLbl name="vennNode1">
+    <dgm:fillClrLst meth="repeat">
+      <a:schemeClr val="accent1">
+        <a:alpha val="50000"/>
+      </a:schemeClr>
+    </dgm:fillClrLst>
+    <dgm:linClrLst meth="repeat">
+      <a:schemeClr val="lt1"/>
+    </dgm:linClrLst>
+    <dgm:effectClrLst/>
+    <dgm:txLinClrLst/>
+    <dgm:txFillClrLst/>
+    <dgm:txEffectClrLst/>
+  </dgm:styleLbl>
+  <dgm:styleLbl name="node2">
+    <dgm:fillClrLst meth="repeat">
+      <a:schemeClr val="accent1"/>
+    </dgm:fillClrLst>
+    <dgm:linClrLst meth="repeat">
+      <a:schemeClr val="lt1"/>
+    </dgm:linClrLst>
+    <dgm:effectClrLst/>
+    <dgm:txLinClrLst/>
+    <dgm:txFillClrLst/>
+    <dgm:txEffectClrLst/>
+  </dgm:styleLbl>
+  <dgm:styleLbl name="node3">
+    <dgm:fillClrLst meth="repeat">
+      <a:schemeClr val="accent1"/>
+    </dgm:fillClrLst>
+    <dgm:linClrLst meth="repeat">
+      <a:schemeClr val="lt1"/>
+    </dgm:linClrLst>
+    <dgm:effectClrLst/>
+    <dgm:txLinClrLst/>
+    <dgm:txFillClrLst/>
+    <dgm:txEffectClrLst/>
+  </dgm:styleLbl>
+  <dgm:styleLbl name="node4">
+    <dgm:fillClrLst meth="repeat">
+      <a:schemeClr val="accent1"/>
+    </dgm:fillClrLst>
+    <dgm:linClrLst meth="repeat">
+      <a:schemeClr val="lt1"/>
+    </dgm:linClrLst>
+    <dgm:effectClrLst/>
+    <dgm:txLinClrLst/>
+    <dgm:txFillClrLst/>
+    <dgm:txEffectClrLst/>
+  </dgm:styleLbl>
+  <dgm:styleLbl name="fgImgPlace1">
+    <dgm:fillClrLst meth="repeat">
+      <a:schemeClr val="accent1">
+        <a:tint val="50000"/>
+      </a:schemeClr>
+    </dgm:fillClrLst>
+    <dgm:linClrLst meth="repeat">
+      <a:schemeClr val="lt1"/>
+    </dgm:linClrLst>
+    <dgm:effectClrLst/>
+    <dgm:txLinClrLst/>
+    <dgm:txFillClrLst meth="repeat">
+      <a:schemeClr val="lt1"/>
+    </dgm:txFillClrLst>
+    <dgm:txEffectClrLst/>
+  </dgm:styleLbl>
+  <dgm:styleLbl name="alignImgPlace1">
+    <dgm:fillClrLst meth="repeat">
+      <a:schemeClr val="accent1">
+        <a:tint val="50000"/>
+      </a:schemeClr>
+    </dgm:fillClrLst>
+    <dgm:linClrLst meth="repeat">
+      <a:schemeClr val="lt1"/>
+    </dgm:linClrLst>
+    <dgm:effectClrLst/>
+    <dgm:txLinClrLst/>
+    <dgm:txFillClrLst meth="repeat">
+      <a:schemeClr val="lt1"/>
+    </dgm:txFillClrLst>
+    <dgm:txEffectClrLst/>
+  </dgm:styleLbl>
+  <dgm:styleLbl name="bgImgPlace1">
+    <dgm:fillClrLst meth="repeat">
+      <a:schemeClr val="accent1">
+        <a:tint val="50000"/>
+      </a:schemeClr>
+    </dgm:fillClrLst>
+    <dgm:linClrLst meth="repeat">
+      <a:schemeClr val="lt1"/>
+    </dgm:linClrLst>
+    <dgm:effectClrLst/>
+    <dgm:txLinClrLst/>
+    <dgm:txFillClrLst meth="repeat">
+      <a:schemeClr val="lt1"/>
+    </dgm:txFillClrLst>
+    <dgm:txEffectClrLst/>
+  </dgm:styleLbl>
+  <dgm:styleLbl name="sibTrans2D1">
+    <dgm:fillClrLst meth="repeat">
+      <a:schemeClr val="accent1">
+        <a:tint val="60000"/>
+      </a:schemeClr>
+    </dgm:fillClrLst>
+    <dgm:linClrLst meth="repeat">
+      <a:schemeClr val="accent1">
+        <a:tint val="60000"/>
+      </a:schemeClr>
+    </dgm:linClrLst>
+    <dgm:effectClrLst/>
+    <dgm:txLinClrLst/>
+    <dgm:txFillClrLst/>
+    <dgm:txEffectClrLst/>
+  </dgm:styleLbl>
+  <dgm:styleLbl name="fgSibTrans2D1">
+    <dgm:fillClrLst meth="repeat">
+      <a:schemeClr val="accent1">
+        <a:tint val="60000"/>
+      </a:schemeClr>
+    </dgm:fillClrLst>
+    <dgm:linClrLst meth="repeat">
+      <a:schemeClr val="accent1">
+        <a:tint val="60000"/>
+      </a:schemeClr>
+    </dgm:linClrLst>
+    <dgm:effectClrLst/>
+    <dgm:txLinClrLst/>
+    <dgm:txFillClrLst/>
+    <dgm:txEffectClrLst/>
+  </dgm:styleLbl>
+  <dgm:styleLbl name="bgSibTrans2D1">
+    <dgm:fillClrLst meth="repeat">
+      <a:schemeClr val="accent1">
+        <a:tint val="60000"/>
+      </a:schemeClr>
+    </dgm:fillClrLst>
+    <dgm:linClrLst meth="repeat">
+      <a:schemeClr val="accent1">
+        <a:tint val="60000"/>
+      </a:schemeClr>
+    </dgm:linClrLst>
+    <dgm:effectClrLst/>
+    <dgm:txLinClrLst/>
+    <dgm:txFillClrLst/>
+    <dgm:txEffectClrLst/>
+  </dgm:styleLbl>
+  <dgm:styleLbl name="sibTrans1D1">
+    <dgm:fillClrLst meth="repeat">
+      <a:schemeClr val="accent1"/>
+    </dgm:fillClrLst>
+    <dgm:linClrLst meth="repeat">
+      <a:schemeClr val="accent1"/>
+    </dgm:linClrLst>
+    <dgm:effectClrLst/>
+    <dgm:txLinClrLst/>
+    <dgm:txFillClrLst meth="repeat">
+      <a:schemeClr val="tx1"/>
+    </dgm:txFillClrLst>
+    <dgm:txEffectClrLst/>
+  </dgm:styleLbl>
+  <dgm:styleLbl name="callout">
+    <dgm:fillClrLst meth="repeat">
+      <a:schemeClr val="accent1"/>
+    </dgm:fillClrLst>
+    <dgm:linClrLst meth="repeat">
+      <a:schemeClr val="accent1">
+        <a:tint val="50000"/>
+      </a:schemeClr>
+    </dgm:linClrLst>
+    <dgm:effectClrLst/>
+    <dgm:txLinClrLst/>
+    <dgm:txFillClrLst meth="repeat">
+      <a:schemeClr val="tx1"/>
+    </dgm:txFillClrLst>
+    <dgm:txEffectClrLst/>
+  </dgm:styleLbl>
+  <dgm:styleLbl name="asst0">
+    <dgm:fillClrLst meth="repeat">
+      <a:schemeClr val="accent1"/>
+    </dgm:fillClrLst>
+    <dgm:linClrLst meth="repeat">
+      <a:schemeClr val="lt1"/>
+    </dgm:linClrLst>
+    <dgm:effectClrLst/>
+    <dgm:txLinClrLst/>
+    <dgm:txFillClrLst/>
+    <dgm:txEffectClrLst/>
+  </dgm:styleLbl>
+  <dgm:styleLbl name="asst1">
+    <dgm:fillClrLst meth="repeat">
+      <a:schemeClr val="accent1"/>
+    </dgm:fillClrLst>
+    <dgm:linClrLst meth="repeat">
+      <a:schemeClr val="lt1"/>
+    </dgm:linClrLst>
+    <dgm:effectClrLst/>
+    <dgm:txLinClrLst/>
+    <dgm:txFillClrLst/>
+    <dgm:txEffectClrLst/>
+  </dgm:styleLbl>
+  <dgm:styleLbl name="asst2">
+    <dgm:fillClrLst meth="repeat">
+      <a:schemeClr val="accent1"/>
+    </dgm:fillClrLst>
+    <dgm:linClrLst meth="repeat">
+      <a:schemeClr val="lt1"/>
+    </dgm:linClrLst>
+    <dgm:effectClrLst/>
+    <dgm:txLinClrLst/>
+    <dgm:txFillClrLst/>
+    <dgm:txEffectClrLst/>
+  </dgm:styleLbl>
+  <dgm:styleLbl name="asst3">
+    <dgm:fillClrLst meth="repeat">
+      <a:schemeClr val="accent1"/>
+    </dgm:fillClrLst>
+    <dgm:linClrLst meth="repeat">
+      <a:schemeClr val="lt1"/>
+    </dgm:linClrLst>
+    <dgm:effectClrLst/>
+    <dgm:txLinClrLst/>
+    <dgm:txFillClrLst/>
+    <dgm:txEffectClrLst/>
+  </dgm:styleLbl>
+  <dgm:styleLbl name="asst4">
+    <dgm:fillClrLst meth="repeat">
+      <a:schemeClr val="accent1"/>
+    </dgm:fillClrLst>
+    <dgm:linClrLst meth="repeat">
+      <a:schemeClr val="lt1"/>
+    </dgm:linClrLst>
+    <dgm:effectClrLst/>
+    <dgm:txLinClrLst/>
+    <dgm:txFillClrLst/>
+    <dgm:txEffectClrLst/>
+  </dgm:styleLbl>
+  <dgm:styleLbl name="parChTrans2D1">
+    <dgm:fillClrLst meth="repeat">
+      <a:schemeClr val="accent1">
+        <a:tint val="60000"/>
+      </a:schemeClr>
+    </dgm:fillClrLst>
+    <dgm:linClrLst meth="repeat">
+      <a:schemeClr val="accent1">
+        <a:tint val="60000"/>
+      </a:schemeClr>
+    </dgm:linClrLst>
+    <dgm:effectClrLst/>
+    <dgm:txLinClrLst/>
+    <dgm:txFillClrLst meth="repeat">
+      <a:schemeClr val="lt1"/>
+    </dgm:txFillClrLst>
+    <dgm:txEffectClrLst/>
+  </dgm:styleLbl>
+  <dgm:styleLbl name="parChTrans2D2">
+    <dgm:fillClrLst meth="repeat">
+      <a:schemeClr val="accent1"/>
+    </dgm:fillClrLst>
+    <dgm:linClrLst meth="repeat">
+      <a:schemeClr val="accent1"/>
+    </dgm:linClrLst>
+    <dgm:effectClrLst/>
+    <dgm:txLinClrLst/>
+    <dgm:txFillClrLst meth="repeat">
+      <a:schemeClr val="lt1"/>
+    </dgm:txFillClrLst>
+    <dgm:txEffectClrLst/>
+  </dgm:styleLbl>
+  <dgm:styleLbl name="parChTrans2D3">
+    <dgm:fillClrLst meth="repeat">
+      <a:schemeClr val="accent1"/>
+    </dgm:fillClrLst>
+    <dgm:linClrLst meth="repeat">
+      <a:schemeClr val="accent1"/>
+    </dgm:linClrLst>
+    <dgm:effectClrLst/>
+    <dgm:txLinClrLst/>
+    <dgm:txFillClrLst meth="repeat">
+      <a:schemeClr val="lt1"/>
+    </dgm:txFillClrLst>
+    <dgm:txEffectClrLst/>
+  </dgm:styleLbl>
+  <dgm:styleLbl name="parChTrans2D4">
+    <dgm:fillClrLst meth="repeat">
+      <a:schemeClr val="accent1"/>
+    </dgm:fillClrLst>
+    <dgm:linClrLst meth="repeat">
+      <a:schemeClr val="accent1"/>
+    </dgm:linClrLst>
+    <dgm:effectClrLst/>
+    <dgm:txLinClrLst/>
+    <dgm:txFillClrLst meth="repeat">
+      <a:schemeClr val="lt1"/>
+    </dgm:txFillClrLst>
+    <dgm:txEffectClrLst/>
+  </dgm:styleLbl>
+  <dgm:styleLbl name="parChTrans1D1">
+    <dgm:fillClrLst meth="repeat">
+      <a:schemeClr val="accent1"/>
+    </dgm:fillClrLst>
+    <dgm:linClrLst meth="repeat">
+      <a:schemeClr val="accent1">
+        <a:shade val="60000"/>
+      </a:schemeClr>
+    </dgm:linClrLst>
+    <dgm:effectClrLst/>
+    <dgm:txLinClrLst/>
+    <dgm:txFillClrLst meth="repeat">
+      <a:schemeClr val="tx1"/>
+    </dgm:txFillClrLst>
+    <dgm:txEffectClrLst/>
+  </dgm:styleLbl>
+  <dgm:styleLbl name="parChTrans1D2">
+    <dgm:fillClrLst meth="repeat">
+      <a:schemeClr val="accent1"/>
+    </dgm:fillClrLst>
+    <dgm:linClrLst meth="repeat">
+      <a:schemeClr val="accent1">
+        <a:shade val="60000"/>
+      </a:schemeClr>
+    </dgm:linClrLst>
+    <dgm:effectClrLst/>
+    <dgm:txLinClrLst/>
+    <dgm:txFillClrLst meth="repeat">
+      <a:schemeClr val="tx1"/>
+    </dgm:txFillClrLst>
+    <dgm:txEffectClrLst/>
+  </dgm:styleLbl>
+  <dgm:styleLbl name="parChTrans1D3">
+    <dgm:fillClrLst meth="repeat">
+      <a:schemeClr val="accent1"/>
+    </dgm:fillClrLst>
+    <dgm:linClrLst meth="repeat">
+      <a:schemeClr val="accent1">
+        <a:shade val="80000"/>
+      </a:schemeClr>
+    </dgm:linClrLst>
+    <dgm:effectClrLst/>
+    <dgm:txLinClrLst/>
+    <dgm:txFillClrLst meth="repeat">
+      <a:schemeClr val="tx1"/>
+    </dgm:txFillClrLst>
+    <dgm:txEffectClrLst/>
+  </dgm:styleLbl>
+  <dgm:styleLbl name="parChTrans1D4">
+    <dgm:fillClrLst meth="repeat">
+      <a:schemeClr val="accent1"/>
+    </dgm:fillClrLst>
+    <dgm:linClrLst meth="repeat">
+      <a:schemeClr val="accent1">
+        <a:shade val="80000"/>
+      </a:schemeClr>
+    </dgm:linClrLst>
+    <dgm:effectClrLst/>
+    <dgm:txLinClrLst/>
+    <dgm:txFillClrLst meth="repeat">
+      <a:schemeClr val="tx1"/>
+    </dgm:txFillClrLst>
+    <dgm:txEffectClrLst/>
+  </dgm:styleLbl>
+  <dgm:styleLbl name="fgAcc1">
+    <dgm:fillClrLst meth="repeat">
+      <a:schemeClr val="lt1">
+        <a:alpha val="90000"/>
+      </a:schemeClr>
+    </dgm:fillClrLst>
+    <dgm:linClrLst meth="repeat">
+      <a:schemeClr val="accent1"/>
+    </dgm:linClrLst>
+    <dgm:effectClrLst/>
+    <dgm:txLinClrLst/>
+    <dgm:txFillClrLst meth="repeat">
+      <a:schemeClr val="dk1"/>
+    </dgm:txFillClrLst>
+    <dgm:txEffectClrLst/>
+  </dgm:styleLbl>
+  <dgm:styleLbl name="conFgAcc1">
+    <dgm:fillClrLst meth="repeat">
+      <a:schemeClr val="lt1">
+        <a:alpha val="90000"/>
+      </a:schemeClr>
+    </dgm:fillClrLst>
+    <dgm:linClrLst meth="repeat">
+      <a:schemeClr val="accent1"/>
+    </dgm:linClrLst>
+    <dgm:effectClrLst/>
+    <dgm:txLinClrLst/>
+    <dgm:txFillClrLst meth="repeat">
+      <a:schemeClr val="dk1"/>
+    </dgm:txFillClrLst>
+    <dgm:txEffectClrLst/>
+  </dgm:styleLbl>
+  <dgm:styleLbl name="alignAcc1">
+    <dgm:fillClrLst meth="repeat">
+      <a:schemeClr val="lt1">
+        <a:alpha val="90000"/>
+      </a:schemeClr>
+    </dgm:fillClrLst>
+    <dgm:linClrLst meth="repeat">
+      <a:schemeClr val="accent1"/>
+    </dgm:linClrLst>
+    <dgm:effectClrLst/>
+    <dgm:txLinClrLst/>
+    <dgm:txFillClrLst meth="repeat">
+      <a:schemeClr val="dk1"/>
+    </dgm:txFillClrLst>
+    <dgm:txEffectClrLst/>
+  </dgm:styleLbl>
+  <dgm:styleLbl name="trAlignAcc1">
+    <dgm:fillClrLst meth="repeat">
+      <a:schemeClr val="lt1">
+        <a:alpha val="40000"/>
+      </a:schemeClr>
+    </dgm:fillClrLst>
+    <dgm:linClrLst meth="repeat">
+      <a:schemeClr val="accent1"/>
+    </dgm:linClrLst>
+    <dgm:effectClrLst/>
+    <dgm:txLinClrLst/>
+    <dgm:txFillClrLst meth="repeat">
+      <a:schemeClr val="dk1"/>
+    </dgm:txFillClrLst>
+    <dgm:txEffectClrLst/>
+  </dgm:styleLbl>
+  <dgm:styleLbl name="bgAcc1">
+    <dgm:fillClrLst meth="repeat">
+      <a:schemeClr val="lt1">
+        <a:alpha val="90000"/>
+      </a:schemeClr>
+    </dgm:fillClrLst>
+    <dgm:linClrLst meth="repeat">
+      <a:schemeClr val="accent1"/>
+    </dgm:linClrLst>
+    <dgm:effectClrLst/>
+    <dgm:txLinClrLst/>
+    <dgm:txFillClrLst meth="repeat">
+      <a:schemeClr val="dk1"/>
+    </dgm:txFillClrLst>
+    <dgm:txEffectClrLst/>
+  </dgm:styleLbl>
+  <dgm:styleLbl name="solidFgAcc1">
+    <dgm:fillClrLst meth="repeat">
+      <a:schemeClr val="lt1"/>
+    </dgm:fillClrLst>
+    <dgm:linClrLst meth="repeat">
+      <a:schemeClr val="accent1"/>
+    </dgm:linClrLst>
+    <dgm:effectClrLst/>
+    <dgm:txLinClrLst/>
+    <dgm:txFillClrLst meth="repeat">
+      <a:schemeClr val="dk1"/>
+    </dgm:txFillClrLst>
+    <dgm:txEffectClrLst/>
+  </dgm:styleLbl>
+  <dgm:styleLbl name="solidAlignAcc1">
+    <dgm:fillClrLst meth="repeat">
+      <a:schemeClr val="lt1"/>
+    </dgm:fillClrLst>
+    <dgm:linClrLst meth="repeat">
+      <a:schemeClr val="accent1"/>
+    </dgm:linClrLst>
+    <dgm:effectClrLst/>
+    <dgm:txLinClrLst/>
+    <dgm:txFillClrLst meth="repeat">
+      <a:schemeClr val="dk1"/>
+    </dgm:txFillClrLst>
+    <dgm:txEffectClrLst/>
+  </dgm:styleLbl>
+  <dgm:styleLbl name="solidBgAcc1">
+    <dgm:fillClrLst meth="repeat">
+      <a:schemeClr val="lt1"/>
+    </dgm:fillClrLst>
+    <dgm:linClrLst meth="repeat">
+      <a:schemeClr val="accent1"/>
+    </dgm:linClrLst>
+    <dgm:effectClrLst/>
+    <dgm:txLinClrLst/>
+    <dgm:txFillClrLst meth="repeat">
+      <a:schemeClr val="dk1"/>
+    </dgm:txFillClrLst>
+    <dgm:txEffectClrLst/>
+  </dgm:styleLbl>
+  <dgm:styleLbl name="fgAccFollowNode1">
+    <dgm:fillClrLst meth="repeat">
+      <a:schemeClr val="accent1">
+        <a:alpha val="90000"/>
+        <a:tint val="40000"/>
+      </a:schemeClr>
+    </dgm:fillClrLst>
+    <dgm:linClrLst meth="repeat">
+      <a:schemeClr val="accent1">
+        <a:alpha val="90000"/>
+        <a:tint val="40000"/>
+      </a:schemeClr>
+    </dgm:linClrLst>
+    <dgm:effectClrLst/>
+    <dgm:txLinClrLst/>
+    <dgm:txFillClrLst meth="repeat">
+      <a:schemeClr val="dk1"/>
+    </dgm:txFillClrLst>
+    <dgm:txEffectClrLst/>
+  </dgm:styleLbl>
+  <dgm:styleLbl name="alignAccFollowNode1">
+    <dgm:fillClrLst meth="repeat">
+      <a:schemeClr val="accent1">
+        <a:alpha val="90000"/>
+        <a:tint val="40000"/>
+      </a:schemeClr>
+    </dgm:fillClrLst>
+    <dgm:linClrLst meth="repeat">
+      <a:schemeClr val="accent1">
+        <a:alpha val="90000"/>
+        <a:tint val="40000"/>
+      </a:schemeClr>
+    </dgm:linClrLst>
+    <dgm:effectClrLst/>
+    <dgm:txLinClrLst/>
+    <dgm:txFillClrLst meth="repeat">
+      <a:schemeClr val="dk1"/>
+    </dgm:txFillClrLst>
+    <dgm:txEffectClrLst/>
+  </dgm:styleLbl>
+  <dgm:styleLbl name="bgAccFollowNode1">
+    <dgm:fillClrLst meth="repeat">
+      <a:schemeClr val="accent1">
+        <a:alpha val="90000"/>
+        <a:tint val="40000"/>
+      </a:schemeClr>
+    </dgm:fillClrLst>
+    <dgm:linClrLst meth="repeat">
+      <a:schemeClr val="accent1">
+        <a:alpha val="90000"/>
+        <a:tint val="40000"/>
+      </a:schemeClr>
+    </dgm:linClrLst>
+    <dgm:effectClrLst/>
+    <dgm:txLinClrLst/>
+    <dgm:txFillClrLst meth="repeat">
+      <a:schemeClr val="dk1"/>
+    </dgm:txFillClrLst>
+    <dgm:txEffectClrLst/>
+  </dgm:styleLbl>
+  <dgm:styleLbl name="fgAcc0">
+    <dgm:fillClrLst meth="repeat">
+      <a:schemeClr val="lt1">
+        <a:alpha val="90000"/>
+      </a:schemeClr>
+    </dgm:fillClrLst>
+    <dgm:linClrLst meth="repeat">
+      <a:schemeClr val="accent1"/>
+    </dgm:linClrLst>
+    <dgm:effectClrLst/>
+    <dgm:txLinClrLst/>
+    <dgm:txFillClrLst meth="repeat">
+      <a:schemeClr val="dk1"/>
+    </dgm:txFillClrLst>
+    <dgm:txEffectClrLst/>
+  </dgm:styleLbl>
+  <dgm:styleLbl name="fgAcc2">
+    <dgm:fillClrLst meth="repeat">
+      <a:schemeClr val="lt1">
+        <a:alpha val="90000"/>
+      </a:schemeClr>
+    </dgm:fillClrLst>
+    <dgm:linClrLst meth="repeat">
+      <a:schemeClr val="accent1"/>
+    </dgm:linClrLst>
+    <dgm:effectClrLst/>
+    <dgm:txLinClrLst/>
+    <dgm:txFillClrLst meth="repeat">
+      <a:schemeClr val="dk1"/>
+    </dgm:txFillClrLst>
+    <dgm:txEffectClrLst/>
+  </dgm:styleLbl>
+  <dgm:styleLbl name="fgAcc3">
+    <dgm:fillClrLst meth="repeat">
+      <a:schemeClr val="lt1">
+        <a:alpha val="90000"/>
+      </a:schemeClr>
+    </dgm:fillClrLst>
+    <dgm:linClrLst meth="repeat">
+      <a:schemeClr val="accent1"/>
+    </dgm:linClrLst>
+    <dgm:effectClrLst/>
+    <dgm:txLinClrLst/>
+    <dgm:txFillClrLst meth="repeat">
+      <a:schemeClr val="dk1"/>
+    </dgm:txFillClrLst>
+    <dgm:txEffectClrLst/>
+  </dgm:styleLbl>
+  <dgm:styleLbl name="fgAcc4">
+    <dgm:fillClrLst meth="repeat">
+      <a:schemeClr val="lt1">
+        <a:alpha val="90000"/>
+      </a:schemeClr>
+    </dgm:fillClrLst>
+    <dgm:linClrLst meth="repeat">
+      <a:schemeClr val="accent1"/>
+    </dgm:linClrLst>
+    <dgm:effectClrLst/>
+    <dgm:txLinClrLst/>
+    <dgm:txFillClrLst meth="repeat">
+      <a:schemeClr val="dk1"/>
+    </dgm:txFillClrLst>
+    <dgm:txEffectClrLst/>
+  </dgm:styleLbl>
+  <dgm:styleLbl name="bgShp">
+    <dgm:fillClrLst meth="repeat">
+      <a:schemeClr val="accent1">
+        <a:tint val="40000"/>
+      </a:schemeClr>
+    </dgm:fillClrLst>
+    <dgm:linClrLst meth="repeat">
+      <a:schemeClr val="accent1"/>
+    </dgm:linClrLst>
+    <dgm:effectClrLst/>
+    <dgm:txLinClrLst/>
+    <dgm:txFillClrLst meth="repeat">
+      <a:schemeClr val="dk1"/>
+    </dgm:txFillClrLst>
+    <dgm:txEffectClrLst/>
+  </dgm:styleLbl>
+  <dgm:styleLbl name="dkBgShp">
+    <dgm:fillClrLst meth="repeat">
+      <a:schemeClr val="accent1">
+        <a:shade val="80000"/>
+      </a:schemeClr>
+    </dgm:fillClrLst>
+    <dgm:linClrLst meth="repeat">
+      <a:schemeClr val="accent1"/>
+    </dgm:linClrLst>
+    <dgm:effectClrLst/>
+    <dgm:txLinClrLst/>
+    <dgm:txFillClrLst meth="repeat">
+      <a:schemeClr val="lt1"/>
+    </dgm:txFillClrLst>
+    <dgm:txEffectClrLst/>
+  </dgm:styleLbl>
+  <dgm:styleLbl name="trBgShp">
+    <dgm:fillClrLst meth="repeat">
+      <a:schemeClr val="accent1">
+        <a:tint val="50000"/>
+        <a:alpha val="40000"/>
+      </a:schemeClr>
+    </dgm:fillClrLst>
+    <dgm:linClrLst meth="repeat">
+      <a:schemeClr val="accent1"/>
+    </dgm:linClrLst>
+    <dgm:effectClrLst/>
+    <dgm:txLinClrLst/>
+    <dgm:txFillClrLst meth="repeat">
+      <a:schemeClr val="lt1"/>
+    </dgm:txFillClrLst>
+    <dgm:txEffectClrLst/>
+  </dgm:styleLbl>
+  <dgm:styleLbl name="fgShp">
+    <dgm:fillClrLst meth="repeat">
+      <a:schemeClr val="accent1">
+        <a:tint val="60000"/>
+      </a:schemeClr>
+    </dgm:fillClrLst>
+    <dgm:linClrLst meth="repeat">
+      <a:schemeClr val="lt1"/>
+    </dgm:linClrLst>
+    <dgm:effectClrLst/>
+    <dgm:txLinClrLst/>
+    <dgm:txFillClrLst meth="repeat">
+      <a:schemeClr val="dk1"/>
+    </dgm:txFillClrLst>
+    <dgm:txEffectClrLst/>
+  </dgm:styleLbl>
+  <dgm:styleLbl name="revTx">
+    <dgm:fillClrLst meth="repeat">
+      <a:schemeClr val="lt1">
+        <a:alpha val="0"/>
+      </a:schemeClr>
+    </dgm:fillClrLst>
+    <dgm:linClrLst meth="repeat">
+      <a:schemeClr val="dk1">
+        <a:alpha val="0"/>
+      </a:schemeClr>
+    </dgm:linClrLst>
+    <dgm:effectClrLst/>
+    <dgm:txLinClrLst/>
+    <dgm:txFillClrLst meth="repeat">
+      <a:schemeClr val="tx1"/>
+    </dgm:txFillClrLst>
+    <dgm:txEffectClrLst/>
+  </dgm:styleLbl>
+</dgm:colorsDef>
+</file>
+
+<file path=ppt/diagrams/colors2.xml><?xml version="1.0" encoding="utf-8"?>
 <dgm:colorsDef xmlns:dgm="http://schemas.openxmlformats.org/drawingml/2006/diagram" xmlns:a="http://schemas.openxmlformats.org/drawingml/2006/main" uniqueId="urn:microsoft.com/office/officeart/2005/8/colors/accent1_2">
   <dgm:title val=""/>
   <dgm:desc val=""/>
@@ -1160,6 +1908,491 @@
     <dgm:cxn modelId="{C989210F-2367-4F28-9590-AD9C977D55C6}" type="presParOf" srcId="{84BB8B93-C404-424E-B2E0-16761659C69D}" destId="{0023386A-7B5B-4282-B0D5-FB622343CC99}" srcOrd="4" destOrd="0" presId="urn:microsoft.com/office/officeart/2005/8/layout/hProcess10"/>
     <dgm:cxn modelId="{5086711B-59FF-45E5-92C8-0A0C7E0178F9}" type="presParOf" srcId="{0023386A-7B5B-4282-B0D5-FB622343CC99}" destId="{BF05B40C-1B8C-40CD-AD19-77BE3EE87E52}" srcOrd="0" destOrd="0" presId="urn:microsoft.com/office/officeart/2005/8/layout/hProcess10"/>
     <dgm:cxn modelId="{C543A782-C346-4396-9EE7-0478E73E3B2A}" type="presParOf" srcId="{0023386A-7B5B-4282-B0D5-FB622343CC99}" destId="{037E3C03-F28A-46B0-A5BA-C23A8C32EAE9}" srcOrd="1" destOrd="0" presId="urn:microsoft.com/office/officeart/2005/8/layout/hProcess10"/>
+  </dgm:cxnLst>
+  <dgm:bg/>
+  <dgm:whole/>
+  <dgm:extLst>
+    <a:ext uri="http://schemas.microsoft.com/office/drawing/2008/diagram">
+      <dsp:dataModelExt xmlns:dsp="http://schemas.microsoft.com/office/drawing/2008/diagram" relId="rId7" minVer="http://schemas.openxmlformats.org/drawingml/2006/diagram"/>
+    </a:ext>
+  </dgm:extLst>
+</dgm:dataModel>
+</file>
+
+<file path=ppt/diagrams/data2.xml><?xml version="1.0" encoding="utf-8"?>
+<dgm:dataModel xmlns:dgm="http://schemas.openxmlformats.org/drawingml/2006/diagram" xmlns:a="http://schemas.openxmlformats.org/drawingml/2006/main">
+  <dgm:ptLst>
+    <dgm:pt modelId="{E37DF6D2-5ECC-48B2-B92B-8C36DB910E37}" type="doc">
+      <dgm:prSet loTypeId="urn:microsoft.com/office/officeart/2005/8/layout/vList2" loCatId="list" qsTypeId="urn:microsoft.com/office/officeart/2005/8/quickstyle/simple1" qsCatId="simple" csTypeId="urn:microsoft.com/office/officeart/2005/8/colors/accent1_2" csCatId="accent1" phldr="1"/>
+      <dgm:spPr/>
+      <dgm:t>
+        <a:bodyPr/>
+        <a:lstStyle/>
+        <a:p>
+          <a:endParaRPr lang="zh-CN" altLang="en-US"/>
+        </a:p>
+      </dgm:t>
+    </dgm:pt>
+    <dgm:pt modelId="{18838B3A-22A1-4727-9A63-EFD5FE701A5F}">
+      <dgm:prSet phldrT="[文本]" custT="1"/>
+      <dgm:spPr/>
+      <dgm:t>
+        <a:bodyPr/>
+        <a:lstStyle/>
+        <a:p>
+          <a:r>
+            <a:rPr lang="zh-CN" altLang="en-US" sz="2400" dirty="0" smtClean="0"/>
+            <a:t>在工作目录中初始化新仓库</a:t>
+          </a:r>
+          <a:endParaRPr lang="zh-CN" altLang="en-US" sz="2400" dirty="0"/>
+        </a:p>
+      </dgm:t>
+    </dgm:pt>
+    <dgm:pt modelId="{F5586C23-9108-4EDC-ADB9-79E846A52DC9}" type="parTrans" cxnId="{25A7152B-0A23-46BB-8476-18BA314BD5A0}">
+      <dgm:prSet/>
+      <dgm:spPr/>
+      <dgm:t>
+        <a:bodyPr/>
+        <a:lstStyle/>
+        <a:p>
+          <a:endParaRPr lang="zh-CN" altLang="en-US"/>
+        </a:p>
+      </dgm:t>
+    </dgm:pt>
+    <dgm:pt modelId="{24856A27-4097-4840-B8CC-3D245D2A508F}" type="sibTrans" cxnId="{25A7152B-0A23-46BB-8476-18BA314BD5A0}">
+      <dgm:prSet/>
+      <dgm:spPr/>
+      <dgm:t>
+        <a:bodyPr/>
+        <a:lstStyle/>
+        <a:p>
+          <a:endParaRPr lang="zh-CN" altLang="en-US"/>
+        </a:p>
+      </dgm:t>
+    </dgm:pt>
+    <dgm:pt modelId="{8F604C9F-ADC4-4949-AD52-9193FBC34988}">
+      <dgm:prSet phldrT="[文本]" custT="1"/>
+      <dgm:spPr/>
+      <dgm:t>
+        <a:bodyPr/>
+        <a:lstStyle/>
+        <a:p>
+          <a:r>
+            <a:rPr lang="en-US" altLang="zh-CN" sz="1800" dirty="0" smtClean="0"/>
+            <a:t>$ </a:t>
+          </a:r>
+          <a:r>
+            <a:rPr lang="en-US" altLang="zh-CN" sz="1800" dirty="0" err="1" smtClean="0"/>
+            <a:t>git</a:t>
+          </a:r>
+          <a:r>
+            <a:rPr lang="en-US" altLang="zh-CN" sz="1800" dirty="0" smtClean="0"/>
+            <a:t> </a:t>
+          </a:r>
+          <a:r>
+            <a:rPr lang="en-US" altLang="zh-CN" sz="1800" dirty="0" err="1" smtClean="0"/>
+            <a:t>init</a:t>
+          </a:r>
+          <a:endParaRPr lang="zh-CN" altLang="en-US" sz="1800" dirty="0"/>
+        </a:p>
+      </dgm:t>
+    </dgm:pt>
+    <dgm:pt modelId="{2B144DCD-A36F-4863-84BB-3C9DDBFFF4E6}" type="parTrans" cxnId="{3B420C00-5781-40FF-900C-92FDCDC3DA9D}">
+      <dgm:prSet/>
+      <dgm:spPr/>
+      <dgm:t>
+        <a:bodyPr/>
+        <a:lstStyle/>
+        <a:p>
+          <a:endParaRPr lang="zh-CN" altLang="en-US"/>
+        </a:p>
+      </dgm:t>
+    </dgm:pt>
+    <dgm:pt modelId="{9E86DADC-9AA1-493D-9819-8950CD4B7188}" type="sibTrans" cxnId="{3B420C00-5781-40FF-900C-92FDCDC3DA9D}">
+      <dgm:prSet/>
+      <dgm:spPr/>
+      <dgm:t>
+        <a:bodyPr/>
+        <a:lstStyle/>
+        <a:p>
+          <a:endParaRPr lang="zh-CN" altLang="en-US"/>
+        </a:p>
+      </dgm:t>
+    </dgm:pt>
+    <dgm:pt modelId="{EE1AC371-33F6-46F1-9463-45F1F87256FC}">
+      <dgm:prSet phldrT="[文本]" custT="1"/>
+      <dgm:spPr/>
+      <dgm:t>
+        <a:bodyPr/>
+        <a:lstStyle/>
+        <a:p>
+          <a:r>
+            <a:rPr lang="zh-CN" altLang="en-US" sz="2400" dirty="0" smtClean="0"/>
+            <a:t>从现有仓库克隆</a:t>
+          </a:r>
+          <a:endParaRPr lang="zh-CN" altLang="en-US" sz="2400" dirty="0"/>
+        </a:p>
+      </dgm:t>
+    </dgm:pt>
+    <dgm:pt modelId="{AF501713-F7E3-4247-AF30-B4909852A258}" type="parTrans" cxnId="{1B0B91F6-CFD1-4FC5-80AE-F2F2BAF5B9D6}">
+      <dgm:prSet/>
+      <dgm:spPr/>
+      <dgm:t>
+        <a:bodyPr/>
+        <a:lstStyle/>
+        <a:p>
+          <a:endParaRPr lang="zh-CN" altLang="en-US"/>
+        </a:p>
+      </dgm:t>
+    </dgm:pt>
+    <dgm:pt modelId="{8CE11F71-8301-4905-AD18-07A29B5CCC9E}" type="sibTrans" cxnId="{1B0B91F6-CFD1-4FC5-80AE-F2F2BAF5B9D6}">
+      <dgm:prSet/>
+      <dgm:spPr/>
+      <dgm:t>
+        <a:bodyPr/>
+        <a:lstStyle/>
+        <a:p>
+          <a:endParaRPr lang="zh-CN" altLang="en-US"/>
+        </a:p>
+      </dgm:t>
+    </dgm:pt>
+    <dgm:pt modelId="{E2D98A74-5962-4EBE-B38C-2756512F6E51}">
+      <dgm:prSet phldrT="[文本]" custT="1"/>
+      <dgm:spPr/>
+      <dgm:t>
+        <a:bodyPr/>
+        <a:lstStyle/>
+        <a:p>
+          <a:r>
+            <a:rPr lang="en-US" altLang="zh-CN" sz="1800" dirty="0" smtClean="0"/>
+            <a:t>$ </a:t>
+          </a:r>
+          <a:r>
+            <a:rPr lang="en-US" altLang="zh-CN" sz="1800" dirty="0" err="1" smtClean="0"/>
+            <a:t>git</a:t>
+          </a:r>
+          <a:r>
+            <a:rPr lang="en-US" altLang="zh-CN" sz="1800" dirty="0" smtClean="0"/>
+            <a:t>  clone </a:t>
+          </a:r>
+          <a:r>
+            <a:rPr lang="en-US" altLang="zh-CN" sz="1800" u="sng" dirty="0" err="1" smtClean="0">
+              <a:hlinkClick xmlns:r="http://schemas.openxmlformats.org/officeDocument/2006/relationships" r:id="rId1"/>
+            </a:rPr>
+            <a:t>git@github.com:lftong</a:t>
+          </a:r>
+          <a:r>
+            <a:rPr lang="en-US" altLang="zh-CN" sz="1800" u="sng" dirty="0" smtClean="0">
+              <a:hlinkClick xmlns:r="http://schemas.openxmlformats.org/officeDocument/2006/relationships" r:id="rId1"/>
+            </a:rPr>
+            <a:t>/</a:t>
+          </a:r>
+          <a:r>
+            <a:rPr lang="en-US" altLang="zh-CN" sz="1800" u="sng" dirty="0" err="1" smtClean="0">
+              <a:hlinkClick xmlns:r="http://schemas.openxmlformats.org/officeDocument/2006/relationships" r:id="rId1"/>
+            </a:rPr>
+            <a:t>GitExp.git</a:t>
+          </a:r>
+          <a:endParaRPr lang="zh-CN" altLang="en-US" sz="1800" u="sng" dirty="0"/>
+        </a:p>
+      </dgm:t>
+    </dgm:pt>
+    <dgm:pt modelId="{79CCB762-268A-48E6-8827-E881F59E3383}" type="parTrans" cxnId="{4D445773-44EF-4D42-86B8-048829252F47}">
+      <dgm:prSet/>
+      <dgm:spPr/>
+      <dgm:t>
+        <a:bodyPr/>
+        <a:lstStyle/>
+        <a:p>
+          <a:endParaRPr lang="zh-CN" altLang="en-US"/>
+        </a:p>
+      </dgm:t>
+    </dgm:pt>
+    <dgm:pt modelId="{49014791-5563-4792-BEDC-0C8E8C5ADC26}" type="sibTrans" cxnId="{4D445773-44EF-4D42-86B8-048829252F47}">
+      <dgm:prSet/>
+      <dgm:spPr/>
+      <dgm:t>
+        <a:bodyPr/>
+        <a:lstStyle/>
+        <a:p>
+          <a:endParaRPr lang="zh-CN" altLang="en-US"/>
+        </a:p>
+      </dgm:t>
+    </dgm:pt>
+    <dgm:pt modelId="{A650C4E0-C32C-4379-A3F9-FDEF2A1540CB}">
+      <dgm:prSet phldrT="[文本]" custT="1"/>
+      <dgm:spPr/>
+      <dgm:t>
+        <a:bodyPr/>
+        <a:lstStyle/>
+        <a:p>
+          <a:r>
+            <a:rPr lang="en-US" altLang="zh-CN" sz="1800" dirty="0" smtClean="0"/>
+            <a:t>$ </a:t>
+          </a:r>
+          <a:r>
+            <a:rPr lang="en-US" altLang="zh-CN" sz="1800" dirty="0" err="1" smtClean="0"/>
+            <a:t>git</a:t>
+          </a:r>
+          <a:r>
+            <a:rPr lang="en-US" altLang="zh-CN" sz="1800" dirty="0" smtClean="0"/>
+            <a:t> add README</a:t>
+          </a:r>
+          <a:endParaRPr lang="zh-CN" altLang="en-US" sz="1800" dirty="0"/>
+        </a:p>
+      </dgm:t>
+    </dgm:pt>
+    <dgm:pt modelId="{B9B04672-F85E-4F7A-B094-58E9B6C3B76A}" type="parTrans" cxnId="{4E7A9715-2695-4C62-B329-62813211447E}">
+      <dgm:prSet/>
+      <dgm:spPr/>
+      <dgm:t>
+        <a:bodyPr/>
+        <a:lstStyle/>
+        <a:p>
+          <a:endParaRPr lang="zh-CN" altLang="en-US"/>
+        </a:p>
+      </dgm:t>
+    </dgm:pt>
+    <dgm:pt modelId="{117854F6-BA87-4EDC-8D30-275831363226}" type="sibTrans" cxnId="{4E7A9715-2695-4C62-B329-62813211447E}">
+      <dgm:prSet/>
+      <dgm:spPr/>
+      <dgm:t>
+        <a:bodyPr/>
+        <a:lstStyle/>
+        <a:p>
+          <a:endParaRPr lang="zh-CN" altLang="en-US"/>
+        </a:p>
+      </dgm:t>
+    </dgm:pt>
+    <dgm:pt modelId="{994EEBE1-3140-46A8-A3F7-55FF3C7D23D5}">
+      <dgm:prSet phldrT="[文本]" custT="1"/>
+      <dgm:spPr/>
+      <dgm:t>
+        <a:bodyPr/>
+        <a:lstStyle/>
+        <a:p>
+          <a:r>
+            <a:rPr lang="en-US" altLang="zh-CN" sz="1800" dirty="0" smtClean="0"/>
+            <a:t>$ </a:t>
+          </a:r>
+          <a:r>
+            <a:rPr lang="en-US" altLang="zh-CN" sz="1800" dirty="0" err="1" smtClean="0"/>
+            <a:t>git</a:t>
+          </a:r>
+          <a:r>
+            <a:rPr lang="en-US" altLang="zh-CN" sz="1800" dirty="0" smtClean="0"/>
+            <a:t> commit –m ‘initial project version’</a:t>
+          </a:r>
+          <a:endParaRPr lang="zh-CN" altLang="en-US" sz="1800" dirty="0"/>
+        </a:p>
+      </dgm:t>
+    </dgm:pt>
+    <dgm:pt modelId="{7C65D5C3-3F3F-4D3B-894D-9C9103F333A8}" type="parTrans" cxnId="{E12EAC5D-8EA7-493D-B088-970E0C5A9603}">
+      <dgm:prSet/>
+      <dgm:spPr/>
+      <dgm:t>
+        <a:bodyPr/>
+        <a:lstStyle/>
+        <a:p>
+          <a:endParaRPr lang="zh-CN" altLang="en-US"/>
+        </a:p>
+      </dgm:t>
+    </dgm:pt>
+    <dgm:pt modelId="{4E8D3CB0-90FA-452C-A69D-B9DF402240DA}" type="sibTrans" cxnId="{E12EAC5D-8EA7-493D-B088-970E0C5A9603}">
+      <dgm:prSet/>
+      <dgm:spPr/>
+      <dgm:t>
+        <a:bodyPr/>
+        <a:lstStyle/>
+        <a:p>
+          <a:endParaRPr lang="zh-CN" altLang="en-US"/>
+        </a:p>
+      </dgm:t>
+    </dgm:pt>
+    <dgm:pt modelId="{B84C3A7E-2152-42C5-A336-3841D3A69019}">
+      <dgm:prSet phldrT="[文本]" custT="1"/>
+      <dgm:spPr/>
+      <dgm:t>
+        <a:bodyPr/>
+        <a:lstStyle/>
+        <a:p>
+          <a:endParaRPr lang="zh-CN" altLang="en-US" sz="1800" dirty="0"/>
+        </a:p>
+      </dgm:t>
+    </dgm:pt>
+    <dgm:pt modelId="{3B8634C2-8FF3-4017-8B4B-6AFE84A852A8}" type="parTrans" cxnId="{EE6BFCA8-3A97-4B2B-8BC7-1E4D631FF3B2}">
+      <dgm:prSet/>
+      <dgm:spPr/>
+      <dgm:t>
+        <a:bodyPr/>
+        <a:lstStyle/>
+        <a:p>
+          <a:endParaRPr lang="zh-CN" altLang="en-US"/>
+        </a:p>
+      </dgm:t>
+    </dgm:pt>
+    <dgm:pt modelId="{096D75EE-57E0-444E-A155-A48405CEEF4B}" type="sibTrans" cxnId="{EE6BFCA8-3A97-4B2B-8BC7-1E4D631FF3B2}">
+      <dgm:prSet/>
+      <dgm:spPr/>
+      <dgm:t>
+        <a:bodyPr/>
+        <a:lstStyle/>
+        <a:p>
+          <a:endParaRPr lang="zh-CN" altLang="en-US"/>
+        </a:p>
+      </dgm:t>
+    </dgm:pt>
+    <dgm:pt modelId="{F7AB80B9-88F0-4C29-9C12-ED458A1BFAE2}">
+      <dgm:prSet phldrT="[文本]" custT="1"/>
+      <dgm:spPr/>
+      <dgm:t>
+        <a:bodyPr/>
+        <a:lstStyle/>
+        <a:p>
+          <a:r>
+            <a:rPr lang="en-US" altLang="zh-CN" sz="1800" dirty="0" smtClean="0"/>
+            <a:t>$ </a:t>
+          </a:r>
+          <a:r>
+            <a:rPr lang="en-US" altLang="zh-CN" sz="1800" dirty="0" err="1" smtClean="0"/>
+            <a:t>git</a:t>
+          </a:r>
+          <a:r>
+            <a:rPr lang="en-US" altLang="zh-CN" sz="1800" dirty="0" smtClean="0"/>
+            <a:t>  clone </a:t>
+          </a:r>
+          <a:r>
+            <a:rPr lang="en-US" altLang="zh-CN" sz="1800" dirty="0" err="1" smtClean="0">
+              <a:hlinkClick xmlns:r="http://schemas.openxmlformats.org/officeDocument/2006/relationships" r:id="rId1"/>
+            </a:rPr>
+            <a:t>git@github.com:lftong</a:t>
+          </a:r>
+          <a:r>
+            <a:rPr lang="en-US" altLang="zh-CN" sz="1800" dirty="0" smtClean="0">
+              <a:hlinkClick xmlns:r="http://schemas.openxmlformats.org/officeDocument/2006/relationships" r:id="rId1"/>
+            </a:rPr>
+            <a:t>/</a:t>
+          </a:r>
+          <a:r>
+            <a:rPr lang="en-US" altLang="zh-CN" sz="1800" dirty="0" err="1" smtClean="0">
+              <a:hlinkClick xmlns:r="http://schemas.openxmlformats.org/officeDocument/2006/relationships" r:id="rId1"/>
+            </a:rPr>
+            <a:t>GitExp.git</a:t>
+          </a:r>
+          <a:r>
+            <a:rPr lang="en-US" altLang="zh-CN" sz="1800" dirty="0" smtClean="0"/>
+            <a:t> </a:t>
+          </a:r>
+          <a:r>
+            <a:rPr lang="en-US" altLang="zh-CN" sz="1800" dirty="0" err="1" smtClean="0"/>
+            <a:t>mygitexp</a:t>
+          </a:r>
+          <a:endParaRPr lang="zh-CN" altLang="en-US" sz="1800" dirty="0"/>
+        </a:p>
+      </dgm:t>
+    </dgm:pt>
+    <dgm:pt modelId="{AEA33BFA-D0A1-4400-AA62-5ACD90B79DB9}" type="parTrans" cxnId="{3859CDA9-6E37-42FC-8E6A-6BB7A0F11335}">
+      <dgm:prSet/>
+      <dgm:spPr/>
+      <dgm:t>
+        <a:bodyPr/>
+        <a:lstStyle/>
+        <a:p>
+          <a:endParaRPr lang="zh-CN" altLang="en-US"/>
+        </a:p>
+      </dgm:t>
+    </dgm:pt>
+    <dgm:pt modelId="{6CD47F2B-6A42-4D60-A085-21698D748DAB}" type="sibTrans" cxnId="{3859CDA9-6E37-42FC-8E6A-6BB7A0F11335}">
+      <dgm:prSet/>
+      <dgm:spPr/>
+      <dgm:t>
+        <a:bodyPr/>
+        <a:lstStyle/>
+        <a:p>
+          <a:endParaRPr lang="zh-CN" altLang="en-US"/>
+        </a:p>
+      </dgm:t>
+    </dgm:pt>
+    <dgm:pt modelId="{7F49BC4F-2061-4329-8018-04F4042E4BFB}" type="pres">
+      <dgm:prSet presAssocID="{E37DF6D2-5ECC-48B2-B92B-8C36DB910E37}" presName="linear" presStyleCnt="0">
+        <dgm:presLayoutVars>
+          <dgm:animLvl val="lvl"/>
+          <dgm:resizeHandles val="exact"/>
+        </dgm:presLayoutVars>
+      </dgm:prSet>
+      <dgm:spPr/>
+    </dgm:pt>
+    <dgm:pt modelId="{1D4FA9CA-D683-45DA-8CED-ECE8ECA78BAC}" type="pres">
+      <dgm:prSet presAssocID="{18838B3A-22A1-4727-9A63-EFD5FE701A5F}" presName="parentText" presStyleLbl="node1" presStyleIdx="0" presStyleCnt="2" custScaleY="58018" custLinFactNeighborX="-12994" custLinFactNeighborY="-36585">
+        <dgm:presLayoutVars>
+          <dgm:chMax val="0"/>
+          <dgm:bulletEnabled val="1"/>
+        </dgm:presLayoutVars>
+      </dgm:prSet>
+      <dgm:spPr/>
+    </dgm:pt>
+    <dgm:pt modelId="{5A3DF7F5-D5EC-40FF-B46E-EC7C6892583B}" type="pres">
+      <dgm:prSet presAssocID="{18838B3A-22A1-4727-9A63-EFD5FE701A5F}" presName="childText" presStyleLbl="revTx" presStyleIdx="0" presStyleCnt="2" custLinFactNeighborY="-19368">
+        <dgm:presLayoutVars>
+          <dgm:bulletEnabled val="1"/>
+        </dgm:presLayoutVars>
+      </dgm:prSet>
+      <dgm:spPr/>
+      <dgm:t>
+        <a:bodyPr/>
+        <a:lstStyle/>
+        <a:p>
+          <a:endParaRPr lang="zh-CN" altLang="en-US"/>
+        </a:p>
+      </dgm:t>
+    </dgm:pt>
+    <dgm:pt modelId="{E517AB83-63B8-4E65-A8B2-9F870947A426}" type="pres">
+      <dgm:prSet presAssocID="{EE1AC371-33F6-46F1-9463-45F1F87256FC}" presName="parentText" presStyleLbl="node1" presStyleIdx="1" presStyleCnt="2" custScaleY="57993" custLinFactNeighborY="-21549">
+        <dgm:presLayoutVars>
+          <dgm:chMax val="0"/>
+          <dgm:bulletEnabled val="1"/>
+        </dgm:presLayoutVars>
+      </dgm:prSet>
+      <dgm:spPr/>
+    </dgm:pt>
+    <dgm:pt modelId="{E5697204-3E6E-418D-A08E-DD3C369373B3}" type="pres">
+      <dgm:prSet presAssocID="{EE1AC371-33F6-46F1-9463-45F1F87256FC}" presName="childText" presStyleLbl="revTx" presStyleIdx="1" presStyleCnt="2" custLinFactNeighborY="-17877">
+        <dgm:presLayoutVars>
+          <dgm:bulletEnabled val="1"/>
+        </dgm:presLayoutVars>
+      </dgm:prSet>
+      <dgm:spPr/>
+      <dgm:t>
+        <a:bodyPr/>
+        <a:lstStyle/>
+        <a:p>
+          <a:endParaRPr lang="zh-CN" altLang="en-US"/>
+        </a:p>
+      </dgm:t>
+    </dgm:pt>
+  </dgm:ptLst>
+  <dgm:cxnLst>
+    <dgm:cxn modelId="{FA15FBE5-3353-473B-BD41-69F96E80D0F3}" type="presOf" srcId="{E2D98A74-5962-4EBE-B38C-2756512F6E51}" destId="{E5697204-3E6E-418D-A08E-DD3C369373B3}" srcOrd="0" destOrd="0" presId="urn:microsoft.com/office/officeart/2005/8/layout/vList2"/>
+    <dgm:cxn modelId="{F8D7A6D8-CF99-43E4-B49B-E7B0996B2C85}" type="presOf" srcId="{8F604C9F-ADC4-4949-AD52-9193FBC34988}" destId="{5A3DF7F5-D5EC-40FF-B46E-EC7C6892583B}" srcOrd="0" destOrd="0" presId="urn:microsoft.com/office/officeart/2005/8/layout/vList2"/>
+    <dgm:cxn modelId="{2349F5E5-2428-4EB1-93C6-123283AB8548}" type="presOf" srcId="{B84C3A7E-2152-42C5-A336-3841D3A69019}" destId="{E5697204-3E6E-418D-A08E-DD3C369373B3}" srcOrd="0" destOrd="2" presId="urn:microsoft.com/office/officeart/2005/8/layout/vList2"/>
+    <dgm:cxn modelId="{3859CDA9-6E37-42FC-8E6A-6BB7A0F11335}" srcId="{EE1AC371-33F6-46F1-9463-45F1F87256FC}" destId="{F7AB80B9-88F0-4C29-9C12-ED458A1BFAE2}" srcOrd="1" destOrd="0" parTransId="{AEA33BFA-D0A1-4400-AA62-5ACD90B79DB9}" sibTransId="{6CD47F2B-6A42-4D60-A085-21698D748DAB}"/>
+    <dgm:cxn modelId="{4E7A9715-2695-4C62-B329-62813211447E}" srcId="{18838B3A-22A1-4727-9A63-EFD5FE701A5F}" destId="{A650C4E0-C32C-4379-A3F9-FDEF2A1540CB}" srcOrd="1" destOrd="0" parTransId="{B9B04672-F85E-4F7A-B094-58E9B6C3B76A}" sibTransId="{117854F6-BA87-4EDC-8D30-275831363226}"/>
+    <dgm:cxn modelId="{C82CFA33-32F1-4FBC-A2F1-77D5FA48FDAC}" type="presOf" srcId="{EE1AC371-33F6-46F1-9463-45F1F87256FC}" destId="{E517AB83-63B8-4E65-A8B2-9F870947A426}" srcOrd="0" destOrd="0" presId="urn:microsoft.com/office/officeart/2005/8/layout/vList2"/>
+    <dgm:cxn modelId="{1F2FC788-7C00-4EFC-A43B-4EC08ADC7201}" type="presOf" srcId="{E37DF6D2-5ECC-48B2-B92B-8C36DB910E37}" destId="{7F49BC4F-2061-4329-8018-04F4042E4BFB}" srcOrd="0" destOrd="0" presId="urn:microsoft.com/office/officeart/2005/8/layout/vList2"/>
+    <dgm:cxn modelId="{79B0A38C-0180-455A-8255-0CB876500612}" type="presOf" srcId="{18838B3A-22A1-4727-9A63-EFD5FE701A5F}" destId="{1D4FA9CA-D683-45DA-8CED-ECE8ECA78BAC}" srcOrd="0" destOrd="0" presId="urn:microsoft.com/office/officeart/2005/8/layout/vList2"/>
+    <dgm:cxn modelId="{2E1C0449-A5A8-4E95-A4BC-81212BB2FABE}" type="presOf" srcId="{994EEBE1-3140-46A8-A3F7-55FF3C7D23D5}" destId="{5A3DF7F5-D5EC-40FF-B46E-EC7C6892583B}" srcOrd="0" destOrd="2" presId="urn:microsoft.com/office/officeart/2005/8/layout/vList2"/>
+    <dgm:cxn modelId="{E12EAC5D-8EA7-493D-B088-970E0C5A9603}" srcId="{18838B3A-22A1-4727-9A63-EFD5FE701A5F}" destId="{994EEBE1-3140-46A8-A3F7-55FF3C7D23D5}" srcOrd="2" destOrd="0" parTransId="{7C65D5C3-3F3F-4D3B-894D-9C9103F333A8}" sibTransId="{4E8D3CB0-90FA-452C-A69D-B9DF402240DA}"/>
+    <dgm:cxn modelId="{3B420C00-5781-40FF-900C-92FDCDC3DA9D}" srcId="{18838B3A-22A1-4727-9A63-EFD5FE701A5F}" destId="{8F604C9F-ADC4-4949-AD52-9193FBC34988}" srcOrd="0" destOrd="0" parTransId="{2B144DCD-A36F-4863-84BB-3C9DDBFFF4E6}" sibTransId="{9E86DADC-9AA1-493D-9819-8950CD4B7188}"/>
+    <dgm:cxn modelId="{E812EF34-7EDF-4173-AECC-6AE1F7951368}" type="presOf" srcId="{F7AB80B9-88F0-4C29-9C12-ED458A1BFAE2}" destId="{E5697204-3E6E-418D-A08E-DD3C369373B3}" srcOrd="0" destOrd="1" presId="urn:microsoft.com/office/officeart/2005/8/layout/vList2"/>
+    <dgm:cxn modelId="{4D445773-44EF-4D42-86B8-048829252F47}" srcId="{EE1AC371-33F6-46F1-9463-45F1F87256FC}" destId="{E2D98A74-5962-4EBE-B38C-2756512F6E51}" srcOrd="0" destOrd="0" parTransId="{79CCB762-268A-48E6-8827-E881F59E3383}" sibTransId="{49014791-5563-4792-BEDC-0C8E8C5ADC26}"/>
+    <dgm:cxn modelId="{25A7152B-0A23-46BB-8476-18BA314BD5A0}" srcId="{E37DF6D2-5ECC-48B2-B92B-8C36DB910E37}" destId="{18838B3A-22A1-4727-9A63-EFD5FE701A5F}" srcOrd="0" destOrd="0" parTransId="{F5586C23-9108-4EDC-ADB9-79E846A52DC9}" sibTransId="{24856A27-4097-4840-B8CC-3D245D2A508F}"/>
+    <dgm:cxn modelId="{EE6BFCA8-3A97-4B2B-8BC7-1E4D631FF3B2}" srcId="{EE1AC371-33F6-46F1-9463-45F1F87256FC}" destId="{B84C3A7E-2152-42C5-A336-3841D3A69019}" srcOrd="2" destOrd="0" parTransId="{3B8634C2-8FF3-4017-8B4B-6AFE84A852A8}" sibTransId="{096D75EE-57E0-444E-A155-A48405CEEF4B}"/>
+    <dgm:cxn modelId="{97FB6DCC-D9A0-443C-9906-DCCB361CF8AC}" type="presOf" srcId="{A650C4E0-C32C-4379-A3F9-FDEF2A1540CB}" destId="{5A3DF7F5-D5EC-40FF-B46E-EC7C6892583B}" srcOrd="0" destOrd="1" presId="urn:microsoft.com/office/officeart/2005/8/layout/vList2"/>
+    <dgm:cxn modelId="{1B0B91F6-CFD1-4FC5-80AE-F2F2BAF5B9D6}" srcId="{E37DF6D2-5ECC-48B2-B92B-8C36DB910E37}" destId="{EE1AC371-33F6-46F1-9463-45F1F87256FC}" srcOrd="1" destOrd="0" parTransId="{AF501713-F7E3-4247-AF30-B4909852A258}" sibTransId="{8CE11F71-8301-4905-AD18-07A29B5CCC9E}"/>
+    <dgm:cxn modelId="{7621AC78-8FEE-4DDE-9E43-AA7DD329406A}" type="presParOf" srcId="{7F49BC4F-2061-4329-8018-04F4042E4BFB}" destId="{1D4FA9CA-D683-45DA-8CED-ECE8ECA78BAC}" srcOrd="0" destOrd="0" presId="urn:microsoft.com/office/officeart/2005/8/layout/vList2"/>
+    <dgm:cxn modelId="{DD08A3BB-F085-4EC3-8273-7534F6488A3D}" type="presParOf" srcId="{7F49BC4F-2061-4329-8018-04F4042E4BFB}" destId="{5A3DF7F5-D5EC-40FF-B46E-EC7C6892583B}" srcOrd="1" destOrd="0" presId="urn:microsoft.com/office/officeart/2005/8/layout/vList2"/>
+    <dgm:cxn modelId="{2B525189-CDDF-42DC-99DA-8294C29D052E}" type="presParOf" srcId="{7F49BC4F-2061-4329-8018-04F4042E4BFB}" destId="{E517AB83-63B8-4E65-A8B2-9F870947A426}" srcOrd="2" destOrd="0" presId="urn:microsoft.com/office/officeart/2005/8/layout/vList2"/>
+    <dgm:cxn modelId="{7167E2F7-F996-4666-A52F-97E3BF92AD44}" type="presParOf" srcId="{7F49BC4F-2061-4329-8018-04F4042E4BFB}" destId="{E5697204-3E6E-418D-A08E-DD3C369373B3}" srcOrd="3" destOrd="0" presId="urn:microsoft.com/office/officeart/2005/8/layout/vList2"/>
   </dgm:cxnLst>
   <dgm:bg/>
   <dgm:whole/>
@@ -1714,6 +2947,454 @@
 </dsp:drawing>
 </file>
 
+<file path=ppt/diagrams/drawing2.xml><?xml version="1.0" encoding="utf-8"?>
+<dsp:drawing xmlns:dgm="http://schemas.openxmlformats.org/drawingml/2006/diagram" xmlns:dsp="http://schemas.microsoft.com/office/drawing/2008/diagram" xmlns:a="http://schemas.openxmlformats.org/drawingml/2006/main">
+  <dsp:spTree>
+    <dsp:nvGrpSpPr>
+      <dsp:cNvPr id="0" name=""/>
+      <dsp:cNvGrpSpPr/>
+    </dsp:nvGrpSpPr>
+    <dsp:grpSpPr/>
+    <dsp:sp modelId="{1D4FA9CA-D683-45DA-8CED-ECE8ECA78BAC}">
+      <dsp:nvSpPr>
+        <dsp:cNvPr id="0" name=""/>
+        <dsp:cNvSpPr/>
+      </dsp:nvSpPr>
+      <dsp:spPr>
+        <a:xfrm>
+          <a:off x="0" y="0"/>
+          <a:ext cx="6096000" cy="705963"/>
+        </a:xfrm>
+        <a:prstGeom prst="roundRect">
+          <a:avLst/>
+        </a:prstGeom>
+        <a:solidFill>
+          <a:schemeClr val="accent1">
+            <a:hueOff val="0"/>
+            <a:satOff val="0"/>
+            <a:lumOff val="0"/>
+            <a:alphaOff val="0"/>
+          </a:schemeClr>
+        </a:solidFill>
+        <a:ln w="25400" cap="flat" cmpd="sng" algn="ctr">
+          <a:solidFill>
+            <a:schemeClr val="lt1">
+              <a:hueOff val="0"/>
+              <a:satOff val="0"/>
+              <a:lumOff val="0"/>
+              <a:alphaOff val="0"/>
+            </a:schemeClr>
+          </a:solidFill>
+          <a:prstDash val="solid"/>
+        </a:ln>
+        <a:effectLst/>
+      </dsp:spPr>
+      <dsp:style>
+        <a:lnRef idx="2">
+          <a:scrgbClr r="0" g="0" b="0"/>
+        </a:lnRef>
+        <a:fillRef idx="1">
+          <a:scrgbClr r="0" g="0" b="0"/>
+        </a:fillRef>
+        <a:effectRef idx="0">
+          <a:scrgbClr r="0" g="0" b="0"/>
+        </a:effectRef>
+        <a:fontRef idx="minor">
+          <a:schemeClr val="lt1"/>
+        </a:fontRef>
+      </dsp:style>
+      <dsp:txBody>
+        <a:bodyPr spcFirstLastPara="0" vert="horz" wrap="square" lIns="91440" tIns="91440" rIns="91440" bIns="91440" numCol="1" spcCol="1270" anchor="ctr" anchorCtr="0">
+          <a:noAutofit/>
+        </a:bodyPr>
+        <a:lstStyle/>
+        <a:p>
+          <a:pPr lvl="0" algn="l" defTabSz="1066800">
+            <a:lnSpc>
+              <a:spcPct val="90000"/>
+            </a:lnSpc>
+            <a:spcBef>
+              <a:spcPct val="0"/>
+            </a:spcBef>
+            <a:spcAft>
+              <a:spcPct val="35000"/>
+            </a:spcAft>
+          </a:pPr>
+          <a:r>
+            <a:rPr lang="zh-CN" altLang="en-US" sz="2400" kern="1200" dirty="0" smtClean="0"/>
+            <a:t>在工作目录中初始化新仓库</a:t>
+          </a:r>
+          <a:endParaRPr lang="zh-CN" altLang="en-US" sz="2400" kern="1200" dirty="0"/>
+        </a:p>
+      </dsp:txBody>
+      <dsp:txXfrm>
+        <a:off x="34462" y="34462"/>
+        <a:ext cx="6027076" cy="637039"/>
+      </dsp:txXfrm>
+    </dsp:sp>
+    <dsp:sp modelId="{5A3DF7F5-D5EC-40FF-B46E-EC7C6892583B}">
+      <dsp:nvSpPr>
+        <dsp:cNvPr id="0" name=""/>
+        <dsp:cNvSpPr/>
+      </dsp:nvSpPr>
+      <dsp:spPr>
+        <a:xfrm>
+          <a:off x="0" y="720082"/>
+          <a:ext cx="6096000" cy="1076400"/>
+        </a:xfrm>
+        <a:prstGeom prst="rect">
+          <a:avLst/>
+        </a:prstGeom>
+        <a:noFill/>
+        <a:ln>
+          <a:noFill/>
+        </a:ln>
+        <a:effectLst/>
+      </dsp:spPr>
+      <dsp:style>
+        <a:lnRef idx="0">
+          <a:scrgbClr r="0" g="0" b="0"/>
+        </a:lnRef>
+        <a:fillRef idx="0">
+          <a:scrgbClr r="0" g="0" b="0"/>
+        </a:fillRef>
+        <a:effectRef idx="0">
+          <a:scrgbClr r="0" g="0" b="0"/>
+        </a:effectRef>
+        <a:fontRef idx="minor"/>
+      </dsp:style>
+      <dsp:txBody>
+        <a:bodyPr spcFirstLastPara="0" vert="horz" wrap="square" lIns="193548" tIns="22860" rIns="128016" bIns="22860" numCol="1" spcCol="1270" anchor="t" anchorCtr="0">
+          <a:noAutofit/>
+        </a:bodyPr>
+        <a:lstStyle/>
+        <a:p>
+          <a:pPr marL="171450" lvl="1" indent="-171450" algn="l" defTabSz="800100">
+            <a:lnSpc>
+              <a:spcPct val="90000"/>
+            </a:lnSpc>
+            <a:spcBef>
+              <a:spcPct val="0"/>
+            </a:spcBef>
+            <a:spcAft>
+              <a:spcPct val="20000"/>
+            </a:spcAft>
+            <a:buChar char="••"/>
+          </a:pPr>
+          <a:r>
+            <a:rPr lang="en-US" altLang="zh-CN" sz="1800" kern="1200" dirty="0" smtClean="0"/>
+            <a:t>$ </a:t>
+          </a:r>
+          <a:r>
+            <a:rPr lang="en-US" altLang="zh-CN" sz="1800" kern="1200" dirty="0" err="1" smtClean="0"/>
+            <a:t>git</a:t>
+          </a:r>
+          <a:r>
+            <a:rPr lang="en-US" altLang="zh-CN" sz="1800" kern="1200" dirty="0" smtClean="0"/>
+            <a:t> </a:t>
+          </a:r>
+          <a:r>
+            <a:rPr lang="en-US" altLang="zh-CN" sz="1800" kern="1200" dirty="0" err="1" smtClean="0"/>
+            <a:t>init</a:t>
+          </a:r>
+          <a:endParaRPr lang="zh-CN" altLang="en-US" sz="1800" kern="1200" dirty="0"/>
+        </a:p>
+        <a:p>
+          <a:pPr marL="171450" lvl="1" indent="-171450" algn="l" defTabSz="800100">
+            <a:lnSpc>
+              <a:spcPct val="90000"/>
+            </a:lnSpc>
+            <a:spcBef>
+              <a:spcPct val="0"/>
+            </a:spcBef>
+            <a:spcAft>
+              <a:spcPct val="20000"/>
+            </a:spcAft>
+            <a:buChar char="••"/>
+          </a:pPr>
+          <a:r>
+            <a:rPr lang="en-US" altLang="zh-CN" sz="1800" kern="1200" dirty="0" smtClean="0"/>
+            <a:t>$ </a:t>
+          </a:r>
+          <a:r>
+            <a:rPr lang="en-US" altLang="zh-CN" sz="1800" kern="1200" dirty="0" err="1" smtClean="0"/>
+            <a:t>git</a:t>
+          </a:r>
+          <a:r>
+            <a:rPr lang="en-US" altLang="zh-CN" sz="1800" kern="1200" dirty="0" smtClean="0"/>
+            <a:t> add README</a:t>
+          </a:r>
+          <a:endParaRPr lang="zh-CN" altLang="en-US" sz="1800" kern="1200" dirty="0"/>
+        </a:p>
+        <a:p>
+          <a:pPr marL="171450" lvl="1" indent="-171450" algn="l" defTabSz="800100">
+            <a:lnSpc>
+              <a:spcPct val="90000"/>
+            </a:lnSpc>
+            <a:spcBef>
+              <a:spcPct val="0"/>
+            </a:spcBef>
+            <a:spcAft>
+              <a:spcPct val="20000"/>
+            </a:spcAft>
+            <a:buChar char="••"/>
+          </a:pPr>
+          <a:r>
+            <a:rPr lang="en-US" altLang="zh-CN" sz="1800" kern="1200" dirty="0" smtClean="0"/>
+            <a:t>$ </a:t>
+          </a:r>
+          <a:r>
+            <a:rPr lang="en-US" altLang="zh-CN" sz="1800" kern="1200" dirty="0" err="1" smtClean="0"/>
+            <a:t>git</a:t>
+          </a:r>
+          <a:r>
+            <a:rPr lang="en-US" altLang="zh-CN" sz="1800" kern="1200" dirty="0" smtClean="0"/>
+            <a:t> commit –m ‘initial project version’</a:t>
+          </a:r>
+          <a:endParaRPr lang="zh-CN" altLang="en-US" sz="1800" kern="1200" dirty="0"/>
+        </a:p>
+      </dsp:txBody>
+      <dsp:txXfrm>
+        <a:off x="0" y="720082"/>
+        <a:ext cx="6096000" cy="1076400"/>
+      </dsp:txXfrm>
+    </dsp:sp>
+    <dsp:sp modelId="{E517AB83-63B8-4E65-A8B2-9F870947A426}">
+      <dsp:nvSpPr>
+        <dsp:cNvPr id="0" name=""/>
+        <dsp:cNvSpPr/>
+      </dsp:nvSpPr>
+      <dsp:spPr>
+        <a:xfrm>
+          <a:off x="0" y="1800198"/>
+          <a:ext cx="6096000" cy="705658"/>
+        </a:xfrm>
+        <a:prstGeom prst="roundRect">
+          <a:avLst/>
+        </a:prstGeom>
+        <a:solidFill>
+          <a:schemeClr val="accent1">
+            <a:hueOff val="0"/>
+            <a:satOff val="0"/>
+            <a:lumOff val="0"/>
+            <a:alphaOff val="0"/>
+          </a:schemeClr>
+        </a:solidFill>
+        <a:ln w="25400" cap="flat" cmpd="sng" algn="ctr">
+          <a:solidFill>
+            <a:schemeClr val="lt1">
+              <a:hueOff val="0"/>
+              <a:satOff val="0"/>
+              <a:lumOff val="0"/>
+              <a:alphaOff val="0"/>
+            </a:schemeClr>
+          </a:solidFill>
+          <a:prstDash val="solid"/>
+        </a:ln>
+        <a:effectLst/>
+      </dsp:spPr>
+      <dsp:style>
+        <a:lnRef idx="2">
+          <a:scrgbClr r="0" g="0" b="0"/>
+        </a:lnRef>
+        <a:fillRef idx="1">
+          <a:scrgbClr r="0" g="0" b="0"/>
+        </a:fillRef>
+        <a:effectRef idx="0">
+          <a:scrgbClr r="0" g="0" b="0"/>
+        </a:effectRef>
+        <a:fontRef idx="minor">
+          <a:schemeClr val="lt1"/>
+        </a:fontRef>
+      </dsp:style>
+      <dsp:txBody>
+        <a:bodyPr spcFirstLastPara="0" vert="horz" wrap="square" lIns="91440" tIns="91440" rIns="91440" bIns="91440" numCol="1" spcCol="1270" anchor="ctr" anchorCtr="0">
+          <a:noAutofit/>
+        </a:bodyPr>
+        <a:lstStyle/>
+        <a:p>
+          <a:pPr lvl="0" algn="l" defTabSz="1066800">
+            <a:lnSpc>
+              <a:spcPct val="90000"/>
+            </a:lnSpc>
+            <a:spcBef>
+              <a:spcPct val="0"/>
+            </a:spcBef>
+            <a:spcAft>
+              <a:spcPct val="35000"/>
+            </a:spcAft>
+          </a:pPr>
+          <a:r>
+            <a:rPr lang="zh-CN" altLang="en-US" sz="2400" kern="1200" dirty="0" smtClean="0"/>
+            <a:t>从现有仓库克隆</a:t>
+          </a:r>
+          <a:endParaRPr lang="zh-CN" altLang="en-US" sz="2400" kern="1200" dirty="0"/>
+        </a:p>
+      </dsp:txBody>
+      <dsp:txXfrm>
+        <a:off x="34447" y="1834645"/>
+        <a:ext cx="6027106" cy="636764"/>
+      </dsp:txXfrm>
+    </dsp:sp>
+    <dsp:sp modelId="{E5697204-3E6E-418D-A08E-DD3C369373B3}">
+      <dsp:nvSpPr>
+        <dsp:cNvPr id="0" name=""/>
+        <dsp:cNvSpPr/>
+      </dsp:nvSpPr>
+      <dsp:spPr>
+        <a:xfrm>
+          <a:off x="0" y="2520283"/>
+          <a:ext cx="6096000" cy="1076400"/>
+        </a:xfrm>
+        <a:prstGeom prst="rect">
+          <a:avLst/>
+        </a:prstGeom>
+        <a:noFill/>
+        <a:ln>
+          <a:noFill/>
+        </a:ln>
+        <a:effectLst/>
+      </dsp:spPr>
+      <dsp:style>
+        <a:lnRef idx="0">
+          <a:scrgbClr r="0" g="0" b="0"/>
+        </a:lnRef>
+        <a:fillRef idx="0">
+          <a:scrgbClr r="0" g="0" b="0"/>
+        </a:fillRef>
+        <a:effectRef idx="0">
+          <a:scrgbClr r="0" g="0" b="0"/>
+        </a:effectRef>
+        <a:fontRef idx="minor"/>
+      </dsp:style>
+      <dsp:txBody>
+        <a:bodyPr spcFirstLastPara="0" vert="horz" wrap="square" lIns="193548" tIns="22860" rIns="128016" bIns="22860" numCol="1" spcCol="1270" anchor="t" anchorCtr="0">
+          <a:noAutofit/>
+        </a:bodyPr>
+        <a:lstStyle/>
+        <a:p>
+          <a:pPr marL="171450" lvl="1" indent="-171450" algn="l" defTabSz="800100">
+            <a:lnSpc>
+              <a:spcPct val="90000"/>
+            </a:lnSpc>
+            <a:spcBef>
+              <a:spcPct val="0"/>
+            </a:spcBef>
+            <a:spcAft>
+              <a:spcPct val="20000"/>
+            </a:spcAft>
+            <a:buChar char="••"/>
+          </a:pPr>
+          <a:r>
+            <a:rPr lang="en-US" altLang="zh-CN" sz="1800" kern="1200" dirty="0" smtClean="0"/>
+            <a:t>$ </a:t>
+          </a:r>
+          <a:r>
+            <a:rPr lang="en-US" altLang="zh-CN" sz="1800" kern="1200" dirty="0" err="1" smtClean="0"/>
+            <a:t>git</a:t>
+          </a:r>
+          <a:r>
+            <a:rPr lang="en-US" altLang="zh-CN" sz="1800" kern="1200" dirty="0" smtClean="0"/>
+            <a:t>  clone </a:t>
+          </a:r>
+          <a:r>
+            <a:rPr lang="en-US" altLang="zh-CN" sz="1800" u="sng" kern="1200" dirty="0" err="1" smtClean="0">
+              <a:hlinkClick xmlns:r="http://schemas.openxmlformats.org/officeDocument/2006/relationships" r:id="rId1"/>
+            </a:rPr>
+            <a:t>git@github.com:lftong</a:t>
+          </a:r>
+          <a:r>
+            <a:rPr lang="en-US" altLang="zh-CN" sz="1800" u="sng" kern="1200" dirty="0" smtClean="0">
+              <a:hlinkClick xmlns:r="http://schemas.openxmlformats.org/officeDocument/2006/relationships" r:id="rId1"/>
+            </a:rPr>
+            <a:t>/</a:t>
+          </a:r>
+          <a:r>
+            <a:rPr lang="en-US" altLang="zh-CN" sz="1800" u="sng" kern="1200" dirty="0" err="1" smtClean="0">
+              <a:hlinkClick xmlns:r="http://schemas.openxmlformats.org/officeDocument/2006/relationships" r:id="rId1"/>
+            </a:rPr>
+            <a:t>GitExp.git</a:t>
+          </a:r>
+          <a:endParaRPr lang="zh-CN" altLang="en-US" sz="1800" u="sng" kern="1200" dirty="0"/>
+        </a:p>
+        <a:p>
+          <a:pPr marL="171450" lvl="1" indent="-171450" algn="l" defTabSz="800100">
+            <a:lnSpc>
+              <a:spcPct val="90000"/>
+            </a:lnSpc>
+            <a:spcBef>
+              <a:spcPct val="0"/>
+            </a:spcBef>
+            <a:spcAft>
+              <a:spcPct val="20000"/>
+            </a:spcAft>
+            <a:buChar char="••"/>
+          </a:pPr>
+          <a:r>
+            <a:rPr lang="en-US" altLang="zh-CN" sz="1800" kern="1200" dirty="0" smtClean="0"/>
+            <a:t>$ </a:t>
+          </a:r>
+          <a:r>
+            <a:rPr lang="en-US" altLang="zh-CN" sz="1800" kern="1200" dirty="0" err="1" smtClean="0"/>
+            <a:t>git</a:t>
+          </a:r>
+          <a:r>
+            <a:rPr lang="en-US" altLang="zh-CN" sz="1800" kern="1200" dirty="0" smtClean="0"/>
+            <a:t>  clone </a:t>
+          </a:r>
+          <a:r>
+            <a:rPr lang="en-US" altLang="zh-CN" sz="1800" kern="1200" dirty="0" err="1" smtClean="0">
+              <a:hlinkClick xmlns:r="http://schemas.openxmlformats.org/officeDocument/2006/relationships" r:id="rId1"/>
+            </a:rPr>
+            <a:t>git@github.com:lftong</a:t>
+          </a:r>
+          <a:r>
+            <a:rPr lang="en-US" altLang="zh-CN" sz="1800" kern="1200" dirty="0" smtClean="0">
+              <a:hlinkClick xmlns:r="http://schemas.openxmlformats.org/officeDocument/2006/relationships" r:id="rId1"/>
+            </a:rPr>
+            <a:t>/</a:t>
+          </a:r>
+          <a:r>
+            <a:rPr lang="en-US" altLang="zh-CN" sz="1800" kern="1200" dirty="0" err="1" smtClean="0">
+              <a:hlinkClick xmlns:r="http://schemas.openxmlformats.org/officeDocument/2006/relationships" r:id="rId1"/>
+            </a:rPr>
+            <a:t>GitExp.git</a:t>
+          </a:r>
+          <a:r>
+            <a:rPr lang="en-US" altLang="zh-CN" sz="1800" kern="1200" dirty="0" smtClean="0"/>
+            <a:t> </a:t>
+          </a:r>
+          <a:r>
+            <a:rPr lang="en-US" altLang="zh-CN" sz="1800" kern="1200" dirty="0" err="1" smtClean="0"/>
+            <a:t>mygitexp</a:t>
+          </a:r>
+          <a:endParaRPr lang="zh-CN" altLang="en-US" sz="1800" kern="1200" dirty="0"/>
+        </a:p>
+        <a:p>
+          <a:pPr marL="171450" lvl="1" indent="-171450" algn="l" defTabSz="800100">
+            <a:lnSpc>
+              <a:spcPct val="90000"/>
+            </a:lnSpc>
+            <a:spcBef>
+              <a:spcPct val="0"/>
+            </a:spcBef>
+            <a:spcAft>
+              <a:spcPct val="20000"/>
+            </a:spcAft>
+            <a:buChar char="••"/>
+          </a:pPr>
+          <a:endParaRPr lang="zh-CN" altLang="en-US" sz="1800" kern="1200" dirty="0"/>
+        </a:p>
+      </dsp:txBody>
+      <dsp:txXfrm>
+        <a:off x="0" y="2520283"/>
+        <a:ext cx="6096000" cy="1076400"/>
+      </dsp:txXfrm>
+    </dsp:sp>
+  </dsp:spTree>
+</dsp:drawing>
+</file>
+
 <file path=ppt/diagrams/layout1.xml><?xml version="1.0" encoding="utf-8"?>
 <dgm:layoutDef xmlns:dgm="http://schemas.openxmlformats.org/drawingml/2006/diagram" xmlns:a="http://schemas.openxmlformats.org/drawingml/2006/main" uniqueId="urn:microsoft.com/office/officeart/2005/8/layout/hProcess10">
   <dgm:title val=""/>
@@ -1954,7 +3635,1208 @@
 </dgm:layoutDef>
 </file>
 
+<file path=ppt/diagrams/layout2.xml><?xml version="1.0" encoding="utf-8"?>
+<dgm:layoutDef xmlns:dgm="http://schemas.openxmlformats.org/drawingml/2006/diagram" xmlns:a="http://schemas.openxmlformats.org/drawingml/2006/main" uniqueId="urn:microsoft.com/office/officeart/2005/8/layout/vList2">
+  <dgm:title val=""/>
+  <dgm:desc val=""/>
+  <dgm:catLst>
+    <dgm:cat type="list" pri="3000"/>
+    <dgm:cat type="convert" pri="1000"/>
+  </dgm:catLst>
+  <dgm:sampData>
+    <dgm:dataModel>
+      <dgm:ptLst>
+        <dgm:pt modelId="0" type="doc"/>
+        <dgm:pt modelId="1">
+          <dgm:prSet phldr="1"/>
+        </dgm:pt>
+        <dgm:pt modelId="11">
+          <dgm:prSet phldr="1"/>
+        </dgm:pt>
+        <dgm:pt modelId="2">
+          <dgm:prSet phldr="1"/>
+        </dgm:pt>
+        <dgm:pt modelId="21">
+          <dgm:prSet phldr="1"/>
+        </dgm:pt>
+      </dgm:ptLst>
+      <dgm:cxnLst>
+        <dgm:cxn modelId="4" srcId="0" destId="1" srcOrd="0" destOrd="0"/>
+        <dgm:cxn modelId="5" srcId="0" destId="2" srcOrd="1" destOrd="0"/>
+        <dgm:cxn modelId="12" srcId="1" destId="11" srcOrd="0" destOrd="0"/>
+        <dgm:cxn modelId="23" srcId="2" destId="21" srcOrd="0" destOrd="0"/>
+      </dgm:cxnLst>
+      <dgm:bg/>
+      <dgm:whole/>
+    </dgm:dataModel>
+  </dgm:sampData>
+  <dgm:styleData>
+    <dgm:dataModel>
+      <dgm:ptLst>
+        <dgm:pt modelId="0" type="doc"/>
+        <dgm:pt modelId="1"/>
+        <dgm:pt modelId="2"/>
+      </dgm:ptLst>
+      <dgm:cxnLst>
+        <dgm:cxn modelId="3" srcId="0" destId="1" srcOrd="0" destOrd="0"/>
+        <dgm:cxn modelId="4" srcId="0" destId="2" srcOrd="1" destOrd="0"/>
+      </dgm:cxnLst>
+      <dgm:bg/>
+      <dgm:whole/>
+    </dgm:dataModel>
+  </dgm:styleData>
+  <dgm:clrData>
+    <dgm:dataModel>
+      <dgm:ptLst>
+        <dgm:pt modelId="0" type="doc"/>
+        <dgm:pt modelId="1"/>
+        <dgm:pt modelId="2"/>
+        <dgm:pt modelId="3"/>
+        <dgm:pt modelId="4"/>
+      </dgm:ptLst>
+      <dgm:cxnLst>
+        <dgm:cxn modelId="5" srcId="0" destId="1" srcOrd="0" destOrd="0"/>
+        <dgm:cxn modelId="6" srcId="0" destId="2" srcOrd="1" destOrd="0"/>
+        <dgm:cxn modelId="7" srcId="0" destId="3" srcOrd="2" destOrd="0"/>
+        <dgm:cxn modelId="8" srcId="0" destId="4" srcOrd="3" destOrd="0"/>
+      </dgm:cxnLst>
+      <dgm:bg/>
+      <dgm:whole/>
+    </dgm:dataModel>
+  </dgm:clrData>
+  <dgm:layoutNode name="linear">
+    <dgm:varLst>
+      <dgm:animLvl val="lvl"/>
+      <dgm:resizeHandles val="exact"/>
+    </dgm:varLst>
+    <dgm:alg type="lin">
+      <dgm:param type="linDir" val="fromT"/>
+      <dgm:param type="vertAlign" val="mid"/>
+    </dgm:alg>
+    <dgm:shape xmlns:r="http://schemas.openxmlformats.org/officeDocument/2006/relationships" r:blip="">
+      <dgm:adjLst/>
+    </dgm:shape>
+    <dgm:presOf/>
+    <dgm:constrLst>
+      <dgm:constr type="w" for="ch" forName="parentText" refType="w"/>
+      <dgm:constr type="h" for="ch" forName="parentText" refType="primFontSz" refFor="ch" refForName="parentText" fact="0.52"/>
+      <dgm:constr type="w" for="ch" forName="childText" refType="w"/>
+      <dgm:constr type="h" for="ch" forName="childText" refType="primFontSz" refFor="ch" refForName="parentText" fact="0.46"/>
+      <dgm:constr type="h" for="ch" forName="parentText" op="equ"/>
+      <dgm:constr type="primFontSz" for="ch" forName="parentText" op="equ" val="65"/>
+      <dgm:constr type="primFontSz" for="ch" forName="childText" refType="primFontSz" refFor="ch" refForName="parentText" op="equ"/>
+      <dgm:constr type="h" for="ch" forName="spacer" refType="primFontSz" refFor="ch" refForName="parentText" fact="0.08"/>
+    </dgm:constrLst>
+    <dgm:ruleLst>
+      <dgm:rule type="primFontSz" for="ch" forName="parentText" val="5" fact="NaN" max="NaN"/>
+    </dgm:ruleLst>
+    <dgm:forEach name="Name0" axis="ch" ptType="node">
+      <dgm:layoutNode name="parentText" styleLbl="node1">
+        <dgm:varLst>
+          <dgm:chMax val="0"/>
+          <dgm:bulletEnabled val="1"/>
+        </dgm:varLst>
+        <dgm:alg type="tx">
+          <dgm:param type="parTxLTRAlign" val="l"/>
+          <dgm:param type="parTxRTLAlign" val="r"/>
+        </dgm:alg>
+        <dgm:shape xmlns:r="http://schemas.openxmlformats.org/officeDocument/2006/relationships" type="roundRect" r:blip="">
+          <dgm:adjLst/>
+        </dgm:shape>
+        <dgm:presOf axis="self"/>
+        <dgm:constrLst>
+          <dgm:constr type="tMarg" refType="primFontSz" fact="0.3"/>
+          <dgm:constr type="bMarg" refType="primFontSz" fact="0.3"/>
+          <dgm:constr type="lMarg" refType="primFontSz" fact="0.3"/>
+          <dgm:constr type="rMarg" refType="primFontSz" fact="0.3"/>
+        </dgm:constrLst>
+        <dgm:ruleLst>
+          <dgm:rule type="h" val="INF" fact="NaN" max="NaN"/>
+        </dgm:ruleLst>
+      </dgm:layoutNode>
+      <dgm:choose name="Name1">
+        <dgm:if name="Name2" axis="ch" ptType="node" func="cnt" op="gte" val="1">
+          <dgm:layoutNode name="childText" styleLbl="revTx">
+            <dgm:varLst>
+              <dgm:bulletEnabled val="1"/>
+            </dgm:varLst>
+            <dgm:alg type="tx">
+              <dgm:param type="stBulletLvl" val="1"/>
+              <dgm:param type="lnSpAfChP" val="20"/>
+            </dgm:alg>
+            <dgm:shape xmlns:r="http://schemas.openxmlformats.org/officeDocument/2006/relationships" type="rect" r:blip="">
+              <dgm:adjLst/>
+            </dgm:shape>
+            <dgm:presOf axis="des" ptType="node"/>
+            <dgm:constrLst>
+              <dgm:constr type="tMarg" refType="primFontSz" fact="0.1"/>
+              <dgm:constr type="bMarg" refType="primFontSz" fact="0.1"/>
+              <dgm:constr type="lMarg" refType="w" fact="0.09"/>
+            </dgm:constrLst>
+            <dgm:ruleLst>
+              <dgm:rule type="h" val="INF" fact="NaN" max="NaN"/>
+            </dgm:ruleLst>
+          </dgm:layoutNode>
+        </dgm:if>
+        <dgm:else name="Name3">
+          <dgm:choose name="Name4">
+            <dgm:if name="Name5" axis="par ch" ptType="doc node" func="cnt" op="gte" val="2">
+              <dgm:forEach name="Name6" axis="followSib" ptType="sibTrans" cnt="1">
+                <dgm:layoutNode name="spacer">
+                  <dgm:alg type="sp"/>
+                  <dgm:shape xmlns:r="http://schemas.openxmlformats.org/officeDocument/2006/relationships" r:blip="">
+                    <dgm:adjLst/>
+                  </dgm:shape>
+                  <dgm:presOf/>
+                  <dgm:constrLst/>
+                  <dgm:ruleLst/>
+                </dgm:layoutNode>
+              </dgm:forEach>
+            </dgm:if>
+            <dgm:else name="Name7"/>
+          </dgm:choose>
+        </dgm:else>
+      </dgm:choose>
+    </dgm:forEach>
+  </dgm:layoutNode>
+</dgm:layoutDef>
+</file>
+
 <file path=ppt/diagrams/quickStyle1.xml><?xml version="1.0" encoding="utf-8"?>
+<dgm:styleDef xmlns:dgm="http://schemas.openxmlformats.org/drawingml/2006/diagram" xmlns:a="http://schemas.openxmlformats.org/drawingml/2006/main" uniqueId="urn:microsoft.com/office/officeart/2005/8/quickstyle/simple1">
+  <dgm:title val=""/>
+  <dgm:desc val=""/>
+  <dgm:catLst>
+    <dgm:cat type="simple" pri="10100"/>
+  </dgm:catLst>
+  <dgm:scene3d>
+    <a:camera prst="orthographicFront"/>
+    <a:lightRig rig="threePt" dir="t"/>
+  </dgm:scene3d>
+  <dgm:styleLbl name="node0">
+    <dgm:scene3d>
+      <a:camera prst="orthographicFront"/>
+      <a:lightRig rig="threePt" dir="t"/>
+    </dgm:scene3d>
+    <dgm:sp3d/>
+    <dgm:txPr/>
+    <dgm:style>
+      <a:lnRef idx="2">
+        <a:scrgbClr r="0" g="0" b="0"/>
+      </a:lnRef>
+      <a:fillRef idx="1">
+        <a:scrgbClr r="0" g="0" b="0"/>
+      </a:fillRef>
+      <a:effectRef idx="0">
+        <a:scrgbClr r="0" g="0" b="0"/>
+      </a:effectRef>
+      <a:fontRef idx="minor">
+        <a:schemeClr val="lt1"/>
+      </a:fontRef>
+    </dgm:style>
+  </dgm:styleLbl>
+  <dgm:styleLbl name="lnNode1">
+    <dgm:scene3d>
+      <a:camera prst="orthographicFront"/>
+      <a:lightRig rig="threePt" dir="t"/>
+    </dgm:scene3d>
+    <dgm:sp3d/>
+    <dgm:txPr/>
+    <dgm:style>
+      <a:lnRef idx="2">
+        <a:scrgbClr r="0" g="0" b="0"/>
+      </a:lnRef>
+      <a:fillRef idx="1">
+        <a:scrgbClr r="0" g="0" b="0"/>
+      </a:fillRef>
+      <a:effectRef idx="0">
+        <a:scrgbClr r="0" g="0" b="0"/>
+      </a:effectRef>
+      <a:fontRef idx="minor">
+        <a:schemeClr val="lt1"/>
+      </a:fontRef>
+    </dgm:style>
+  </dgm:styleLbl>
+  <dgm:styleLbl name="vennNode1">
+    <dgm:scene3d>
+      <a:camera prst="orthographicFront"/>
+      <a:lightRig rig="threePt" dir="t"/>
+    </dgm:scene3d>
+    <dgm:sp3d/>
+    <dgm:txPr/>
+    <dgm:style>
+      <a:lnRef idx="2">
+        <a:scrgbClr r="0" g="0" b="0"/>
+      </a:lnRef>
+      <a:fillRef idx="1">
+        <a:scrgbClr r="0" g="0" b="0"/>
+      </a:fillRef>
+      <a:effectRef idx="0">
+        <a:scrgbClr r="0" g="0" b="0"/>
+      </a:effectRef>
+      <a:fontRef idx="minor">
+        <a:schemeClr val="tx1"/>
+      </a:fontRef>
+    </dgm:style>
+  </dgm:styleLbl>
+  <dgm:styleLbl name="alignNode1">
+    <dgm:scene3d>
+      <a:camera prst="orthographicFront"/>
+      <a:lightRig rig="threePt" dir="t"/>
+    </dgm:scene3d>
+    <dgm:sp3d/>
+    <dgm:txPr/>
+    <dgm:style>
+      <a:lnRef idx="2">
+        <a:scrgbClr r="0" g="0" b="0"/>
+      </a:lnRef>
+      <a:fillRef idx="1">
+        <a:scrgbClr r="0" g="0" b="0"/>
+      </a:fillRef>
+      <a:effectRef idx="0">
+        <a:scrgbClr r="0" g="0" b="0"/>
+      </a:effectRef>
+      <a:fontRef idx="minor">
+        <a:schemeClr val="lt1"/>
+      </a:fontRef>
+    </dgm:style>
+  </dgm:styleLbl>
+  <dgm:styleLbl name="node1">
+    <dgm:scene3d>
+      <a:camera prst="orthographicFront"/>
+      <a:lightRig rig="threePt" dir="t"/>
+    </dgm:scene3d>
+    <dgm:sp3d/>
+    <dgm:txPr/>
+    <dgm:style>
+      <a:lnRef idx="2">
+        <a:scrgbClr r="0" g="0" b="0"/>
+      </a:lnRef>
+      <a:fillRef idx="1">
+        <a:scrgbClr r="0" g="0" b="0"/>
+      </a:fillRef>
+      <a:effectRef idx="0">
+        <a:scrgbClr r="0" g="0" b="0"/>
+      </a:effectRef>
+      <a:fontRef idx="minor">
+        <a:schemeClr val="lt1"/>
+      </a:fontRef>
+    </dgm:style>
+  </dgm:styleLbl>
+  <dgm:styleLbl name="node2">
+    <dgm:scene3d>
+      <a:camera prst="orthographicFront"/>
+      <a:lightRig rig="threePt" dir="t"/>
+    </dgm:scene3d>
+    <dgm:sp3d/>
+    <dgm:txPr/>
+    <dgm:style>
+      <a:lnRef idx="2">
+        <a:scrgbClr r="0" g="0" b="0"/>
+      </a:lnRef>
+      <a:fillRef idx="1">
+        <a:scrgbClr r="0" g="0" b="0"/>
+      </a:fillRef>
+      <a:effectRef idx="0">
+        <a:scrgbClr r="0" g="0" b="0"/>
+      </a:effectRef>
+      <a:fontRef idx="minor">
+        <a:schemeClr val="lt1"/>
+      </a:fontRef>
+    </dgm:style>
+  </dgm:styleLbl>
+  <dgm:styleLbl name="node3">
+    <dgm:scene3d>
+      <a:camera prst="orthographicFront"/>
+      <a:lightRig rig="threePt" dir="t"/>
+    </dgm:scene3d>
+    <dgm:sp3d/>
+    <dgm:txPr/>
+    <dgm:style>
+      <a:lnRef idx="2">
+        <a:scrgbClr r="0" g="0" b="0"/>
+      </a:lnRef>
+      <a:fillRef idx="1">
+        <a:scrgbClr r="0" g="0" b="0"/>
+      </a:fillRef>
+      <a:effectRef idx="0">
+        <a:scrgbClr r="0" g="0" b="0"/>
+      </a:effectRef>
+      <a:fontRef idx="minor">
+        <a:schemeClr val="lt1"/>
+      </a:fontRef>
+    </dgm:style>
+  </dgm:styleLbl>
+  <dgm:styleLbl name="node4">
+    <dgm:scene3d>
+      <a:camera prst="orthographicFront"/>
+      <a:lightRig rig="threePt" dir="t"/>
+    </dgm:scene3d>
+    <dgm:sp3d/>
+    <dgm:txPr/>
+    <dgm:style>
+      <a:lnRef idx="2">
+        <a:scrgbClr r="0" g="0" b="0"/>
+      </a:lnRef>
+      <a:fillRef idx="1">
+        <a:scrgbClr r="0" g="0" b="0"/>
+      </a:fillRef>
+      <a:effectRef idx="0">
+        <a:scrgbClr r="0" g="0" b="0"/>
+      </a:effectRef>
+      <a:fontRef idx="minor">
+        <a:schemeClr val="lt1"/>
+      </a:fontRef>
+    </dgm:style>
+  </dgm:styleLbl>
+  <dgm:styleLbl name="fgImgPlace1">
+    <dgm:scene3d>
+      <a:camera prst="orthographicFront"/>
+      <a:lightRig rig="threePt" dir="t"/>
+    </dgm:scene3d>
+    <dgm:sp3d/>
+    <dgm:txPr/>
+    <dgm:style>
+      <a:lnRef idx="2">
+        <a:scrgbClr r="0" g="0" b="0"/>
+      </a:lnRef>
+      <a:fillRef idx="1">
+        <a:scrgbClr r="0" g="0" b="0"/>
+      </a:fillRef>
+      <a:effectRef idx="0">
+        <a:scrgbClr r="0" g="0" b="0"/>
+      </a:effectRef>
+      <a:fontRef idx="minor"/>
+    </dgm:style>
+  </dgm:styleLbl>
+  <dgm:styleLbl name="alignImgPlace1">
+    <dgm:scene3d>
+      <a:camera prst="orthographicFront"/>
+      <a:lightRig rig="threePt" dir="t"/>
+    </dgm:scene3d>
+    <dgm:sp3d/>
+    <dgm:txPr/>
+    <dgm:style>
+      <a:lnRef idx="2">
+        <a:scrgbClr r="0" g="0" b="0"/>
+      </a:lnRef>
+      <a:fillRef idx="1">
+        <a:scrgbClr r="0" g="0" b="0"/>
+      </a:fillRef>
+      <a:effectRef idx="0">
+        <a:scrgbClr r="0" g="0" b="0"/>
+      </a:effectRef>
+      <a:fontRef idx="minor"/>
+    </dgm:style>
+  </dgm:styleLbl>
+  <dgm:styleLbl name="bgImgPlace1">
+    <dgm:scene3d>
+      <a:camera prst="orthographicFront"/>
+      <a:lightRig rig="threePt" dir="t"/>
+    </dgm:scene3d>
+    <dgm:sp3d/>
+    <dgm:txPr/>
+    <dgm:style>
+      <a:lnRef idx="2">
+        <a:scrgbClr r="0" g="0" b="0"/>
+      </a:lnRef>
+      <a:fillRef idx="1">
+        <a:scrgbClr r="0" g="0" b="0"/>
+      </a:fillRef>
+      <a:effectRef idx="0">
+        <a:scrgbClr r="0" g="0" b="0"/>
+      </a:effectRef>
+      <a:fontRef idx="minor"/>
+    </dgm:style>
+  </dgm:styleLbl>
+  <dgm:styleLbl name="sibTrans2D1">
+    <dgm:scene3d>
+      <a:camera prst="orthographicFront"/>
+      <a:lightRig rig="threePt" dir="t"/>
+    </dgm:scene3d>
+    <dgm:sp3d/>
+    <dgm:txPr/>
+    <dgm:style>
+      <a:lnRef idx="0">
+        <a:scrgbClr r="0" g="0" b="0"/>
+      </a:lnRef>
+      <a:fillRef idx="1">
+        <a:scrgbClr r="0" g="0" b="0"/>
+      </a:fillRef>
+      <a:effectRef idx="0">
+        <a:scrgbClr r="0" g="0" b="0"/>
+      </a:effectRef>
+      <a:fontRef idx="minor">
+        <a:schemeClr val="lt1"/>
+      </a:fontRef>
+    </dgm:style>
+  </dgm:styleLbl>
+  <dgm:styleLbl name="fgSibTrans2D1">
+    <dgm:scene3d>
+      <a:camera prst="orthographicFront"/>
+      <a:lightRig rig="threePt" dir="t"/>
+    </dgm:scene3d>
+    <dgm:sp3d/>
+    <dgm:txPr/>
+    <dgm:style>
+      <a:lnRef idx="0">
+        <a:scrgbClr r="0" g="0" b="0"/>
+      </a:lnRef>
+      <a:fillRef idx="1">
+        <a:scrgbClr r="0" g="0" b="0"/>
+      </a:fillRef>
+      <a:effectRef idx="0">
+        <a:scrgbClr r="0" g="0" b="0"/>
+      </a:effectRef>
+      <a:fontRef idx="minor">
+        <a:schemeClr val="lt1"/>
+      </a:fontRef>
+    </dgm:style>
+  </dgm:styleLbl>
+  <dgm:styleLbl name="bgSibTrans2D1">
+    <dgm:scene3d>
+      <a:camera prst="orthographicFront"/>
+      <a:lightRig rig="threePt" dir="t"/>
+    </dgm:scene3d>
+    <dgm:sp3d/>
+    <dgm:txPr/>
+    <dgm:style>
+      <a:lnRef idx="0">
+        <a:scrgbClr r="0" g="0" b="0"/>
+      </a:lnRef>
+      <a:fillRef idx="1">
+        <a:scrgbClr r="0" g="0" b="0"/>
+      </a:fillRef>
+      <a:effectRef idx="0">
+        <a:scrgbClr r="0" g="0" b="0"/>
+      </a:effectRef>
+      <a:fontRef idx="minor">
+        <a:schemeClr val="lt1"/>
+      </a:fontRef>
+    </dgm:style>
+  </dgm:styleLbl>
+  <dgm:styleLbl name="sibTrans1D1">
+    <dgm:scene3d>
+      <a:camera prst="orthographicFront"/>
+      <a:lightRig rig="threePt" dir="t"/>
+    </dgm:scene3d>
+    <dgm:sp3d/>
+    <dgm:txPr/>
+    <dgm:style>
+      <a:lnRef idx="1">
+        <a:scrgbClr r="0" g="0" b="0"/>
+      </a:lnRef>
+      <a:fillRef idx="0">
+        <a:scrgbClr r="0" g="0" b="0"/>
+      </a:fillRef>
+      <a:effectRef idx="0">
+        <a:scrgbClr r="0" g="0" b="0"/>
+      </a:effectRef>
+      <a:fontRef idx="minor"/>
+    </dgm:style>
+  </dgm:styleLbl>
+  <dgm:styleLbl name="callout">
+    <dgm:scene3d>
+      <a:camera prst="orthographicFront"/>
+      <a:lightRig rig="threePt" dir="t"/>
+    </dgm:scene3d>
+    <dgm:sp3d/>
+    <dgm:txPr/>
+    <dgm:style>
+      <a:lnRef idx="2">
+        <a:scrgbClr r="0" g="0" b="0"/>
+      </a:lnRef>
+      <a:fillRef idx="1">
+        <a:scrgbClr r="0" g="0" b="0"/>
+      </a:fillRef>
+      <a:effectRef idx="0">
+        <a:scrgbClr r="0" g="0" b="0"/>
+      </a:effectRef>
+      <a:fontRef idx="minor"/>
+    </dgm:style>
+  </dgm:styleLbl>
+  <dgm:styleLbl name="asst0">
+    <dgm:scene3d>
+      <a:camera prst="orthographicFront"/>
+      <a:lightRig rig="threePt" dir="t"/>
+    </dgm:scene3d>
+    <dgm:sp3d/>
+    <dgm:txPr/>
+    <dgm:style>
+      <a:lnRef idx="2">
+        <a:scrgbClr r="0" g="0" b="0"/>
+      </a:lnRef>
+      <a:fillRef idx="1">
+        <a:scrgbClr r="0" g="0" b="0"/>
+      </a:fillRef>
+      <a:effectRef idx="0">
+        <a:scrgbClr r="0" g="0" b="0"/>
+      </a:effectRef>
+      <a:fontRef idx="minor">
+        <a:schemeClr val="lt1"/>
+      </a:fontRef>
+    </dgm:style>
+  </dgm:styleLbl>
+  <dgm:styleLbl name="asst1">
+    <dgm:scene3d>
+      <a:camera prst="orthographicFront"/>
+      <a:lightRig rig="threePt" dir="t"/>
+    </dgm:scene3d>
+    <dgm:sp3d/>
+    <dgm:txPr/>
+    <dgm:style>
+      <a:lnRef idx="2">
+        <a:scrgbClr r="0" g="0" b="0"/>
+      </a:lnRef>
+      <a:fillRef idx="1">
+        <a:scrgbClr r="0" g="0" b="0"/>
+      </a:fillRef>
+      <a:effectRef idx="0">
+        <a:scrgbClr r="0" g="0" b="0"/>
+      </a:effectRef>
+      <a:fontRef idx="minor">
+        <a:schemeClr val="lt1"/>
+      </a:fontRef>
+    </dgm:style>
+  </dgm:styleLbl>
+  <dgm:styleLbl name="asst2">
+    <dgm:scene3d>
+      <a:camera prst="orthographicFront"/>
+      <a:lightRig rig="threePt" dir="t"/>
+    </dgm:scene3d>
+    <dgm:sp3d/>
+    <dgm:txPr/>
+    <dgm:style>
+      <a:lnRef idx="2">
+        <a:scrgbClr r="0" g="0" b="0"/>
+      </a:lnRef>
+      <a:fillRef idx="1">
+        <a:scrgbClr r="0" g="0" b="0"/>
+      </a:fillRef>
+      <a:effectRef idx="0">
+        <a:scrgbClr r="0" g="0" b="0"/>
+      </a:effectRef>
+      <a:fontRef idx="minor">
+        <a:schemeClr val="lt1"/>
+      </a:fontRef>
+    </dgm:style>
+  </dgm:styleLbl>
+  <dgm:styleLbl name="asst3">
+    <dgm:scene3d>
+      <a:camera prst="orthographicFront"/>
+      <a:lightRig rig="threePt" dir="t"/>
+    </dgm:scene3d>
+    <dgm:sp3d/>
+    <dgm:txPr/>
+    <dgm:style>
+      <a:lnRef idx="2">
+        <a:scrgbClr r="0" g="0" b="0"/>
+      </a:lnRef>
+      <a:fillRef idx="1">
+        <a:scrgbClr r="0" g="0" b="0"/>
+      </a:fillRef>
+      <a:effectRef idx="0">
+        <a:scrgbClr r="0" g="0" b="0"/>
+      </a:effectRef>
+      <a:fontRef idx="minor">
+        <a:schemeClr val="lt1"/>
+      </a:fontRef>
+    </dgm:style>
+  </dgm:styleLbl>
+  <dgm:styleLbl name="asst4">
+    <dgm:scene3d>
+      <a:camera prst="orthographicFront"/>
+      <a:lightRig rig="threePt" dir="t"/>
+    </dgm:scene3d>
+    <dgm:sp3d/>
+    <dgm:txPr/>
+    <dgm:style>
+      <a:lnRef idx="2">
+        <a:scrgbClr r="0" g="0" b="0"/>
+      </a:lnRef>
+      <a:fillRef idx="1">
+        <a:scrgbClr r="0" g="0" b="0"/>
+      </a:fillRef>
+      <a:effectRef idx="0">
+        <a:scrgbClr r="0" g="0" b="0"/>
+      </a:effectRef>
+      <a:fontRef idx="minor">
+        <a:schemeClr val="lt1"/>
+      </a:fontRef>
+    </dgm:style>
+  </dgm:styleLbl>
+  <dgm:styleLbl name="parChTrans2D1">
+    <dgm:scene3d>
+      <a:camera prst="orthographicFront"/>
+      <a:lightRig rig="threePt" dir="t"/>
+    </dgm:scene3d>
+    <dgm:sp3d/>
+    <dgm:txPr/>
+    <dgm:style>
+      <a:lnRef idx="2">
+        <a:scrgbClr r="0" g="0" b="0"/>
+      </a:lnRef>
+      <a:fillRef idx="1">
+        <a:scrgbClr r="0" g="0" b="0"/>
+      </a:fillRef>
+      <a:effectRef idx="0">
+        <a:scrgbClr r="0" g="0" b="0"/>
+      </a:effectRef>
+      <a:fontRef idx="minor">
+        <a:schemeClr val="lt1"/>
+      </a:fontRef>
+    </dgm:style>
+  </dgm:styleLbl>
+  <dgm:styleLbl name="parChTrans2D2">
+    <dgm:scene3d>
+      <a:camera prst="orthographicFront"/>
+      <a:lightRig rig="threePt" dir="t"/>
+    </dgm:scene3d>
+    <dgm:sp3d/>
+    <dgm:txPr/>
+    <dgm:style>
+      <a:lnRef idx="2">
+        <a:scrgbClr r="0" g="0" b="0"/>
+      </a:lnRef>
+      <a:fillRef idx="1">
+        <a:scrgbClr r="0" g="0" b="0"/>
+      </a:fillRef>
+      <a:effectRef idx="0">
+        <a:scrgbClr r="0" g="0" b="0"/>
+      </a:effectRef>
+      <a:fontRef idx="minor">
+        <a:schemeClr val="lt1"/>
+      </a:fontRef>
+    </dgm:style>
+  </dgm:styleLbl>
+  <dgm:styleLbl name="parChTrans2D3">
+    <dgm:scene3d>
+      <a:camera prst="orthographicFront"/>
+      <a:lightRig rig="threePt" dir="t"/>
+    </dgm:scene3d>
+    <dgm:sp3d/>
+    <dgm:txPr/>
+    <dgm:style>
+      <a:lnRef idx="2">
+        <a:scrgbClr r="0" g="0" b="0"/>
+      </a:lnRef>
+      <a:fillRef idx="1">
+        <a:scrgbClr r="0" g="0" b="0"/>
+      </a:fillRef>
+      <a:effectRef idx="0">
+        <a:scrgbClr r="0" g="0" b="0"/>
+      </a:effectRef>
+      <a:fontRef idx="minor">
+        <a:schemeClr val="lt1"/>
+      </a:fontRef>
+    </dgm:style>
+  </dgm:styleLbl>
+  <dgm:styleLbl name="parChTrans2D4">
+    <dgm:scene3d>
+      <a:camera prst="orthographicFront"/>
+      <a:lightRig rig="threePt" dir="t"/>
+    </dgm:scene3d>
+    <dgm:sp3d/>
+    <dgm:txPr/>
+    <dgm:style>
+      <a:lnRef idx="2">
+        <a:scrgbClr r="0" g="0" b="0"/>
+      </a:lnRef>
+      <a:fillRef idx="1">
+        <a:scrgbClr r="0" g="0" b="0"/>
+      </a:fillRef>
+      <a:effectRef idx="0">
+        <a:scrgbClr r="0" g="0" b="0"/>
+      </a:effectRef>
+      <a:fontRef idx="minor">
+        <a:schemeClr val="lt1"/>
+      </a:fontRef>
+    </dgm:style>
+  </dgm:styleLbl>
+  <dgm:styleLbl name="parChTrans1D1">
+    <dgm:scene3d>
+      <a:camera prst="orthographicFront"/>
+      <a:lightRig rig="threePt" dir="t"/>
+    </dgm:scene3d>
+    <dgm:sp3d/>
+    <dgm:txPr/>
+    <dgm:style>
+      <a:lnRef idx="2">
+        <a:scrgbClr r="0" g="0" b="0"/>
+      </a:lnRef>
+      <a:fillRef idx="0">
+        <a:scrgbClr r="0" g="0" b="0"/>
+      </a:fillRef>
+      <a:effectRef idx="0">
+        <a:scrgbClr r="0" g="0" b="0"/>
+      </a:effectRef>
+      <a:fontRef idx="minor"/>
+    </dgm:style>
+  </dgm:styleLbl>
+  <dgm:styleLbl name="parChTrans1D2">
+    <dgm:scene3d>
+      <a:camera prst="orthographicFront"/>
+      <a:lightRig rig="threePt" dir="t"/>
+    </dgm:scene3d>
+    <dgm:sp3d/>
+    <dgm:txPr/>
+    <dgm:style>
+      <a:lnRef idx="2">
+        <a:scrgbClr r="0" g="0" b="0"/>
+      </a:lnRef>
+      <a:fillRef idx="0">
+        <a:scrgbClr r="0" g="0" b="0"/>
+      </a:fillRef>
+      <a:effectRef idx="0">
+        <a:scrgbClr r="0" g="0" b="0"/>
+      </a:effectRef>
+      <a:fontRef idx="minor"/>
+    </dgm:style>
+  </dgm:styleLbl>
+  <dgm:styleLbl name="parChTrans1D3">
+    <dgm:scene3d>
+      <a:camera prst="orthographicFront"/>
+      <a:lightRig rig="threePt" dir="t"/>
+    </dgm:scene3d>
+    <dgm:sp3d/>
+    <dgm:txPr/>
+    <dgm:style>
+      <a:lnRef idx="2">
+        <a:scrgbClr r="0" g="0" b="0"/>
+      </a:lnRef>
+      <a:fillRef idx="0">
+        <a:scrgbClr r="0" g="0" b="0"/>
+      </a:fillRef>
+      <a:effectRef idx="0">
+        <a:scrgbClr r="0" g="0" b="0"/>
+      </a:effectRef>
+      <a:fontRef idx="minor"/>
+    </dgm:style>
+  </dgm:styleLbl>
+  <dgm:styleLbl name="parChTrans1D4">
+    <dgm:scene3d>
+      <a:camera prst="orthographicFront"/>
+      <a:lightRig rig="threePt" dir="t"/>
+    </dgm:scene3d>
+    <dgm:sp3d/>
+    <dgm:txPr/>
+    <dgm:style>
+      <a:lnRef idx="2">
+        <a:scrgbClr r="0" g="0" b="0"/>
+      </a:lnRef>
+      <a:fillRef idx="0">
+        <a:scrgbClr r="0" g="0" b="0"/>
+      </a:fillRef>
+      <a:effectRef idx="0">
+        <a:scrgbClr r="0" g="0" b="0"/>
+      </a:effectRef>
+      <a:fontRef idx="minor"/>
+    </dgm:style>
+  </dgm:styleLbl>
+  <dgm:styleLbl name="fgAcc1">
+    <dgm:scene3d>
+      <a:camera prst="orthographicFront"/>
+      <a:lightRig rig="threePt" dir="t"/>
+    </dgm:scene3d>
+    <dgm:sp3d/>
+    <dgm:txPr/>
+    <dgm:style>
+      <a:lnRef idx="2">
+        <a:scrgbClr r="0" g="0" b="0"/>
+      </a:lnRef>
+      <a:fillRef idx="1">
+        <a:scrgbClr r="0" g="0" b="0"/>
+      </a:fillRef>
+      <a:effectRef idx="0">
+        <a:scrgbClr r="0" g="0" b="0"/>
+      </a:effectRef>
+      <a:fontRef idx="minor"/>
+    </dgm:style>
+  </dgm:styleLbl>
+  <dgm:styleLbl name="conFgAcc1">
+    <dgm:scene3d>
+      <a:camera prst="orthographicFront"/>
+      <a:lightRig rig="threePt" dir="t"/>
+    </dgm:scene3d>
+    <dgm:sp3d/>
+    <dgm:txPr/>
+    <dgm:style>
+      <a:lnRef idx="2">
+        <a:scrgbClr r="0" g="0" b="0"/>
+      </a:lnRef>
+      <a:fillRef idx="1">
+        <a:scrgbClr r="0" g="0" b="0"/>
+      </a:fillRef>
+      <a:effectRef idx="0">
+        <a:scrgbClr r="0" g="0" b="0"/>
+      </a:effectRef>
+      <a:fontRef idx="minor"/>
+    </dgm:style>
+  </dgm:styleLbl>
+  <dgm:styleLbl name="alignAcc1">
+    <dgm:scene3d>
+      <a:camera prst="orthographicFront"/>
+      <a:lightRig rig="threePt" dir="t"/>
+    </dgm:scene3d>
+    <dgm:sp3d/>
+    <dgm:txPr/>
+    <dgm:style>
+      <a:lnRef idx="2">
+        <a:scrgbClr r="0" g="0" b="0"/>
+      </a:lnRef>
+      <a:fillRef idx="1">
+        <a:scrgbClr r="0" g="0" b="0"/>
+      </a:fillRef>
+      <a:effectRef idx="0">
+        <a:scrgbClr r="0" g="0" b="0"/>
+      </a:effectRef>
+      <a:fontRef idx="minor"/>
+    </dgm:style>
+  </dgm:styleLbl>
+  <dgm:styleLbl name="trAlignAcc1">
+    <dgm:scene3d>
+      <a:camera prst="orthographicFront"/>
+      <a:lightRig rig="threePt" dir="t"/>
+    </dgm:scene3d>
+    <dgm:sp3d/>
+    <dgm:txPr/>
+    <dgm:style>
+      <a:lnRef idx="1">
+        <a:scrgbClr r="0" g="0" b="0"/>
+      </a:lnRef>
+      <a:fillRef idx="1">
+        <a:scrgbClr r="0" g="0" b="0"/>
+      </a:fillRef>
+      <a:effectRef idx="0">
+        <a:scrgbClr r="0" g="0" b="0"/>
+      </a:effectRef>
+      <a:fontRef idx="minor"/>
+    </dgm:style>
+  </dgm:styleLbl>
+  <dgm:styleLbl name="bgAcc1">
+    <dgm:scene3d>
+      <a:camera prst="orthographicFront"/>
+      <a:lightRig rig="threePt" dir="t"/>
+    </dgm:scene3d>
+    <dgm:sp3d/>
+    <dgm:txPr/>
+    <dgm:style>
+      <a:lnRef idx="2">
+        <a:scrgbClr r="0" g="0" b="0"/>
+      </a:lnRef>
+      <a:fillRef idx="1">
+        <a:scrgbClr r="0" g="0" b="0"/>
+      </a:fillRef>
+      <a:effectRef idx="0">
+        <a:scrgbClr r="0" g="0" b="0"/>
+      </a:effectRef>
+      <a:fontRef idx="minor"/>
+    </dgm:style>
+  </dgm:styleLbl>
+  <dgm:styleLbl name="solidFgAcc1">
+    <dgm:scene3d>
+      <a:camera prst="orthographicFront"/>
+      <a:lightRig rig="threePt" dir="t"/>
+    </dgm:scene3d>
+    <dgm:sp3d/>
+    <dgm:txPr/>
+    <dgm:style>
+      <a:lnRef idx="2">
+        <a:scrgbClr r="0" g="0" b="0"/>
+      </a:lnRef>
+      <a:fillRef idx="1">
+        <a:scrgbClr r="0" g="0" b="0"/>
+      </a:fillRef>
+      <a:effectRef idx="0">
+        <a:scrgbClr r="0" g="0" b="0"/>
+      </a:effectRef>
+      <a:fontRef idx="minor"/>
+    </dgm:style>
+  </dgm:styleLbl>
+  <dgm:styleLbl name="solidAlignAcc1">
+    <dgm:scene3d>
+      <a:camera prst="orthographicFront"/>
+      <a:lightRig rig="threePt" dir="t"/>
+    </dgm:scene3d>
+    <dgm:sp3d/>
+    <dgm:txPr/>
+    <dgm:style>
+      <a:lnRef idx="2">
+        <a:scrgbClr r="0" g="0" b="0"/>
+      </a:lnRef>
+      <a:fillRef idx="1">
+        <a:scrgbClr r="0" g="0" b="0"/>
+      </a:fillRef>
+      <a:effectRef idx="0">
+        <a:scrgbClr r="0" g="0" b="0"/>
+      </a:effectRef>
+      <a:fontRef idx="minor"/>
+    </dgm:style>
+  </dgm:styleLbl>
+  <dgm:styleLbl name="solidBgAcc1">
+    <dgm:scene3d>
+      <a:camera prst="orthographicFront"/>
+      <a:lightRig rig="threePt" dir="t"/>
+    </dgm:scene3d>
+    <dgm:sp3d/>
+    <dgm:txPr/>
+    <dgm:style>
+      <a:lnRef idx="2">
+        <a:scrgbClr r="0" g="0" b="0"/>
+      </a:lnRef>
+      <a:fillRef idx="1">
+        <a:scrgbClr r="0" g="0" b="0"/>
+      </a:fillRef>
+      <a:effectRef idx="0">
+        <a:scrgbClr r="0" g="0" b="0"/>
+      </a:effectRef>
+      <a:fontRef idx="minor"/>
+    </dgm:style>
+  </dgm:styleLbl>
+  <dgm:styleLbl name="fgAccFollowNode1">
+    <dgm:scene3d>
+      <a:camera prst="orthographicFront"/>
+      <a:lightRig rig="threePt" dir="t"/>
+    </dgm:scene3d>
+    <dgm:sp3d/>
+    <dgm:txPr/>
+    <dgm:style>
+      <a:lnRef idx="2">
+        <a:scrgbClr r="0" g="0" b="0"/>
+      </a:lnRef>
+      <a:fillRef idx="1">
+        <a:scrgbClr r="0" g="0" b="0"/>
+      </a:fillRef>
+      <a:effectRef idx="0">
+        <a:scrgbClr r="0" g="0" b="0"/>
+      </a:effectRef>
+      <a:fontRef idx="minor"/>
+    </dgm:style>
+  </dgm:styleLbl>
+  <dgm:styleLbl name="alignAccFollowNode1">
+    <dgm:scene3d>
+      <a:camera prst="orthographicFront"/>
+      <a:lightRig rig="threePt" dir="t"/>
+    </dgm:scene3d>
+    <dgm:sp3d/>
+    <dgm:txPr/>
+    <dgm:style>
+      <a:lnRef idx="2">
+        <a:scrgbClr r="0" g="0" b="0"/>
+      </a:lnRef>
+      <a:fillRef idx="1">
+        <a:scrgbClr r="0" g="0" b="0"/>
+      </a:fillRef>
+      <a:effectRef idx="0">
+        <a:scrgbClr r="0" g="0" b="0"/>
+      </a:effectRef>
+      <a:fontRef idx="minor"/>
+    </dgm:style>
+  </dgm:styleLbl>
+  <dgm:styleLbl name="bgAccFollowNode1">
+    <dgm:scene3d>
+      <a:camera prst="orthographicFront"/>
+      <a:lightRig rig="threePt" dir="t"/>
+    </dgm:scene3d>
+    <dgm:sp3d/>
+    <dgm:txPr/>
+    <dgm:style>
+      <a:lnRef idx="2">
+        <a:scrgbClr r="0" g="0" b="0"/>
+      </a:lnRef>
+      <a:fillRef idx="1">
+        <a:scrgbClr r="0" g="0" b="0"/>
+      </a:fillRef>
+      <a:effectRef idx="0">
+        <a:scrgbClr r="0" g="0" b="0"/>
+      </a:effectRef>
+      <a:fontRef idx="minor"/>
+    </dgm:style>
+  </dgm:styleLbl>
+  <dgm:styleLbl name="fgAcc0">
+    <dgm:scene3d>
+      <a:camera prst="orthographicFront"/>
+      <a:lightRig rig="threePt" dir="t"/>
+    </dgm:scene3d>
+    <dgm:sp3d/>
+    <dgm:txPr/>
+    <dgm:style>
+      <a:lnRef idx="2">
+        <a:scrgbClr r="0" g="0" b="0"/>
+      </a:lnRef>
+      <a:fillRef idx="1">
+        <a:scrgbClr r="0" g="0" b="0"/>
+      </a:fillRef>
+      <a:effectRef idx="0">
+        <a:scrgbClr r="0" g="0" b="0"/>
+      </a:effectRef>
+      <a:fontRef idx="minor"/>
+    </dgm:style>
+  </dgm:styleLbl>
+  <dgm:styleLbl name="fgAcc2">
+    <dgm:scene3d>
+      <a:camera prst="orthographicFront"/>
+      <a:lightRig rig="threePt" dir="t"/>
+    </dgm:scene3d>
+    <dgm:sp3d/>
+    <dgm:txPr/>
+    <dgm:style>
+      <a:lnRef idx="2">
+        <a:scrgbClr r="0" g="0" b="0"/>
+      </a:lnRef>
+      <a:fillRef idx="1">
+        <a:scrgbClr r="0" g="0" b="0"/>
+      </a:fillRef>
+      <a:effectRef idx="0">
+        <a:scrgbClr r="0" g="0" b="0"/>
+      </a:effectRef>
+      <a:fontRef idx="minor"/>
+    </dgm:style>
+  </dgm:styleLbl>
+  <dgm:styleLbl name="fgAcc3">
+    <dgm:scene3d>
+      <a:camera prst="orthographicFront"/>
+      <a:lightRig rig="threePt" dir="t"/>
+    </dgm:scene3d>
+    <dgm:sp3d/>
+    <dgm:txPr/>
+    <dgm:style>
+      <a:lnRef idx="2">
+        <a:scrgbClr r="0" g="0" b="0"/>
+      </a:lnRef>
+      <a:fillRef idx="1">
+        <a:scrgbClr r="0" g="0" b="0"/>
+      </a:fillRef>
+      <a:effectRef idx="0">
+        <a:scrgbClr r="0" g="0" b="0"/>
+      </a:effectRef>
+      <a:fontRef idx="minor"/>
+    </dgm:style>
+  </dgm:styleLbl>
+  <dgm:styleLbl name="fgAcc4">
+    <dgm:scene3d>
+      <a:camera prst="orthographicFront"/>
+      <a:lightRig rig="threePt" dir="t"/>
+    </dgm:scene3d>
+    <dgm:sp3d/>
+    <dgm:txPr/>
+    <dgm:style>
+      <a:lnRef idx="2">
+        <a:scrgbClr r="0" g="0" b="0"/>
+      </a:lnRef>
+      <a:fillRef idx="1">
+        <a:scrgbClr r="0" g="0" b="0"/>
+      </a:fillRef>
+      <a:effectRef idx="0">
+        <a:scrgbClr r="0" g="0" b="0"/>
+      </a:effectRef>
+      <a:fontRef idx="minor"/>
+    </dgm:style>
+  </dgm:styleLbl>
+  <dgm:styleLbl name="bgShp">
+    <dgm:scene3d>
+      <a:camera prst="orthographicFront"/>
+      <a:lightRig rig="threePt" dir="t"/>
+    </dgm:scene3d>
+    <dgm:sp3d/>
+    <dgm:txPr/>
+    <dgm:style>
+      <a:lnRef idx="0">
+        <a:scrgbClr r="0" g="0" b="0"/>
+      </a:lnRef>
+      <a:fillRef idx="1">
+        <a:scrgbClr r="0" g="0" b="0"/>
+      </a:fillRef>
+      <a:effectRef idx="0">
+        <a:scrgbClr r="0" g="0" b="0"/>
+      </a:effectRef>
+      <a:fontRef idx="minor"/>
+    </dgm:style>
+  </dgm:styleLbl>
+  <dgm:styleLbl name="dkBgShp">
+    <dgm:scene3d>
+      <a:camera prst="orthographicFront"/>
+      <a:lightRig rig="threePt" dir="t"/>
+    </dgm:scene3d>
+    <dgm:sp3d/>
+    <dgm:txPr/>
+    <dgm:style>
+      <a:lnRef idx="0">
+        <a:scrgbClr r="0" g="0" b="0"/>
+      </a:lnRef>
+      <a:fillRef idx="1">
+        <a:scrgbClr r="0" g="0" b="0"/>
+      </a:fillRef>
+      <a:effectRef idx="0">
+        <a:scrgbClr r="0" g="0" b="0"/>
+      </a:effectRef>
+      <a:fontRef idx="minor"/>
+    </dgm:style>
+  </dgm:styleLbl>
+  <dgm:styleLbl name="trBgShp">
+    <dgm:scene3d>
+      <a:camera prst="orthographicFront"/>
+      <a:lightRig rig="threePt" dir="t"/>
+    </dgm:scene3d>
+    <dgm:sp3d/>
+    <dgm:txPr/>
+    <dgm:style>
+      <a:lnRef idx="0">
+        <a:scrgbClr r="0" g="0" b="0"/>
+      </a:lnRef>
+      <a:fillRef idx="1">
+        <a:scrgbClr r="0" g="0" b="0"/>
+      </a:fillRef>
+      <a:effectRef idx="0">
+        <a:scrgbClr r="0" g="0" b="0"/>
+      </a:effectRef>
+      <a:fontRef idx="minor"/>
+    </dgm:style>
+  </dgm:styleLbl>
+  <dgm:styleLbl name="fgShp">
+    <dgm:scene3d>
+      <a:camera prst="orthographicFront"/>
+      <a:lightRig rig="threePt" dir="t"/>
+    </dgm:scene3d>
+    <dgm:sp3d/>
+    <dgm:txPr/>
+    <dgm:style>
+      <a:lnRef idx="2">
+        <a:scrgbClr r="0" g="0" b="0"/>
+      </a:lnRef>
+      <a:fillRef idx="1">
+        <a:scrgbClr r="0" g="0" b="0"/>
+      </a:fillRef>
+      <a:effectRef idx="0">
+        <a:scrgbClr r="0" g="0" b="0"/>
+      </a:effectRef>
+      <a:fontRef idx="minor"/>
+    </dgm:style>
+  </dgm:styleLbl>
+  <dgm:styleLbl name="revTx">
+    <dgm:scene3d>
+      <a:camera prst="orthographicFront"/>
+      <a:lightRig rig="threePt" dir="t"/>
+    </dgm:scene3d>
+    <dgm:sp3d/>
+    <dgm:txPr/>
+    <dgm:style>
+      <a:lnRef idx="0">
+        <a:scrgbClr r="0" g="0" b="0"/>
+      </a:lnRef>
+      <a:fillRef idx="0">
+        <a:scrgbClr r="0" g="0" b="0"/>
+      </a:fillRef>
+      <a:effectRef idx="0">
+        <a:scrgbClr r="0" g="0" b="0"/>
+      </a:effectRef>
+      <a:fontRef idx="minor"/>
+    </dgm:style>
+  </dgm:styleLbl>
+</dgm:styleDef>
+</file>
+
+<file path=ppt/diagrams/quickStyle2.xml><?xml version="1.0" encoding="utf-8"?>
 <dgm:styleDef xmlns:dgm="http://schemas.openxmlformats.org/drawingml/2006/diagram" xmlns:a="http://schemas.openxmlformats.org/drawingml/2006/main" uniqueId="urn:microsoft.com/office/officeart/2005/8/quickstyle/simple1">
   <dgm:title val=""/>
   <dgm:desc val=""/>
@@ -3383,7 +6265,7 @@
           <a:lstStyle/>
           <a:p>
             <a:r>
-              <a:rPr lang="zh-CN" altLang="en-US" sz="1200" b="0" i="0" kern="1200" smtClean="0">
+              <a:rPr lang="zh-CN" altLang="en-US" sz="1200" b="0" i="0" kern="1200" dirty="0" smtClean="0">
                 <a:solidFill>
                   <a:schemeClr val="tx1"/>
                 </a:solidFill>
@@ -3394,7 +6276,7 @@
               </a:rPr>
               <a:t>许多人习惯用复制整个项目目录的方式来保存不同的版本，或许还会改名加上备份时间以示区别。这么做唯一的好处就是简单。不过坏处也不少：有时候会混淆所在的工作目录，一旦弄错文件丢了数据就没法撤销恢复。</a:t>
             </a:r>
-            <a:endParaRPr lang="zh-CN" altLang="en-US"/>
+            <a:endParaRPr lang="zh-CN" altLang="en-US" dirty="0"/>
           </a:p>
         </p:txBody>
       </p:sp>
@@ -4193,6 +7075,350 @@
           <a:bodyPr/>
           <a:lstStyle/>
           <a:p>
+            <a:r>
+              <a:rPr lang="zh-CN" altLang="en-US" sz="1200" b="0" i="0" kern="1200" dirty="0" smtClean="0">
+                <a:solidFill>
+                  <a:schemeClr val="tx1"/>
+                </a:solidFill>
+                <a:effectLst/>
+                <a:latin typeface="+mn-lt"/>
+                <a:ea typeface="+mn-ea"/>
+                <a:cs typeface="+mn-cs"/>
+              </a:rPr>
+              <a:t>要对现有的某个项目开始用 </a:t>
+            </a:r>
+            <a:r>
+              <a:rPr lang="en-US" altLang="zh-CN" sz="1200" b="0" i="0" kern="1200" dirty="0" err="1" smtClean="0">
+                <a:solidFill>
+                  <a:schemeClr val="tx1"/>
+                </a:solidFill>
+                <a:effectLst/>
+                <a:latin typeface="+mn-lt"/>
+                <a:ea typeface="+mn-ea"/>
+                <a:cs typeface="+mn-cs"/>
+              </a:rPr>
+              <a:t>Git</a:t>
+            </a:r>
+            <a:r>
+              <a:rPr lang="en-US" altLang="zh-CN" sz="1200" b="0" i="0" kern="1200" dirty="0" smtClean="0">
+                <a:solidFill>
+                  <a:schemeClr val="tx1"/>
+                </a:solidFill>
+                <a:effectLst/>
+                <a:latin typeface="+mn-lt"/>
+                <a:ea typeface="+mn-ea"/>
+                <a:cs typeface="+mn-cs"/>
+              </a:rPr>
+              <a:t> </a:t>
+            </a:r>
+            <a:r>
+              <a:rPr lang="zh-CN" altLang="en-US" sz="1200" b="0" i="0" kern="1200" dirty="0" smtClean="0">
+                <a:solidFill>
+                  <a:schemeClr val="tx1"/>
+                </a:solidFill>
+                <a:effectLst/>
+                <a:latin typeface="+mn-lt"/>
+                <a:ea typeface="+mn-ea"/>
+                <a:cs typeface="+mn-cs"/>
+              </a:rPr>
+              <a:t>管理，只需到此项目所在的目录，执行初始化后，在当前目录下会出现一个名为 </a:t>
+            </a:r>
+            <a:r>
+              <a:rPr lang="en-US" altLang="zh-CN" sz="1200" b="0" i="0" kern="1200" dirty="0" smtClean="0">
+                <a:solidFill>
+                  <a:schemeClr val="tx1"/>
+                </a:solidFill>
+                <a:effectLst/>
+                <a:latin typeface="+mn-lt"/>
+                <a:ea typeface="+mn-ea"/>
+                <a:cs typeface="+mn-cs"/>
+              </a:rPr>
+              <a:t>.</a:t>
+            </a:r>
+            <a:r>
+              <a:rPr lang="en-US" altLang="zh-CN" sz="1200" b="0" i="0" kern="1200" dirty="0" err="1" smtClean="0">
+                <a:solidFill>
+                  <a:schemeClr val="tx1"/>
+                </a:solidFill>
+                <a:effectLst/>
+                <a:latin typeface="+mn-lt"/>
+                <a:ea typeface="+mn-ea"/>
+                <a:cs typeface="+mn-cs"/>
+              </a:rPr>
+              <a:t>git</a:t>
+            </a:r>
+            <a:r>
+              <a:rPr lang="en-US" altLang="zh-CN" sz="1200" b="0" i="0" kern="1200" dirty="0" smtClean="0">
+                <a:solidFill>
+                  <a:schemeClr val="tx1"/>
+                </a:solidFill>
+                <a:effectLst/>
+                <a:latin typeface="+mn-lt"/>
+                <a:ea typeface="+mn-ea"/>
+                <a:cs typeface="+mn-cs"/>
+              </a:rPr>
+              <a:t> </a:t>
+            </a:r>
+            <a:r>
+              <a:rPr lang="zh-CN" altLang="en-US" sz="1200" b="0" i="0" kern="1200" dirty="0" smtClean="0">
+                <a:solidFill>
+                  <a:schemeClr val="tx1"/>
+                </a:solidFill>
+                <a:effectLst/>
+                <a:latin typeface="+mn-lt"/>
+                <a:ea typeface="+mn-ea"/>
+                <a:cs typeface="+mn-cs"/>
+              </a:rPr>
+              <a:t>的目录，所有 </a:t>
+            </a:r>
+            <a:r>
+              <a:rPr lang="en-US" altLang="zh-CN" sz="1200" b="0" i="0" kern="1200" dirty="0" err="1" smtClean="0">
+                <a:solidFill>
+                  <a:schemeClr val="tx1"/>
+                </a:solidFill>
+                <a:effectLst/>
+                <a:latin typeface="+mn-lt"/>
+                <a:ea typeface="+mn-ea"/>
+                <a:cs typeface="+mn-cs"/>
+              </a:rPr>
+              <a:t>Git</a:t>
+            </a:r>
+            <a:r>
+              <a:rPr lang="en-US" altLang="zh-CN" sz="1200" b="0" i="0" kern="1200" dirty="0" smtClean="0">
+                <a:solidFill>
+                  <a:schemeClr val="tx1"/>
+                </a:solidFill>
+                <a:effectLst/>
+                <a:latin typeface="+mn-lt"/>
+                <a:ea typeface="+mn-ea"/>
+                <a:cs typeface="+mn-cs"/>
+              </a:rPr>
+              <a:t> </a:t>
+            </a:r>
+            <a:r>
+              <a:rPr lang="zh-CN" altLang="en-US" sz="1200" b="0" i="0" kern="1200" dirty="0" smtClean="0">
+                <a:solidFill>
+                  <a:schemeClr val="tx1"/>
+                </a:solidFill>
+                <a:effectLst/>
+                <a:latin typeface="+mn-lt"/>
+                <a:ea typeface="+mn-ea"/>
+                <a:cs typeface="+mn-cs"/>
+              </a:rPr>
+              <a:t>需要的数据和资源都存放在这个目录中。如果当前目录下有几个文件想要纳入版本控制，需要先用 </a:t>
+            </a:r>
+            <a:r>
+              <a:rPr lang="en-US" altLang="zh-CN" sz="1200" b="0" i="0" kern="1200" dirty="0" err="1" smtClean="0">
+                <a:solidFill>
+                  <a:schemeClr val="tx1"/>
+                </a:solidFill>
+                <a:effectLst/>
+                <a:latin typeface="+mn-lt"/>
+                <a:ea typeface="+mn-ea"/>
+                <a:cs typeface="+mn-cs"/>
+              </a:rPr>
+              <a:t>git</a:t>
+            </a:r>
+            <a:r>
+              <a:rPr lang="en-US" altLang="zh-CN" sz="1200" b="0" i="0" kern="1200" dirty="0" smtClean="0">
+                <a:solidFill>
+                  <a:schemeClr val="tx1"/>
+                </a:solidFill>
+                <a:effectLst/>
+                <a:latin typeface="+mn-lt"/>
+                <a:ea typeface="+mn-ea"/>
+                <a:cs typeface="+mn-cs"/>
+              </a:rPr>
+              <a:t> add </a:t>
+            </a:r>
+            <a:r>
+              <a:rPr lang="zh-CN" altLang="en-US" sz="1200" b="0" i="0" kern="1200" dirty="0" smtClean="0">
+                <a:solidFill>
+                  <a:schemeClr val="tx1"/>
+                </a:solidFill>
+                <a:effectLst/>
+                <a:latin typeface="+mn-lt"/>
+                <a:ea typeface="+mn-ea"/>
+                <a:cs typeface="+mn-cs"/>
+              </a:rPr>
+              <a:t>命令告诉 </a:t>
+            </a:r>
+            <a:r>
+              <a:rPr lang="en-US" altLang="zh-CN" sz="1200" b="0" i="0" kern="1200" dirty="0" err="1" smtClean="0">
+                <a:solidFill>
+                  <a:schemeClr val="tx1"/>
+                </a:solidFill>
+                <a:effectLst/>
+                <a:latin typeface="+mn-lt"/>
+                <a:ea typeface="+mn-ea"/>
+                <a:cs typeface="+mn-cs"/>
+              </a:rPr>
+              <a:t>Git</a:t>
+            </a:r>
+            <a:r>
+              <a:rPr lang="en-US" altLang="zh-CN" sz="1200" b="0" i="0" kern="1200" dirty="0" smtClean="0">
+                <a:solidFill>
+                  <a:schemeClr val="tx1"/>
+                </a:solidFill>
+                <a:effectLst/>
+                <a:latin typeface="+mn-lt"/>
+                <a:ea typeface="+mn-ea"/>
+                <a:cs typeface="+mn-cs"/>
+              </a:rPr>
+              <a:t> </a:t>
+            </a:r>
+            <a:r>
+              <a:rPr lang="zh-CN" altLang="en-US" sz="1200" b="0" i="0" kern="1200" dirty="0" smtClean="0">
+                <a:solidFill>
+                  <a:schemeClr val="tx1"/>
+                </a:solidFill>
+                <a:effectLst/>
+                <a:latin typeface="+mn-lt"/>
+                <a:ea typeface="+mn-ea"/>
+                <a:cs typeface="+mn-cs"/>
+              </a:rPr>
+              <a:t>开始对这些文件进行跟踪，然后提交。唯一的差别就是，现在新建的目录成了 </a:t>
+            </a:r>
+            <a:r>
+              <a:rPr lang="en-US" altLang="zh-CN" sz="1200" b="0" i="0" kern="1200" dirty="0" err="1" smtClean="0">
+                <a:solidFill>
+                  <a:schemeClr val="tx1"/>
+                </a:solidFill>
+                <a:effectLst/>
+                <a:latin typeface="+mn-lt"/>
+                <a:ea typeface="+mn-ea"/>
+                <a:cs typeface="+mn-cs"/>
+              </a:rPr>
+              <a:t>mygrit</a:t>
+            </a:r>
+            <a:r>
+              <a:rPr lang="zh-CN" altLang="en-US" sz="1200" b="0" i="0" kern="1200" dirty="0" smtClean="0">
+                <a:solidFill>
+                  <a:schemeClr val="tx1"/>
+                </a:solidFill>
+                <a:effectLst/>
+                <a:latin typeface="+mn-lt"/>
+                <a:ea typeface="+mn-ea"/>
+                <a:cs typeface="+mn-cs"/>
+              </a:rPr>
+              <a:t>，其他的都和上边的一样。</a:t>
+            </a:r>
+            <a:r>
+              <a:rPr lang="en-US" altLang="zh-CN" sz="1200" b="0" i="0" kern="1200" dirty="0" err="1" smtClean="0">
+                <a:solidFill>
+                  <a:schemeClr val="tx1"/>
+                </a:solidFill>
+                <a:effectLst/>
+                <a:latin typeface="+mn-lt"/>
+                <a:ea typeface="+mn-ea"/>
+                <a:cs typeface="+mn-cs"/>
+              </a:rPr>
+              <a:t>Git</a:t>
+            </a:r>
+            <a:r>
+              <a:rPr lang="en-US" altLang="zh-CN" sz="1200" b="0" i="0" kern="1200" dirty="0" smtClean="0">
+                <a:solidFill>
+                  <a:schemeClr val="tx1"/>
+                </a:solidFill>
+                <a:effectLst/>
+                <a:latin typeface="+mn-lt"/>
+                <a:ea typeface="+mn-ea"/>
+                <a:cs typeface="+mn-cs"/>
+              </a:rPr>
+              <a:t> </a:t>
+            </a:r>
+            <a:r>
+              <a:rPr lang="zh-CN" altLang="en-US" sz="1200" b="0" i="0" kern="1200" dirty="0" smtClean="0">
+                <a:solidFill>
+                  <a:schemeClr val="tx1"/>
+                </a:solidFill>
+                <a:effectLst/>
+                <a:latin typeface="+mn-lt"/>
+                <a:ea typeface="+mn-ea"/>
+                <a:cs typeface="+mn-cs"/>
+              </a:rPr>
+              <a:t>支持许多数据传输协议。之前的例子使用的是 </a:t>
+            </a:r>
+            <a:r>
+              <a:rPr lang="en-US" altLang="zh-CN" dirty="0" smtClean="0"/>
+              <a:t>git://</a:t>
+            </a:r>
+            <a:r>
+              <a:rPr lang="zh-CN" altLang="en-US" sz="1200" b="0" i="0" kern="1200" dirty="0" smtClean="0">
+                <a:solidFill>
+                  <a:schemeClr val="tx1"/>
+                </a:solidFill>
+                <a:effectLst/>
+                <a:latin typeface="+mn-lt"/>
+                <a:ea typeface="+mn-ea"/>
+                <a:cs typeface="+mn-cs"/>
+              </a:rPr>
+              <a:t> 协议，不过你也可以用 </a:t>
+            </a:r>
+            <a:r>
+              <a:rPr lang="en-US" altLang="zh-CN" dirty="0" smtClean="0"/>
+              <a:t>http(s)://</a:t>
+            </a:r>
+            <a:r>
+              <a:rPr lang="zh-CN" altLang="en-US" sz="1200" b="0" i="0" kern="1200" dirty="0" smtClean="0">
+                <a:solidFill>
+                  <a:schemeClr val="tx1"/>
+                </a:solidFill>
+                <a:effectLst/>
+                <a:latin typeface="+mn-lt"/>
+                <a:ea typeface="+mn-ea"/>
+                <a:cs typeface="+mn-cs"/>
+              </a:rPr>
+              <a:t> 或者</a:t>
+            </a:r>
+            <a:r>
+              <a:rPr lang="en-US" altLang="zh-CN" dirty="0" err="1" smtClean="0"/>
+              <a:t>user@server</a:t>
+            </a:r>
+            <a:r>
+              <a:rPr lang="en-US" altLang="zh-CN" dirty="0" smtClean="0"/>
+              <a:t>:/</a:t>
+            </a:r>
+            <a:r>
+              <a:rPr lang="en-US" altLang="zh-CN" dirty="0" err="1" smtClean="0"/>
+              <a:t>path.git</a:t>
+            </a:r>
+            <a:r>
+              <a:rPr lang="zh-CN" altLang="en-US" sz="1200" b="0" i="0" kern="1200" dirty="0" smtClean="0">
+                <a:solidFill>
+                  <a:schemeClr val="tx1"/>
+                </a:solidFill>
+                <a:effectLst/>
+                <a:latin typeface="+mn-lt"/>
+                <a:ea typeface="+mn-ea"/>
+                <a:cs typeface="+mn-cs"/>
+              </a:rPr>
+              <a:t> 表示的 </a:t>
+            </a:r>
+            <a:r>
+              <a:rPr lang="en-US" altLang="zh-CN" sz="1200" b="0" i="0" kern="1200" dirty="0" smtClean="0">
+                <a:solidFill>
+                  <a:schemeClr val="tx1"/>
+                </a:solidFill>
+                <a:effectLst/>
+                <a:latin typeface="+mn-lt"/>
+                <a:ea typeface="+mn-ea"/>
+                <a:cs typeface="+mn-cs"/>
+              </a:rPr>
+              <a:t>SSH </a:t>
+            </a:r>
+            <a:r>
+              <a:rPr lang="zh-CN" altLang="en-US" sz="1200" b="0" i="0" kern="1200" smtClean="0">
+                <a:solidFill>
+                  <a:schemeClr val="tx1"/>
+                </a:solidFill>
+                <a:effectLst/>
+                <a:latin typeface="+mn-lt"/>
+                <a:ea typeface="+mn-ea"/>
+                <a:cs typeface="+mn-cs"/>
+              </a:rPr>
+              <a:t>传输协议。</a:t>
+            </a:r>
             <a:endParaRPr lang="zh-CN" altLang="en-US" dirty="0"/>
           </a:p>
         </p:txBody>
@@ -7345,6 +10571,13 @@
             <a:r>
               <a:rPr lang="zh-CN" altLang="en-US" dirty="0" smtClean="0"/>
               <a:t>体验</a:t>
+            </a:r>
+            <a:endParaRPr lang="en-US" altLang="zh-CN" dirty="0" smtClean="0"/>
+          </a:p>
+          <a:p>
+            <a:r>
+              <a:rPr lang="zh-CN" altLang="en-US" dirty="0" smtClean="0"/>
+              <a:t>参考资料</a:t>
             </a:r>
             <a:endParaRPr lang="en-US" altLang="zh-CN" dirty="0" smtClean="0"/>
           </a:p>
@@ -8786,22 +12019,63 @@
           </a:p>
         </p:txBody>
       </p:sp>
+      <p:graphicFrame>
+        <p:nvGraphicFramePr>
+          <p:cNvPr id="4" name="图示 3"/>
+          <p:cNvGraphicFramePr/>
+          <p:nvPr>
+            <p:extLst>
+              <p:ext uri="{D42A27DB-BD31-4B8C-83A1-F6EECF244321}">
+                <p14:modId xmlns:p14="http://schemas.microsoft.com/office/powerpoint/2010/main" val="1254531117"/>
+              </p:ext>
+            </p:extLst>
+          </p:nvPr>
+        </p:nvGraphicFramePr>
+        <p:xfrm>
+          <a:off x="755576" y="2276872"/>
+          <a:ext cx="6096000" cy="4064000"/>
+        </p:xfrm>
+        <a:graphic>
+          <a:graphicData uri="http://schemas.openxmlformats.org/drawingml/2006/diagram">
+            <dgm:relIds xmlns:dgm="http://schemas.openxmlformats.org/drawingml/2006/diagram" xmlns:r="http://schemas.openxmlformats.org/officeDocument/2006/relationships" r:dm="rId3" r:lo="rId4" r:qs="rId5" r:cs="rId6"/>
+          </a:graphicData>
+        </a:graphic>
+      </p:graphicFrame>
       <p:sp>
         <p:nvSpPr>
-          <p:cNvPr id="3" name="内容占位符 2"/>
-          <p:cNvSpPr>
-            <a:spLocks noGrp="1"/>
-          </p:cNvSpPr>
-          <p:nvPr>
-            <p:ph idx="1"/>
-          </p:nvPr>
+          <p:cNvPr id="7" name="TextBox 6"/>
+          <p:cNvSpPr txBox="1"/>
+          <p:nvPr/>
         </p:nvSpPr>
-        <p:spPr/>
+        <p:spPr>
+          <a:xfrm>
+            <a:off x="611560" y="1484783"/>
+            <a:ext cx="4104456" cy="584775"/>
+          </a:xfrm>
+          <a:prstGeom prst="rect">
+            <a:avLst/>
+          </a:prstGeom>
+          <a:noFill/>
+        </p:spPr>
         <p:txBody>
-          <a:bodyPr/>
+          <a:bodyPr wrap="square" rtlCol="0">
+            <a:spAutoFit/>
+          </a:bodyPr>
           <a:lstStyle/>
           <a:p>
-            <a:endParaRPr lang="zh-CN" altLang="en-US"/>
+            <a:r>
+              <a:rPr lang="zh-CN" altLang="en-US" sz="3200" dirty="0" smtClean="0"/>
+              <a:t>取得项目的</a:t>
+            </a:r>
+            <a:r>
+              <a:rPr lang="en-US" altLang="zh-CN" sz="3200" dirty="0" err="1" smtClean="0"/>
+              <a:t>Git</a:t>
+            </a:r>
+            <a:r>
+              <a:rPr lang="zh-CN" altLang="en-US" sz="3200" dirty="0" smtClean="0"/>
+              <a:t>仓库</a:t>
+            </a:r>
+            <a:endParaRPr lang="zh-CN" altLang="en-US" sz="3200" dirty="0"/>
           </a:p>
         </p:txBody>
       </p:sp>
@@ -9149,18 +12423,22 @@
           <a:lstStyle/>
           <a:p>
             <a:r>
-              <a:rPr lang="en-US" altLang="zh-CN" dirty="0" smtClean="0"/>
-              <a:t>        </a:t>
-            </a:r>
-            <a:r>
               <a:rPr lang="en-US" altLang="zh-CN" dirty="0" err="1" smtClean="0"/>
               <a:t>Git</a:t>
             </a:r>
             <a:r>
               <a:rPr lang="en-US" altLang="zh-CN" dirty="0" smtClean="0"/>
-              <a:t>/               In Action</a:t>
-            </a:r>
-            <a:endParaRPr lang="zh-CN" altLang="en-US" dirty="0"/>
+              <a:t>/</a:t>
+            </a:r>
+            <a:r>
+              <a:rPr lang="en-US" altLang="zh-CN" dirty="0" err="1" smtClean="0"/>
+              <a:t>GitHub</a:t>
+            </a:r>
+            <a:r>
+              <a:rPr lang="zh-CN" altLang="en-US" dirty="0" smtClean="0"/>
+              <a:t>体验</a:t>
+            </a:r>
+            <a:endParaRPr lang="en-US" altLang="zh-CN" dirty="0"/>
           </a:p>
         </p:txBody>
       </p:sp>
@@ -9225,40 +12503,175 @@
           </a:prstGeom>
         </p:spPr>
       </p:pic>
-      <p:pic>
-        <p:nvPicPr>
-          <p:cNvPr id="6" name="图片 5"/>
-          <p:cNvPicPr>
-            <a:picLocks noChangeAspect="1"/>
-          </p:cNvPicPr>
-          <p:nvPr/>
-        </p:nvPicPr>
-        <p:blipFill>
-          <a:blip r:embed="rId5">
-            <a:extLst>
-              <a:ext uri="{28A0092B-C50C-407E-A947-70E740481C1C}">
-                <a14:useLocalDpi xmlns:a14="http://schemas.microsoft.com/office/drawing/2010/main" val="0"/>
-              </a:ext>
-            </a:extLst>
-          </a:blip>
-          <a:stretch>
-            <a:fillRect/>
-          </a:stretch>
-        </p:blipFill>
-        <p:spPr>
-          <a:xfrm>
-            <a:off x="3563888" y="484145"/>
-            <a:ext cx="1800200" cy="771514"/>
-          </a:xfrm>
-          <a:prstGeom prst="rect">
-            <a:avLst/>
-          </a:prstGeom>
-        </p:spPr>
-      </p:pic>
     </p:spTree>
     <p:extLst>
       <p:ext uri="{BB962C8B-B14F-4D97-AF65-F5344CB8AC3E}">
         <p14:creationId xmlns:p14="http://schemas.microsoft.com/office/powerpoint/2010/main" val="1131108669"/>
+      </p:ext>
+    </p:extLst>
+  </p:cSld>
+  <p:clrMapOvr>
+    <a:masterClrMapping/>
+  </p:clrMapOvr>
+  <p:timing>
+    <p:tnLst>
+      <p:par>
+        <p:cTn id="1" dur="indefinite" restart="never" nodeType="tmRoot"/>
+      </p:par>
+    </p:tnLst>
+  </p:timing>
+</p:sld>
+</file>
+
+<file path=ppt/slides/slide9.xml><?xml version="1.0" encoding="utf-8"?>
+<p:sld xmlns:a="http://schemas.openxmlformats.org/drawingml/2006/main" xmlns:r="http://schemas.openxmlformats.org/officeDocument/2006/relationships" xmlns:p="http://schemas.openxmlformats.org/presentationml/2006/main">
+  <p:cSld>
+    <p:spTree>
+      <p:nvGrpSpPr>
+        <p:cNvPr id="1" name=""/>
+        <p:cNvGrpSpPr/>
+        <p:nvPr/>
+      </p:nvGrpSpPr>
+      <p:grpSpPr>
+        <a:xfrm>
+          <a:off x="0" y="0"/>
+          <a:ext cx="0" cy="0"/>
+          <a:chOff x="0" y="0"/>
+          <a:chExt cx="0" cy="0"/>
+        </a:xfrm>
+      </p:grpSpPr>
+      <p:sp>
+        <p:nvSpPr>
+          <p:cNvPr id="2" name="标题 1"/>
+          <p:cNvSpPr>
+            <a:spLocks noGrp="1"/>
+          </p:cNvSpPr>
+          <p:nvPr>
+            <p:ph type="title"/>
+          </p:nvPr>
+        </p:nvSpPr>
+        <p:spPr/>
+        <p:txBody>
+          <a:bodyPr/>
+          <a:lstStyle/>
+          <a:p>
+            <a:r>
+              <a:rPr lang="zh-CN" altLang="en-US" dirty="0" smtClean="0"/>
+              <a:t>参考资料</a:t>
+            </a:r>
+            <a:endParaRPr lang="zh-CN" altLang="en-US" dirty="0"/>
+          </a:p>
+        </p:txBody>
+      </p:sp>
+      <p:sp>
+        <p:nvSpPr>
+          <p:cNvPr id="3" name="内容占位符 2"/>
+          <p:cNvSpPr>
+            <a:spLocks noGrp="1"/>
+          </p:cNvSpPr>
+          <p:nvPr>
+            <p:ph idx="1"/>
+          </p:nvPr>
+        </p:nvSpPr>
+        <p:spPr/>
+        <p:txBody>
+          <a:bodyPr/>
+          <a:lstStyle/>
+          <a:p>
+            <a:pPr marL="0" indent="0">
+              <a:buNone/>
+            </a:pPr>
+            <a:r>
+              <a:rPr lang="en-US" altLang="zh-CN" dirty="0" smtClean="0"/>
+              <a:t>1.《Git</a:t>
+            </a:r>
+            <a:r>
+              <a:rPr lang="zh-CN" altLang="en-US" dirty="0" smtClean="0"/>
+              <a:t>权威指南</a:t>
+            </a:r>
+            <a:r>
+              <a:rPr lang="en-US" altLang="zh-CN" dirty="0" smtClean="0"/>
+              <a:t>》</a:t>
+            </a:r>
+          </a:p>
+          <a:p>
+            <a:pPr marL="0" indent="0">
+              <a:buNone/>
+            </a:pPr>
+            <a:r>
+              <a:rPr lang="en-US" altLang="zh-CN" dirty="0" smtClean="0"/>
+              <a:t>2.</a:t>
+            </a:r>
+            <a:r>
+              <a:rPr lang="en-US" altLang="zh-CN" dirty="0" smtClean="0">
+                <a:hlinkClick r:id="rId2"/>
+              </a:rPr>
+              <a:t>http</a:t>
+            </a:r>
+            <a:r>
+              <a:rPr lang="en-US" altLang="zh-CN" dirty="0">
+                <a:hlinkClick r:id="rId2"/>
+              </a:rPr>
+              <a:t>://</a:t>
+            </a:r>
+            <a:r>
+              <a:rPr lang="en-US" altLang="zh-CN" dirty="0" smtClean="0">
+                <a:hlinkClick r:id="rId2"/>
+              </a:rPr>
+              <a:t>www.cnblogs.com/dabaopku/archive/2012/01/09/2316772.html</a:t>
+            </a:r>
+            <a:endParaRPr lang="en-US" altLang="zh-CN" dirty="0" smtClean="0"/>
+          </a:p>
+          <a:p>
+            <a:pPr marL="0" indent="0">
+              <a:buNone/>
+            </a:pPr>
+            <a:r>
+              <a:rPr lang="en-US" altLang="zh-CN" dirty="0" smtClean="0"/>
+              <a:t>3.</a:t>
+            </a:r>
+            <a:r>
+              <a:rPr lang="en-US" altLang="zh-CN" dirty="0">
+                <a:hlinkClick r:id="rId3"/>
+              </a:rPr>
+              <a:t> http://</a:t>
+            </a:r>
+            <a:r>
+              <a:rPr lang="en-US" altLang="zh-CN" dirty="0" smtClean="0">
+                <a:hlinkClick r:id="rId3"/>
+              </a:rPr>
+              <a:t>progit.org/book/zh/</a:t>
+            </a:r>
+            <a:endParaRPr lang="en-US" altLang="zh-CN" dirty="0" smtClean="0"/>
+          </a:p>
+          <a:p>
+            <a:pPr marL="0" indent="0">
+              <a:buNone/>
+            </a:pPr>
+            <a:r>
+              <a:rPr lang="en-US" altLang="zh-CN" dirty="0" smtClean="0"/>
+              <a:t>4.</a:t>
+            </a:r>
+            <a:r>
+              <a:rPr lang="en-US" altLang="zh-CN" dirty="0" smtClean="0">
+                <a:hlinkClick r:id="rId4"/>
+              </a:rPr>
+              <a:t>http</a:t>
+            </a:r>
+            <a:r>
+              <a:rPr lang="en-US" altLang="zh-CN" dirty="0">
+                <a:hlinkClick r:id="rId4"/>
+              </a:rPr>
+              <a:t>://www.worldhello.net/gotgithub/index.html</a:t>
+            </a:r>
+            <a:endParaRPr lang="zh-CN" altLang="en-US" dirty="0"/>
+          </a:p>
+        </p:txBody>
+      </p:sp>
+    </p:spTree>
+    <p:extLst>
+      <p:ext uri="{BB962C8B-B14F-4D97-AF65-F5344CB8AC3E}">
+        <p14:creationId xmlns:p14="http://schemas.microsoft.com/office/powerpoint/2010/main" val="2743216385"/>
       </p:ext>
     </p:extLst>
   </p:cSld>

--- a/Git Primer.pptx
+++ b/Git Primer.pptx
@@ -5,7 +5,7 @@
     <p:sldMasterId id="2147483648" r:id="rId1"/>
   </p:sldMasterIdLst>
   <p:notesMasterIdLst>
-    <p:notesMasterId r:id="rId11"/>
+    <p:notesMasterId r:id="rId12"/>
   </p:notesMasterIdLst>
   <p:sldIdLst>
     <p:sldId id="256" r:id="rId2"/>
@@ -14,9 +14,10 @@
     <p:sldId id="261" r:id="rId5"/>
     <p:sldId id="259" r:id="rId6"/>
     <p:sldId id="271" r:id="rId7"/>
-    <p:sldId id="269" r:id="rId8"/>
-    <p:sldId id="264" r:id="rId9"/>
-    <p:sldId id="272" r:id="rId10"/>
+    <p:sldId id="273" r:id="rId8"/>
+    <p:sldId id="269" r:id="rId9"/>
+    <p:sldId id="264" r:id="rId10"/>
+    <p:sldId id="272" r:id="rId11"/>
   </p:sldIdLst>
   <p:sldSz cx="9144000" cy="6858000" type="screen4x3"/>
   <p:notesSz cx="6858000" cy="9144000"/>
@@ -7408,7 +7409,7 @@
               <a:t>SSH </a:t>
             </a:r>
             <a:r>
-              <a:rPr lang="zh-CN" altLang="en-US" sz="1200" b="0" i="0" kern="1200" smtClean="0">
+              <a:rPr lang="zh-CN" altLang="en-US" sz="1200" b="0" i="0" kern="1200" dirty="0" smtClean="0">
                 <a:solidFill>
                   <a:schemeClr val="tx1"/>
                 </a:solidFill>
@@ -7450,6 +7451,226 @@
     <p:extLst>
       <p:ext uri="{BB962C8B-B14F-4D97-AF65-F5344CB8AC3E}">
         <p14:creationId xmlns:p14="http://schemas.microsoft.com/office/powerpoint/2010/main" val="1017415980"/>
+      </p:ext>
+    </p:extLst>
+  </p:cSld>
+  <p:clrMapOvr>
+    <a:masterClrMapping/>
+  </p:clrMapOvr>
+</p:notes>
+</file>
+
+<file path=ppt/notesSlides/notesSlide5.xml><?xml version="1.0" encoding="utf-8"?>
+<p:notes xmlns:a="http://schemas.openxmlformats.org/drawingml/2006/main" xmlns:r="http://schemas.openxmlformats.org/officeDocument/2006/relationships" xmlns:p="http://schemas.openxmlformats.org/presentationml/2006/main">
+  <p:cSld>
+    <p:spTree>
+      <p:nvGrpSpPr>
+        <p:cNvPr id="1" name=""/>
+        <p:cNvGrpSpPr/>
+        <p:nvPr/>
+      </p:nvGrpSpPr>
+      <p:grpSpPr>
+        <a:xfrm>
+          <a:off x="0" y="0"/>
+          <a:ext cx="0" cy="0"/>
+          <a:chOff x="0" y="0"/>
+          <a:chExt cx="0" cy="0"/>
+        </a:xfrm>
+      </p:grpSpPr>
+      <p:sp>
+        <p:nvSpPr>
+          <p:cNvPr id="2" name="幻灯片图像占位符 1"/>
+          <p:cNvSpPr>
+            <a:spLocks noGrp="1" noRot="1" noChangeAspect="1"/>
+          </p:cNvSpPr>
+          <p:nvPr>
+            <p:ph type="sldImg"/>
+          </p:nvPr>
+        </p:nvSpPr>
+        <p:spPr/>
+      </p:sp>
+      <p:sp>
+        <p:nvSpPr>
+          <p:cNvPr id="3" name="备注占位符 2"/>
+          <p:cNvSpPr>
+            <a:spLocks noGrp="1"/>
+          </p:cNvSpPr>
+          <p:nvPr>
+            <p:ph type="body" idx="1"/>
+          </p:nvPr>
+        </p:nvSpPr>
+        <p:spPr/>
+        <p:txBody>
+          <a:bodyPr/>
+          <a:lstStyle/>
+          <a:p>
+            <a:r>
+              <a:rPr lang="zh-CN" altLang="en-US" sz="1200" b="0" i="0" kern="1200" smtClean="0">
+                <a:solidFill>
+                  <a:schemeClr val="tx1"/>
+                </a:solidFill>
+                <a:effectLst/>
+                <a:latin typeface="+mn-lt"/>
+                <a:ea typeface="+mn-ea"/>
+                <a:cs typeface="+mn-cs"/>
+              </a:rPr>
+              <a:t>工作</a:t>
+            </a:r>
+            <a:r>
+              <a:rPr lang="zh-CN" altLang="en-US" sz="1200" b="0" i="0" kern="1200" dirty="0" smtClean="0">
+                <a:solidFill>
+                  <a:schemeClr val="tx1"/>
+                </a:solidFill>
+                <a:effectLst/>
+                <a:latin typeface="+mn-lt"/>
+                <a:ea typeface="+mn-ea"/>
+                <a:cs typeface="+mn-cs"/>
+              </a:rPr>
+              <a:t>目录下面的所有文件都不外乎这两种状态：已跟踪或未跟踪。已跟踪的文件是指本来就被纳入版本控制管理的文件，在上次快照中有它们的记录，工作一段时间后，它们的状态可能是未更新，已修改或者已放入暂存区。而所有其他文件都属于未跟踪文件。它们既没有上次更新时的快照，也不在当前的暂存区域。初次克隆某个仓库时，工作目录中的所有文件都属于已跟踪文件，且状态为未修改。</a:t>
+            </a:r>
+          </a:p>
+          <a:p>
+            <a:r>
+              <a:rPr lang="zh-CN" altLang="en-US" sz="1200" b="0" i="0" kern="1200" dirty="0" smtClean="0">
+                <a:solidFill>
+                  <a:schemeClr val="tx1"/>
+                </a:solidFill>
+                <a:effectLst/>
+                <a:latin typeface="+mn-lt"/>
+                <a:ea typeface="+mn-ea"/>
+                <a:cs typeface="+mn-cs"/>
+              </a:rPr>
+              <a:t>在编辑过某些文件之后，</a:t>
+            </a:r>
+            <a:r>
+              <a:rPr lang="en-US" altLang="zh-CN" sz="1200" b="0" i="0" kern="1200" dirty="0" err="1" smtClean="0">
+                <a:solidFill>
+                  <a:schemeClr val="tx1"/>
+                </a:solidFill>
+                <a:effectLst/>
+                <a:latin typeface="+mn-lt"/>
+                <a:ea typeface="+mn-ea"/>
+                <a:cs typeface="+mn-cs"/>
+              </a:rPr>
+              <a:t>Git</a:t>
+            </a:r>
+            <a:r>
+              <a:rPr lang="en-US" altLang="zh-CN" sz="1200" b="0" i="0" kern="1200" dirty="0" smtClean="0">
+                <a:solidFill>
+                  <a:schemeClr val="tx1"/>
+                </a:solidFill>
+                <a:effectLst/>
+                <a:latin typeface="+mn-lt"/>
+                <a:ea typeface="+mn-ea"/>
+                <a:cs typeface="+mn-cs"/>
+              </a:rPr>
+              <a:t> </a:t>
+            </a:r>
+            <a:r>
+              <a:rPr lang="zh-CN" altLang="en-US" sz="1200" b="0" i="0" kern="1200" dirty="0" smtClean="0">
+                <a:solidFill>
+                  <a:schemeClr val="tx1"/>
+                </a:solidFill>
+                <a:effectLst/>
+                <a:latin typeface="+mn-lt"/>
+                <a:ea typeface="+mn-ea"/>
+                <a:cs typeface="+mn-cs"/>
+              </a:rPr>
+              <a:t>将这些文件标为已修改。我们逐步把这些修改过的文件放到暂存区域，直到最后一次性提交所有这些暂存起来的文件，如此重复。所以使用 </a:t>
+            </a:r>
+            <a:r>
+              <a:rPr lang="en-US" altLang="zh-CN" sz="1200" b="0" i="0" kern="1200" dirty="0" err="1" smtClean="0">
+                <a:solidFill>
+                  <a:schemeClr val="tx1"/>
+                </a:solidFill>
+                <a:effectLst/>
+                <a:latin typeface="+mn-lt"/>
+                <a:ea typeface="+mn-ea"/>
+                <a:cs typeface="+mn-cs"/>
+              </a:rPr>
+              <a:t>Git</a:t>
+            </a:r>
+            <a:r>
+              <a:rPr lang="en-US" altLang="zh-CN" sz="1200" b="0" i="0" kern="1200" dirty="0" smtClean="0">
+                <a:solidFill>
+                  <a:schemeClr val="tx1"/>
+                </a:solidFill>
+                <a:effectLst/>
+                <a:latin typeface="+mn-lt"/>
+                <a:ea typeface="+mn-ea"/>
+                <a:cs typeface="+mn-cs"/>
+              </a:rPr>
+              <a:t> </a:t>
+            </a:r>
+            <a:r>
+              <a:rPr lang="zh-CN" altLang="en-US" sz="1200" b="0" i="0" kern="1200" dirty="0" smtClean="0">
+                <a:solidFill>
+                  <a:schemeClr val="tx1"/>
+                </a:solidFill>
+                <a:effectLst/>
+                <a:latin typeface="+mn-lt"/>
+                <a:ea typeface="+mn-ea"/>
+                <a:cs typeface="+mn-cs"/>
+              </a:rPr>
+              <a:t>时的文件状态变化周期如图 </a:t>
+            </a:r>
+            <a:r>
+              <a:rPr lang="en-US" altLang="zh-CN" sz="1200" b="0" i="0" kern="1200" dirty="0" smtClean="0">
+                <a:solidFill>
+                  <a:schemeClr val="tx1"/>
+                </a:solidFill>
+                <a:effectLst/>
+                <a:latin typeface="+mn-lt"/>
+                <a:ea typeface="+mn-ea"/>
+                <a:cs typeface="+mn-cs"/>
+              </a:rPr>
+              <a:t>2-1 </a:t>
+            </a:r>
+            <a:r>
+              <a:rPr lang="zh-CN" altLang="en-US" sz="1200" b="0" i="0" kern="1200" dirty="0" smtClean="0">
+                <a:solidFill>
+                  <a:schemeClr val="tx1"/>
+                </a:solidFill>
+                <a:effectLst/>
+                <a:latin typeface="+mn-lt"/>
+                <a:ea typeface="+mn-ea"/>
+                <a:cs typeface="+mn-cs"/>
+              </a:rPr>
+              <a:t>所示。</a:t>
+            </a:r>
+          </a:p>
+          <a:p>
+            <a:endParaRPr lang="zh-CN" altLang="en-US" dirty="0"/>
+          </a:p>
+        </p:txBody>
+      </p:sp>
+      <p:sp>
+        <p:nvSpPr>
+          <p:cNvPr id="4" name="灯片编号占位符 3"/>
+          <p:cNvSpPr>
+            <a:spLocks noGrp="1"/>
+          </p:cNvSpPr>
+          <p:nvPr>
+            <p:ph type="sldNum" sz="quarter" idx="10"/>
+          </p:nvPr>
+        </p:nvSpPr>
+        <p:spPr/>
+        <p:txBody>
+          <a:bodyPr/>
+          <a:lstStyle/>
+          <a:p>
+            <a:fld id="{AD50BD58-7766-4D29-BB41-D4998DCBDFAE}" type="slidenum">
+              <a:rPr lang="zh-CN" altLang="en-US" smtClean="0"/>
+              <a:t>7</a:t>
+            </a:fld>
+            <a:endParaRPr lang="zh-CN" altLang="en-US"/>
+          </a:p>
+        </p:txBody>
+      </p:sp>
+    </p:spTree>
+    <p:extLst>
+      <p:ext uri="{BB962C8B-B14F-4D97-AF65-F5344CB8AC3E}">
+        <p14:creationId xmlns:p14="http://schemas.microsoft.com/office/powerpoint/2010/main" val="1032446980"/>
       </p:ext>
     </p:extLst>
   </p:cSld>
@@ -10444,6 +10665,171 @@
     <p:extLst>
       <p:ext uri="{BB962C8B-B14F-4D97-AF65-F5344CB8AC3E}">
         <p14:creationId xmlns:p14="http://schemas.microsoft.com/office/powerpoint/2010/main" val="2755904339"/>
+      </p:ext>
+    </p:extLst>
+  </p:cSld>
+  <p:clrMapOvr>
+    <a:masterClrMapping/>
+  </p:clrMapOvr>
+  <p:timing>
+    <p:tnLst>
+      <p:par>
+        <p:cTn id="1" dur="indefinite" restart="never" nodeType="tmRoot"/>
+      </p:par>
+    </p:tnLst>
+  </p:timing>
+</p:sld>
+</file>
+
+<file path=ppt/slides/slide10.xml><?xml version="1.0" encoding="utf-8"?>
+<p:sld xmlns:a="http://schemas.openxmlformats.org/drawingml/2006/main" xmlns:r="http://schemas.openxmlformats.org/officeDocument/2006/relationships" xmlns:p="http://schemas.openxmlformats.org/presentationml/2006/main">
+  <p:cSld>
+    <p:spTree>
+      <p:nvGrpSpPr>
+        <p:cNvPr id="1" name=""/>
+        <p:cNvGrpSpPr/>
+        <p:nvPr/>
+      </p:nvGrpSpPr>
+      <p:grpSpPr>
+        <a:xfrm>
+          <a:off x="0" y="0"/>
+          <a:ext cx="0" cy="0"/>
+          <a:chOff x="0" y="0"/>
+          <a:chExt cx="0" cy="0"/>
+        </a:xfrm>
+      </p:grpSpPr>
+      <p:sp>
+        <p:nvSpPr>
+          <p:cNvPr id="2" name="标题 1"/>
+          <p:cNvSpPr>
+            <a:spLocks noGrp="1"/>
+          </p:cNvSpPr>
+          <p:nvPr>
+            <p:ph type="title"/>
+          </p:nvPr>
+        </p:nvSpPr>
+        <p:spPr/>
+        <p:txBody>
+          <a:bodyPr/>
+          <a:lstStyle/>
+          <a:p>
+            <a:r>
+              <a:rPr lang="zh-CN" altLang="en-US" dirty="0" smtClean="0"/>
+              <a:t>参考资料</a:t>
+            </a:r>
+            <a:endParaRPr lang="zh-CN" altLang="en-US" dirty="0"/>
+          </a:p>
+        </p:txBody>
+      </p:sp>
+      <p:sp>
+        <p:nvSpPr>
+          <p:cNvPr id="3" name="内容占位符 2"/>
+          <p:cNvSpPr>
+            <a:spLocks noGrp="1"/>
+          </p:cNvSpPr>
+          <p:nvPr>
+            <p:ph idx="1"/>
+          </p:nvPr>
+        </p:nvSpPr>
+        <p:spPr/>
+        <p:txBody>
+          <a:bodyPr/>
+          <a:lstStyle/>
+          <a:p>
+            <a:pPr marL="0" indent="0">
+              <a:buNone/>
+            </a:pPr>
+            <a:r>
+              <a:rPr lang="en-US" altLang="zh-CN" dirty="0" smtClean="0"/>
+              <a:t>1.《Git</a:t>
+            </a:r>
+            <a:r>
+              <a:rPr lang="zh-CN" altLang="en-US" dirty="0" smtClean="0"/>
+              <a:t>权威指南</a:t>
+            </a:r>
+            <a:r>
+              <a:rPr lang="en-US" altLang="zh-CN" dirty="0" smtClean="0"/>
+              <a:t>》</a:t>
+            </a:r>
+          </a:p>
+          <a:p>
+            <a:pPr marL="0" indent="0">
+              <a:buNone/>
+            </a:pPr>
+            <a:r>
+              <a:rPr lang="en-US" altLang="zh-CN" dirty="0" smtClean="0"/>
+              <a:t>2.</a:t>
+            </a:r>
+            <a:r>
+              <a:rPr lang="en-US" altLang="zh-CN" dirty="0" smtClean="0">
+                <a:hlinkClick r:id="rId2"/>
+              </a:rPr>
+              <a:t>http</a:t>
+            </a:r>
+            <a:r>
+              <a:rPr lang="en-US" altLang="zh-CN" dirty="0">
+                <a:hlinkClick r:id="rId2"/>
+              </a:rPr>
+              <a:t>://</a:t>
+            </a:r>
+            <a:r>
+              <a:rPr lang="en-US" altLang="zh-CN" dirty="0" smtClean="0">
+                <a:hlinkClick r:id="rId2"/>
+              </a:rPr>
+              <a:t>www.cnblogs.com/dabaopku/archive/2012/01/09/2316772.html</a:t>
+            </a:r>
+            <a:endParaRPr lang="en-US" altLang="zh-CN" dirty="0" smtClean="0"/>
+          </a:p>
+          <a:p>
+            <a:pPr marL="0" indent="0">
+              <a:buNone/>
+            </a:pPr>
+            <a:r>
+              <a:rPr lang="en-US" altLang="zh-CN" dirty="0" smtClean="0"/>
+              <a:t>3.</a:t>
+            </a:r>
+            <a:r>
+              <a:rPr lang="en-US" altLang="zh-CN" dirty="0">
+                <a:hlinkClick r:id="rId3"/>
+              </a:rPr>
+              <a:t> http://</a:t>
+            </a:r>
+            <a:r>
+              <a:rPr lang="en-US" altLang="zh-CN" dirty="0" smtClean="0">
+                <a:hlinkClick r:id="rId3"/>
+              </a:rPr>
+              <a:t>progit.org/book/zh/</a:t>
+            </a:r>
+            <a:endParaRPr lang="en-US" altLang="zh-CN" dirty="0" smtClean="0"/>
+          </a:p>
+          <a:p>
+            <a:pPr marL="0" indent="0">
+              <a:buNone/>
+            </a:pPr>
+            <a:r>
+              <a:rPr lang="en-US" altLang="zh-CN" dirty="0" smtClean="0"/>
+              <a:t>4.</a:t>
+            </a:r>
+            <a:r>
+              <a:rPr lang="en-US" altLang="zh-CN" dirty="0" smtClean="0">
+                <a:hlinkClick r:id="rId4"/>
+              </a:rPr>
+              <a:t>http</a:t>
+            </a:r>
+            <a:r>
+              <a:rPr lang="en-US" altLang="zh-CN" dirty="0">
+                <a:hlinkClick r:id="rId4"/>
+              </a:rPr>
+              <a:t>://www.worldhello.net/gotgithub/index.html</a:t>
+            </a:r>
+            <a:endParaRPr lang="zh-CN" altLang="en-US" dirty="0"/>
+          </a:p>
+        </p:txBody>
+      </p:sp>
+    </p:spTree>
+    <p:extLst>
+      <p:ext uri="{BB962C8B-B14F-4D97-AF65-F5344CB8AC3E}">
+        <p14:creationId xmlns:p14="http://schemas.microsoft.com/office/powerpoint/2010/main" val="2743216385"/>
       </p:ext>
     </p:extLst>
   </p:cSld>
@@ -12132,6 +12518,102 @@
           <a:lstStyle/>
           <a:p>
             <a:r>
+              <a:rPr lang="en-US" altLang="zh-CN" dirty="0" err="1"/>
+              <a:t>Git</a:t>
+            </a:r>
+            <a:r>
+              <a:rPr lang="en-US" altLang="zh-CN" dirty="0"/>
+              <a:t> </a:t>
+            </a:r>
+            <a:r>
+              <a:rPr lang="zh-CN" altLang="en-US" dirty="0"/>
+              <a:t>基础</a:t>
+            </a:r>
+          </a:p>
+        </p:txBody>
+      </p:sp>
+      <p:pic>
+        <p:nvPicPr>
+          <p:cNvPr id="5" name="内容占位符 4"/>
+          <p:cNvPicPr>
+            <a:picLocks noGrp="1" noChangeAspect="1"/>
+          </p:cNvPicPr>
+          <p:nvPr>
+            <p:ph idx="1"/>
+          </p:nvPr>
+        </p:nvPicPr>
+        <p:blipFill>
+          <a:blip r:embed="rId3">
+            <a:extLst>
+              <a:ext uri="{28A0092B-C50C-407E-A947-70E740481C1C}">
+                <a14:useLocalDpi xmlns:a14="http://schemas.microsoft.com/office/drawing/2010/main" val="0"/>
+              </a:ext>
+            </a:extLst>
+          </a:blip>
+          <a:stretch>
+            <a:fillRect/>
+          </a:stretch>
+        </p:blipFill>
+        <p:spPr>
+          <a:xfrm>
+            <a:off x="1907704" y="2348880"/>
+            <a:ext cx="5320505" cy="3373200"/>
+          </a:xfrm>
+        </p:spPr>
+      </p:pic>
+    </p:spTree>
+    <p:extLst>
+      <p:ext uri="{BB962C8B-B14F-4D97-AF65-F5344CB8AC3E}">
+        <p14:creationId xmlns:p14="http://schemas.microsoft.com/office/powerpoint/2010/main" val="1933383656"/>
+      </p:ext>
+    </p:extLst>
+  </p:cSld>
+  <p:clrMapOvr>
+    <a:masterClrMapping/>
+  </p:clrMapOvr>
+  <p:timing>
+    <p:tnLst>
+      <p:par>
+        <p:cTn id="1" dur="indefinite" restart="never" nodeType="tmRoot"/>
+      </p:par>
+    </p:tnLst>
+  </p:timing>
+</p:sld>
+</file>
+
+<file path=ppt/slides/slide8.xml><?xml version="1.0" encoding="utf-8"?>
+<p:sld xmlns:a="http://schemas.openxmlformats.org/drawingml/2006/main" xmlns:r="http://schemas.openxmlformats.org/officeDocument/2006/relationships" xmlns:p="http://schemas.openxmlformats.org/presentationml/2006/main">
+  <p:cSld>
+    <p:spTree>
+      <p:nvGrpSpPr>
+        <p:cNvPr id="1" name=""/>
+        <p:cNvGrpSpPr/>
+        <p:nvPr/>
+      </p:nvGrpSpPr>
+      <p:grpSpPr>
+        <a:xfrm>
+          <a:off x="0" y="0"/>
+          <a:ext cx="0" cy="0"/>
+          <a:chOff x="0" y="0"/>
+          <a:chExt cx="0" cy="0"/>
+        </a:xfrm>
+      </p:grpSpPr>
+      <p:sp>
+        <p:nvSpPr>
+          <p:cNvPr id="2" name="标题 1"/>
+          <p:cNvSpPr>
+            <a:spLocks noGrp="1"/>
+          </p:cNvSpPr>
+          <p:nvPr>
+            <p:ph type="title"/>
+          </p:nvPr>
+        </p:nvSpPr>
+        <p:spPr/>
+        <p:txBody>
+          <a:bodyPr/>
+          <a:lstStyle/>
+          <a:p>
+            <a:r>
               <a:rPr lang="en-US" altLang="zh-CN" dirty="0" err="1" smtClean="0"/>
               <a:t>GitHub</a:t>
             </a:r>
@@ -12390,7 +12872,7 @@
 </p:sld>
 </file>
 
-<file path=ppt/slides/slide8.xml><?xml version="1.0" encoding="utf-8"?>
+<file path=ppt/slides/slide9.xml><?xml version="1.0" encoding="utf-8"?>
 <p:sld xmlns:a="http://schemas.openxmlformats.org/drawingml/2006/main" xmlns:r="http://schemas.openxmlformats.org/officeDocument/2006/relationships" xmlns:p="http://schemas.openxmlformats.org/presentationml/2006/main">
   <p:cSld>
     <p:spTree>
@@ -12507,171 +12989,6 @@
     <p:extLst>
       <p:ext uri="{BB962C8B-B14F-4D97-AF65-F5344CB8AC3E}">
         <p14:creationId xmlns:p14="http://schemas.microsoft.com/office/powerpoint/2010/main" val="1131108669"/>
-      </p:ext>
-    </p:extLst>
-  </p:cSld>
-  <p:clrMapOvr>
-    <a:masterClrMapping/>
-  </p:clrMapOvr>
-  <p:timing>
-    <p:tnLst>
-      <p:par>
-        <p:cTn id="1" dur="indefinite" restart="never" nodeType="tmRoot"/>
-      </p:par>
-    </p:tnLst>
-  </p:timing>
-</p:sld>
-</file>
-
-<file path=ppt/slides/slide9.xml><?xml version="1.0" encoding="utf-8"?>
-<p:sld xmlns:a="http://schemas.openxmlformats.org/drawingml/2006/main" xmlns:r="http://schemas.openxmlformats.org/officeDocument/2006/relationships" xmlns:p="http://schemas.openxmlformats.org/presentationml/2006/main">
-  <p:cSld>
-    <p:spTree>
-      <p:nvGrpSpPr>
-        <p:cNvPr id="1" name=""/>
-        <p:cNvGrpSpPr/>
-        <p:nvPr/>
-      </p:nvGrpSpPr>
-      <p:grpSpPr>
-        <a:xfrm>
-          <a:off x="0" y="0"/>
-          <a:ext cx="0" cy="0"/>
-          <a:chOff x="0" y="0"/>
-          <a:chExt cx="0" cy="0"/>
-        </a:xfrm>
-      </p:grpSpPr>
-      <p:sp>
-        <p:nvSpPr>
-          <p:cNvPr id="2" name="标题 1"/>
-          <p:cNvSpPr>
-            <a:spLocks noGrp="1"/>
-          </p:cNvSpPr>
-          <p:nvPr>
-            <p:ph type="title"/>
-          </p:nvPr>
-        </p:nvSpPr>
-        <p:spPr/>
-        <p:txBody>
-          <a:bodyPr/>
-          <a:lstStyle/>
-          <a:p>
-            <a:r>
-              <a:rPr lang="zh-CN" altLang="en-US" dirty="0" smtClean="0"/>
-              <a:t>参考资料</a:t>
-            </a:r>
-            <a:endParaRPr lang="zh-CN" altLang="en-US" dirty="0"/>
-          </a:p>
-        </p:txBody>
-      </p:sp>
-      <p:sp>
-        <p:nvSpPr>
-          <p:cNvPr id="3" name="内容占位符 2"/>
-          <p:cNvSpPr>
-            <a:spLocks noGrp="1"/>
-          </p:cNvSpPr>
-          <p:nvPr>
-            <p:ph idx="1"/>
-          </p:nvPr>
-        </p:nvSpPr>
-        <p:spPr/>
-        <p:txBody>
-          <a:bodyPr/>
-          <a:lstStyle/>
-          <a:p>
-            <a:pPr marL="0" indent="0">
-              <a:buNone/>
-            </a:pPr>
-            <a:r>
-              <a:rPr lang="en-US" altLang="zh-CN" dirty="0" smtClean="0"/>
-              <a:t>1.《Git</a:t>
-            </a:r>
-            <a:r>
-              <a:rPr lang="zh-CN" altLang="en-US" dirty="0" smtClean="0"/>
-              <a:t>权威指南</a:t>
-            </a:r>
-            <a:r>
-              <a:rPr lang="en-US" altLang="zh-CN" dirty="0" smtClean="0"/>
-              <a:t>》</a:t>
-            </a:r>
-          </a:p>
-          <a:p>
-            <a:pPr marL="0" indent="0">
-              <a:buNone/>
-            </a:pPr>
-            <a:r>
-              <a:rPr lang="en-US" altLang="zh-CN" dirty="0" smtClean="0"/>
-              <a:t>2.</a:t>
-            </a:r>
-            <a:r>
-              <a:rPr lang="en-US" altLang="zh-CN" dirty="0" smtClean="0">
-                <a:hlinkClick r:id="rId2"/>
-              </a:rPr>
-              <a:t>http</a:t>
-            </a:r>
-            <a:r>
-              <a:rPr lang="en-US" altLang="zh-CN" dirty="0">
-                <a:hlinkClick r:id="rId2"/>
-              </a:rPr>
-              <a:t>://</a:t>
-            </a:r>
-            <a:r>
-              <a:rPr lang="en-US" altLang="zh-CN" dirty="0" smtClean="0">
-                <a:hlinkClick r:id="rId2"/>
-              </a:rPr>
-              <a:t>www.cnblogs.com/dabaopku/archive/2012/01/09/2316772.html</a:t>
-            </a:r>
-            <a:endParaRPr lang="en-US" altLang="zh-CN" dirty="0" smtClean="0"/>
-          </a:p>
-          <a:p>
-            <a:pPr marL="0" indent="0">
-              <a:buNone/>
-            </a:pPr>
-            <a:r>
-              <a:rPr lang="en-US" altLang="zh-CN" dirty="0" smtClean="0"/>
-              <a:t>3.</a:t>
-            </a:r>
-            <a:r>
-              <a:rPr lang="en-US" altLang="zh-CN" dirty="0">
-                <a:hlinkClick r:id="rId3"/>
-              </a:rPr>
-              <a:t> http://</a:t>
-            </a:r>
-            <a:r>
-              <a:rPr lang="en-US" altLang="zh-CN" dirty="0" smtClean="0">
-                <a:hlinkClick r:id="rId3"/>
-              </a:rPr>
-              <a:t>progit.org/book/zh/</a:t>
-            </a:r>
-            <a:endParaRPr lang="en-US" altLang="zh-CN" dirty="0" smtClean="0"/>
-          </a:p>
-          <a:p>
-            <a:pPr marL="0" indent="0">
-              <a:buNone/>
-            </a:pPr>
-            <a:r>
-              <a:rPr lang="en-US" altLang="zh-CN" dirty="0" smtClean="0"/>
-              <a:t>4.</a:t>
-            </a:r>
-            <a:r>
-              <a:rPr lang="en-US" altLang="zh-CN" dirty="0" smtClean="0">
-                <a:hlinkClick r:id="rId4"/>
-              </a:rPr>
-              <a:t>http</a:t>
-            </a:r>
-            <a:r>
-              <a:rPr lang="en-US" altLang="zh-CN" dirty="0">
-                <a:hlinkClick r:id="rId4"/>
-              </a:rPr>
-              <a:t>://www.worldhello.net/gotgithub/index.html</a:t>
-            </a:r>
-            <a:endParaRPr lang="zh-CN" altLang="en-US" dirty="0"/>
-          </a:p>
-        </p:txBody>
-      </p:sp>
-    </p:spTree>
-    <p:extLst>
-      <p:ext uri="{BB962C8B-B14F-4D97-AF65-F5344CB8AC3E}">
-        <p14:creationId xmlns:p14="http://schemas.microsoft.com/office/powerpoint/2010/main" val="2743216385"/>
       </p:ext>
     </p:extLst>
   </p:cSld>
